--- a/FreeBSD-Drop/Desktop/FreeBSD.pptx
+++ b/FreeBSD-Drop/Desktop/FreeBSD.pptx
@@ -1458,7 +1458,7 @@
           <a:p>
             <a:pPr marL="432000" indent="-324000">
               <a:spcBef>
-                <a:spcPts val="1417"/>
+                <a:spcPts val="1414"/>
               </a:spcBef>
               <a:buClr>
                 <a:srgbClr val="000000"/>
@@ -1709,7 +1709,7 @@
           </a:bodyPr>
           <a:p>
             <a:pPr algn="r"/>
-            <a:fld id="{6047198C-73A5-4A8F-81D2-80CA2E84E623}" type="slidenum">
+            <a:fld id="{6307EFE1-A0A5-4A1C-B28B-53B1A0A3EB62}" type="slidenum">
               <a:rPr b="0" lang="en-US" sz="1400" spc="-1" strike="noStrike">
                 <a:latin typeface="Times New Roman"/>
               </a:rPr>
@@ -1831,6 +1831,18 @@
               <a:rPr b="0" lang="en-US" sz="3200" spc="-1" strike="noStrike">
                 <a:latin typeface="Arial"/>
               </a:rPr>
+              <a:t>Rust, C++, Vim, Debugging, Source Browsing</a:t>
+            </a:r>
+            <a:endParaRPr b="0" lang="en-US" sz="3200" spc="-1" strike="noStrike">
+              <a:latin typeface="Arial"/>
+            </a:endParaRPr>
+          </a:p>
+          <a:p>
+            <a:pPr algn="ctr"/>
+            <a:r>
+              <a:rPr b="0" lang="en-US" sz="3200" spc="-1" strike="noStrike">
+                <a:latin typeface="Arial"/>
+              </a:rPr>
               <a:t>Stephen MacKenzie</a:t>
             </a:r>
             <a:endParaRPr b="0" lang="en-US" sz="3200" spc="-1" strike="noStrike">
@@ -1951,7 +1963,7 @@
           <a:p>
             <a:pPr marL="432000" indent="-324000">
               <a:spcBef>
-                <a:spcPts val="1417"/>
+                <a:spcPts val="1414"/>
               </a:spcBef>
               <a:buClr>
                 <a:srgbClr val="ffffff"/>
@@ -1974,7 +1986,7 @@
           <a:p>
             <a:pPr marL="432000" indent="-324000">
               <a:spcBef>
-                <a:spcPts val="1417"/>
+                <a:spcPts val="1414"/>
               </a:spcBef>
               <a:buClr>
                 <a:srgbClr val="ffffff"/>
@@ -2024,7 +2036,7 @@
           <a:p>
             <a:pPr marL="432000" indent="-324000">
               <a:spcBef>
-                <a:spcPts val="1417"/>
+                <a:spcPts val="1414"/>
               </a:spcBef>
               <a:buClr>
                 <a:srgbClr val="ffffff"/>
@@ -2046,7 +2058,7 @@
           <a:p>
             <a:pPr marL="432000" indent="-324000">
               <a:spcBef>
-                <a:spcPts val="1417"/>
+                <a:spcPts val="1414"/>
               </a:spcBef>
               <a:buClr>
                 <a:srgbClr val="ffffff"/>
@@ -2167,7 +2179,7 @@
           <a:p>
             <a:pPr marL="432000" indent="-324000">
               <a:spcBef>
-                <a:spcPts val="1417"/>
+                <a:spcPts val="1414"/>
               </a:spcBef>
               <a:buClr>
                 <a:srgbClr val="ffffff"/>
@@ -2189,7 +2201,7 @@
           <a:p>
             <a:pPr marL="432000" indent="-324000">
               <a:spcBef>
-                <a:spcPts val="1417"/>
+                <a:spcPts val="1414"/>
               </a:spcBef>
               <a:buClr>
                 <a:srgbClr val="ffffff"/>
@@ -2255,7 +2267,7 @@
           <a:p>
             <a:pPr marL="432000" indent="-324000">
               <a:spcBef>
-                <a:spcPts val="1417"/>
+                <a:spcPts val="1414"/>
               </a:spcBef>
               <a:buClr>
                 <a:srgbClr val="ffffff"/>
@@ -2411,7 +2423,7 @@
               <a:rPr b="0" lang="en-US" sz="3200" spc="-1" strike="noStrike">
                 <a:latin typeface="Arial"/>
               </a:rPr>
-              <a:t>Sysctl hw</a:t>
+              <a:t>ZFS df -h</a:t>
             </a:r>
             <a:endParaRPr b="0" lang="en-US" sz="3200" spc="-1" strike="noStrike">
               <a:latin typeface="Arial"/>
@@ -2420,7 +2432,7 @@
           <a:p>
             <a:pPr marL="432000" indent="-324000">
               <a:spcBef>
-                <a:spcPts val="1417"/>
+                <a:spcPts val="1414"/>
               </a:spcBef>
               <a:buClr>
                 <a:srgbClr val="ffffff"/>
@@ -2433,7 +2445,7 @@
               <a:rPr b="0" lang="en-US" sz="3200" spc="-1" strike="noStrike">
                 <a:latin typeface="Arial"/>
               </a:rPr>
-              <a:t>Pkg add dmidecode</a:t>
+              <a:t>Sysctl hw</a:t>
             </a:r>
             <a:endParaRPr b="0" lang="en-US" sz="3200" spc="-1" strike="noStrike">
               <a:latin typeface="Arial"/>
@@ -2442,7 +2454,7 @@
           <a:p>
             <a:pPr marL="432000" indent="-324000">
               <a:spcBef>
-                <a:spcPts val="1417"/>
+                <a:spcPts val="1414"/>
               </a:spcBef>
               <a:buClr>
                 <a:srgbClr val="ffffff"/>
@@ -2455,7 +2467,29 @@
               <a:rPr b="0" lang="en-US" sz="3200" spc="-1" strike="noStrike">
                 <a:latin typeface="Arial"/>
               </a:rPr>
-              <a:t>ZFS </a:t>
+              <a:t>Pkg install vim  (installs pkg manager)</a:t>
+            </a:r>
+            <a:endParaRPr b="0" lang="en-US" sz="3200" spc="-1" strike="noStrike">
+              <a:latin typeface="Arial"/>
+            </a:endParaRPr>
+          </a:p>
+          <a:p>
+            <a:pPr marL="432000" indent="-324000">
+              <a:spcBef>
+                <a:spcPts val="1417"/>
+              </a:spcBef>
+              <a:buClr>
+                <a:srgbClr val="ffffff"/>
+              </a:buClr>
+              <a:buSzPct val="45000"/>
+              <a:buFont typeface="Wingdings" charset="2"/>
+              <a:buChar char=""/>
+            </a:pPr>
+            <a:r>
+              <a:rPr b="0" lang="en-US" sz="3200" spc="-1" strike="noStrike">
+                <a:latin typeface="Arial"/>
+              </a:rPr>
+              <a:t>Pkg install dmidecode (Release date)</a:t>
             </a:r>
             <a:endParaRPr b="0" lang="en-US" sz="3200" spc="-1" strike="noStrike">
               <a:latin typeface="Arial"/>
@@ -2558,7 +2592,7 @@
         </p:spPr>
         <p:txBody>
           <a:bodyPr lIns="0" rIns="0" tIns="0" bIns="0">
-            <a:normAutofit fontScale="27000"/>
+            <a:normAutofit fontScale="19000"/>
           </a:bodyPr>
           <a:p>
             <a:pPr marL="432000" indent="-324000">
@@ -2592,7 +2626,7 @@
           <a:p>
             <a:pPr marL="432000" indent="-324000">
               <a:spcBef>
-                <a:spcPts val="1417"/>
+                <a:spcPts val="1414"/>
               </a:spcBef>
               <a:buClr>
                 <a:srgbClr val="ffffff"/>
@@ -2605,7 +2639,7 @@
               <a:rPr b="0" lang="en-US" sz="3200" spc="-1" strike="noStrike">
                 <a:latin typeface="Arial"/>
               </a:rPr>
-              <a:t>Xorg</a:t>
+              <a:t>Xorg(or xorgxrdp if you are going to remote desktop)</a:t>
             </a:r>
             <a:endParaRPr b="0" lang="en-US" sz="3200" spc="-1" strike="noStrike">
               <a:latin typeface="Arial"/>
@@ -2627,7 +2661,7 @@
               <a:rPr b="0" lang="en-US" sz="2800" spc="-1" strike="noStrike">
                 <a:latin typeface="Arial"/>
               </a:rPr>
-              <a:t>$ pw groupmod video -m comet || pw groupmod wheel -m comet</a:t>
+              <a:t>Pkg install xorg</a:t>
             </a:r>
             <a:endParaRPr b="0" lang="en-US" sz="2800" spc="-1" strike="noStrike">
               <a:latin typeface="Arial"/>
@@ -2649,6 +2683,28 @@
               <a:rPr b="0" lang="en-US" sz="2800" spc="-1" strike="noStrike">
                 <a:latin typeface="Arial"/>
               </a:rPr>
+              <a:t>$ pw groupmod video -m comet || pw groupmod wheel -m comet</a:t>
+            </a:r>
+            <a:endParaRPr b="0" lang="en-US" sz="2800" spc="-1" strike="noStrike">
+              <a:latin typeface="Arial"/>
+            </a:endParaRPr>
+          </a:p>
+          <a:p>
+            <a:pPr lvl="1" marL="864000" indent="-324000">
+              <a:spcBef>
+                <a:spcPts val="1134"/>
+              </a:spcBef>
+              <a:buClr>
+                <a:srgbClr val="ffffff"/>
+              </a:buClr>
+              <a:buSzPct val="75000"/>
+              <a:buFont typeface="Symbol" charset="2"/>
+              <a:buChar char=""/>
+            </a:pPr>
+            <a:r>
+              <a:rPr b="0" lang="en-US" sz="2800" spc="-1" strike="noStrike">
+                <a:latin typeface="Arial"/>
+              </a:rPr>
               <a:t>vim /boot/loader.conf</a:t>
             </a:r>
             <a:endParaRPr b="0" lang="en-US" sz="2800" spc="-1" strike="noStrike">
@@ -2715,7 +2771,7 @@
               <a:rPr b="0" lang="en-US" sz="2800" spc="-1" strike="noStrike">
                 <a:latin typeface="Arial"/>
               </a:rPr>
-              <a:t>vi /etc/rc.conf</a:t>
+              <a:t>vim /etc/rc.conf</a:t>
             </a:r>
             <a:endParaRPr b="0" lang="en-US" sz="2800" spc="-1" strike="noStrike">
               <a:latin typeface="Arial"/>
@@ -2782,6 +2838,28 @@
                 <a:latin typeface="Arial"/>
               </a:rPr>
               <a:t>pkg install xfce</a:t>
+            </a:r>
+            <a:endParaRPr b="0" lang="en-US" sz="2800" spc="-1" strike="noStrike">
+              <a:latin typeface="Arial"/>
+            </a:endParaRPr>
+          </a:p>
+          <a:p>
+            <a:pPr lvl="1" marL="864000" indent="-324000">
+              <a:spcBef>
+                <a:spcPts val="1134"/>
+              </a:spcBef>
+              <a:buClr>
+                <a:srgbClr val="ffffff"/>
+              </a:buClr>
+              <a:buSzPct val="75000"/>
+              <a:buFont typeface="Symbol" charset="2"/>
+              <a:buChar char=""/>
+            </a:pPr>
+            <a:r>
+              <a:rPr b="0" lang="en-US" sz="2800" spc="-1" strike="noStrike">
+                <a:latin typeface="Arial"/>
+              </a:rPr>
+              <a:t>NOTE: logoff as root, back to the user you added above.</a:t>
             </a:r>
             <a:endParaRPr b="0" lang="en-US" sz="2800" spc="-1" strike="noStrike">
               <a:latin typeface="Arial"/>
@@ -2944,7 +3022,7 @@
         </p:spPr>
         <p:txBody>
           <a:bodyPr lIns="0" rIns="0" tIns="0" bIns="0">
-            <a:normAutofit/>
+            <a:normAutofit fontScale="41000"/>
           </a:bodyPr>
           <a:p>
             <a:pPr marL="432000" indent="-324000">
@@ -2962,16 +3040,104 @@
               <a:rPr b="0" lang="en-US" sz="3200" spc="-1" strike="noStrike">
                 <a:latin typeface="Arial"/>
               </a:rPr>
-              <a:t>Xorg-xrdp</a:t>
-            </a:r>
-            <a:endParaRPr b="0" lang="en-US" sz="3200" spc="-1" strike="noStrike">
-              <a:latin typeface="Arial"/>
-            </a:endParaRPr>
-          </a:p>
-          <a:p>
-            <a:pPr marL="432000" indent="-324000">
-              <a:spcBef>
-                <a:spcPts val="1417"/>
+              <a:t>xrdp</a:t>
+            </a:r>
+            <a:endParaRPr b="0" lang="en-US" sz="3200" spc="-1" strike="noStrike">
+              <a:latin typeface="Arial"/>
+            </a:endParaRPr>
+          </a:p>
+          <a:p>
+            <a:pPr lvl="1" marL="864000" indent="-324000">
+              <a:spcBef>
+                <a:spcPts val="1134"/>
+              </a:spcBef>
+              <a:buClr>
+                <a:srgbClr val="ffffff"/>
+              </a:buClr>
+              <a:buSzPct val="75000"/>
+              <a:buFont typeface="Symbol" charset="2"/>
+              <a:buChar char=""/>
+            </a:pPr>
+            <a:r>
+              <a:rPr b="0" lang="en-US" sz="2800" spc="-1" strike="noStrike">
+                <a:latin typeface="Arial"/>
+              </a:rPr>
+              <a:t>Pkg install xrdp</a:t>
+            </a:r>
+            <a:endParaRPr b="0" lang="en-US" sz="2800" spc="-1" strike="noStrike">
+              <a:latin typeface="Arial"/>
+            </a:endParaRPr>
+          </a:p>
+          <a:p>
+            <a:pPr lvl="1" marL="864000" indent="-324000">
+              <a:spcBef>
+                <a:spcPts val="1134"/>
+              </a:spcBef>
+              <a:buClr>
+                <a:srgbClr val="ffffff"/>
+              </a:buClr>
+              <a:buSzPct val="75000"/>
+              <a:buFont typeface="Symbol" charset="2"/>
+              <a:buChar char=""/>
+            </a:pPr>
+            <a:r>
+              <a:rPr b="0" lang="en-US" sz="2800" spc="-1" strike="noStrike">
+                <a:latin typeface="Arial"/>
+              </a:rPr>
+              <a:t>xrdp_enable=”YES”</a:t>
+            </a:r>
+            <a:endParaRPr b="0" lang="en-US" sz="2800" spc="-1" strike="noStrike">
+              <a:latin typeface="Arial"/>
+            </a:endParaRPr>
+          </a:p>
+          <a:p>
+            <a:pPr lvl="1" marL="864000" indent="-324000">
+              <a:spcBef>
+                <a:spcPts val="1134"/>
+              </a:spcBef>
+              <a:buClr>
+                <a:srgbClr val="ffffff"/>
+              </a:buClr>
+              <a:buSzPct val="75000"/>
+              <a:buFont typeface="Symbol" charset="2"/>
+              <a:buChar char=""/>
+            </a:pPr>
+            <a:r>
+              <a:rPr b="0" lang="en-US" sz="2800" spc="-1" strike="noStrike">
+                <a:latin typeface="Arial"/>
+              </a:rPr>
+              <a:t>xrdp_sesman_enable=”YES”</a:t>
+            </a:r>
+            <a:endParaRPr b="0" lang="en-US" sz="2800" spc="-1" strike="noStrike">
+              <a:latin typeface="Arial"/>
+            </a:endParaRPr>
+          </a:p>
+          <a:p>
+            <a:pPr lvl="1" marL="864000" indent="-324000">
+              <a:spcBef>
+                <a:spcPts val="1134"/>
+              </a:spcBef>
+              <a:buClr>
+                <a:srgbClr val="ffffff"/>
+              </a:buClr>
+              <a:buSzPct val="75000"/>
+              <a:buFont typeface="Symbol" charset="2"/>
+              <a:buChar char=""/>
+            </a:pPr>
+            <a:r>
+              <a:rPr b="0" lang="en-US" sz="2800" spc="-1" strike="noStrike">
+                <a:latin typeface="Arial"/>
+              </a:rPr>
+              <a:t>"/usr/local/etc/xrdp/startwm.sh"</a:t>
+            </a:r>
+            <a:endParaRPr b="0" lang="en-US" sz="2800" spc="-1" strike="noStrike">
+              <a:latin typeface="Arial"/>
+            </a:endParaRPr>
+          </a:p>
+          <a:p>
+            <a:pPr lvl="2" marL="1296000" indent="-288000">
+              <a:spcBef>
+                <a:spcPts val="850"/>
               </a:spcBef>
               <a:buClr>
                 <a:srgbClr val="ffffff"/>
@@ -2981,6 +3147,50 @@
               <a:buChar char=""/>
             </a:pPr>
             <a:r>
+              <a:rPr b="0" lang="en-US" sz="2400" spc="-1" strike="noStrike">
+                <a:latin typeface="Arial"/>
+              </a:rPr>
+              <a:t>Comment out “exec xterm”, uncomment “exec startxfce4”</a:t>
+            </a:r>
+            <a:endParaRPr b="0" lang="en-US" sz="2400" spc="-1" strike="noStrike">
+              <a:latin typeface="Arial"/>
+            </a:endParaRPr>
+          </a:p>
+          <a:p>
+            <a:pPr lvl="2" marL="1296000" indent="-288000">
+              <a:spcBef>
+                <a:spcPts val="850"/>
+              </a:spcBef>
+              <a:buClr>
+                <a:srgbClr val="ffffff"/>
+              </a:buClr>
+              <a:buSzPct val="45000"/>
+              <a:buFont typeface="Wingdings" charset="2"/>
+              <a:buChar char=""/>
+            </a:pPr>
+            <a:r>
+              <a:rPr b="0" lang="en-US" sz="2400" spc="-1" strike="noStrike">
+                <a:latin typeface="Arial"/>
+              </a:rPr>
+              <a:t>reboot</a:t>
+            </a:r>
+            <a:endParaRPr b="0" lang="en-US" sz="2400" spc="-1" strike="noStrike">
+              <a:latin typeface="Arial"/>
+            </a:endParaRPr>
+          </a:p>
+          <a:p>
+            <a:pPr marL="432000" indent="-324000">
+              <a:spcBef>
+                <a:spcPts val="1417"/>
+              </a:spcBef>
+              <a:buClr>
+                <a:srgbClr val="ffffff"/>
+              </a:buClr>
+              <a:buSzPct val="45000"/>
+              <a:buFont typeface="Wingdings" charset="2"/>
+              <a:buChar char=""/>
+            </a:pPr>
+            <a:r>
               <a:rPr b="0" lang="en-US" sz="3200" spc="-1" strike="noStrike">
                 <a:latin typeface="Arial"/>
               </a:rPr>
@@ -3037,7 +3247,7 @@
           <a:p>
             <a:pPr marL="432000" indent="-324000">
               <a:spcBef>
-                <a:spcPts val="1417"/>
+                <a:spcPts val="1414"/>
               </a:spcBef>
               <a:buClr>
                 <a:srgbClr val="ffffff"/>
@@ -3246,7 +3456,7 @@
           <a:p>
             <a:pPr marL="432000" indent="-324000">
               <a:spcBef>
-                <a:spcPts val="1417"/>
+                <a:spcPts val="1414"/>
               </a:spcBef>
               <a:buClr>
                 <a:srgbClr val="ffffff"/>
@@ -3389,7 +3599,7 @@
           <a:p>
             <a:pPr marL="432000" indent="-324000">
               <a:spcBef>
-                <a:spcPts val="1417"/>
+                <a:spcPts val="1414"/>
               </a:spcBef>
               <a:buClr>
                 <a:srgbClr val="ffffff"/>
@@ -3658,7 +3868,7 @@
           <a:p>
             <a:pPr marL="432000" indent="-324000">
               <a:spcBef>
-                <a:spcPts val="1417"/>
+                <a:spcPts val="1414"/>
               </a:spcBef>
               <a:buClr>
                 <a:srgbClr val="ffffff"/>
@@ -3911,7 +4121,7 @@
           <a:p>
             <a:pPr marL="432000" indent="-324000">
               <a:spcBef>
-                <a:spcPts val="1417"/>
+                <a:spcPts val="1414"/>
               </a:spcBef>
               <a:buClr>
                 <a:srgbClr val="ffffff"/>
@@ -3955,7 +4165,7 @@
           <a:p>
             <a:pPr marL="432000" indent="-324000">
               <a:spcBef>
-                <a:spcPts val="1417"/>
+                <a:spcPts val="1414"/>
               </a:spcBef>
               <a:buClr>
                 <a:srgbClr val="ffffff"/>
@@ -4316,7 +4526,7 @@
           <a:p>
             <a:pPr marL="432000" indent="-324000">
               <a:spcBef>
-                <a:spcPts val="1417"/>
+                <a:spcPts val="1414"/>
               </a:spcBef>
               <a:buClr>
                 <a:srgbClr val="ffffff"/>
@@ -4338,7 +4548,7 @@
           <a:p>
             <a:pPr marL="432000" indent="-324000">
               <a:spcBef>
-                <a:spcPts val="1417"/>
+                <a:spcPts val="1414"/>
               </a:spcBef>
               <a:buClr>
                 <a:srgbClr val="ffffff"/>
@@ -4360,7 +4570,7 @@
           <a:p>
             <a:pPr marL="432000" indent="-324000">
               <a:spcBef>
-                <a:spcPts val="1417"/>
+                <a:spcPts val="1414"/>
               </a:spcBef>
               <a:buClr>
                 <a:srgbClr val="ffffff"/>
@@ -4382,7 +4592,7 @@
           <a:p>
             <a:pPr marL="432000" indent="-324000">
               <a:spcBef>
-                <a:spcPts val="1417"/>
+                <a:spcPts val="1414"/>
               </a:spcBef>
               <a:buClr>
                 <a:srgbClr val="ffffff"/>

--- a/FreeBSD-Drop/Desktop/FreeBSD.pptx
+++ b/FreeBSD-Drop/Desktop/FreeBSD.pptx
@@ -3,19 +3,21 @@
 <p:presentation xmlns:a="http://schemas.openxmlformats.org/drawingml/2006/main" xmlns:p="http://schemas.openxmlformats.org/presentationml/2006/main" xmlns:r="http://schemas.openxmlformats.org/officeDocument/2006/relationships" xmlns:p14="http://schemas.microsoft.com/office/powerpoint/2010/main" xmlns:p15="http://schemas.microsoft.com/office/powerpoint/2012/main" xmlns:mc="http://schemas.openxmlformats.org/markup-compatibility/2006">
   <p:sldMasterIdLst>
     <p:sldMasterId id="2147483648" r:id="rId2"/>
+    <p:sldMasterId id="2147483661" r:id="rId3"/>
   </p:sldMasterIdLst>
   <p:sldIdLst>
-    <p:sldId id="256" r:id="rId3"/>
-    <p:sldId id="257" r:id="rId4"/>
-    <p:sldId id="258" r:id="rId5"/>
-    <p:sldId id="259" r:id="rId6"/>
-    <p:sldId id="260" r:id="rId7"/>
-    <p:sldId id="261" r:id="rId8"/>
-    <p:sldId id="262" r:id="rId9"/>
-    <p:sldId id="263" r:id="rId10"/>
-    <p:sldId id="264" r:id="rId11"/>
-    <p:sldId id="265" r:id="rId12"/>
-    <p:sldId id="266" r:id="rId13"/>
+    <p:sldId id="256" r:id="rId4"/>
+    <p:sldId id="257" r:id="rId5"/>
+    <p:sldId id="258" r:id="rId6"/>
+    <p:sldId id="259" r:id="rId7"/>
+    <p:sldId id="260" r:id="rId8"/>
+    <p:sldId id="261" r:id="rId9"/>
+    <p:sldId id="262" r:id="rId10"/>
+    <p:sldId id="263" r:id="rId11"/>
+    <p:sldId id="264" r:id="rId12"/>
+    <p:sldId id="265" r:id="rId13"/>
+    <p:sldId id="266" r:id="rId14"/>
+    <p:sldId id="267" r:id="rId15"/>
   </p:sldIdLst>
   <p:sldSz cx="10080625" cy="5670550"/>
   <p:notesSz cx="7772400" cy="10058400"/>
@@ -63,7 +65,7 @@
       </p:grpSpPr>
       <p:sp>
         <p:nvSpPr>
-          <p:cNvPr id="26" name="PlaceHolder 1"/>
+          <p:cNvPr id="23" name="PlaceHolder 1"/>
           <p:cNvSpPr>
             <a:spLocks noGrp="1"/>
           </p:cNvSpPr>
@@ -74,7 +76,7 @@
         <p:spPr>
           <a:xfrm>
             <a:off x="504000" y="226080"/>
-            <a:ext cx="9071640" cy="946440"/>
+            <a:ext cx="9071280" cy="946080"/>
           </a:xfrm>
           <a:prstGeom prst="rect">
             <a:avLst/>
@@ -94,7 +96,7 @@
       </p:sp>
       <p:sp>
         <p:nvSpPr>
-          <p:cNvPr id="27" name="PlaceHolder 2"/>
+          <p:cNvPr id="24" name="PlaceHolder 2"/>
           <p:cNvSpPr>
             <a:spLocks noGrp="1"/>
           </p:cNvSpPr>
@@ -105,7 +107,7 @@
         <p:spPr>
           <a:xfrm>
             <a:off x="504000" y="1326600"/>
-            <a:ext cx="9071640" cy="1568160"/>
+            <a:ext cx="9071280" cy="1568160"/>
           </a:xfrm>
           <a:prstGeom prst="rect">
             <a:avLst/>
@@ -124,7 +126,7 @@
       </p:sp>
       <p:sp>
         <p:nvSpPr>
-          <p:cNvPr id="28" name="PlaceHolder 3"/>
+          <p:cNvPr id="25" name="PlaceHolder 3"/>
           <p:cNvSpPr>
             <a:spLocks noGrp="1"/>
           </p:cNvSpPr>
@@ -135,7 +137,7 @@
         <p:spPr>
           <a:xfrm>
             <a:off x="504000" y="3044160"/>
-            <a:ext cx="9071640" cy="1568160"/>
+            <a:ext cx="9071280" cy="1568160"/>
           </a:xfrm>
           <a:prstGeom prst="rect">
             <a:avLst/>
@@ -176,7 +178,7 @@
       </p:grpSpPr>
       <p:sp>
         <p:nvSpPr>
-          <p:cNvPr id="29" name="PlaceHolder 1"/>
+          <p:cNvPr id="26" name="PlaceHolder 1"/>
           <p:cNvSpPr>
             <a:spLocks noGrp="1"/>
           </p:cNvSpPr>
@@ -187,7 +189,7 @@
         <p:spPr>
           <a:xfrm>
             <a:off x="504000" y="226080"/>
-            <a:ext cx="9071640" cy="946440"/>
+            <a:ext cx="9071280" cy="946080"/>
           </a:xfrm>
           <a:prstGeom prst="rect">
             <a:avLst/>
@@ -207,7 +209,7 @@
       </p:sp>
       <p:sp>
         <p:nvSpPr>
-          <p:cNvPr id="30" name="PlaceHolder 2"/>
+          <p:cNvPr id="27" name="PlaceHolder 2"/>
           <p:cNvSpPr>
             <a:spLocks noGrp="1"/>
           </p:cNvSpPr>
@@ -218,7 +220,7 @@
         <p:spPr>
           <a:xfrm>
             <a:off x="504000" y="1326600"/>
-            <a:ext cx="4426920" cy="1568160"/>
+            <a:ext cx="4426560" cy="1568160"/>
           </a:xfrm>
           <a:prstGeom prst="rect">
             <a:avLst/>
@@ -237,7 +239,7 @@
       </p:sp>
       <p:sp>
         <p:nvSpPr>
-          <p:cNvPr id="31" name="PlaceHolder 3"/>
+          <p:cNvPr id="28" name="PlaceHolder 3"/>
           <p:cNvSpPr>
             <a:spLocks noGrp="1"/>
           </p:cNvSpPr>
@@ -247,8 +249,8 @@
         </p:nvSpPr>
         <p:spPr>
           <a:xfrm>
-            <a:off x="5152680" y="1326600"/>
-            <a:ext cx="4426920" cy="1568160"/>
+            <a:off x="5152320" y="1326600"/>
+            <a:ext cx="4426560" cy="1568160"/>
           </a:xfrm>
           <a:prstGeom prst="rect">
             <a:avLst/>
@@ -267,7 +269,7 @@
       </p:sp>
       <p:sp>
         <p:nvSpPr>
-          <p:cNvPr id="32" name="PlaceHolder 4"/>
+          <p:cNvPr id="29" name="PlaceHolder 4"/>
           <p:cNvSpPr>
             <a:spLocks noGrp="1"/>
           </p:cNvSpPr>
@@ -278,7 +280,7 @@
         <p:spPr>
           <a:xfrm>
             <a:off x="504000" y="3044160"/>
-            <a:ext cx="4426920" cy="1568160"/>
+            <a:ext cx="4426560" cy="1568160"/>
           </a:xfrm>
           <a:prstGeom prst="rect">
             <a:avLst/>
@@ -297,7 +299,7 @@
       </p:sp>
       <p:sp>
         <p:nvSpPr>
-          <p:cNvPr id="33" name="PlaceHolder 5"/>
+          <p:cNvPr id="30" name="PlaceHolder 5"/>
           <p:cNvSpPr>
             <a:spLocks noGrp="1"/>
           </p:cNvSpPr>
@@ -307,8 +309,8 @@
         </p:nvSpPr>
         <p:spPr>
           <a:xfrm>
-            <a:off x="5152680" y="3044160"/>
-            <a:ext cx="4426920" cy="1568160"/>
+            <a:off x="5152320" y="3044160"/>
+            <a:ext cx="4426560" cy="1568160"/>
           </a:xfrm>
           <a:prstGeom prst="rect">
             <a:avLst/>
@@ -349,7 +351,7 @@
       </p:grpSpPr>
       <p:sp>
         <p:nvSpPr>
-          <p:cNvPr id="34" name="PlaceHolder 1"/>
+          <p:cNvPr id="31" name="PlaceHolder 1"/>
           <p:cNvSpPr>
             <a:spLocks noGrp="1"/>
           </p:cNvSpPr>
@@ -360,7 +362,7 @@
         <p:spPr>
           <a:xfrm>
             <a:off x="504000" y="226080"/>
-            <a:ext cx="9071640" cy="946440"/>
+            <a:ext cx="9071280" cy="946080"/>
           </a:xfrm>
           <a:prstGeom prst="rect">
             <a:avLst/>
@@ -380,7 +382,7 @@
       </p:sp>
       <p:sp>
         <p:nvSpPr>
-          <p:cNvPr id="35" name="PlaceHolder 2"/>
+          <p:cNvPr id="32" name="PlaceHolder 2"/>
           <p:cNvSpPr>
             <a:spLocks noGrp="1"/>
           </p:cNvSpPr>
@@ -410,7 +412,7 @@
       </p:sp>
       <p:sp>
         <p:nvSpPr>
-          <p:cNvPr id="36" name="PlaceHolder 3"/>
+          <p:cNvPr id="33" name="PlaceHolder 3"/>
           <p:cNvSpPr>
             <a:spLocks noGrp="1"/>
           </p:cNvSpPr>
@@ -440,7 +442,7 @@
       </p:sp>
       <p:sp>
         <p:nvSpPr>
-          <p:cNvPr id="37" name="PlaceHolder 4"/>
+          <p:cNvPr id="34" name="PlaceHolder 4"/>
           <p:cNvSpPr>
             <a:spLocks noGrp="1"/>
           </p:cNvSpPr>
@@ -470,7 +472,7 @@
       </p:sp>
       <p:sp>
         <p:nvSpPr>
-          <p:cNvPr id="38" name="PlaceHolder 5"/>
+          <p:cNvPr id="35" name="PlaceHolder 5"/>
           <p:cNvSpPr>
             <a:spLocks noGrp="1"/>
           </p:cNvSpPr>
@@ -500,7 +502,7 @@
       </p:sp>
       <p:sp>
         <p:nvSpPr>
-          <p:cNvPr id="39" name="PlaceHolder 6"/>
+          <p:cNvPr id="36" name="PlaceHolder 6"/>
           <p:cNvSpPr>
             <a:spLocks noGrp="1"/>
           </p:cNvSpPr>
@@ -530,7 +532,7 @@
       </p:sp>
       <p:sp>
         <p:nvSpPr>
-          <p:cNvPr id="40" name="PlaceHolder 7"/>
+          <p:cNvPr id="37" name="PlaceHolder 7"/>
           <p:cNvSpPr>
             <a:spLocks noGrp="1"/>
           </p:cNvSpPr>
@@ -542,6 +544,557 @@
           <a:xfrm>
             <a:off x="6638040" y="3044160"/>
             <a:ext cx="2920680" cy="1568160"/>
+          </a:xfrm>
+          <a:prstGeom prst="rect">
+            <a:avLst/>
+          </a:prstGeom>
+        </p:spPr>
+        <p:txBody>
+          <a:bodyPr lIns="0" rIns="0" tIns="0" bIns="0">
+            <a:normAutofit/>
+          </a:bodyPr>
+          <a:p>
+            <a:endParaRPr b="0" lang="en-US" sz="3200" spc="-1" strike="noStrike">
+              <a:latin typeface="Arial"/>
+            </a:endParaRPr>
+          </a:p>
+        </p:txBody>
+      </p:sp>
+    </p:spTree>
+  </p:cSld>
+</p:sldLayout>
+</file>
+
+<file path=ppt/slideLayouts/slideLayout13.xml><?xml version="1.0" encoding="utf-8"?>
+<p:sldLayout xmlns:a="http://schemas.openxmlformats.org/drawingml/2006/main" xmlns:p="http://schemas.openxmlformats.org/presentationml/2006/main" xmlns:r="http://schemas.openxmlformats.org/officeDocument/2006/relationships" xmlns:p14="http://schemas.microsoft.com/office/powerpoint/2010/main" xmlns:p15="http://schemas.microsoft.com/office/powerpoint/2012/main" xmlns:mc="http://schemas.openxmlformats.org/markup-compatibility/2006" type="blank" preserve="1">
+  <p:cSld name="Blank Slide">
+    <p:spTree>
+      <p:nvGrpSpPr>
+        <p:cNvPr id="1" name=""/>
+        <p:cNvGrpSpPr/>
+        <p:nvPr/>
+      </p:nvGrpSpPr>
+      <p:grpSpPr>
+        <a:xfrm>
+          <a:off x="0" y="0"/>
+          <a:ext cx="0" cy="0"/>
+          <a:chOff x="0" y="0"/>
+          <a:chExt cx="0" cy="0"/>
+        </a:xfrm>
+      </p:grpSpPr>
+    </p:spTree>
+  </p:cSld>
+</p:sldLayout>
+</file>
+
+<file path=ppt/slideLayouts/slideLayout14.xml><?xml version="1.0" encoding="utf-8"?>
+<p:sldLayout xmlns:a="http://schemas.openxmlformats.org/drawingml/2006/main" xmlns:p="http://schemas.openxmlformats.org/presentationml/2006/main" xmlns:r="http://schemas.openxmlformats.org/officeDocument/2006/relationships" xmlns:p14="http://schemas.microsoft.com/office/powerpoint/2010/main" xmlns:p15="http://schemas.microsoft.com/office/powerpoint/2012/main" xmlns:mc="http://schemas.openxmlformats.org/markup-compatibility/2006" type="tx" preserve="1">
+  <p:cSld name="Title Slide">
+    <p:spTree>
+      <p:nvGrpSpPr>
+        <p:cNvPr id="1" name=""/>
+        <p:cNvGrpSpPr/>
+        <p:nvPr/>
+      </p:nvGrpSpPr>
+      <p:grpSpPr>
+        <a:xfrm>
+          <a:off x="0" y="0"/>
+          <a:ext cx="0" cy="0"/>
+          <a:chOff x="0" y="0"/>
+          <a:chExt cx="0" cy="0"/>
+        </a:xfrm>
+      </p:grpSpPr>
+      <p:sp>
+        <p:nvSpPr>
+          <p:cNvPr id="40" name="PlaceHolder 1"/>
+          <p:cNvSpPr>
+            <a:spLocks noGrp="1"/>
+          </p:cNvSpPr>
+          <p:nvPr>
+            <p:ph type="title"/>
+          </p:nvPr>
+        </p:nvSpPr>
+        <p:spPr>
+          <a:xfrm>
+            <a:off x="504000" y="226080"/>
+            <a:ext cx="9071280" cy="946080"/>
+          </a:xfrm>
+          <a:prstGeom prst="rect">
+            <a:avLst/>
+          </a:prstGeom>
+        </p:spPr>
+        <p:txBody>
+          <a:bodyPr lIns="0" rIns="0" tIns="0" bIns="0" anchor="ctr">
+            <a:noAutofit/>
+          </a:bodyPr>
+          <a:p>
+            <a:pPr algn="ctr"/>
+            <a:endParaRPr b="0" lang="en-US" sz="4400" spc="-1" strike="noStrike">
+              <a:latin typeface="Arial"/>
+            </a:endParaRPr>
+          </a:p>
+        </p:txBody>
+      </p:sp>
+      <p:sp>
+        <p:nvSpPr>
+          <p:cNvPr id="41" name="PlaceHolder 2"/>
+          <p:cNvSpPr>
+            <a:spLocks noGrp="1"/>
+          </p:cNvSpPr>
+          <p:nvPr>
+            <p:ph type="subTitle"/>
+          </p:nvPr>
+        </p:nvSpPr>
+        <p:spPr>
+          <a:xfrm>
+            <a:off x="504000" y="1326600"/>
+            <a:ext cx="9071280" cy="3287880"/>
+          </a:xfrm>
+          <a:prstGeom prst="rect">
+            <a:avLst/>
+          </a:prstGeom>
+        </p:spPr>
+        <p:txBody>
+          <a:bodyPr lIns="0" rIns="0" tIns="0" bIns="0" anchor="ctr">
+            <a:noAutofit/>
+          </a:bodyPr>
+          <a:p>
+            <a:pPr algn="ctr"/>
+            <a:endParaRPr b="0" lang="en-US" sz="3200" spc="-1" strike="noStrike">
+              <a:latin typeface="Arial"/>
+            </a:endParaRPr>
+          </a:p>
+        </p:txBody>
+      </p:sp>
+    </p:spTree>
+  </p:cSld>
+</p:sldLayout>
+</file>
+
+<file path=ppt/slideLayouts/slideLayout15.xml><?xml version="1.0" encoding="utf-8"?>
+<p:sldLayout xmlns:a="http://schemas.openxmlformats.org/drawingml/2006/main" xmlns:p="http://schemas.openxmlformats.org/presentationml/2006/main" xmlns:r="http://schemas.openxmlformats.org/officeDocument/2006/relationships" xmlns:p14="http://schemas.microsoft.com/office/powerpoint/2010/main" xmlns:p15="http://schemas.microsoft.com/office/powerpoint/2012/main" xmlns:mc="http://schemas.openxmlformats.org/markup-compatibility/2006" type="obj" preserve="1">
+  <p:cSld name="Title, Content">
+    <p:spTree>
+      <p:nvGrpSpPr>
+        <p:cNvPr id="1" name=""/>
+        <p:cNvGrpSpPr/>
+        <p:nvPr/>
+      </p:nvGrpSpPr>
+      <p:grpSpPr>
+        <a:xfrm>
+          <a:off x="0" y="0"/>
+          <a:ext cx="0" cy="0"/>
+          <a:chOff x="0" y="0"/>
+          <a:chExt cx="0" cy="0"/>
+        </a:xfrm>
+      </p:grpSpPr>
+      <p:sp>
+        <p:nvSpPr>
+          <p:cNvPr id="42" name="PlaceHolder 1"/>
+          <p:cNvSpPr>
+            <a:spLocks noGrp="1"/>
+          </p:cNvSpPr>
+          <p:nvPr>
+            <p:ph type="title"/>
+          </p:nvPr>
+        </p:nvSpPr>
+        <p:spPr>
+          <a:xfrm>
+            <a:off x="504000" y="226080"/>
+            <a:ext cx="9071280" cy="946080"/>
+          </a:xfrm>
+          <a:prstGeom prst="rect">
+            <a:avLst/>
+          </a:prstGeom>
+        </p:spPr>
+        <p:txBody>
+          <a:bodyPr lIns="0" rIns="0" tIns="0" bIns="0" anchor="ctr">
+            <a:noAutofit/>
+          </a:bodyPr>
+          <a:p>
+            <a:pPr algn="ctr"/>
+            <a:endParaRPr b="0" lang="en-US" sz="4400" spc="-1" strike="noStrike">
+              <a:latin typeface="Arial"/>
+            </a:endParaRPr>
+          </a:p>
+        </p:txBody>
+      </p:sp>
+      <p:sp>
+        <p:nvSpPr>
+          <p:cNvPr id="43" name="PlaceHolder 2"/>
+          <p:cNvSpPr>
+            <a:spLocks noGrp="1"/>
+          </p:cNvSpPr>
+          <p:nvPr>
+            <p:ph type="body"/>
+          </p:nvPr>
+        </p:nvSpPr>
+        <p:spPr>
+          <a:xfrm>
+            <a:off x="504000" y="1326600"/>
+            <a:ext cx="9071280" cy="3287880"/>
+          </a:xfrm>
+          <a:prstGeom prst="rect">
+            <a:avLst/>
+          </a:prstGeom>
+        </p:spPr>
+        <p:txBody>
+          <a:bodyPr lIns="0" rIns="0" tIns="0" bIns="0">
+            <a:normAutofit/>
+          </a:bodyPr>
+          <a:p>
+            <a:endParaRPr b="0" lang="en-US" sz="3200" spc="-1" strike="noStrike">
+              <a:latin typeface="Arial"/>
+            </a:endParaRPr>
+          </a:p>
+        </p:txBody>
+      </p:sp>
+    </p:spTree>
+  </p:cSld>
+</p:sldLayout>
+</file>
+
+<file path=ppt/slideLayouts/slideLayout16.xml><?xml version="1.0" encoding="utf-8"?>
+<p:sldLayout xmlns:a="http://schemas.openxmlformats.org/drawingml/2006/main" xmlns:p="http://schemas.openxmlformats.org/presentationml/2006/main" xmlns:r="http://schemas.openxmlformats.org/officeDocument/2006/relationships" xmlns:p14="http://schemas.microsoft.com/office/powerpoint/2010/main" xmlns:p15="http://schemas.microsoft.com/office/powerpoint/2012/main" xmlns:mc="http://schemas.openxmlformats.org/markup-compatibility/2006" type="twoObj" preserve="1">
+  <p:cSld name="Title, 2 Content">
+    <p:spTree>
+      <p:nvGrpSpPr>
+        <p:cNvPr id="1" name=""/>
+        <p:cNvGrpSpPr/>
+        <p:nvPr/>
+      </p:nvGrpSpPr>
+      <p:grpSpPr>
+        <a:xfrm>
+          <a:off x="0" y="0"/>
+          <a:ext cx="0" cy="0"/>
+          <a:chOff x="0" y="0"/>
+          <a:chExt cx="0" cy="0"/>
+        </a:xfrm>
+      </p:grpSpPr>
+      <p:sp>
+        <p:nvSpPr>
+          <p:cNvPr id="44" name="PlaceHolder 1"/>
+          <p:cNvSpPr>
+            <a:spLocks noGrp="1"/>
+          </p:cNvSpPr>
+          <p:nvPr>
+            <p:ph type="title"/>
+          </p:nvPr>
+        </p:nvSpPr>
+        <p:spPr>
+          <a:xfrm>
+            <a:off x="504000" y="226080"/>
+            <a:ext cx="9071280" cy="946080"/>
+          </a:xfrm>
+          <a:prstGeom prst="rect">
+            <a:avLst/>
+          </a:prstGeom>
+        </p:spPr>
+        <p:txBody>
+          <a:bodyPr lIns="0" rIns="0" tIns="0" bIns="0" anchor="ctr">
+            <a:noAutofit/>
+          </a:bodyPr>
+          <a:p>
+            <a:pPr algn="ctr"/>
+            <a:endParaRPr b="0" lang="en-US" sz="4400" spc="-1" strike="noStrike">
+              <a:latin typeface="Arial"/>
+            </a:endParaRPr>
+          </a:p>
+        </p:txBody>
+      </p:sp>
+      <p:sp>
+        <p:nvSpPr>
+          <p:cNvPr id="45" name="PlaceHolder 2"/>
+          <p:cNvSpPr>
+            <a:spLocks noGrp="1"/>
+          </p:cNvSpPr>
+          <p:nvPr>
+            <p:ph type="body"/>
+          </p:nvPr>
+        </p:nvSpPr>
+        <p:spPr>
+          <a:xfrm>
+            <a:off x="504000" y="1326600"/>
+            <a:ext cx="4426560" cy="3287880"/>
+          </a:xfrm>
+          <a:prstGeom prst="rect">
+            <a:avLst/>
+          </a:prstGeom>
+        </p:spPr>
+        <p:txBody>
+          <a:bodyPr lIns="0" rIns="0" tIns="0" bIns="0">
+            <a:normAutofit/>
+          </a:bodyPr>
+          <a:p>
+            <a:endParaRPr b="0" lang="en-US" sz="3200" spc="-1" strike="noStrike">
+              <a:latin typeface="Arial"/>
+            </a:endParaRPr>
+          </a:p>
+        </p:txBody>
+      </p:sp>
+      <p:sp>
+        <p:nvSpPr>
+          <p:cNvPr id="46" name="PlaceHolder 3"/>
+          <p:cNvSpPr>
+            <a:spLocks noGrp="1"/>
+          </p:cNvSpPr>
+          <p:nvPr>
+            <p:ph type="body"/>
+          </p:nvPr>
+        </p:nvSpPr>
+        <p:spPr>
+          <a:xfrm>
+            <a:off x="5152320" y="1326600"/>
+            <a:ext cx="4426560" cy="3287880"/>
+          </a:xfrm>
+          <a:prstGeom prst="rect">
+            <a:avLst/>
+          </a:prstGeom>
+        </p:spPr>
+        <p:txBody>
+          <a:bodyPr lIns="0" rIns="0" tIns="0" bIns="0">
+            <a:normAutofit/>
+          </a:bodyPr>
+          <a:p>
+            <a:endParaRPr b="0" lang="en-US" sz="3200" spc="-1" strike="noStrike">
+              <a:latin typeface="Arial"/>
+            </a:endParaRPr>
+          </a:p>
+        </p:txBody>
+      </p:sp>
+    </p:spTree>
+  </p:cSld>
+</p:sldLayout>
+</file>
+
+<file path=ppt/slideLayouts/slideLayout17.xml><?xml version="1.0" encoding="utf-8"?>
+<p:sldLayout xmlns:a="http://schemas.openxmlformats.org/drawingml/2006/main" xmlns:p="http://schemas.openxmlformats.org/presentationml/2006/main" xmlns:r="http://schemas.openxmlformats.org/officeDocument/2006/relationships" xmlns:p14="http://schemas.microsoft.com/office/powerpoint/2010/main" xmlns:p15="http://schemas.microsoft.com/office/powerpoint/2012/main" xmlns:mc="http://schemas.openxmlformats.org/markup-compatibility/2006" type="titleOnly" preserve="1">
+  <p:cSld name="Title Only">
+    <p:spTree>
+      <p:nvGrpSpPr>
+        <p:cNvPr id="1" name=""/>
+        <p:cNvGrpSpPr/>
+        <p:nvPr/>
+      </p:nvGrpSpPr>
+      <p:grpSpPr>
+        <a:xfrm>
+          <a:off x="0" y="0"/>
+          <a:ext cx="0" cy="0"/>
+          <a:chOff x="0" y="0"/>
+          <a:chExt cx="0" cy="0"/>
+        </a:xfrm>
+      </p:grpSpPr>
+      <p:sp>
+        <p:nvSpPr>
+          <p:cNvPr id="47" name="PlaceHolder 1"/>
+          <p:cNvSpPr>
+            <a:spLocks noGrp="1"/>
+          </p:cNvSpPr>
+          <p:nvPr>
+            <p:ph type="title"/>
+          </p:nvPr>
+        </p:nvSpPr>
+        <p:spPr>
+          <a:xfrm>
+            <a:off x="504000" y="226080"/>
+            <a:ext cx="9071280" cy="946080"/>
+          </a:xfrm>
+          <a:prstGeom prst="rect">
+            <a:avLst/>
+          </a:prstGeom>
+        </p:spPr>
+        <p:txBody>
+          <a:bodyPr lIns="0" rIns="0" tIns="0" bIns="0" anchor="ctr">
+            <a:noAutofit/>
+          </a:bodyPr>
+          <a:p>
+            <a:pPr algn="ctr"/>
+            <a:endParaRPr b="0" lang="en-US" sz="4400" spc="-1" strike="noStrike">
+              <a:latin typeface="Arial"/>
+            </a:endParaRPr>
+          </a:p>
+        </p:txBody>
+      </p:sp>
+    </p:spTree>
+  </p:cSld>
+</p:sldLayout>
+</file>
+
+<file path=ppt/slideLayouts/slideLayout18.xml><?xml version="1.0" encoding="utf-8"?>
+<p:sldLayout xmlns:a="http://schemas.openxmlformats.org/drawingml/2006/main" xmlns:p="http://schemas.openxmlformats.org/presentationml/2006/main" xmlns:r="http://schemas.openxmlformats.org/officeDocument/2006/relationships" xmlns:p14="http://schemas.microsoft.com/office/powerpoint/2010/main" xmlns:p15="http://schemas.microsoft.com/office/powerpoint/2012/main" xmlns:mc="http://schemas.openxmlformats.org/markup-compatibility/2006" type="objOnly" preserve="1">
+  <p:cSld name="Centered Text">
+    <p:spTree>
+      <p:nvGrpSpPr>
+        <p:cNvPr id="1" name=""/>
+        <p:cNvGrpSpPr/>
+        <p:nvPr/>
+      </p:nvGrpSpPr>
+      <p:grpSpPr>
+        <a:xfrm>
+          <a:off x="0" y="0"/>
+          <a:ext cx="0" cy="0"/>
+          <a:chOff x="0" y="0"/>
+          <a:chExt cx="0" cy="0"/>
+        </a:xfrm>
+      </p:grpSpPr>
+      <p:sp>
+        <p:nvSpPr>
+          <p:cNvPr id="48" name="PlaceHolder 1"/>
+          <p:cNvSpPr>
+            <a:spLocks noGrp="1"/>
+          </p:cNvSpPr>
+          <p:nvPr>
+            <p:ph type="subTitle"/>
+          </p:nvPr>
+        </p:nvSpPr>
+        <p:spPr>
+          <a:xfrm>
+            <a:off x="504000" y="226080"/>
+            <a:ext cx="9071280" cy="4386600"/>
+          </a:xfrm>
+          <a:prstGeom prst="rect">
+            <a:avLst/>
+          </a:prstGeom>
+        </p:spPr>
+        <p:txBody>
+          <a:bodyPr lIns="0" rIns="0" tIns="0" bIns="0" anchor="ctr">
+            <a:noAutofit/>
+          </a:bodyPr>
+          <a:p>
+            <a:pPr algn="ctr"/>
+            <a:endParaRPr b="0" lang="en-US" sz="3200" spc="-1" strike="noStrike">
+              <a:latin typeface="Arial"/>
+            </a:endParaRPr>
+          </a:p>
+        </p:txBody>
+      </p:sp>
+    </p:spTree>
+  </p:cSld>
+</p:sldLayout>
+</file>
+
+<file path=ppt/slideLayouts/slideLayout19.xml><?xml version="1.0" encoding="utf-8"?>
+<p:sldLayout xmlns:a="http://schemas.openxmlformats.org/drawingml/2006/main" xmlns:p="http://schemas.openxmlformats.org/presentationml/2006/main" xmlns:r="http://schemas.openxmlformats.org/officeDocument/2006/relationships" xmlns:p14="http://schemas.microsoft.com/office/powerpoint/2010/main" xmlns:p15="http://schemas.microsoft.com/office/powerpoint/2012/main" xmlns:mc="http://schemas.openxmlformats.org/markup-compatibility/2006" type="twoObjAndObj" preserve="1">
+  <p:cSld name="Title, 2 Content and Content">
+    <p:spTree>
+      <p:nvGrpSpPr>
+        <p:cNvPr id="1" name=""/>
+        <p:cNvGrpSpPr/>
+        <p:nvPr/>
+      </p:nvGrpSpPr>
+      <p:grpSpPr>
+        <a:xfrm>
+          <a:off x="0" y="0"/>
+          <a:ext cx="0" cy="0"/>
+          <a:chOff x="0" y="0"/>
+          <a:chExt cx="0" cy="0"/>
+        </a:xfrm>
+      </p:grpSpPr>
+      <p:sp>
+        <p:nvSpPr>
+          <p:cNvPr id="49" name="PlaceHolder 1"/>
+          <p:cNvSpPr>
+            <a:spLocks noGrp="1"/>
+          </p:cNvSpPr>
+          <p:nvPr>
+            <p:ph type="title"/>
+          </p:nvPr>
+        </p:nvSpPr>
+        <p:spPr>
+          <a:xfrm>
+            <a:off x="504000" y="226080"/>
+            <a:ext cx="9071280" cy="946080"/>
+          </a:xfrm>
+          <a:prstGeom prst="rect">
+            <a:avLst/>
+          </a:prstGeom>
+        </p:spPr>
+        <p:txBody>
+          <a:bodyPr lIns="0" rIns="0" tIns="0" bIns="0" anchor="ctr">
+            <a:noAutofit/>
+          </a:bodyPr>
+          <a:p>
+            <a:pPr algn="ctr"/>
+            <a:endParaRPr b="0" lang="en-US" sz="4400" spc="-1" strike="noStrike">
+              <a:latin typeface="Arial"/>
+            </a:endParaRPr>
+          </a:p>
+        </p:txBody>
+      </p:sp>
+      <p:sp>
+        <p:nvSpPr>
+          <p:cNvPr id="50" name="PlaceHolder 2"/>
+          <p:cNvSpPr>
+            <a:spLocks noGrp="1"/>
+          </p:cNvSpPr>
+          <p:nvPr>
+            <p:ph type="body"/>
+          </p:nvPr>
+        </p:nvSpPr>
+        <p:spPr>
+          <a:xfrm>
+            <a:off x="504000" y="1326600"/>
+            <a:ext cx="4426560" cy="1568160"/>
+          </a:xfrm>
+          <a:prstGeom prst="rect">
+            <a:avLst/>
+          </a:prstGeom>
+        </p:spPr>
+        <p:txBody>
+          <a:bodyPr lIns="0" rIns="0" tIns="0" bIns="0">
+            <a:normAutofit/>
+          </a:bodyPr>
+          <a:p>
+            <a:endParaRPr b="0" lang="en-US" sz="3200" spc="-1" strike="noStrike">
+              <a:latin typeface="Arial"/>
+            </a:endParaRPr>
+          </a:p>
+        </p:txBody>
+      </p:sp>
+      <p:sp>
+        <p:nvSpPr>
+          <p:cNvPr id="51" name="PlaceHolder 3"/>
+          <p:cNvSpPr>
+            <a:spLocks noGrp="1"/>
+          </p:cNvSpPr>
+          <p:nvPr>
+            <p:ph type="body"/>
+          </p:nvPr>
+        </p:nvSpPr>
+        <p:spPr>
+          <a:xfrm>
+            <a:off x="5152320" y="1326600"/>
+            <a:ext cx="4426560" cy="3287880"/>
+          </a:xfrm>
+          <a:prstGeom prst="rect">
+            <a:avLst/>
+          </a:prstGeom>
+        </p:spPr>
+        <p:txBody>
+          <a:bodyPr lIns="0" rIns="0" tIns="0" bIns="0">
+            <a:normAutofit/>
+          </a:bodyPr>
+          <a:p>
+            <a:endParaRPr b="0" lang="en-US" sz="3200" spc="-1" strike="noStrike">
+              <a:latin typeface="Arial"/>
+            </a:endParaRPr>
+          </a:p>
+        </p:txBody>
+      </p:sp>
+      <p:sp>
+        <p:nvSpPr>
+          <p:cNvPr id="52" name="PlaceHolder 4"/>
+          <p:cNvSpPr>
+            <a:spLocks noGrp="1"/>
+          </p:cNvSpPr>
+          <p:nvPr>
+            <p:ph type="body"/>
+          </p:nvPr>
+        </p:nvSpPr>
+        <p:spPr>
+          <a:xfrm>
+            <a:off x="504000" y="3044160"/>
+            <a:ext cx="4426560" cy="1568160"/>
           </a:xfrm>
           <a:prstGeom prst="rect">
             <a:avLst/>
@@ -582,7 +1135,7 @@
       </p:grpSpPr>
       <p:sp>
         <p:nvSpPr>
-          <p:cNvPr id="5" name="PlaceHolder 1"/>
+          <p:cNvPr id="2" name="PlaceHolder 1"/>
           <p:cNvSpPr>
             <a:spLocks noGrp="1"/>
           </p:cNvSpPr>
@@ -593,7 +1146,7 @@
         <p:spPr>
           <a:xfrm>
             <a:off x="504000" y="226080"/>
-            <a:ext cx="9071640" cy="946440"/>
+            <a:ext cx="9071280" cy="946080"/>
           </a:xfrm>
           <a:prstGeom prst="rect">
             <a:avLst/>
@@ -613,7 +1166,7 @@
       </p:sp>
       <p:sp>
         <p:nvSpPr>
-          <p:cNvPr id="6" name="PlaceHolder 2"/>
+          <p:cNvPr id="3" name="PlaceHolder 2"/>
           <p:cNvSpPr>
             <a:spLocks noGrp="1"/>
           </p:cNvSpPr>
@@ -624,7 +1177,7 @@
         <p:spPr>
           <a:xfrm>
             <a:off x="504000" y="1326600"/>
-            <a:ext cx="9071640" cy="3288240"/>
+            <a:ext cx="9071280" cy="3287880"/>
           </a:xfrm>
           <a:prstGeom prst="rect">
             <a:avLst/>
@@ -636,6 +1189,811 @@
           </a:bodyPr>
           <a:p>
             <a:pPr algn="ctr"/>
+            <a:endParaRPr b="0" lang="en-US" sz="3200" spc="-1" strike="noStrike">
+              <a:latin typeface="Arial"/>
+            </a:endParaRPr>
+          </a:p>
+        </p:txBody>
+      </p:sp>
+    </p:spTree>
+  </p:cSld>
+</p:sldLayout>
+</file>
+
+<file path=ppt/slideLayouts/slideLayout20.xml><?xml version="1.0" encoding="utf-8"?>
+<p:sldLayout xmlns:a="http://schemas.openxmlformats.org/drawingml/2006/main" xmlns:p="http://schemas.openxmlformats.org/presentationml/2006/main" xmlns:r="http://schemas.openxmlformats.org/officeDocument/2006/relationships" xmlns:p14="http://schemas.microsoft.com/office/powerpoint/2010/main" xmlns:p15="http://schemas.microsoft.com/office/powerpoint/2012/main" xmlns:mc="http://schemas.openxmlformats.org/markup-compatibility/2006" type="objAndTwoObj" preserve="1">
+  <p:cSld name="Title Content and 2 Content">
+    <p:spTree>
+      <p:nvGrpSpPr>
+        <p:cNvPr id="1" name=""/>
+        <p:cNvGrpSpPr/>
+        <p:nvPr/>
+      </p:nvGrpSpPr>
+      <p:grpSpPr>
+        <a:xfrm>
+          <a:off x="0" y="0"/>
+          <a:ext cx="0" cy="0"/>
+          <a:chOff x="0" y="0"/>
+          <a:chExt cx="0" cy="0"/>
+        </a:xfrm>
+      </p:grpSpPr>
+      <p:sp>
+        <p:nvSpPr>
+          <p:cNvPr id="53" name="PlaceHolder 1"/>
+          <p:cNvSpPr>
+            <a:spLocks noGrp="1"/>
+          </p:cNvSpPr>
+          <p:nvPr>
+            <p:ph type="title"/>
+          </p:nvPr>
+        </p:nvSpPr>
+        <p:spPr>
+          <a:xfrm>
+            <a:off x="504000" y="226080"/>
+            <a:ext cx="9071280" cy="946080"/>
+          </a:xfrm>
+          <a:prstGeom prst="rect">
+            <a:avLst/>
+          </a:prstGeom>
+        </p:spPr>
+        <p:txBody>
+          <a:bodyPr lIns="0" rIns="0" tIns="0" bIns="0" anchor="ctr">
+            <a:noAutofit/>
+          </a:bodyPr>
+          <a:p>
+            <a:pPr algn="ctr"/>
+            <a:endParaRPr b="0" lang="en-US" sz="4400" spc="-1" strike="noStrike">
+              <a:latin typeface="Arial"/>
+            </a:endParaRPr>
+          </a:p>
+        </p:txBody>
+      </p:sp>
+      <p:sp>
+        <p:nvSpPr>
+          <p:cNvPr id="54" name="PlaceHolder 2"/>
+          <p:cNvSpPr>
+            <a:spLocks noGrp="1"/>
+          </p:cNvSpPr>
+          <p:nvPr>
+            <p:ph type="body"/>
+          </p:nvPr>
+        </p:nvSpPr>
+        <p:spPr>
+          <a:xfrm>
+            <a:off x="504000" y="1326600"/>
+            <a:ext cx="4426560" cy="3287880"/>
+          </a:xfrm>
+          <a:prstGeom prst="rect">
+            <a:avLst/>
+          </a:prstGeom>
+        </p:spPr>
+        <p:txBody>
+          <a:bodyPr lIns="0" rIns="0" tIns="0" bIns="0">
+            <a:normAutofit/>
+          </a:bodyPr>
+          <a:p>
+            <a:endParaRPr b="0" lang="en-US" sz="3200" spc="-1" strike="noStrike">
+              <a:latin typeface="Arial"/>
+            </a:endParaRPr>
+          </a:p>
+        </p:txBody>
+      </p:sp>
+      <p:sp>
+        <p:nvSpPr>
+          <p:cNvPr id="55" name="PlaceHolder 3"/>
+          <p:cNvSpPr>
+            <a:spLocks noGrp="1"/>
+          </p:cNvSpPr>
+          <p:nvPr>
+            <p:ph type="body"/>
+          </p:nvPr>
+        </p:nvSpPr>
+        <p:spPr>
+          <a:xfrm>
+            <a:off x="5152320" y="1326600"/>
+            <a:ext cx="4426560" cy="1568160"/>
+          </a:xfrm>
+          <a:prstGeom prst="rect">
+            <a:avLst/>
+          </a:prstGeom>
+        </p:spPr>
+        <p:txBody>
+          <a:bodyPr lIns="0" rIns="0" tIns="0" bIns="0">
+            <a:normAutofit/>
+          </a:bodyPr>
+          <a:p>
+            <a:endParaRPr b="0" lang="en-US" sz="3200" spc="-1" strike="noStrike">
+              <a:latin typeface="Arial"/>
+            </a:endParaRPr>
+          </a:p>
+        </p:txBody>
+      </p:sp>
+      <p:sp>
+        <p:nvSpPr>
+          <p:cNvPr id="56" name="PlaceHolder 4"/>
+          <p:cNvSpPr>
+            <a:spLocks noGrp="1"/>
+          </p:cNvSpPr>
+          <p:nvPr>
+            <p:ph type="body"/>
+          </p:nvPr>
+        </p:nvSpPr>
+        <p:spPr>
+          <a:xfrm>
+            <a:off x="5152320" y="3044160"/>
+            <a:ext cx="4426560" cy="1568160"/>
+          </a:xfrm>
+          <a:prstGeom prst="rect">
+            <a:avLst/>
+          </a:prstGeom>
+        </p:spPr>
+        <p:txBody>
+          <a:bodyPr lIns="0" rIns="0" tIns="0" bIns="0">
+            <a:normAutofit/>
+          </a:bodyPr>
+          <a:p>
+            <a:endParaRPr b="0" lang="en-US" sz="3200" spc="-1" strike="noStrike">
+              <a:latin typeface="Arial"/>
+            </a:endParaRPr>
+          </a:p>
+        </p:txBody>
+      </p:sp>
+    </p:spTree>
+  </p:cSld>
+</p:sldLayout>
+</file>
+
+<file path=ppt/slideLayouts/slideLayout21.xml><?xml version="1.0" encoding="utf-8"?>
+<p:sldLayout xmlns:a="http://schemas.openxmlformats.org/drawingml/2006/main" xmlns:p="http://schemas.openxmlformats.org/presentationml/2006/main" xmlns:r="http://schemas.openxmlformats.org/officeDocument/2006/relationships" xmlns:p14="http://schemas.microsoft.com/office/powerpoint/2010/main" xmlns:p15="http://schemas.microsoft.com/office/powerpoint/2012/main" xmlns:mc="http://schemas.openxmlformats.org/markup-compatibility/2006" type="twoObjOverTx" preserve="1">
+  <p:cSld name="Title, 2 Content over Content">
+    <p:spTree>
+      <p:nvGrpSpPr>
+        <p:cNvPr id="1" name=""/>
+        <p:cNvGrpSpPr/>
+        <p:nvPr/>
+      </p:nvGrpSpPr>
+      <p:grpSpPr>
+        <a:xfrm>
+          <a:off x="0" y="0"/>
+          <a:ext cx="0" cy="0"/>
+          <a:chOff x="0" y="0"/>
+          <a:chExt cx="0" cy="0"/>
+        </a:xfrm>
+      </p:grpSpPr>
+      <p:sp>
+        <p:nvSpPr>
+          <p:cNvPr id="57" name="PlaceHolder 1"/>
+          <p:cNvSpPr>
+            <a:spLocks noGrp="1"/>
+          </p:cNvSpPr>
+          <p:nvPr>
+            <p:ph type="title"/>
+          </p:nvPr>
+        </p:nvSpPr>
+        <p:spPr>
+          <a:xfrm>
+            <a:off x="504000" y="226080"/>
+            <a:ext cx="9071280" cy="946080"/>
+          </a:xfrm>
+          <a:prstGeom prst="rect">
+            <a:avLst/>
+          </a:prstGeom>
+        </p:spPr>
+        <p:txBody>
+          <a:bodyPr lIns="0" rIns="0" tIns="0" bIns="0" anchor="ctr">
+            <a:noAutofit/>
+          </a:bodyPr>
+          <a:p>
+            <a:pPr algn="ctr"/>
+            <a:endParaRPr b="0" lang="en-US" sz="4400" spc="-1" strike="noStrike">
+              <a:latin typeface="Arial"/>
+            </a:endParaRPr>
+          </a:p>
+        </p:txBody>
+      </p:sp>
+      <p:sp>
+        <p:nvSpPr>
+          <p:cNvPr id="58" name="PlaceHolder 2"/>
+          <p:cNvSpPr>
+            <a:spLocks noGrp="1"/>
+          </p:cNvSpPr>
+          <p:nvPr>
+            <p:ph type="body"/>
+          </p:nvPr>
+        </p:nvSpPr>
+        <p:spPr>
+          <a:xfrm>
+            <a:off x="504000" y="1326600"/>
+            <a:ext cx="4426560" cy="1568160"/>
+          </a:xfrm>
+          <a:prstGeom prst="rect">
+            <a:avLst/>
+          </a:prstGeom>
+        </p:spPr>
+        <p:txBody>
+          <a:bodyPr lIns="0" rIns="0" tIns="0" bIns="0">
+            <a:normAutofit/>
+          </a:bodyPr>
+          <a:p>
+            <a:endParaRPr b="0" lang="en-US" sz="3200" spc="-1" strike="noStrike">
+              <a:latin typeface="Arial"/>
+            </a:endParaRPr>
+          </a:p>
+        </p:txBody>
+      </p:sp>
+      <p:sp>
+        <p:nvSpPr>
+          <p:cNvPr id="59" name="PlaceHolder 3"/>
+          <p:cNvSpPr>
+            <a:spLocks noGrp="1"/>
+          </p:cNvSpPr>
+          <p:nvPr>
+            <p:ph type="body"/>
+          </p:nvPr>
+        </p:nvSpPr>
+        <p:spPr>
+          <a:xfrm>
+            <a:off x="5152320" y="1326600"/>
+            <a:ext cx="4426560" cy="1568160"/>
+          </a:xfrm>
+          <a:prstGeom prst="rect">
+            <a:avLst/>
+          </a:prstGeom>
+        </p:spPr>
+        <p:txBody>
+          <a:bodyPr lIns="0" rIns="0" tIns="0" bIns="0">
+            <a:normAutofit/>
+          </a:bodyPr>
+          <a:p>
+            <a:endParaRPr b="0" lang="en-US" sz="3200" spc="-1" strike="noStrike">
+              <a:latin typeface="Arial"/>
+            </a:endParaRPr>
+          </a:p>
+        </p:txBody>
+      </p:sp>
+      <p:sp>
+        <p:nvSpPr>
+          <p:cNvPr id="60" name="PlaceHolder 4"/>
+          <p:cNvSpPr>
+            <a:spLocks noGrp="1"/>
+          </p:cNvSpPr>
+          <p:nvPr>
+            <p:ph type="body"/>
+          </p:nvPr>
+        </p:nvSpPr>
+        <p:spPr>
+          <a:xfrm>
+            <a:off x="504000" y="3044160"/>
+            <a:ext cx="9071280" cy="1568160"/>
+          </a:xfrm>
+          <a:prstGeom prst="rect">
+            <a:avLst/>
+          </a:prstGeom>
+        </p:spPr>
+        <p:txBody>
+          <a:bodyPr lIns="0" rIns="0" tIns="0" bIns="0">
+            <a:normAutofit/>
+          </a:bodyPr>
+          <a:p>
+            <a:endParaRPr b="0" lang="en-US" sz="3200" spc="-1" strike="noStrike">
+              <a:latin typeface="Arial"/>
+            </a:endParaRPr>
+          </a:p>
+        </p:txBody>
+      </p:sp>
+    </p:spTree>
+  </p:cSld>
+</p:sldLayout>
+</file>
+
+<file path=ppt/slideLayouts/slideLayout22.xml><?xml version="1.0" encoding="utf-8"?>
+<p:sldLayout xmlns:a="http://schemas.openxmlformats.org/drawingml/2006/main" xmlns:p="http://schemas.openxmlformats.org/presentationml/2006/main" xmlns:r="http://schemas.openxmlformats.org/officeDocument/2006/relationships" xmlns:p14="http://schemas.microsoft.com/office/powerpoint/2010/main" xmlns:p15="http://schemas.microsoft.com/office/powerpoint/2012/main" xmlns:mc="http://schemas.openxmlformats.org/markup-compatibility/2006" type="objOverTx" preserve="1">
+  <p:cSld name="Title, Content over Content">
+    <p:spTree>
+      <p:nvGrpSpPr>
+        <p:cNvPr id="1" name=""/>
+        <p:cNvGrpSpPr/>
+        <p:nvPr/>
+      </p:nvGrpSpPr>
+      <p:grpSpPr>
+        <a:xfrm>
+          <a:off x="0" y="0"/>
+          <a:ext cx="0" cy="0"/>
+          <a:chOff x="0" y="0"/>
+          <a:chExt cx="0" cy="0"/>
+        </a:xfrm>
+      </p:grpSpPr>
+      <p:sp>
+        <p:nvSpPr>
+          <p:cNvPr id="61" name="PlaceHolder 1"/>
+          <p:cNvSpPr>
+            <a:spLocks noGrp="1"/>
+          </p:cNvSpPr>
+          <p:nvPr>
+            <p:ph type="title"/>
+          </p:nvPr>
+        </p:nvSpPr>
+        <p:spPr>
+          <a:xfrm>
+            <a:off x="504000" y="226080"/>
+            <a:ext cx="9071280" cy="946080"/>
+          </a:xfrm>
+          <a:prstGeom prst="rect">
+            <a:avLst/>
+          </a:prstGeom>
+        </p:spPr>
+        <p:txBody>
+          <a:bodyPr lIns="0" rIns="0" tIns="0" bIns="0" anchor="ctr">
+            <a:noAutofit/>
+          </a:bodyPr>
+          <a:p>
+            <a:pPr algn="ctr"/>
+            <a:endParaRPr b="0" lang="en-US" sz="4400" spc="-1" strike="noStrike">
+              <a:latin typeface="Arial"/>
+            </a:endParaRPr>
+          </a:p>
+        </p:txBody>
+      </p:sp>
+      <p:sp>
+        <p:nvSpPr>
+          <p:cNvPr id="62" name="PlaceHolder 2"/>
+          <p:cNvSpPr>
+            <a:spLocks noGrp="1"/>
+          </p:cNvSpPr>
+          <p:nvPr>
+            <p:ph type="body"/>
+          </p:nvPr>
+        </p:nvSpPr>
+        <p:spPr>
+          <a:xfrm>
+            <a:off x="504000" y="1326600"/>
+            <a:ext cx="9071280" cy="1568160"/>
+          </a:xfrm>
+          <a:prstGeom prst="rect">
+            <a:avLst/>
+          </a:prstGeom>
+        </p:spPr>
+        <p:txBody>
+          <a:bodyPr lIns="0" rIns="0" tIns="0" bIns="0">
+            <a:normAutofit/>
+          </a:bodyPr>
+          <a:p>
+            <a:endParaRPr b="0" lang="en-US" sz="3200" spc="-1" strike="noStrike">
+              <a:latin typeface="Arial"/>
+            </a:endParaRPr>
+          </a:p>
+        </p:txBody>
+      </p:sp>
+      <p:sp>
+        <p:nvSpPr>
+          <p:cNvPr id="63" name="PlaceHolder 3"/>
+          <p:cNvSpPr>
+            <a:spLocks noGrp="1"/>
+          </p:cNvSpPr>
+          <p:nvPr>
+            <p:ph type="body"/>
+          </p:nvPr>
+        </p:nvSpPr>
+        <p:spPr>
+          <a:xfrm>
+            <a:off x="504000" y="3044160"/>
+            <a:ext cx="9071280" cy="1568160"/>
+          </a:xfrm>
+          <a:prstGeom prst="rect">
+            <a:avLst/>
+          </a:prstGeom>
+        </p:spPr>
+        <p:txBody>
+          <a:bodyPr lIns="0" rIns="0" tIns="0" bIns="0">
+            <a:normAutofit/>
+          </a:bodyPr>
+          <a:p>
+            <a:endParaRPr b="0" lang="en-US" sz="3200" spc="-1" strike="noStrike">
+              <a:latin typeface="Arial"/>
+            </a:endParaRPr>
+          </a:p>
+        </p:txBody>
+      </p:sp>
+    </p:spTree>
+  </p:cSld>
+</p:sldLayout>
+</file>
+
+<file path=ppt/slideLayouts/slideLayout23.xml><?xml version="1.0" encoding="utf-8"?>
+<p:sldLayout xmlns:a="http://schemas.openxmlformats.org/drawingml/2006/main" xmlns:p="http://schemas.openxmlformats.org/presentationml/2006/main" xmlns:r="http://schemas.openxmlformats.org/officeDocument/2006/relationships" xmlns:p14="http://schemas.microsoft.com/office/powerpoint/2010/main" xmlns:p15="http://schemas.microsoft.com/office/powerpoint/2012/main" xmlns:mc="http://schemas.openxmlformats.org/markup-compatibility/2006" type="fourObj" preserve="1">
+  <p:cSld name="Title, 4 Content">
+    <p:spTree>
+      <p:nvGrpSpPr>
+        <p:cNvPr id="1" name=""/>
+        <p:cNvGrpSpPr/>
+        <p:nvPr/>
+      </p:nvGrpSpPr>
+      <p:grpSpPr>
+        <a:xfrm>
+          <a:off x="0" y="0"/>
+          <a:ext cx="0" cy="0"/>
+          <a:chOff x="0" y="0"/>
+          <a:chExt cx="0" cy="0"/>
+        </a:xfrm>
+      </p:grpSpPr>
+      <p:sp>
+        <p:nvSpPr>
+          <p:cNvPr id="64" name="PlaceHolder 1"/>
+          <p:cNvSpPr>
+            <a:spLocks noGrp="1"/>
+          </p:cNvSpPr>
+          <p:nvPr>
+            <p:ph type="title"/>
+          </p:nvPr>
+        </p:nvSpPr>
+        <p:spPr>
+          <a:xfrm>
+            <a:off x="504000" y="226080"/>
+            <a:ext cx="9071280" cy="946080"/>
+          </a:xfrm>
+          <a:prstGeom prst="rect">
+            <a:avLst/>
+          </a:prstGeom>
+        </p:spPr>
+        <p:txBody>
+          <a:bodyPr lIns="0" rIns="0" tIns="0" bIns="0" anchor="ctr">
+            <a:noAutofit/>
+          </a:bodyPr>
+          <a:p>
+            <a:pPr algn="ctr"/>
+            <a:endParaRPr b="0" lang="en-US" sz="4400" spc="-1" strike="noStrike">
+              <a:latin typeface="Arial"/>
+            </a:endParaRPr>
+          </a:p>
+        </p:txBody>
+      </p:sp>
+      <p:sp>
+        <p:nvSpPr>
+          <p:cNvPr id="65" name="PlaceHolder 2"/>
+          <p:cNvSpPr>
+            <a:spLocks noGrp="1"/>
+          </p:cNvSpPr>
+          <p:nvPr>
+            <p:ph type="body"/>
+          </p:nvPr>
+        </p:nvSpPr>
+        <p:spPr>
+          <a:xfrm>
+            <a:off x="504000" y="1326600"/>
+            <a:ext cx="4426560" cy="1568160"/>
+          </a:xfrm>
+          <a:prstGeom prst="rect">
+            <a:avLst/>
+          </a:prstGeom>
+        </p:spPr>
+        <p:txBody>
+          <a:bodyPr lIns="0" rIns="0" tIns="0" bIns="0">
+            <a:normAutofit/>
+          </a:bodyPr>
+          <a:p>
+            <a:endParaRPr b="0" lang="en-US" sz="3200" spc="-1" strike="noStrike">
+              <a:latin typeface="Arial"/>
+            </a:endParaRPr>
+          </a:p>
+        </p:txBody>
+      </p:sp>
+      <p:sp>
+        <p:nvSpPr>
+          <p:cNvPr id="66" name="PlaceHolder 3"/>
+          <p:cNvSpPr>
+            <a:spLocks noGrp="1"/>
+          </p:cNvSpPr>
+          <p:nvPr>
+            <p:ph type="body"/>
+          </p:nvPr>
+        </p:nvSpPr>
+        <p:spPr>
+          <a:xfrm>
+            <a:off x="5152320" y="1326600"/>
+            <a:ext cx="4426560" cy="1568160"/>
+          </a:xfrm>
+          <a:prstGeom prst="rect">
+            <a:avLst/>
+          </a:prstGeom>
+        </p:spPr>
+        <p:txBody>
+          <a:bodyPr lIns="0" rIns="0" tIns="0" bIns="0">
+            <a:normAutofit/>
+          </a:bodyPr>
+          <a:p>
+            <a:endParaRPr b="0" lang="en-US" sz="3200" spc="-1" strike="noStrike">
+              <a:latin typeface="Arial"/>
+            </a:endParaRPr>
+          </a:p>
+        </p:txBody>
+      </p:sp>
+      <p:sp>
+        <p:nvSpPr>
+          <p:cNvPr id="67" name="PlaceHolder 4"/>
+          <p:cNvSpPr>
+            <a:spLocks noGrp="1"/>
+          </p:cNvSpPr>
+          <p:nvPr>
+            <p:ph type="body"/>
+          </p:nvPr>
+        </p:nvSpPr>
+        <p:spPr>
+          <a:xfrm>
+            <a:off x="504000" y="3044160"/>
+            <a:ext cx="4426560" cy="1568160"/>
+          </a:xfrm>
+          <a:prstGeom prst="rect">
+            <a:avLst/>
+          </a:prstGeom>
+        </p:spPr>
+        <p:txBody>
+          <a:bodyPr lIns="0" rIns="0" tIns="0" bIns="0">
+            <a:normAutofit/>
+          </a:bodyPr>
+          <a:p>
+            <a:endParaRPr b="0" lang="en-US" sz="3200" spc="-1" strike="noStrike">
+              <a:latin typeface="Arial"/>
+            </a:endParaRPr>
+          </a:p>
+        </p:txBody>
+      </p:sp>
+      <p:sp>
+        <p:nvSpPr>
+          <p:cNvPr id="68" name="PlaceHolder 5"/>
+          <p:cNvSpPr>
+            <a:spLocks noGrp="1"/>
+          </p:cNvSpPr>
+          <p:nvPr>
+            <p:ph type="body"/>
+          </p:nvPr>
+        </p:nvSpPr>
+        <p:spPr>
+          <a:xfrm>
+            <a:off x="5152320" y="3044160"/>
+            <a:ext cx="4426560" cy="1568160"/>
+          </a:xfrm>
+          <a:prstGeom prst="rect">
+            <a:avLst/>
+          </a:prstGeom>
+        </p:spPr>
+        <p:txBody>
+          <a:bodyPr lIns="0" rIns="0" tIns="0" bIns="0">
+            <a:normAutofit/>
+          </a:bodyPr>
+          <a:p>
+            <a:endParaRPr b="0" lang="en-US" sz="3200" spc="-1" strike="noStrike">
+              <a:latin typeface="Arial"/>
+            </a:endParaRPr>
+          </a:p>
+        </p:txBody>
+      </p:sp>
+    </p:spTree>
+  </p:cSld>
+</p:sldLayout>
+</file>
+
+<file path=ppt/slideLayouts/slideLayout24.xml><?xml version="1.0" encoding="utf-8"?>
+<p:sldLayout xmlns:a="http://schemas.openxmlformats.org/drawingml/2006/main" xmlns:p="http://schemas.openxmlformats.org/presentationml/2006/main" xmlns:r="http://schemas.openxmlformats.org/officeDocument/2006/relationships" xmlns:p14="http://schemas.microsoft.com/office/powerpoint/2010/main" xmlns:p15="http://schemas.microsoft.com/office/powerpoint/2012/main" xmlns:mc="http://schemas.openxmlformats.org/markup-compatibility/2006" type="blank" preserve="1">
+  <p:cSld name="Title, 6 Content">
+    <p:spTree>
+      <p:nvGrpSpPr>
+        <p:cNvPr id="1" name=""/>
+        <p:cNvGrpSpPr/>
+        <p:nvPr/>
+      </p:nvGrpSpPr>
+      <p:grpSpPr>
+        <a:xfrm>
+          <a:off x="0" y="0"/>
+          <a:ext cx="0" cy="0"/>
+          <a:chOff x="0" y="0"/>
+          <a:chExt cx="0" cy="0"/>
+        </a:xfrm>
+      </p:grpSpPr>
+      <p:sp>
+        <p:nvSpPr>
+          <p:cNvPr id="69" name="PlaceHolder 1"/>
+          <p:cNvSpPr>
+            <a:spLocks noGrp="1"/>
+          </p:cNvSpPr>
+          <p:nvPr>
+            <p:ph type="title"/>
+          </p:nvPr>
+        </p:nvSpPr>
+        <p:spPr>
+          <a:xfrm>
+            <a:off x="504000" y="226080"/>
+            <a:ext cx="9071280" cy="946080"/>
+          </a:xfrm>
+          <a:prstGeom prst="rect">
+            <a:avLst/>
+          </a:prstGeom>
+        </p:spPr>
+        <p:txBody>
+          <a:bodyPr lIns="0" rIns="0" tIns="0" bIns="0" anchor="ctr">
+            <a:noAutofit/>
+          </a:bodyPr>
+          <a:p>
+            <a:pPr algn="ctr"/>
+            <a:endParaRPr b="0" lang="en-US" sz="4400" spc="-1" strike="noStrike">
+              <a:latin typeface="Arial"/>
+            </a:endParaRPr>
+          </a:p>
+        </p:txBody>
+      </p:sp>
+      <p:sp>
+        <p:nvSpPr>
+          <p:cNvPr id="70" name="PlaceHolder 2"/>
+          <p:cNvSpPr>
+            <a:spLocks noGrp="1"/>
+          </p:cNvSpPr>
+          <p:nvPr>
+            <p:ph type="body"/>
+          </p:nvPr>
+        </p:nvSpPr>
+        <p:spPr>
+          <a:xfrm>
+            <a:off x="504000" y="1326600"/>
+            <a:ext cx="2920680" cy="1568160"/>
+          </a:xfrm>
+          <a:prstGeom prst="rect">
+            <a:avLst/>
+          </a:prstGeom>
+        </p:spPr>
+        <p:txBody>
+          <a:bodyPr lIns="0" rIns="0" tIns="0" bIns="0">
+            <a:normAutofit/>
+          </a:bodyPr>
+          <a:p>
+            <a:endParaRPr b="0" lang="en-US" sz="3200" spc="-1" strike="noStrike">
+              <a:latin typeface="Arial"/>
+            </a:endParaRPr>
+          </a:p>
+        </p:txBody>
+      </p:sp>
+      <p:sp>
+        <p:nvSpPr>
+          <p:cNvPr id="71" name="PlaceHolder 3"/>
+          <p:cNvSpPr>
+            <a:spLocks noGrp="1"/>
+          </p:cNvSpPr>
+          <p:nvPr>
+            <p:ph type="body"/>
+          </p:nvPr>
+        </p:nvSpPr>
+        <p:spPr>
+          <a:xfrm>
+            <a:off x="3571200" y="1326600"/>
+            <a:ext cx="2920680" cy="1568160"/>
+          </a:xfrm>
+          <a:prstGeom prst="rect">
+            <a:avLst/>
+          </a:prstGeom>
+        </p:spPr>
+        <p:txBody>
+          <a:bodyPr lIns="0" rIns="0" tIns="0" bIns="0">
+            <a:normAutofit/>
+          </a:bodyPr>
+          <a:p>
+            <a:endParaRPr b="0" lang="en-US" sz="3200" spc="-1" strike="noStrike">
+              <a:latin typeface="Arial"/>
+            </a:endParaRPr>
+          </a:p>
+        </p:txBody>
+      </p:sp>
+      <p:sp>
+        <p:nvSpPr>
+          <p:cNvPr id="72" name="PlaceHolder 4"/>
+          <p:cNvSpPr>
+            <a:spLocks noGrp="1"/>
+          </p:cNvSpPr>
+          <p:nvPr>
+            <p:ph type="body"/>
+          </p:nvPr>
+        </p:nvSpPr>
+        <p:spPr>
+          <a:xfrm>
+            <a:off x="6638040" y="1326600"/>
+            <a:ext cx="2920680" cy="1568160"/>
+          </a:xfrm>
+          <a:prstGeom prst="rect">
+            <a:avLst/>
+          </a:prstGeom>
+        </p:spPr>
+        <p:txBody>
+          <a:bodyPr lIns="0" rIns="0" tIns="0" bIns="0">
+            <a:normAutofit/>
+          </a:bodyPr>
+          <a:p>
+            <a:endParaRPr b="0" lang="en-US" sz="3200" spc="-1" strike="noStrike">
+              <a:latin typeface="Arial"/>
+            </a:endParaRPr>
+          </a:p>
+        </p:txBody>
+      </p:sp>
+      <p:sp>
+        <p:nvSpPr>
+          <p:cNvPr id="73" name="PlaceHolder 5"/>
+          <p:cNvSpPr>
+            <a:spLocks noGrp="1"/>
+          </p:cNvSpPr>
+          <p:nvPr>
+            <p:ph type="body"/>
+          </p:nvPr>
+        </p:nvSpPr>
+        <p:spPr>
+          <a:xfrm>
+            <a:off x="504000" y="3044160"/>
+            <a:ext cx="2920680" cy="1568160"/>
+          </a:xfrm>
+          <a:prstGeom prst="rect">
+            <a:avLst/>
+          </a:prstGeom>
+        </p:spPr>
+        <p:txBody>
+          <a:bodyPr lIns="0" rIns="0" tIns="0" bIns="0">
+            <a:normAutofit/>
+          </a:bodyPr>
+          <a:p>
+            <a:endParaRPr b="0" lang="en-US" sz="3200" spc="-1" strike="noStrike">
+              <a:latin typeface="Arial"/>
+            </a:endParaRPr>
+          </a:p>
+        </p:txBody>
+      </p:sp>
+      <p:sp>
+        <p:nvSpPr>
+          <p:cNvPr id="74" name="PlaceHolder 6"/>
+          <p:cNvSpPr>
+            <a:spLocks noGrp="1"/>
+          </p:cNvSpPr>
+          <p:nvPr>
+            <p:ph type="body"/>
+          </p:nvPr>
+        </p:nvSpPr>
+        <p:spPr>
+          <a:xfrm>
+            <a:off x="3571200" y="3044160"/>
+            <a:ext cx="2920680" cy="1568160"/>
+          </a:xfrm>
+          <a:prstGeom prst="rect">
+            <a:avLst/>
+          </a:prstGeom>
+        </p:spPr>
+        <p:txBody>
+          <a:bodyPr lIns="0" rIns="0" tIns="0" bIns="0">
+            <a:normAutofit/>
+          </a:bodyPr>
+          <a:p>
+            <a:endParaRPr b="0" lang="en-US" sz="3200" spc="-1" strike="noStrike">
+              <a:latin typeface="Arial"/>
+            </a:endParaRPr>
+          </a:p>
+        </p:txBody>
+      </p:sp>
+      <p:sp>
+        <p:nvSpPr>
+          <p:cNvPr id="75" name="PlaceHolder 7"/>
+          <p:cNvSpPr>
+            <a:spLocks noGrp="1"/>
+          </p:cNvSpPr>
+          <p:nvPr>
+            <p:ph type="body"/>
+          </p:nvPr>
+        </p:nvSpPr>
+        <p:spPr>
+          <a:xfrm>
+            <a:off x="6638040" y="3044160"/>
+            <a:ext cx="2920680" cy="1568160"/>
+          </a:xfrm>
+          <a:prstGeom prst="rect">
+            <a:avLst/>
+          </a:prstGeom>
+        </p:spPr>
+        <p:txBody>
+          <a:bodyPr lIns="0" rIns="0" tIns="0" bIns="0">
+            <a:normAutofit/>
+          </a:bodyPr>
+          <a:p>
             <a:endParaRPr b="0" lang="en-US" sz="3200" spc="-1" strike="noStrike">
               <a:latin typeface="Arial"/>
             </a:endParaRPr>
@@ -666,7 +2024,7 @@
       </p:grpSpPr>
       <p:sp>
         <p:nvSpPr>
-          <p:cNvPr id="7" name="PlaceHolder 1"/>
+          <p:cNvPr id="4" name="PlaceHolder 1"/>
           <p:cNvSpPr>
             <a:spLocks noGrp="1"/>
           </p:cNvSpPr>
@@ -677,7 +2035,7 @@
         <p:spPr>
           <a:xfrm>
             <a:off x="504000" y="226080"/>
-            <a:ext cx="9071640" cy="946440"/>
+            <a:ext cx="9071280" cy="946080"/>
           </a:xfrm>
           <a:prstGeom prst="rect">
             <a:avLst/>
@@ -697,7 +2055,7 @@
       </p:sp>
       <p:sp>
         <p:nvSpPr>
-          <p:cNvPr id="8" name="PlaceHolder 2"/>
+          <p:cNvPr id="5" name="PlaceHolder 2"/>
           <p:cNvSpPr>
             <a:spLocks noGrp="1"/>
           </p:cNvSpPr>
@@ -708,7 +2066,7 @@
         <p:spPr>
           <a:xfrm>
             <a:off x="504000" y="1326600"/>
-            <a:ext cx="9071640" cy="3288240"/>
+            <a:ext cx="9071280" cy="3287880"/>
           </a:xfrm>
           <a:prstGeom prst="rect">
             <a:avLst/>
@@ -749,7 +2107,7 @@
       </p:grpSpPr>
       <p:sp>
         <p:nvSpPr>
-          <p:cNvPr id="9" name="PlaceHolder 1"/>
+          <p:cNvPr id="6" name="PlaceHolder 1"/>
           <p:cNvSpPr>
             <a:spLocks noGrp="1"/>
           </p:cNvSpPr>
@@ -760,7 +2118,7 @@
         <p:spPr>
           <a:xfrm>
             <a:off x="504000" y="226080"/>
-            <a:ext cx="9071640" cy="946440"/>
+            <a:ext cx="9071280" cy="946080"/>
           </a:xfrm>
           <a:prstGeom prst="rect">
             <a:avLst/>
@@ -780,7 +2138,7 @@
       </p:sp>
       <p:sp>
         <p:nvSpPr>
-          <p:cNvPr id="10" name="PlaceHolder 2"/>
+          <p:cNvPr id="7" name="PlaceHolder 2"/>
           <p:cNvSpPr>
             <a:spLocks noGrp="1"/>
           </p:cNvSpPr>
@@ -791,7 +2149,7 @@
         <p:spPr>
           <a:xfrm>
             <a:off x="504000" y="1326600"/>
-            <a:ext cx="4426920" cy="3288240"/>
+            <a:ext cx="4426560" cy="3287880"/>
           </a:xfrm>
           <a:prstGeom prst="rect">
             <a:avLst/>
@@ -810,7 +2168,7 @@
       </p:sp>
       <p:sp>
         <p:nvSpPr>
-          <p:cNvPr id="11" name="PlaceHolder 3"/>
+          <p:cNvPr id="8" name="PlaceHolder 3"/>
           <p:cNvSpPr>
             <a:spLocks noGrp="1"/>
           </p:cNvSpPr>
@@ -820,8 +2178,8 @@
         </p:nvSpPr>
         <p:spPr>
           <a:xfrm>
-            <a:off x="5152680" y="1326600"/>
-            <a:ext cx="4426920" cy="3288240"/>
+            <a:off x="5152320" y="1326600"/>
+            <a:ext cx="4426560" cy="3287880"/>
           </a:xfrm>
           <a:prstGeom prst="rect">
             <a:avLst/>
@@ -862,7 +2220,7 @@
       </p:grpSpPr>
       <p:sp>
         <p:nvSpPr>
-          <p:cNvPr id="12" name="PlaceHolder 1"/>
+          <p:cNvPr id="9" name="PlaceHolder 1"/>
           <p:cNvSpPr>
             <a:spLocks noGrp="1"/>
           </p:cNvSpPr>
@@ -873,7 +2231,7 @@
         <p:spPr>
           <a:xfrm>
             <a:off x="504000" y="226080"/>
-            <a:ext cx="9071640" cy="946440"/>
+            <a:ext cx="9071280" cy="946080"/>
           </a:xfrm>
           <a:prstGeom prst="rect">
             <a:avLst/>
@@ -915,7 +2273,7 @@
       </p:grpSpPr>
       <p:sp>
         <p:nvSpPr>
-          <p:cNvPr id="13" name="PlaceHolder 1"/>
+          <p:cNvPr id="10" name="PlaceHolder 1"/>
           <p:cNvSpPr>
             <a:spLocks noGrp="1"/>
           </p:cNvSpPr>
@@ -926,7 +2284,7 @@
         <p:spPr>
           <a:xfrm>
             <a:off x="504000" y="226080"/>
-            <a:ext cx="9071640" cy="4388400"/>
+            <a:ext cx="9071280" cy="4386600"/>
           </a:xfrm>
           <a:prstGeom prst="rect">
             <a:avLst/>
@@ -968,7 +2326,7 @@
       </p:grpSpPr>
       <p:sp>
         <p:nvSpPr>
-          <p:cNvPr id="14" name="PlaceHolder 1"/>
+          <p:cNvPr id="11" name="PlaceHolder 1"/>
           <p:cNvSpPr>
             <a:spLocks noGrp="1"/>
           </p:cNvSpPr>
@@ -979,7 +2337,7 @@
         <p:spPr>
           <a:xfrm>
             <a:off x="504000" y="226080"/>
-            <a:ext cx="9071640" cy="946440"/>
+            <a:ext cx="9071280" cy="946080"/>
           </a:xfrm>
           <a:prstGeom prst="rect">
             <a:avLst/>
@@ -999,7 +2357,7 @@
       </p:sp>
       <p:sp>
         <p:nvSpPr>
-          <p:cNvPr id="15" name="PlaceHolder 2"/>
+          <p:cNvPr id="12" name="PlaceHolder 2"/>
           <p:cNvSpPr>
             <a:spLocks noGrp="1"/>
           </p:cNvSpPr>
@@ -1010,7 +2368,7 @@
         <p:spPr>
           <a:xfrm>
             <a:off x="504000" y="1326600"/>
-            <a:ext cx="4426920" cy="1568160"/>
+            <a:ext cx="4426560" cy="1568160"/>
           </a:xfrm>
           <a:prstGeom prst="rect">
             <a:avLst/>
@@ -1029,7 +2387,7 @@
       </p:sp>
       <p:sp>
         <p:nvSpPr>
-          <p:cNvPr id="16" name="PlaceHolder 3"/>
+          <p:cNvPr id="13" name="PlaceHolder 3"/>
           <p:cNvSpPr>
             <a:spLocks noGrp="1"/>
           </p:cNvSpPr>
@@ -1039,8 +2397,8 @@
         </p:nvSpPr>
         <p:spPr>
           <a:xfrm>
-            <a:off x="5152680" y="1326600"/>
-            <a:ext cx="4426920" cy="3288240"/>
+            <a:off x="5152320" y="1326600"/>
+            <a:ext cx="4426560" cy="3287880"/>
           </a:xfrm>
           <a:prstGeom prst="rect">
             <a:avLst/>
@@ -1059,7 +2417,7 @@
       </p:sp>
       <p:sp>
         <p:nvSpPr>
-          <p:cNvPr id="17" name="PlaceHolder 4"/>
+          <p:cNvPr id="14" name="PlaceHolder 4"/>
           <p:cNvSpPr>
             <a:spLocks noGrp="1"/>
           </p:cNvSpPr>
@@ -1070,7 +2428,7 @@
         <p:spPr>
           <a:xfrm>
             <a:off x="504000" y="3044160"/>
-            <a:ext cx="4426920" cy="1568160"/>
+            <a:ext cx="4426560" cy="1568160"/>
           </a:xfrm>
           <a:prstGeom prst="rect">
             <a:avLst/>
@@ -1111,7 +2469,7 @@
       </p:grpSpPr>
       <p:sp>
         <p:nvSpPr>
-          <p:cNvPr id="18" name="PlaceHolder 1"/>
+          <p:cNvPr id="15" name="PlaceHolder 1"/>
           <p:cNvSpPr>
             <a:spLocks noGrp="1"/>
           </p:cNvSpPr>
@@ -1122,7 +2480,7 @@
         <p:spPr>
           <a:xfrm>
             <a:off x="504000" y="226080"/>
-            <a:ext cx="9071640" cy="946440"/>
+            <a:ext cx="9071280" cy="946080"/>
           </a:xfrm>
           <a:prstGeom prst="rect">
             <a:avLst/>
@@ -1142,7 +2500,7 @@
       </p:sp>
       <p:sp>
         <p:nvSpPr>
-          <p:cNvPr id="19" name="PlaceHolder 2"/>
+          <p:cNvPr id="16" name="PlaceHolder 2"/>
           <p:cNvSpPr>
             <a:spLocks noGrp="1"/>
           </p:cNvSpPr>
@@ -1153,7 +2511,7 @@
         <p:spPr>
           <a:xfrm>
             <a:off x="504000" y="1326600"/>
-            <a:ext cx="4426920" cy="3288240"/>
+            <a:ext cx="4426560" cy="3287880"/>
           </a:xfrm>
           <a:prstGeom prst="rect">
             <a:avLst/>
@@ -1172,7 +2530,7 @@
       </p:sp>
       <p:sp>
         <p:nvSpPr>
-          <p:cNvPr id="20" name="PlaceHolder 3"/>
+          <p:cNvPr id="17" name="PlaceHolder 3"/>
           <p:cNvSpPr>
             <a:spLocks noGrp="1"/>
           </p:cNvSpPr>
@@ -1182,8 +2540,8 @@
         </p:nvSpPr>
         <p:spPr>
           <a:xfrm>
-            <a:off x="5152680" y="1326600"/>
-            <a:ext cx="4426920" cy="1568160"/>
+            <a:off x="5152320" y="1326600"/>
+            <a:ext cx="4426560" cy="1568160"/>
           </a:xfrm>
           <a:prstGeom prst="rect">
             <a:avLst/>
@@ -1202,7 +2560,7 @@
       </p:sp>
       <p:sp>
         <p:nvSpPr>
-          <p:cNvPr id="21" name="PlaceHolder 4"/>
+          <p:cNvPr id="18" name="PlaceHolder 4"/>
           <p:cNvSpPr>
             <a:spLocks noGrp="1"/>
           </p:cNvSpPr>
@@ -1212,8 +2570,8 @@
         </p:nvSpPr>
         <p:spPr>
           <a:xfrm>
-            <a:off x="5152680" y="3044160"/>
-            <a:ext cx="4426920" cy="1568160"/>
+            <a:off x="5152320" y="3044160"/>
+            <a:ext cx="4426560" cy="1568160"/>
           </a:xfrm>
           <a:prstGeom prst="rect">
             <a:avLst/>
@@ -1254,7 +2612,7 @@
       </p:grpSpPr>
       <p:sp>
         <p:nvSpPr>
-          <p:cNvPr id="22" name="PlaceHolder 1"/>
+          <p:cNvPr id="19" name="PlaceHolder 1"/>
           <p:cNvSpPr>
             <a:spLocks noGrp="1"/>
           </p:cNvSpPr>
@@ -1265,7 +2623,7 @@
         <p:spPr>
           <a:xfrm>
             <a:off x="504000" y="226080"/>
-            <a:ext cx="9071640" cy="946440"/>
+            <a:ext cx="9071280" cy="946080"/>
           </a:xfrm>
           <a:prstGeom prst="rect">
             <a:avLst/>
@@ -1285,7 +2643,7 @@
       </p:sp>
       <p:sp>
         <p:nvSpPr>
-          <p:cNvPr id="23" name="PlaceHolder 2"/>
+          <p:cNvPr id="20" name="PlaceHolder 2"/>
           <p:cNvSpPr>
             <a:spLocks noGrp="1"/>
           </p:cNvSpPr>
@@ -1296,7 +2654,7 @@
         <p:spPr>
           <a:xfrm>
             <a:off x="504000" y="1326600"/>
-            <a:ext cx="4426920" cy="1568160"/>
+            <a:ext cx="4426560" cy="1568160"/>
           </a:xfrm>
           <a:prstGeom prst="rect">
             <a:avLst/>
@@ -1315,7 +2673,7 @@
       </p:sp>
       <p:sp>
         <p:nvSpPr>
-          <p:cNvPr id="24" name="PlaceHolder 3"/>
+          <p:cNvPr id="21" name="PlaceHolder 3"/>
           <p:cNvSpPr>
             <a:spLocks noGrp="1"/>
           </p:cNvSpPr>
@@ -1325,8 +2683,8 @@
         </p:nvSpPr>
         <p:spPr>
           <a:xfrm>
-            <a:off x="5152680" y="1326600"/>
-            <a:ext cx="4426920" cy="1568160"/>
+            <a:off x="5152320" y="1326600"/>
+            <a:ext cx="4426560" cy="1568160"/>
           </a:xfrm>
           <a:prstGeom prst="rect">
             <a:avLst/>
@@ -1345,7 +2703,7 @@
       </p:sp>
       <p:sp>
         <p:nvSpPr>
-          <p:cNvPr id="25" name="PlaceHolder 4"/>
+          <p:cNvPr id="22" name="PlaceHolder 4"/>
           <p:cNvSpPr>
             <a:spLocks noGrp="1"/>
           </p:cNvSpPr>
@@ -1356,7 +2714,7 @@
         <p:spPr>
           <a:xfrm>
             <a:off x="504000" y="3044160"/>
-            <a:ext cx="9071640" cy="1568160"/>
+            <a:ext cx="9071280" cy="1568160"/>
           </a:xfrm>
           <a:prstGeom prst="rect">
             <a:avLst/>
@@ -1408,7 +2766,7 @@
         <p:spPr>
           <a:xfrm>
             <a:off x="504000" y="226080"/>
-            <a:ext cx="9071640" cy="946440"/>
+            <a:ext cx="9071280" cy="946080"/>
           </a:xfrm>
           <a:prstGeom prst="rect">
             <a:avLst/>
@@ -1419,14 +2777,13 @@
             <a:noAutofit/>
           </a:bodyPr>
           <a:p>
-            <a:pPr algn="ctr"/>
-            <a:r>
-              <a:rPr b="0" lang="en-US" sz="4400" spc="-1" strike="noStrike">
+            <a:r>
+              <a:rPr b="0" lang="en-US" sz="1800" spc="-1" strike="noStrike">
                 <a:latin typeface="Arial"/>
               </a:rPr>
               <a:t>Click to edit the title text format</a:t>
             </a:r>
-            <a:endParaRPr b="0" lang="en-US" sz="4400" spc="-1" strike="noStrike">
+            <a:endParaRPr b="0" lang="en-US" sz="1800" spc="-1" strike="noStrike">
               <a:latin typeface="Arial"/>
             </a:endParaRPr>
           </a:p>
@@ -1445,7 +2802,7 @@
         <p:spPr>
           <a:xfrm>
             <a:off x="504000" y="1326600"/>
-            <a:ext cx="9071640" cy="3288240"/>
+            <a:ext cx="9072000" cy="3288600"/>
           </a:xfrm>
           <a:prstGeom prst="rect">
             <a:avLst/>
@@ -1607,116 +2964,6 @@
             </a:r>
             <a:endParaRPr b="0" lang="en-US" sz="2000" spc="-1" strike="noStrike">
               <a:latin typeface="Arial"/>
-            </a:endParaRPr>
-          </a:p>
-        </p:txBody>
-      </p:sp>
-      <p:sp>
-        <p:nvSpPr>
-          <p:cNvPr id="2" name="PlaceHolder 3"/>
-          <p:cNvSpPr>
-            <a:spLocks noGrp="1"/>
-          </p:cNvSpPr>
-          <p:nvPr>
-            <p:ph type="dt"/>
-          </p:nvPr>
-        </p:nvSpPr>
-        <p:spPr>
-          <a:xfrm>
-            <a:off x="504000" y="5165280"/>
-            <a:ext cx="2348280" cy="390600"/>
-          </a:xfrm>
-          <a:prstGeom prst="rect">
-            <a:avLst/>
-          </a:prstGeom>
-        </p:spPr>
-        <p:txBody>
-          <a:bodyPr lIns="0" rIns="0" tIns="0" bIns="0">
-            <a:noAutofit/>
-          </a:bodyPr>
-          <a:p>
-            <a:r>
-              <a:rPr b="0" lang="en-US" sz="1400" spc="-1" strike="noStrike">
-                <a:latin typeface="Times New Roman"/>
-              </a:rPr>
-              <a:t>&lt;date/time&gt;</a:t>
-            </a:r>
-            <a:endParaRPr b="0" lang="en-US" sz="1400" spc="-1" strike="noStrike">
-              <a:latin typeface="Times New Roman"/>
-            </a:endParaRPr>
-          </a:p>
-        </p:txBody>
-      </p:sp>
-      <p:sp>
-        <p:nvSpPr>
-          <p:cNvPr id="3" name="PlaceHolder 4"/>
-          <p:cNvSpPr>
-            <a:spLocks noGrp="1"/>
-          </p:cNvSpPr>
-          <p:nvPr>
-            <p:ph type="ftr"/>
-          </p:nvPr>
-        </p:nvSpPr>
-        <p:spPr>
-          <a:xfrm>
-            <a:off x="3447360" y="5165280"/>
-            <a:ext cx="3195000" cy="390600"/>
-          </a:xfrm>
-          <a:prstGeom prst="rect">
-            <a:avLst/>
-          </a:prstGeom>
-        </p:spPr>
-        <p:txBody>
-          <a:bodyPr lIns="0" rIns="0" tIns="0" bIns="0">
-            <a:noAutofit/>
-          </a:bodyPr>
-          <a:p>
-            <a:pPr algn="ctr"/>
-            <a:r>
-              <a:rPr b="0" lang="en-US" sz="1400" spc="-1" strike="noStrike">
-                <a:latin typeface="Times New Roman"/>
-              </a:rPr>
-              <a:t>&lt;footer&gt;</a:t>
-            </a:r>
-            <a:endParaRPr b="0" lang="en-US" sz="1400" spc="-1" strike="noStrike">
-              <a:latin typeface="Times New Roman"/>
-            </a:endParaRPr>
-          </a:p>
-        </p:txBody>
-      </p:sp>
-      <p:sp>
-        <p:nvSpPr>
-          <p:cNvPr id="4" name="PlaceHolder 5"/>
-          <p:cNvSpPr>
-            <a:spLocks noGrp="1"/>
-          </p:cNvSpPr>
-          <p:nvPr>
-            <p:ph type="sldNum"/>
-          </p:nvPr>
-        </p:nvSpPr>
-        <p:spPr>
-          <a:xfrm>
-            <a:off x="7227360" y="5165280"/>
-            <a:ext cx="2348280" cy="390600"/>
-          </a:xfrm>
-          <a:prstGeom prst="rect">
-            <a:avLst/>
-          </a:prstGeom>
-        </p:spPr>
-        <p:txBody>
-          <a:bodyPr lIns="0" rIns="0" tIns="0" bIns="0">
-            <a:noAutofit/>
-          </a:bodyPr>
-          <a:p>
-            <a:pPr algn="r"/>
-            <a:fld id="{6307EFE1-A0A5-4A1C-B28B-53B1A0A3EB62}" type="slidenum">
-              <a:rPr b="0" lang="en-US" sz="1400" spc="-1" strike="noStrike">
-                <a:latin typeface="Times New Roman"/>
-              </a:rPr>
-              <a:t>&lt;number&gt;</a:t>
-            </a:fld>
-            <a:endParaRPr b="0" lang="en-US" sz="1400" spc="-1" strike="noStrike">
-              <a:latin typeface="Times New Roman"/>
             </a:endParaRPr>
           </a:p>
         </p:txBody>
@@ -1737,6 +2984,258 @@
     <p:sldLayoutId id="2147483658" r:id="rId11"/>
     <p:sldLayoutId id="2147483659" r:id="rId12"/>
     <p:sldLayoutId id="2147483660" r:id="rId13"/>
+  </p:sldLayoutIdLst>
+</p:sldMaster>
+</file>
+
+<file path=ppt/slideMasters/slideMaster2.xml><?xml version="1.0" encoding="utf-8"?>
+<p:sldMaster xmlns:a="http://schemas.openxmlformats.org/drawingml/2006/main" xmlns:p="http://schemas.openxmlformats.org/presentationml/2006/main" xmlns:r="http://schemas.openxmlformats.org/officeDocument/2006/relationships" xmlns:p14="http://schemas.microsoft.com/office/powerpoint/2010/main" xmlns:p15="http://schemas.microsoft.com/office/powerpoint/2012/main" xmlns:mc="http://schemas.openxmlformats.org/markup-compatibility/2006">
+  <p:cSld>
+    <p:spTree>
+      <p:nvGrpSpPr>
+        <p:cNvPr id="1" name=""/>
+        <p:cNvGrpSpPr/>
+        <p:nvPr/>
+      </p:nvGrpSpPr>
+      <p:grpSpPr>
+        <a:xfrm>
+          <a:off x="0" y="0"/>
+          <a:ext cx="0" cy="0"/>
+          <a:chOff x="0" y="0"/>
+          <a:chExt cx="0" cy="0"/>
+        </a:xfrm>
+      </p:grpSpPr>
+      <p:sp>
+        <p:nvSpPr>
+          <p:cNvPr id="38" name="PlaceHolder 1"/>
+          <p:cNvSpPr>
+            <a:spLocks noGrp="1"/>
+          </p:cNvSpPr>
+          <p:nvPr>
+            <p:ph type="title"/>
+          </p:nvPr>
+        </p:nvSpPr>
+        <p:spPr>
+          <a:xfrm>
+            <a:off x="504000" y="226080"/>
+            <a:ext cx="9071280" cy="946080"/>
+          </a:xfrm>
+          <a:prstGeom prst="rect">
+            <a:avLst/>
+          </a:prstGeom>
+        </p:spPr>
+        <p:txBody>
+          <a:bodyPr lIns="0" rIns="0" tIns="0" bIns="0" anchor="ctr">
+            <a:noAutofit/>
+          </a:bodyPr>
+          <a:p>
+            <a:r>
+              <a:rPr b="0" lang="en-US" sz="1800" spc="-1" strike="noStrike">
+                <a:latin typeface="Arial"/>
+              </a:rPr>
+              <a:t>Click to edit the title text format</a:t>
+            </a:r>
+            <a:endParaRPr b="0" lang="en-US" sz="1800" spc="-1" strike="noStrike">
+              <a:latin typeface="Arial"/>
+            </a:endParaRPr>
+          </a:p>
+        </p:txBody>
+      </p:sp>
+      <p:sp>
+        <p:nvSpPr>
+          <p:cNvPr id="39" name="PlaceHolder 2"/>
+          <p:cNvSpPr>
+            <a:spLocks noGrp="1"/>
+          </p:cNvSpPr>
+          <p:nvPr>
+            <p:ph type="body"/>
+          </p:nvPr>
+        </p:nvSpPr>
+        <p:spPr>
+          <a:xfrm>
+            <a:off x="504000" y="1326600"/>
+            <a:ext cx="9071280" cy="3287880"/>
+          </a:xfrm>
+          <a:prstGeom prst="rect">
+            <a:avLst/>
+          </a:prstGeom>
+        </p:spPr>
+        <p:txBody>
+          <a:bodyPr lIns="0" rIns="0" tIns="0" bIns="0">
+            <a:normAutofit/>
+          </a:bodyPr>
+          <a:p>
+            <a:pPr marL="432000" indent="-324000">
+              <a:spcBef>
+                <a:spcPts val="1414"/>
+              </a:spcBef>
+              <a:buClr>
+                <a:srgbClr val="000000"/>
+              </a:buClr>
+              <a:buSzPct val="45000"/>
+              <a:buFont typeface="Wingdings" charset="2"/>
+              <a:buChar char=""/>
+            </a:pPr>
+            <a:r>
+              <a:rPr b="0" lang="en-US" sz="1800" spc="-1" strike="noStrike">
+                <a:latin typeface="Arial"/>
+              </a:rPr>
+              <a:t>Click to edit the outline text format</a:t>
+            </a:r>
+            <a:endParaRPr b="0" lang="en-US" sz="1800" spc="-1" strike="noStrike">
+              <a:latin typeface="Arial"/>
+            </a:endParaRPr>
+          </a:p>
+          <a:p>
+            <a:pPr lvl="1" marL="864000" indent="-324000">
+              <a:spcBef>
+                <a:spcPts val="1134"/>
+              </a:spcBef>
+              <a:buClr>
+                <a:srgbClr val="000000"/>
+              </a:buClr>
+              <a:buSzPct val="75000"/>
+              <a:buFont typeface="Symbol" charset="2"/>
+              <a:buChar char=""/>
+            </a:pPr>
+            <a:r>
+              <a:rPr b="0" lang="en-US" sz="1800" spc="-1" strike="noStrike">
+                <a:latin typeface="Arial"/>
+              </a:rPr>
+              <a:t>Second Outline Level</a:t>
+            </a:r>
+            <a:endParaRPr b="0" lang="en-US" sz="1800" spc="-1" strike="noStrike">
+              <a:latin typeface="Arial"/>
+            </a:endParaRPr>
+          </a:p>
+          <a:p>
+            <a:pPr lvl="2" marL="1296000" indent="-288000">
+              <a:spcBef>
+                <a:spcPts val="850"/>
+              </a:spcBef>
+              <a:buClr>
+                <a:srgbClr val="000000"/>
+              </a:buClr>
+              <a:buSzPct val="45000"/>
+              <a:buFont typeface="Wingdings" charset="2"/>
+              <a:buChar char=""/>
+            </a:pPr>
+            <a:r>
+              <a:rPr b="0" lang="en-US" sz="1800" spc="-1" strike="noStrike">
+                <a:latin typeface="Arial"/>
+              </a:rPr>
+              <a:t>Third Outline Level</a:t>
+            </a:r>
+            <a:endParaRPr b="0" lang="en-US" sz="1800" spc="-1" strike="noStrike">
+              <a:latin typeface="Arial"/>
+            </a:endParaRPr>
+          </a:p>
+          <a:p>
+            <a:pPr lvl="3" marL="1728000" indent="-216000">
+              <a:spcBef>
+                <a:spcPts val="567"/>
+              </a:spcBef>
+              <a:buClr>
+                <a:srgbClr val="000000"/>
+              </a:buClr>
+              <a:buSzPct val="75000"/>
+              <a:buFont typeface="Symbol" charset="2"/>
+              <a:buChar char=""/>
+            </a:pPr>
+            <a:r>
+              <a:rPr b="0" lang="en-US" sz="1800" spc="-1" strike="noStrike">
+                <a:latin typeface="Arial"/>
+              </a:rPr>
+              <a:t>Fourth Outline Level</a:t>
+            </a:r>
+            <a:endParaRPr b="0" lang="en-US" sz="1800" spc="-1" strike="noStrike">
+              <a:latin typeface="Arial"/>
+            </a:endParaRPr>
+          </a:p>
+          <a:p>
+            <a:pPr lvl="4" marL="2160000" indent="-216000">
+              <a:spcBef>
+                <a:spcPts val="283"/>
+              </a:spcBef>
+              <a:buClr>
+                <a:srgbClr val="000000"/>
+              </a:buClr>
+              <a:buSzPct val="45000"/>
+              <a:buFont typeface="Wingdings" charset="2"/>
+              <a:buChar char=""/>
+            </a:pPr>
+            <a:r>
+              <a:rPr b="0" lang="en-US" sz="1800" spc="-1" strike="noStrike">
+                <a:latin typeface="Arial"/>
+              </a:rPr>
+              <a:t>Fifth Outline Level</a:t>
+            </a:r>
+            <a:endParaRPr b="0" lang="en-US" sz="1800" spc="-1" strike="noStrike">
+              <a:latin typeface="Arial"/>
+            </a:endParaRPr>
+          </a:p>
+          <a:p>
+            <a:pPr lvl="5" marL="2592000" indent="-216000">
+              <a:spcBef>
+                <a:spcPts val="283"/>
+              </a:spcBef>
+              <a:buClr>
+                <a:srgbClr val="000000"/>
+              </a:buClr>
+              <a:buSzPct val="45000"/>
+              <a:buFont typeface="Wingdings" charset="2"/>
+              <a:buChar char=""/>
+            </a:pPr>
+            <a:r>
+              <a:rPr b="0" lang="en-US" sz="1800" spc="-1" strike="noStrike">
+                <a:latin typeface="Arial"/>
+              </a:rPr>
+              <a:t>Sixth Outline Level</a:t>
+            </a:r>
+            <a:endParaRPr b="0" lang="en-US" sz="1800" spc="-1" strike="noStrike">
+              <a:latin typeface="Arial"/>
+            </a:endParaRPr>
+          </a:p>
+          <a:p>
+            <a:pPr lvl="6" marL="3024000" indent="-216000">
+              <a:spcBef>
+                <a:spcPts val="283"/>
+              </a:spcBef>
+              <a:buClr>
+                <a:srgbClr val="000000"/>
+              </a:buClr>
+              <a:buSzPct val="45000"/>
+              <a:buFont typeface="Wingdings" charset="2"/>
+              <a:buChar char=""/>
+            </a:pPr>
+            <a:r>
+              <a:rPr b="0" lang="en-US" sz="1800" spc="-1" strike="noStrike">
+                <a:latin typeface="Arial"/>
+              </a:rPr>
+              <a:t>Seventh Outline Level</a:t>
+            </a:r>
+            <a:endParaRPr b="0" lang="en-US" sz="1800" spc="-1" strike="noStrike">
+              <a:latin typeface="Arial"/>
+            </a:endParaRPr>
+          </a:p>
+        </p:txBody>
+      </p:sp>
+    </p:spTree>
+  </p:cSld>
+  <p:clrMap bg1="lt1" bg2="lt2" tx1="dk1" tx2="dk2" accent1="accent1" accent2="accent2" accent3="accent3" accent4="accent4" accent5="accent5" accent6="accent6" hlink="hlink" folHlink="folHlink"/>
+  <p:sldLayoutIdLst>
+    <p:sldLayoutId id="2147483662" r:id="rId2"/>
+    <p:sldLayoutId id="2147483663" r:id="rId3"/>
+    <p:sldLayoutId id="2147483664" r:id="rId4"/>
+    <p:sldLayoutId id="2147483665" r:id="rId5"/>
+    <p:sldLayoutId id="2147483666" r:id="rId6"/>
+    <p:sldLayoutId id="2147483667" r:id="rId7"/>
+    <p:sldLayoutId id="2147483668" r:id="rId8"/>
+    <p:sldLayoutId id="2147483669" r:id="rId9"/>
+    <p:sldLayoutId id="2147483670" r:id="rId10"/>
+    <p:sldLayoutId id="2147483671" r:id="rId11"/>
+    <p:sldLayoutId id="2147483672" r:id="rId12"/>
+    <p:sldLayoutId id="2147483673" r:id="rId13"/>
   </p:sldLayoutIdLst>
 </p:sldMaster>
 </file>
@@ -1767,14 +3266,14 @@
       </p:grpSpPr>
       <p:sp>
         <p:nvSpPr>
-          <p:cNvPr id="41" name=""/>
-          <p:cNvSpPr txBox="1"/>
+          <p:cNvPr id="76" name=""/>
+          <p:cNvSpPr/>
           <p:nvPr/>
         </p:nvSpPr>
         <p:spPr>
           <a:xfrm>
             <a:off x="504000" y="226080"/>
-            <a:ext cx="9071640" cy="946440"/>
+            <a:ext cx="9071280" cy="946080"/>
           </a:xfrm>
           <a:prstGeom prst="rect">
             <a:avLst/>
@@ -1784,12 +3283,22 @@
             <a:noFill/>
           </a:ln>
         </p:spPr>
+        <p:style>
+          <a:lnRef idx="0"/>
+          <a:fillRef idx="0"/>
+          <a:effectRef idx="0"/>
+          <a:fontRef idx="minor"/>
+        </p:style>
         <p:txBody>
           <a:bodyPr lIns="0" rIns="0" tIns="0" bIns="0" anchor="ctr">
             <a:noAutofit/>
           </a:bodyPr>
           <a:p>
-            <a:pPr algn="ctr"/>
+            <a:pPr algn="ctr">
+              <a:lnSpc>
+                <a:spcPct val="100000"/>
+              </a:lnSpc>
+            </a:pPr>
             <a:r>
               <a:rPr b="0" lang="en-US" sz="4400" spc="-1" strike="noStrike">
                 <a:latin typeface="Arial"/>
@@ -1804,14 +3313,14 @@
       </p:sp>
       <p:sp>
         <p:nvSpPr>
-          <p:cNvPr id="42" name=""/>
-          <p:cNvSpPr txBox="1"/>
+          <p:cNvPr id="77" name=""/>
+          <p:cNvSpPr/>
           <p:nvPr/>
         </p:nvSpPr>
         <p:spPr>
           <a:xfrm>
             <a:off x="504000" y="1326600"/>
-            <a:ext cx="9071640" cy="3288240"/>
+            <a:ext cx="9071280" cy="3287880"/>
           </a:xfrm>
           <a:prstGeom prst="rect">
             <a:avLst/>
@@ -1821,12 +3330,22 @@
             <a:noFill/>
           </a:ln>
         </p:spPr>
+        <p:style>
+          <a:lnRef idx="0"/>
+          <a:fillRef idx="0"/>
+          <a:effectRef idx="0"/>
+          <a:fontRef idx="minor"/>
+        </p:style>
         <p:txBody>
           <a:bodyPr lIns="0" rIns="0" tIns="0" bIns="0" anchor="ctr">
             <a:noAutofit/>
           </a:bodyPr>
           <a:p>
-            <a:pPr algn="ctr"/>
+            <a:pPr algn="ctr">
+              <a:lnSpc>
+                <a:spcPct val="100000"/>
+              </a:lnSpc>
+            </a:pPr>
             <a:r>
               <a:rPr b="0" lang="en-US" sz="3200" spc="-1" strike="noStrike">
                 <a:latin typeface="Arial"/>
@@ -1838,7 +3357,11 @@
             </a:endParaRPr>
           </a:p>
           <a:p>
-            <a:pPr algn="ctr"/>
+            <a:pPr algn="ctr">
+              <a:lnSpc>
+                <a:spcPct val="100000"/>
+              </a:lnSpc>
+            </a:pPr>
             <a:r>
               <a:rPr b="0" lang="en-US" sz="3200" spc="-1" strike="noStrike">
                 <a:latin typeface="Arial"/>
@@ -1850,7 +3373,11 @@
             </a:endParaRPr>
           </a:p>
           <a:p>
-            <a:pPr algn="ctr"/>
+            <a:pPr algn="ctr">
+              <a:lnSpc>
+                <a:spcPct val="100000"/>
+              </a:lnSpc>
+            </a:pPr>
             <a:r>
               <a:rPr b="0" lang="en-US" sz="3200" spc="-1" strike="noStrike">
                 <a:latin typeface="Arial"/>
@@ -1902,14 +3429,14 @@
       </p:grpSpPr>
       <p:sp>
         <p:nvSpPr>
-          <p:cNvPr id="59" name=""/>
-          <p:cNvSpPr txBox="1"/>
+          <p:cNvPr id="94" name=""/>
+          <p:cNvSpPr/>
           <p:nvPr/>
         </p:nvSpPr>
         <p:spPr>
           <a:xfrm>
             <a:off x="504000" y="226080"/>
-            <a:ext cx="9071640" cy="946440"/>
+            <a:ext cx="9071280" cy="946080"/>
           </a:xfrm>
           <a:prstGeom prst="rect">
             <a:avLst/>
@@ -1919,12 +3446,22 @@
             <a:noFill/>
           </a:ln>
         </p:spPr>
+        <p:style>
+          <a:lnRef idx="0"/>
+          <a:fillRef idx="0"/>
+          <a:effectRef idx="0"/>
+          <a:fontRef idx="minor"/>
+        </p:style>
         <p:txBody>
           <a:bodyPr lIns="0" rIns="0" tIns="0" bIns="0" anchor="ctr">
             <a:noAutofit/>
           </a:bodyPr>
           <a:p>
-            <a:pPr algn="ctr"/>
+            <a:pPr algn="ctr">
+              <a:lnSpc>
+                <a:spcPct val="100000"/>
+              </a:lnSpc>
+            </a:pPr>
             <a:r>
               <a:rPr b="0" lang="en-US" sz="4400" spc="-1" strike="noStrike">
                 <a:latin typeface="Arial"/>
@@ -1939,14 +3476,14 @@
       </p:sp>
       <p:sp>
         <p:nvSpPr>
-          <p:cNvPr id="60" name=""/>
-          <p:cNvSpPr txBox="1"/>
+          <p:cNvPr id="95" name=""/>
+          <p:cNvSpPr/>
           <p:nvPr/>
         </p:nvSpPr>
         <p:spPr>
           <a:xfrm>
             <a:off x="504000" y="1326600"/>
-            <a:ext cx="9071640" cy="3288240"/>
+            <a:ext cx="9071280" cy="3287880"/>
           </a:xfrm>
           <a:prstGeom prst="rect">
             <a:avLst/>
@@ -1956,12 +3493,21 @@
             <a:noFill/>
           </a:ln>
         </p:spPr>
+        <p:style>
+          <a:lnRef idx="0"/>
+          <a:fillRef idx="0"/>
+          <a:effectRef idx="0"/>
+          <a:fontRef idx="minor"/>
+        </p:style>
         <p:txBody>
           <a:bodyPr lIns="0" rIns="0" tIns="0" bIns="0">
-            <a:normAutofit/>
-          </a:bodyPr>
-          <a:p>
-            <a:pPr marL="432000" indent="-324000">
+            <a:normAutofit fontScale="73000"/>
+          </a:bodyPr>
+          <a:p>
+            <a:pPr marL="432000" indent="-323640">
+              <a:lnSpc>
+                <a:spcPct val="100000"/>
+              </a:lnSpc>
               <a:spcBef>
                 <a:spcPts val="1414"/>
               </a:spcBef>
@@ -1973,18 +3519,24 @@
               <a:buChar char=""/>
             </a:pPr>
             <a:r>
-              <a:rPr b="0" lang="en-US" sz="3200" spc="-1" strike="noStrike">
-                <a:latin typeface="Arial"/>
-                <a:hlinkClick r:id="rId1"/>
-              </a:rPr>
-              <a:t>https://github.com/freebsd/freebsd-src</a:t>
-            </a:r>
-            <a:endParaRPr b="0" lang="en-US" sz="3200" spc="-1" strike="noStrike">
-              <a:latin typeface="Arial"/>
-            </a:endParaRPr>
-          </a:p>
-          <a:p>
-            <a:pPr marL="432000" indent="-324000">
+              <a:rPr b="0" lang="en-US" sz="3200" spc="-1" strike="noStrike" u="sng">
+                <a:solidFill>
+                  <a:srgbClr val="0000ff"/>
+                </a:solidFill>
+                <a:uFillTx/>
+                <a:latin typeface="Arial"/>
+              </a:rPr>
+              <a:t>Pkg install git</a:t>
+            </a:r>
+            <a:endParaRPr b="0" lang="en-US" sz="3200" spc="-1" strike="noStrike">
+              <a:latin typeface="Arial"/>
+            </a:endParaRPr>
+          </a:p>
+          <a:p>
+            <a:pPr marL="432000" indent="-323640">
+              <a:lnSpc>
+                <a:spcPct val="100000"/>
+              </a:lnSpc>
               <a:spcBef>
                 <a:spcPts val="1414"/>
               </a:spcBef>
@@ -1996,45 +3548,35 @@
               <a:buChar char=""/>
             </a:pPr>
             <a:r>
-              <a:rPr b="0" lang="en-US" sz="3200" spc="-1" strike="noStrike">
-                <a:latin typeface="Arial"/>
-              </a:rPr>
-              <a:t>Pkg add exctags (exuberant tags)</a:t>
-            </a:r>
-            <a:endParaRPr b="0" lang="en-US" sz="3200" spc="-1" strike="noStrike">
-              <a:latin typeface="Arial"/>
-            </a:endParaRPr>
-          </a:p>
-          <a:p>
-            <a:pPr lvl="1" marL="864000" indent="-324000">
-              <a:spcBef>
-                <a:spcPts val="1134"/>
-              </a:spcBef>
-              <a:buClr>
-                <a:srgbClr val="ffffff"/>
-              </a:buClr>
-              <a:buSzPct val="75000"/>
-              <a:buFont typeface="Symbol" charset="2"/>
-              <a:buChar char=""/>
-            </a:pPr>
-            <a:r>
-              <a:rPr b="0" lang="en-US" sz="2800" spc="-1" strike="noStrike">
-                <a:latin typeface="Arial"/>
-              </a:rPr>
-              <a:t> </a:t>
-            </a:r>
-            <a:r>
-              <a:rPr b="0" lang="en-US" sz="2800" spc="-1" strike="noStrike">
-                <a:latin typeface="Arial"/>
-              </a:rPr>
-              <a:t>set tags=./tags,tags;$HOME;</a:t>
-            </a:r>
-            <a:endParaRPr b="0" lang="en-US" sz="2800" spc="-1" strike="noStrike">
-              <a:latin typeface="Arial"/>
-            </a:endParaRPr>
-          </a:p>
-          <a:p>
-            <a:pPr marL="432000" indent="-324000">
+              <a:rPr b="0" lang="en-US" sz="3200" spc="-1" strike="noStrike" u="sng">
+                <a:solidFill>
+                  <a:srgbClr val="0000ff"/>
+                </a:solidFill>
+                <a:uFillTx/>
+                <a:latin typeface="Arial"/>
+              </a:rPr>
+              <a:t>Git clone </a:t>
+            </a:r>
+            <a:r>
+              <a:rPr b="0" lang="en-US" sz="3200" spc="-1" strike="noStrike" u="sng">
+                <a:solidFill>
+                  <a:srgbClr val="0000ff"/>
+                </a:solidFill>
+                <a:uFillTx/>
+                <a:latin typeface="Arial"/>
+                <a:hlinkClick r:id="rId1"/>
+              </a:rPr>
+              <a:t>https://github.com/freebsd/freebsd-src</a:t>
+            </a:r>
+            <a:endParaRPr b="0" lang="en-US" sz="3200" spc="-1" strike="noStrike">
+              <a:latin typeface="Arial"/>
+            </a:endParaRPr>
+          </a:p>
+          <a:p>
+            <a:pPr marL="432000" indent="-323640">
+              <a:lnSpc>
+                <a:spcPct val="100000"/>
+              </a:lnSpc>
               <a:spcBef>
                 <a:spcPts val="1414"/>
               </a:spcBef>
@@ -2047,16 +3589,59 @@
             </a:pPr>
             <a:r>
               <a:rPr b="0" lang="en-US" sz="3200" spc="-1" strike="noStrike">
-                <a:latin typeface="Arial"/>
-              </a:rPr>
-              <a:t>Pkg add cscope</a:t>
-            </a:r>
-            <a:endParaRPr b="0" lang="en-US" sz="3200" spc="-1" strike="noStrike">
-              <a:latin typeface="Arial"/>
-            </a:endParaRPr>
-          </a:p>
-          <a:p>
-            <a:pPr marL="432000" indent="-324000">
+                <a:solidFill>
+                  <a:srgbClr val="0000ff"/>
+                </a:solidFill>
+                <a:latin typeface="Arial"/>
+              </a:rPr>
+              <a:t>Pkg add exctags (exuberant tags)</a:t>
+            </a:r>
+            <a:endParaRPr b="0" lang="en-US" sz="3200" spc="-1" strike="noStrike">
+              <a:latin typeface="Arial"/>
+            </a:endParaRPr>
+          </a:p>
+          <a:p>
+            <a:pPr lvl="1" marL="864000" indent="-323640">
+              <a:lnSpc>
+                <a:spcPct val="100000"/>
+              </a:lnSpc>
+              <a:spcBef>
+                <a:spcPts val="1134"/>
+              </a:spcBef>
+              <a:buClr>
+                <a:srgbClr val="ffffff"/>
+              </a:buClr>
+              <a:buSzPct val="75000"/>
+              <a:buFont typeface="Symbol"/>
+              <a:buChar char=""/>
+            </a:pPr>
+            <a:r>
+              <a:rPr b="0" lang="en-US" sz="2800" spc="-1" strike="noStrike">
+                <a:solidFill>
+                  <a:srgbClr val="0000ff"/>
+                </a:solidFill>
+                <a:latin typeface="Arial"/>
+              </a:rPr>
+              <a:t> </a:t>
+            </a:r>
+            <a:r>
+              <a:rPr b="0" lang="en-US" sz="2800" spc="-1" strike="noStrike">
+                <a:solidFill>
+                  <a:srgbClr val="0000ff"/>
+                </a:solidFill>
+                <a:latin typeface="Arial"/>
+              </a:rPr>
+              <a:t>set tags=./tags,tags;$HOME;</a:t>
+            </a:r>
+            <a:endParaRPr b="0" lang="en-US" sz="2800" spc="-1" strike="noStrike">
+              <a:latin typeface="Arial"/>
+            </a:endParaRPr>
+          </a:p>
+          <a:p>
+            <a:pPr marL="432000" indent="-323640">
+              <a:lnSpc>
+                <a:spcPct val="100000"/>
+              </a:lnSpc>
               <a:spcBef>
                 <a:spcPts val="1414"/>
               </a:spcBef>
@@ -2069,9 +3654,40 @@
             </a:pPr>
             <a:r>
               <a:rPr b="0" lang="en-US" sz="3200" spc="-1" strike="noStrike">
-                <a:latin typeface="Arial"/>
-              </a:rPr>
-              <a:t>Dtrace (pdf file)</a:t>
+                <a:solidFill>
+                  <a:srgbClr val="0000ff"/>
+                </a:solidFill>
+                <a:latin typeface="Arial"/>
+              </a:rPr>
+              <a:t>Pkg add cscope</a:t>
+            </a:r>
+            <a:endParaRPr b="0" lang="en-US" sz="3200" spc="-1" strike="noStrike">
+              <a:latin typeface="Arial"/>
+            </a:endParaRPr>
+          </a:p>
+          <a:p>
+            <a:pPr lvl="1" marL="864000" indent="-323640">
+              <a:lnSpc>
+                <a:spcPct val="100000"/>
+              </a:lnSpc>
+              <a:spcBef>
+                <a:spcPts val="1414"/>
+              </a:spcBef>
+              <a:buClr>
+                <a:srgbClr val="ffffff"/>
+              </a:buClr>
+              <a:buSzPct val="75000"/>
+              <a:buFont typeface="Symbol"/>
+              <a:buChar char=""/>
+            </a:pPr>
+            <a:r>
+              <a:rPr b="0" lang="en-US" sz="3200" spc="-1" strike="noStrike">
+                <a:solidFill>
+                  <a:srgbClr val="0000ff"/>
+                </a:solidFill>
+                <a:latin typeface="Arial"/>
+              </a:rPr>
+              <a:t>Cscope -R (mi_startup), choose .h, ] to jump using tags.  Vimgrep, find, man man, apropos</a:t>
             </a:r>
             <a:endParaRPr b="0" lang="en-US" sz="3200" spc="-1" strike="noStrike">
               <a:latin typeface="Arial"/>
@@ -2118,14 +3734,14 @@
       </p:grpSpPr>
       <p:sp>
         <p:nvSpPr>
-          <p:cNvPr id="61" name=""/>
+          <p:cNvPr id="96" name=""/>
           <p:cNvSpPr txBox="1"/>
           <p:nvPr/>
         </p:nvSpPr>
         <p:spPr>
           <a:xfrm>
             <a:off x="504000" y="226080"/>
-            <a:ext cx="9071640" cy="946440"/>
+            <a:ext cx="9071280" cy="946080"/>
           </a:xfrm>
           <a:prstGeom prst="rect">
             <a:avLst/>
@@ -2145,7 +3761,13 @@
               <a:rPr b="0" lang="en-US" sz="4400" spc="-1" strike="noStrike">
                 <a:latin typeface="Arial"/>
               </a:rPr>
-              <a:t>Links</a:t>
+              <a:t>More</a:t>
+            </a:r>
+            <a:r>
+              <a:rPr b="0" lang="en-US" sz="4400" spc="-1" strike="noStrike">
+                <a:latin typeface="Arial"/>
+              </a:rPr>
+              <a:t>	</a:t>
             </a:r>
             <a:endParaRPr b="0" lang="en-US" sz="4400" spc="-1" strike="noStrike">
               <a:latin typeface="Arial"/>
@@ -2155,14 +3777,14 @@
       </p:sp>
       <p:sp>
         <p:nvSpPr>
-          <p:cNvPr id="62" name=""/>
+          <p:cNvPr id="97" name=""/>
           <p:cNvSpPr txBox="1"/>
           <p:nvPr/>
         </p:nvSpPr>
         <p:spPr>
           <a:xfrm>
-            <a:off x="504000" y="1326600"/>
-            <a:ext cx="9071640" cy="3288240"/>
+            <a:off x="1600200" y="1143000"/>
+            <a:ext cx="7772400" cy="4114800"/>
           </a:xfrm>
           <a:prstGeom prst="rect">
             <a:avLst/>
@@ -2173,11 +3795,156 @@
           </a:ln>
         </p:spPr>
         <p:txBody>
+          <a:bodyPr lIns="90000" rIns="90000" tIns="45000" bIns="45000">
+            <a:noAutofit/>
+          </a:bodyPr>
+          <a:p>
+            <a:endParaRPr b="0" lang="en-US" sz="1800" spc="-1" strike="noStrike">
+              <a:latin typeface="Arial"/>
+            </a:endParaRPr>
+          </a:p>
+          <a:p>
+            <a:pPr>
+              <a:lnSpc>
+                <a:spcPct val="100000"/>
+              </a:lnSpc>
+              <a:spcBef>
+                <a:spcPts val="1414"/>
+              </a:spcBef>
+            </a:pPr>
+            <a:r>
+              <a:rPr b="0" lang="en-US" sz="3200" spc="-1" strike="noStrike">
+                <a:solidFill>
+                  <a:srgbClr val="0000ff"/>
+                </a:solidFill>
+                <a:latin typeface="Arial"/>
+              </a:rPr>
+              <a:t>Dtrace (pdf file)</a:t>
+            </a:r>
+            <a:endParaRPr b="0" lang="en-US" sz="3200" spc="-1" strike="noStrike">
+              <a:latin typeface="Arial"/>
+            </a:endParaRPr>
+          </a:p>
+        </p:txBody>
+      </p:sp>
+    </p:spTree>
+  </p:cSld>
+  <mc:AlternateContent>
+    <mc:Choice Requires="p14">
+      <p:transition spd="slow" p14:dur="2000"/>
+    </mc:Choice>
+    <mc:Fallback>
+      <p:transition spd="slow"/>
+    </mc:Fallback>
+  </mc:AlternateContent>
+</p:sld>
+</file>
+
+<file path=ppt/slides/slide12.xml><?xml version="1.0" encoding="utf-8"?>
+<p:sld xmlns:a="http://schemas.openxmlformats.org/drawingml/2006/main" xmlns:p="http://schemas.openxmlformats.org/presentationml/2006/main" xmlns:r="http://schemas.openxmlformats.org/officeDocument/2006/relationships" xmlns:p14="http://schemas.microsoft.com/office/powerpoint/2010/main" xmlns:p15="http://schemas.microsoft.com/office/powerpoint/2012/main" xmlns:mc="http://schemas.openxmlformats.org/markup-compatibility/2006">
+  <p:cSld>
+    <p:bg>
+      <p:bgPr>
+        <a:solidFill>
+          <a:srgbClr val="800080"/>
+        </a:solidFill>
+      </p:bgPr>
+    </p:bg>
+    <p:spTree>
+      <p:nvGrpSpPr>
+        <p:cNvPr id="1" name=""/>
+        <p:cNvGrpSpPr/>
+        <p:nvPr/>
+      </p:nvGrpSpPr>
+      <p:grpSpPr>
+        <a:xfrm>
+          <a:off x="0" y="0"/>
+          <a:ext cx="0" cy="0"/>
+          <a:chOff x="0" y="0"/>
+          <a:chExt cx="0" cy="0"/>
+        </a:xfrm>
+      </p:grpSpPr>
+      <p:sp>
+        <p:nvSpPr>
+          <p:cNvPr id="98" name=""/>
+          <p:cNvSpPr/>
+          <p:nvPr/>
+        </p:nvSpPr>
+        <p:spPr>
+          <a:xfrm>
+            <a:off x="504000" y="226080"/>
+            <a:ext cx="9071280" cy="946080"/>
+          </a:xfrm>
+          <a:prstGeom prst="rect">
+            <a:avLst/>
+          </a:prstGeom>
+          <a:noFill/>
+          <a:ln w="0">
+            <a:noFill/>
+          </a:ln>
+        </p:spPr>
+        <p:style>
+          <a:lnRef idx="0"/>
+          <a:fillRef idx="0"/>
+          <a:effectRef idx="0"/>
+          <a:fontRef idx="minor"/>
+        </p:style>
+        <p:txBody>
+          <a:bodyPr lIns="0" rIns="0" tIns="0" bIns="0" anchor="ctr">
+            <a:noAutofit/>
+          </a:bodyPr>
+          <a:p>
+            <a:pPr algn="ctr">
+              <a:lnSpc>
+                <a:spcPct val="100000"/>
+              </a:lnSpc>
+            </a:pPr>
+            <a:r>
+              <a:rPr b="0" lang="en-US" sz="4400" spc="-1" strike="noStrike">
+                <a:latin typeface="Arial"/>
+              </a:rPr>
+              <a:t>Links</a:t>
+            </a:r>
+            <a:endParaRPr b="0" lang="en-US" sz="4400" spc="-1" strike="noStrike">
+              <a:latin typeface="Arial"/>
+            </a:endParaRPr>
+          </a:p>
+        </p:txBody>
+      </p:sp>
+      <p:sp>
+        <p:nvSpPr>
+          <p:cNvPr id="99" name=""/>
+          <p:cNvSpPr/>
+          <p:nvPr/>
+        </p:nvSpPr>
+        <p:spPr>
+          <a:xfrm>
+            <a:off x="504000" y="1326600"/>
+            <a:ext cx="9071280" cy="3287880"/>
+          </a:xfrm>
+          <a:prstGeom prst="rect">
+            <a:avLst/>
+          </a:prstGeom>
+          <a:noFill/>
+          <a:ln w="0">
+            <a:noFill/>
+          </a:ln>
+        </p:spPr>
+        <p:style>
+          <a:lnRef idx="0"/>
+          <a:fillRef idx="0"/>
+          <a:effectRef idx="0"/>
+          <a:fontRef idx="minor"/>
+        </p:style>
+        <p:txBody>
           <a:bodyPr lIns="0" rIns="0" tIns="0" bIns="0">
             <a:normAutofit fontScale="70000"/>
           </a:bodyPr>
           <a:p>
-            <a:pPr marL="432000" indent="-324000">
+            <a:pPr marL="432000" indent="-323640">
+              <a:lnSpc>
+                <a:spcPct val="100000"/>
+              </a:lnSpc>
               <a:spcBef>
                 <a:spcPts val="1414"/>
               </a:spcBef>
@@ -2199,7 +3966,10 @@
             </a:endParaRPr>
           </a:p>
           <a:p>
-            <a:pPr marL="432000" indent="-324000">
+            <a:pPr marL="432000" indent="-323640">
+              <a:lnSpc>
+                <a:spcPct val="100000"/>
+              </a:lnSpc>
               <a:spcBef>
                 <a:spcPts val="1414"/>
               </a:spcBef>
@@ -2221,7 +3991,10 @@
             </a:endParaRPr>
           </a:p>
           <a:p>
-            <a:pPr lvl="1" marL="864000" indent="-324000">
+            <a:pPr lvl="1" marL="864000" indent="-323640">
+              <a:lnSpc>
+                <a:spcPct val="100000"/>
+              </a:lnSpc>
               <a:spcBef>
                 <a:spcPts val="1134"/>
               </a:spcBef>
@@ -2229,7 +4002,7 @@
                 <a:srgbClr val="ffffff"/>
               </a:buClr>
               <a:buSzPct val="75000"/>
-              <a:buFont typeface="Symbol" charset="2"/>
+              <a:buFont typeface="Symbol"/>
               <a:buChar char=""/>
             </a:pPr>
             <a:r>
@@ -2243,7 +4016,10 @@
             </a:endParaRPr>
           </a:p>
           <a:p>
-            <a:pPr lvl="1" marL="864000" indent="-324000">
+            <a:pPr lvl="1" marL="864000" indent="-323640">
+              <a:lnSpc>
+                <a:spcPct val="100000"/>
+              </a:lnSpc>
               <a:spcBef>
                 <a:spcPts val="1134"/>
               </a:spcBef>
@@ -2251,7 +4027,7 @@
                 <a:srgbClr val="ffffff"/>
               </a:buClr>
               <a:buSzPct val="75000"/>
-              <a:buFont typeface="Symbol" charset="2"/>
+              <a:buFont typeface="Symbol"/>
               <a:buChar char=""/>
             </a:pPr>
             <a:r>
@@ -2265,7 +4041,10 @@
             </a:endParaRPr>
           </a:p>
           <a:p>
-            <a:pPr marL="432000" indent="-324000">
+            <a:pPr marL="432000" indent="-323640">
+              <a:lnSpc>
+                <a:spcPct val="100000"/>
+              </a:lnSpc>
               <a:spcBef>
                 <a:spcPts val="1414"/>
               </a:spcBef>
@@ -2287,7 +4066,10 @@
             </a:endParaRPr>
           </a:p>
           <a:p>
-            <a:pPr lvl="1" marL="864000" indent="-324000">
+            <a:pPr lvl="1" marL="864000" indent="-323640">
+              <a:lnSpc>
+                <a:spcPct val="100000"/>
+              </a:lnSpc>
               <a:spcBef>
                 <a:spcPts val="1134"/>
               </a:spcBef>
@@ -2295,7 +4077,7 @@
                 <a:srgbClr val="ffffff"/>
               </a:buClr>
               <a:buSzPct val="75000"/>
-              <a:buFont typeface="Symbol" charset="2"/>
+              <a:buFont typeface="Symbol"/>
               <a:buChar char=""/>
             </a:pPr>
             <a:r>
@@ -2349,14 +4131,14 @@
       </p:grpSpPr>
       <p:sp>
         <p:nvSpPr>
-          <p:cNvPr id="43" name=""/>
-          <p:cNvSpPr txBox="1"/>
+          <p:cNvPr id="78" name=""/>
+          <p:cNvSpPr/>
           <p:nvPr/>
         </p:nvSpPr>
         <p:spPr>
           <a:xfrm>
             <a:off x="504000" y="226080"/>
-            <a:ext cx="9071640" cy="946440"/>
+            <a:ext cx="9071280" cy="946080"/>
           </a:xfrm>
           <a:prstGeom prst="rect">
             <a:avLst/>
@@ -2366,12 +4148,22 @@
             <a:noFill/>
           </a:ln>
         </p:spPr>
+        <p:style>
+          <a:lnRef idx="0"/>
+          <a:fillRef idx="0"/>
+          <a:effectRef idx="0"/>
+          <a:fontRef idx="minor"/>
+        </p:style>
         <p:txBody>
           <a:bodyPr lIns="0" rIns="0" tIns="0" bIns="0" anchor="ctr">
             <a:noAutofit/>
           </a:bodyPr>
           <a:p>
-            <a:pPr algn="ctr"/>
+            <a:pPr algn="ctr">
+              <a:lnSpc>
+                <a:spcPct val="100000"/>
+              </a:lnSpc>
+            </a:pPr>
             <a:r>
               <a:rPr b="0" lang="en-US" sz="4400" spc="-1" strike="noStrike">
                 <a:latin typeface="Arial"/>
@@ -2386,14 +4178,14 @@
       </p:sp>
       <p:sp>
         <p:nvSpPr>
-          <p:cNvPr id="44" name=""/>
-          <p:cNvSpPr txBox="1"/>
+          <p:cNvPr id="79" name=""/>
+          <p:cNvSpPr/>
           <p:nvPr/>
         </p:nvSpPr>
         <p:spPr>
           <a:xfrm>
             <a:off x="504000" y="1326600"/>
-            <a:ext cx="9071640" cy="3288240"/>
+            <a:ext cx="9071280" cy="3287880"/>
           </a:xfrm>
           <a:prstGeom prst="rect">
             <a:avLst/>
@@ -2403,12 +4195,21 @@
             <a:noFill/>
           </a:ln>
         </p:spPr>
+        <p:style>
+          <a:lnRef idx="0"/>
+          <a:fillRef idx="0"/>
+          <a:effectRef idx="0"/>
+          <a:fontRef idx="minor"/>
+        </p:style>
         <p:txBody>
           <a:bodyPr lIns="0" rIns="0" tIns="0" bIns="0">
             <a:normAutofit/>
           </a:bodyPr>
           <a:p>
-            <a:pPr marL="432000" indent="-324000">
+            <a:pPr marL="432000" indent="-323640">
+              <a:lnSpc>
+                <a:spcPct val="100000"/>
+              </a:lnSpc>
               <a:spcBef>
                 <a:spcPts val="1417"/>
               </a:spcBef>
@@ -2430,7 +4231,10 @@
             </a:endParaRPr>
           </a:p>
           <a:p>
-            <a:pPr marL="432000" indent="-324000">
+            <a:pPr marL="432000" indent="-323640">
+              <a:lnSpc>
+                <a:spcPct val="100000"/>
+              </a:lnSpc>
               <a:spcBef>
                 <a:spcPts val="1414"/>
               </a:spcBef>
@@ -2452,7 +4256,10 @@
             </a:endParaRPr>
           </a:p>
           <a:p>
-            <a:pPr marL="432000" indent="-324000">
+            <a:pPr marL="432000" indent="-323640">
+              <a:lnSpc>
+                <a:spcPct val="100000"/>
+              </a:lnSpc>
               <a:spcBef>
                 <a:spcPts val="1414"/>
               </a:spcBef>
@@ -2474,7 +4281,10 @@
             </a:endParaRPr>
           </a:p>
           <a:p>
-            <a:pPr marL="432000" indent="-324000">
+            <a:pPr marL="432000" indent="-323640">
+              <a:lnSpc>
+                <a:spcPct val="100000"/>
+              </a:lnSpc>
               <a:spcBef>
                 <a:spcPts val="1417"/>
               </a:spcBef>
@@ -2536,14 +4346,14 @@
       </p:grpSpPr>
       <p:sp>
         <p:nvSpPr>
-          <p:cNvPr id="45" name=""/>
-          <p:cNvSpPr txBox="1"/>
+          <p:cNvPr id="80" name=""/>
+          <p:cNvSpPr/>
           <p:nvPr/>
         </p:nvSpPr>
         <p:spPr>
           <a:xfrm>
             <a:off x="504000" y="226080"/>
-            <a:ext cx="9071640" cy="946440"/>
+            <a:ext cx="9071280" cy="946080"/>
           </a:xfrm>
           <a:prstGeom prst="rect">
             <a:avLst/>
@@ -2553,12 +4363,22 @@
             <a:noFill/>
           </a:ln>
         </p:spPr>
+        <p:style>
+          <a:lnRef idx="0"/>
+          <a:fillRef idx="0"/>
+          <a:effectRef idx="0"/>
+          <a:fontRef idx="minor"/>
+        </p:style>
         <p:txBody>
           <a:bodyPr lIns="0" rIns="0" tIns="0" bIns="0" anchor="ctr">
             <a:noAutofit/>
           </a:bodyPr>
           <a:p>
-            <a:pPr algn="ctr"/>
+            <a:pPr algn="ctr">
+              <a:lnSpc>
+                <a:spcPct val="100000"/>
+              </a:lnSpc>
+            </a:pPr>
             <a:r>
               <a:rPr b="0" lang="en-US" sz="4400" spc="-1" strike="noStrike">
                 <a:latin typeface="Arial"/>
@@ -2573,14 +4393,14 @@
       </p:sp>
       <p:sp>
         <p:nvSpPr>
-          <p:cNvPr id="46" name=""/>
-          <p:cNvSpPr txBox="1"/>
+          <p:cNvPr id="81" name=""/>
+          <p:cNvSpPr/>
           <p:nvPr/>
         </p:nvSpPr>
         <p:spPr>
           <a:xfrm>
             <a:off x="504000" y="1326600"/>
-            <a:ext cx="9071640" cy="3288240"/>
+            <a:ext cx="9071280" cy="3287880"/>
           </a:xfrm>
           <a:prstGeom prst="rect">
             <a:avLst/>
@@ -2590,12 +4410,21 @@
             <a:noFill/>
           </a:ln>
         </p:spPr>
+        <p:style>
+          <a:lnRef idx="0"/>
+          <a:fillRef idx="0"/>
+          <a:effectRef idx="0"/>
+          <a:fontRef idx="minor"/>
+        </p:style>
         <p:txBody>
           <a:bodyPr lIns="0" rIns="0" tIns="0" bIns="0">
             <a:normAutofit fontScale="19000"/>
           </a:bodyPr>
           <a:p>
-            <a:pPr marL="432000" indent="-324000">
+            <a:pPr marL="432000" indent="-323640">
+              <a:lnSpc>
+                <a:spcPct val="100000"/>
+              </a:lnSpc>
               <a:spcBef>
                 <a:spcPts val="1417"/>
               </a:spcBef>
@@ -2611,20 +4440,17 @@
                 <a:latin typeface="Arial"/>
                 <a:ea typeface="Microsoft YaHei"/>
               </a:rPr>
-              <a:t>Vim, mc, </a:t>
-            </a:r>
-            <a:r>
-              <a:rPr b="0" lang="en-US" sz="3200" spc="-1" strike="noStrike">
-                <a:latin typeface="Arial"/>
-              </a:rPr>
-              <a:t>Scp files we need (.vimrc, .clang-format, etc.)</a:t>
-            </a:r>
-            <a:endParaRPr b="0" lang="en-US" sz="3200" spc="-1" strike="noStrike">
-              <a:latin typeface="Arial"/>
-            </a:endParaRPr>
-          </a:p>
-          <a:p>
-            <a:pPr marL="432000" indent="-324000">
+              <a:t>Vim, mc, Scp files we need (.vimrc, .clang-format, etc.)</a:t>
+            </a:r>
+            <a:endParaRPr b="0" lang="en-US" sz="3200" spc="-1" strike="noStrike">
+              <a:latin typeface="Arial"/>
+            </a:endParaRPr>
+          </a:p>
+          <a:p>
+            <a:pPr marL="432000" indent="-323640">
+              <a:lnSpc>
+                <a:spcPct val="100000"/>
+              </a:lnSpc>
               <a:spcBef>
                 <a:spcPts val="1414"/>
               </a:spcBef>
@@ -2638,6 +4464,7 @@
             <a:r>
               <a:rPr b="0" lang="en-US" sz="3200" spc="-1" strike="noStrike">
                 <a:latin typeface="Arial"/>
+                <a:ea typeface="Microsoft YaHei"/>
               </a:rPr>
               <a:t>Xorg(or xorgxrdp if you are going to remote desktop)</a:t>
             </a:r>
@@ -2646,7 +4473,10 @@
             </a:endParaRPr>
           </a:p>
           <a:p>
-            <a:pPr lvl="1" marL="864000" indent="-324000">
+            <a:pPr lvl="1" marL="864000" indent="-323640">
+              <a:lnSpc>
+                <a:spcPct val="100000"/>
+              </a:lnSpc>
               <a:spcBef>
                 <a:spcPts val="1134"/>
               </a:spcBef>
@@ -2654,12 +4484,13 @@
                 <a:srgbClr val="ffffff"/>
               </a:buClr>
               <a:buSzPct val="75000"/>
-              <a:buFont typeface="Symbol" charset="2"/>
+              <a:buFont typeface="Symbol"/>
               <a:buChar char=""/>
             </a:pPr>
             <a:r>
               <a:rPr b="0" lang="en-US" sz="2800" spc="-1" strike="noStrike">
                 <a:latin typeface="Arial"/>
+                <a:ea typeface="Microsoft YaHei"/>
               </a:rPr>
               <a:t>Pkg install xorg</a:t>
             </a:r>
@@ -2668,7 +4499,10 @@
             </a:endParaRPr>
           </a:p>
           <a:p>
-            <a:pPr lvl="1" marL="864000" indent="-324000">
+            <a:pPr lvl="1" marL="864000" indent="-323640">
+              <a:lnSpc>
+                <a:spcPct val="100000"/>
+              </a:lnSpc>
               <a:spcBef>
                 <a:spcPts val="1134"/>
               </a:spcBef>
@@ -2676,12 +4510,13 @@
                 <a:srgbClr val="ffffff"/>
               </a:buClr>
               <a:buSzPct val="75000"/>
-              <a:buFont typeface="Symbol" charset="2"/>
+              <a:buFont typeface="Symbol"/>
               <a:buChar char=""/>
             </a:pPr>
             <a:r>
               <a:rPr b="0" lang="en-US" sz="2800" spc="-1" strike="noStrike">
                 <a:latin typeface="Arial"/>
+                <a:ea typeface="Microsoft YaHei"/>
               </a:rPr>
               <a:t>$ pw groupmod video -m comet || pw groupmod wheel -m comet</a:t>
             </a:r>
@@ -2690,7 +4525,10 @@
             </a:endParaRPr>
           </a:p>
           <a:p>
-            <a:pPr lvl="1" marL="864000" indent="-324000">
+            <a:pPr lvl="1" marL="864000" indent="-323640">
+              <a:lnSpc>
+                <a:spcPct val="100000"/>
+              </a:lnSpc>
               <a:spcBef>
                 <a:spcPts val="1134"/>
               </a:spcBef>
@@ -2698,12 +4536,13 @@
                 <a:srgbClr val="ffffff"/>
               </a:buClr>
               <a:buSzPct val="75000"/>
-              <a:buFont typeface="Symbol" charset="2"/>
+              <a:buFont typeface="Symbol"/>
               <a:buChar char=""/>
             </a:pPr>
             <a:r>
               <a:rPr b="0" lang="en-US" sz="2800" spc="-1" strike="noStrike">
                 <a:latin typeface="Arial"/>
+                <a:ea typeface="Microsoft YaHei"/>
               </a:rPr>
               <a:t>vim /boot/loader.conf</a:t>
             </a:r>
@@ -2712,7 +4551,10 @@
             </a:endParaRPr>
           </a:p>
           <a:p>
-            <a:pPr lvl="2" marL="1296000" indent="-288000">
+            <a:pPr lvl="2" marL="1296000" indent="-287640">
+              <a:lnSpc>
+                <a:spcPct val="100000"/>
+              </a:lnSpc>
               <a:spcBef>
                 <a:spcPts val="850"/>
               </a:spcBef>
@@ -2726,6 +4568,7 @@
             <a:r>
               <a:rPr b="0" lang="en-US" sz="2400" spc="-1" strike="noStrike">
                 <a:latin typeface="Arial"/>
+                <a:ea typeface="Microsoft YaHei"/>
               </a:rPr>
               <a:t>kern.vty=vt</a:t>
             </a:r>
@@ -2734,7 +4577,10 @@
             </a:endParaRPr>
           </a:p>
           <a:p>
-            <a:pPr lvl="1" marL="864000" indent="-324000">
+            <a:pPr lvl="1" marL="864000" indent="-323640">
+              <a:lnSpc>
+                <a:spcPct val="100000"/>
+              </a:lnSpc>
               <a:spcBef>
                 <a:spcPts val="1134"/>
               </a:spcBef>
@@ -2742,12 +4588,13 @@
                 <a:srgbClr val="ffffff"/>
               </a:buClr>
               <a:buSzPct val="75000"/>
-              <a:buFont typeface="Symbol" charset="2"/>
+              <a:buFont typeface="Symbol"/>
               <a:buChar char=""/>
             </a:pPr>
             <a:r>
               <a:rPr b="0" lang="en-US" sz="2800" spc="-1" strike="noStrike">
                 <a:latin typeface="Arial"/>
+                <a:ea typeface="Microsoft YaHei"/>
               </a:rPr>
               <a:t>pkg install drm-kmod</a:t>
             </a:r>
@@ -2756,7 +4603,10 @@
             </a:endParaRPr>
           </a:p>
           <a:p>
-            <a:pPr lvl="1" marL="864000" indent="-324000">
+            <a:pPr lvl="1" marL="864000" indent="-323640">
+              <a:lnSpc>
+                <a:spcPct val="100000"/>
+              </a:lnSpc>
               <a:spcBef>
                 <a:spcPts val="1134"/>
               </a:spcBef>
@@ -2764,12 +4614,13 @@
                 <a:srgbClr val="ffffff"/>
               </a:buClr>
               <a:buSzPct val="75000"/>
-              <a:buFont typeface="Symbol" charset="2"/>
+              <a:buFont typeface="Symbol"/>
               <a:buChar char=""/>
             </a:pPr>
             <a:r>
               <a:rPr b="0" lang="en-US" sz="2800" spc="-1" strike="noStrike">
                 <a:latin typeface="Arial"/>
+                <a:ea typeface="Microsoft YaHei"/>
               </a:rPr>
               <a:t>vim /etc/rc.conf</a:t>
             </a:r>
@@ -2778,7 +4629,10 @@
             </a:endParaRPr>
           </a:p>
           <a:p>
-            <a:pPr lvl="2" marL="1296000" indent="-288000">
+            <a:pPr lvl="2" marL="1296000" indent="-287640">
+              <a:lnSpc>
+                <a:spcPct val="100000"/>
+              </a:lnSpc>
               <a:spcBef>
                 <a:spcPts val="850"/>
               </a:spcBef>
@@ -2792,6 +4646,7 @@
             <a:r>
               <a:rPr b="0" lang="en-US" sz="2400" spc="-1" strike="noStrike">
                 <a:latin typeface="Arial"/>
+                <a:ea typeface="Microsoft YaHei"/>
               </a:rPr>
               <a:t>kld_list="i915kms"</a:t>
             </a:r>
@@ -2800,7 +4655,10 @@
             </a:endParaRPr>
           </a:p>
           <a:p>
-            <a:pPr marL="432000" indent="-324000">
+            <a:pPr marL="432000" indent="-323640">
+              <a:lnSpc>
+                <a:spcPct val="100000"/>
+              </a:lnSpc>
               <a:spcBef>
                 <a:spcPts val="1417"/>
               </a:spcBef>
@@ -2814,6 +4672,7 @@
             <a:r>
               <a:rPr b="0" lang="en-US" sz="3200" spc="-1" strike="noStrike">
                 <a:latin typeface="Arial"/>
+                <a:ea typeface="Microsoft YaHei"/>
               </a:rPr>
               <a:t>Xfce4</a:t>
             </a:r>
@@ -2822,7 +4681,10 @@
             </a:endParaRPr>
           </a:p>
           <a:p>
-            <a:pPr lvl="1" marL="864000" indent="-324000">
+            <a:pPr lvl="1" marL="864000" indent="-323640">
+              <a:lnSpc>
+                <a:spcPct val="100000"/>
+              </a:lnSpc>
               <a:spcBef>
                 <a:spcPts val="1134"/>
               </a:spcBef>
@@ -2830,12 +4692,13 @@
                 <a:srgbClr val="ffffff"/>
               </a:buClr>
               <a:buSzPct val="75000"/>
-              <a:buFont typeface="Symbol" charset="2"/>
+              <a:buFont typeface="Symbol"/>
               <a:buChar char=""/>
             </a:pPr>
             <a:r>
               <a:rPr b="0" lang="en-US" sz="2800" spc="-1" strike="noStrike">
                 <a:latin typeface="Arial"/>
+                <a:ea typeface="Microsoft YaHei"/>
               </a:rPr>
               <a:t>pkg install xfce</a:t>
             </a:r>
@@ -2844,7 +4707,10 @@
             </a:endParaRPr>
           </a:p>
           <a:p>
-            <a:pPr lvl="1" marL="864000" indent="-324000">
+            <a:pPr lvl="1" marL="864000" indent="-323640">
+              <a:lnSpc>
+                <a:spcPct val="100000"/>
+              </a:lnSpc>
               <a:spcBef>
                 <a:spcPts val="1134"/>
               </a:spcBef>
@@ -2852,12 +4718,13 @@
                 <a:srgbClr val="ffffff"/>
               </a:buClr>
               <a:buSzPct val="75000"/>
-              <a:buFont typeface="Symbol" charset="2"/>
+              <a:buFont typeface="Symbol"/>
               <a:buChar char=""/>
             </a:pPr>
             <a:r>
               <a:rPr b="0" lang="en-US" sz="2800" spc="-1" strike="noStrike">
                 <a:latin typeface="Arial"/>
+                <a:ea typeface="Microsoft YaHei"/>
               </a:rPr>
               <a:t>NOTE: logoff as root, back to the user you added above.</a:t>
             </a:r>
@@ -2866,7 +4733,10 @@
             </a:endParaRPr>
           </a:p>
           <a:p>
-            <a:pPr lvl="1" marL="864000" indent="-324000">
+            <a:pPr lvl="1" marL="864000" indent="-323640">
+              <a:lnSpc>
+                <a:spcPct val="100000"/>
+              </a:lnSpc>
               <a:spcBef>
                 <a:spcPts val="1134"/>
               </a:spcBef>
@@ -2874,12 +4744,13 @@
                 <a:srgbClr val="ffffff"/>
               </a:buClr>
               <a:buSzPct val="75000"/>
-              <a:buFont typeface="Symbol" charset="2"/>
+              <a:buFont typeface="Symbol"/>
               <a:buChar char=""/>
             </a:pPr>
             <a:r>
               <a:rPr b="0" lang="en-US" sz="2800" spc="-1" strike="noStrike">
                 <a:latin typeface="Arial"/>
+                <a:ea typeface="Microsoft YaHei"/>
               </a:rPr>
               <a:t>echo "exec /usr/local/bin/startxfce4 --with-ck-launch" &gt; ~/.xinitrc</a:t>
             </a:r>
@@ -2888,7 +4759,10 @@
             </a:endParaRPr>
           </a:p>
           <a:p>
-            <a:pPr lvl="1" marL="864000" indent="-324000">
+            <a:pPr lvl="1" marL="864000" indent="-323640">
+              <a:lnSpc>
+                <a:spcPct val="100000"/>
+              </a:lnSpc>
               <a:spcBef>
                 <a:spcPts val="1134"/>
               </a:spcBef>
@@ -2896,12 +4770,13 @@
                 <a:srgbClr val="ffffff"/>
               </a:buClr>
               <a:buSzPct val="75000"/>
-              <a:buFont typeface="Symbol" charset="2"/>
+              <a:buFont typeface="Symbol"/>
               <a:buChar char=""/>
             </a:pPr>
             <a:r>
               <a:rPr b="0" lang="en-US" sz="2800" spc="-1" strike="noStrike">
                 <a:latin typeface="Arial"/>
+                <a:ea typeface="Microsoft YaHei"/>
               </a:rPr>
               <a:t>startx</a:t>
             </a:r>
@@ -2910,16 +4785,13 @@
             </a:endParaRPr>
           </a:p>
           <a:p>
-            <a:pPr marL="432000" indent="-324000">
+            <a:pPr>
+              <a:lnSpc>
+                <a:spcPct val="100000"/>
+              </a:lnSpc>
               <a:spcBef>
                 <a:spcPts val="1417"/>
               </a:spcBef>
-              <a:buClr>
-                <a:srgbClr val="ffffff"/>
-              </a:buClr>
-              <a:buSzPct val="45000"/>
-              <a:buFont typeface="Wingdings" charset="2"/>
-              <a:buChar char=""/>
             </a:pPr>
             <a:endParaRPr b="0" lang="en-US" sz="2800" spc="-1" strike="noStrike">
               <a:latin typeface="Arial"/>
@@ -2966,14 +4838,14 @@
       </p:grpSpPr>
       <p:sp>
         <p:nvSpPr>
-          <p:cNvPr id="47" name=""/>
-          <p:cNvSpPr txBox="1"/>
+          <p:cNvPr id="82" name=""/>
+          <p:cNvSpPr/>
           <p:nvPr/>
         </p:nvSpPr>
         <p:spPr>
           <a:xfrm>
             <a:off x="504000" y="226080"/>
-            <a:ext cx="9071640" cy="946440"/>
+            <a:ext cx="9071280" cy="946080"/>
           </a:xfrm>
           <a:prstGeom prst="rect">
             <a:avLst/>
@@ -2983,12 +4855,22 @@
             <a:noFill/>
           </a:ln>
         </p:spPr>
+        <p:style>
+          <a:lnRef idx="0"/>
+          <a:fillRef idx="0"/>
+          <a:effectRef idx="0"/>
+          <a:fontRef idx="minor"/>
+        </p:style>
         <p:txBody>
           <a:bodyPr lIns="0" rIns="0" tIns="0" bIns="0" anchor="ctr">
             <a:noAutofit/>
           </a:bodyPr>
           <a:p>
-            <a:pPr algn="ctr"/>
+            <a:pPr algn="ctr">
+              <a:lnSpc>
+                <a:spcPct val="100000"/>
+              </a:lnSpc>
+            </a:pPr>
             <a:r>
               <a:rPr b="0" lang="en-US" sz="4400" spc="-1" strike="noStrike">
                 <a:latin typeface="Arial"/>
@@ -3003,14 +4885,14 @@
       </p:sp>
       <p:sp>
         <p:nvSpPr>
-          <p:cNvPr id="48" name=""/>
-          <p:cNvSpPr txBox="1"/>
+          <p:cNvPr id="83" name=""/>
+          <p:cNvSpPr/>
           <p:nvPr/>
         </p:nvSpPr>
         <p:spPr>
           <a:xfrm>
             <a:off x="504000" y="1326600"/>
-            <a:ext cx="9071640" cy="3288240"/>
+            <a:ext cx="9071280" cy="3287880"/>
           </a:xfrm>
           <a:prstGeom prst="rect">
             <a:avLst/>
@@ -3020,12 +4902,21 @@
             <a:noFill/>
           </a:ln>
         </p:spPr>
+        <p:style>
+          <a:lnRef idx="0"/>
+          <a:fillRef idx="0"/>
+          <a:effectRef idx="0"/>
+          <a:fontRef idx="minor"/>
+        </p:style>
         <p:txBody>
           <a:bodyPr lIns="0" rIns="0" tIns="0" bIns="0">
             <a:normAutofit fontScale="41000"/>
           </a:bodyPr>
           <a:p>
-            <a:pPr marL="432000" indent="-324000">
+            <a:pPr marL="432000" indent="-323640">
+              <a:lnSpc>
+                <a:spcPct val="100000"/>
+              </a:lnSpc>
               <a:spcBef>
                 <a:spcPts val="1417"/>
               </a:spcBef>
@@ -3047,7 +4938,10 @@
             </a:endParaRPr>
           </a:p>
           <a:p>
-            <a:pPr lvl="1" marL="864000" indent="-324000">
+            <a:pPr lvl="1" marL="864000" indent="-323640">
+              <a:lnSpc>
+                <a:spcPct val="100000"/>
+              </a:lnSpc>
               <a:spcBef>
                 <a:spcPts val="1134"/>
               </a:spcBef>
@@ -3055,7 +4949,7 @@
                 <a:srgbClr val="ffffff"/>
               </a:buClr>
               <a:buSzPct val="75000"/>
-              <a:buFont typeface="Symbol" charset="2"/>
+              <a:buFont typeface="Symbol"/>
               <a:buChar char=""/>
             </a:pPr>
             <a:r>
@@ -3069,7 +4963,10 @@
             </a:endParaRPr>
           </a:p>
           <a:p>
-            <a:pPr lvl="1" marL="864000" indent="-324000">
+            <a:pPr lvl="1" marL="864000" indent="-323640">
+              <a:lnSpc>
+                <a:spcPct val="100000"/>
+              </a:lnSpc>
               <a:spcBef>
                 <a:spcPts val="1134"/>
               </a:spcBef>
@@ -3077,7 +4974,7 @@
                 <a:srgbClr val="ffffff"/>
               </a:buClr>
               <a:buSzPct val="75000"/>
-              <a:buFont typeface="Symbol" charset="2"/>
+              <a:buFont typeface="Symbol"/>
               <a:buChar char=""/>
             </a:pPr>
             <a:r>
@@ -3091,7 +4988,10 @@
             </a:endParaRPr>
           </a:p>
           <a:p>
-            <a:pPr lvl="1" marL="864000" indent="-324000">
+            <a:pPr lvl="1" marL="864000" indent="-323640">
+              <a:lnSpc>
+                <a:spcPct val="100000"/>
+              </a:lnSpc>
               <a:spcBef>
                 <a:spcPts val="1134"/>
               </a:spcBef>
@@ -3099,7 +4999,7 @@
                 <a:srgbClr val="ffffff"/>
               </a:buClr>
               <a:buSzPct val="75000"/>
-              <a:buFont typeface="Symbol" charset="2"/>
+              <a:buFont typeface="Symbol"/>
               <a:buChar char=""/>
             </a:pPr>
             <a:r>
@@ -3113,7 +5013,10 @@
             </a:endParaRPr>
           </a:p>
           <a:p>
-            <a:pPr lvl="1" marL="864000" indent="-324000">
+            <a:pPr lvl="1" marL="864000" indent="-323640">
+              <a:lnSpc>
+                <a:spcPct val="100000"/>
+              </a:lnSpc>
               <a:spcBef>
                 <a:spcPts val="1134"/>
               </a:spcBef>
@@ -3121,7 +5024,7 @@
                 <a:srgbClr val="ffffff"/>
               </a:buClr>
               <a:buSzPct val="75000"/>
-              <a:buFont typeface="Symbol" charset="2"/>
+              <a:buFont typeface="Symbol"/>
               <a:buChar char=""/>
             </a:pPr>
             <a:r>
@@ -3135,7 +5038,10 @@
             </a:endParaRPr>
           </a:p>
           <a:p>
-            <a:pPr lvl="2" marL="1296000" indent="-288000">
+            <a:pPr lvl="2" marL="1296000" indent="-287640">
+              <a:lnSpc>
+                <a:spcPct val="100000"/>
+              </a:lnSpc>
               <a:spcBef>
                 <a:spcPts val="850"/>
               </a:spcBef>
@@ -3157,7 +5063,10 @@
             </a:endParaRPr>
           </a:p>
           <a:p>
-            <a:pPr lvl="2" marL="1296000" indent="-288000">
+            <a:pPr lvl="2" marL="1296000" indent="-287640">
+              <a:lnSpc>
+                <a:spcPct val="100000"/>
+              </a:lnSpc>
               <a:spcBef>
                 <a:spcPts val="850"/>
               </a:spcBef>
@@ -3179,7 +5088,10 @@
             </a:endParaRPr>
           </a:p>
           <a:p>
-            <a:pPr marL="432000" indent="-324000">
+            <a:pPr marL="432000" indent="-323640">
+              <a:lnSpc>
+                <a:spcPct val="100000"/>
+              </a:lnSpc>
               <a:spcBef>
                 <a:spcPts val="1417"/>
               </a:spcBef>
@@ -3201,7 +5113,10 @@
             </a:endParaRPr>
           </a:p>
           <a:p>
-            <a:pPr lvl="1" marL="864000" indent="-324000">
+            <a:pPr lvl="1" marL="864000" indent="-323640">
+              <a:lnSpc>
+                <a:spcPct val="100000"/>
+              </a:lnSpc>
               <a:spcBef>
                 <a:spcPts val="1134"/>
               </a:spcBef>
@@ -3209,7 +5124,7 @@
                 <a:srgbClr val="ffffff"/>
               </a:buClr>
               <a:buSzPct val="75000"/>
-              <a:buFont typeface="Symbol" charset="2"/>
+              <a:buFont typeface="Symbol"/>
               <a:buChar char=""/>
             </a:pPr>
             <a:r>
@@ -3223,7 +5138,10 @@
             </a:endParaRPr>
           </a:p>
           <a:p>
-            <a:pPr lvl="1" marL="864000" indent="-324000">
+            <a:pPr lvl="1" marL="864000" indent="-323640">
+              <a:lnSpc>
+                <a:spcPct val="100000"/>
+              </a:lnSpc>
               <a:spcBef>
                 <a:spcPts val="1134"/>
               </a:spcBef>
@@ -3231,7 +5149,7 @@
                 <a:srgbClr val="ffffff"/>
               </a:buClr>
               <a:buSzPct val="75000"/>
-              <a:buFont typeface="Symbol" charset="2"/>
+              <a:buFont typeface="Symbol"/>
               <a:buChar char=""/>
             </a:pPr>
             <a:r>
@@ -3245,7 +5163,10 @@
             </a:endParaRPr>
           </a:p>
           <a:p>
-            <a:pPr marL="432000" indent="-324000">
+            <a:pPr marL="432000" indent="-323640">
+              <a:lnSpc>
+                <a:spcPct val="100000"/>
+              </a:lnSpc>
               <a:spcBef>
                 <a:spcPts val="1414"/>
               </a:spcBef>
@@ -3307,14 +5228,14 @@
       </p:grpSpPr>
       <p:sp>
         <p:nvSpPr>
-          <p:cNvPr id="49" name=""/>
-          <p:cNvSpPr txBox="1"/>
+          <p:cNvPr id="84" name=""/>
+          <p:cNvSpPr/>
           <p:nvPr/>
         </p:nvSpPr>
         <p:spPr>
           <a:xfrm>
             <a:off x="504000" y="226080"/>
-            <a:ext cx="9071640" cy="946440"/>
+            <a:ext cx="9071280" cy="946080"/>
           </a:xfrm>
           <a:prstGeom prst="rect">
             <a:avLst/>
@@ -3324,12 +5245,22 @@
             <a:noFill/>
           </a:ln>
         </p:spPr>
+        <p:style>
+          <a:lnRef idx="0"/>
+          <a:fillRef idx="0"/>
+          <a:effectRef idx="0"/>
+          <a:fontRef idx="minor"/>
+        </p:style>
         <p:txBody>
           <a:bodyPr lIns="0" rIns="0" tIns="0" bIns="0" anchor="ctr">
             <a:noAutofit/>
           </a:bodyPr>
           <a:p>
-            <a:pPr algn="ctr"/>
+            <a:pPr algn="ctr">
+              <a:lnSpc>
+                <a:spcPct val="100000"/>
+              </a:lnSpc>
+            </a:pPr>
             <a:r>
               <a:rPr b="0" lang="en-US" sz="4400" spc="-1" strike="noStrike">
                 <a:latin typeface="Arial"/>
@@ -3344,14 +5275,14 @@
       </p:sp>
       <p:sp>
         <p:nvSpPr>
-          <p:cNvPr id="50" name=""/>
-          <p:cNvSpPr txBox="1"/>
+          <p:cNvPr id="85" name=""/>
+          <p:cNvSpPr/>
           <p:nvPr/>
         </p:nvSpPr>
         <p:spPr>
           <a:xfrm>
             <a:off x="504000" y="1326600"/>
-            <a:ext cx="9071640" cy="3288240"/>
+            <a:ext cx="9071280" cy="3287880"/>
           </a:xfrm>
           <a:prstGeom prst="rect">
             <a:avLst/>
@@ -3361,12 +5292,21 @@
             <a:noFill/>
           </a:ln>
         </p:spPr>
+        <p:style>
+          <a:lnRef idx="0"/>
+          <a:fillRef idx="0"/>
+          <a:effectRef idx="0"/>
+          <a:fontRef idx="minor"/>
+        </p:style>
         <p:txBody>
           <a:bodyPr lIns="0" rIns="0" tIns="0" bIns="0">
-            <a:normAutofit fontScale="92000"/>
-          </a:bodyPr>
-          <a:p>
-            <a:pPr marL="432000" indent="-324000">
+            <a:normAutofit/>
+          </a:bodyPr>
+          <a:p>
+            <a:pPr marL="432000" indent="-323640">
+              <a:lnSpc>
+                <a:spcPct val="100000"/>
+              </a:lnSpc>
               <a:spcBef>
                 <a:spcPts val="1417"/>
               </a:spcBef>
@@ -3381,14 +5321,17 @@
               <a:rPr b="0" lang="en-US" sz="3200" spc="-1" strike="noStrike">
                 <a:latin typeface="Arial"/>
               </a:rPr>
-              <a:t>Libreoffice</a:t>
-            </a:r>
-            <a:endParaRPr b="0" lang="en-US" sz="3200" spc="-1" strike="noStrike">
-              <a:latin typeface="Arial"/>
-            </a:endParaRPr>
-          </a:p>
-          <a:p>
-            <a:pPr marL="432000" indent="-324000">
+              <a:t>Firefox (need for rustup docs)</a:t>
+            </a:r>
+            <a:endParaRPr b="0" lang="en-US" sz="3200" spc="-1" strike="noStrike">
+              <a:latin typeface="Arial"/>
+            </a:endParaRPr>
+          </a:p>
+          <a:p>
+            <a:pPr marL="432000" indent="-323640">
+              <a:lnSpc>
+                <a:spcPct val="100000"/>
+              </a:lnSpc>
               <a:spcBef>
                 <a:spcPts val="1417"/>
               </a:spcBef>
@@ -3403,14 +5346,17 @@
               <a:rPr b="0" lang="en-US" sz="3200" spc="-1" strike="noStrike">
                 <a:latin typeface="Arial"/>
               </a:rPr>
-              <a:t>Thunderbird</a:t>
-            </a:r>
-            <a:endParaRPr b="0" lang="en-US" sz="3200" spc="-1" strike="noStrike">
-              <a:latin typeface="Arial"/>
-            </a:endParaRPr>
-          </a:p>
-          <a:p>
-            <a:pPr marL="432000" indent="-324000">
+              <a:t>Libreoffice</a:t>
+            </a:r>
+            <a:endParaRPr b="0" lang="en-US" sz="3200" spc="-1" strike="noStrike">
+              <a:latin typeface="Arial"/>
+            </a:endParaRPr>
+          </a:p>
+          <a:p>
+            <a:pPr marL="432000" indent="-323640">
+              <a:lnSpc>
+                <a:spcPct val="100000"/>
+              </a:lnSpc>
               <a:spcBef>
                 <a:spcPts val="1417"/>
               </a:spcBef>
@@ -3425,38 +5371,19 @@
               <a:rPr b="0" lang="en-US" sz="3200" spc="-1" strike="noStrike">
                 <a:latin typeface="Arial"/>
               </a:rPr>
-              <a:t>VSCode</a:t>
-            </a:r>
-            <a:endParaRPr b="0" lang="en-US" sz="3200" spc="-1" strike="noStrike">
-              <a:latin typeface="Arial"/>
-            </a:endParaRPr>
-          </a:p>
-          <a:p>
-            <a:pPr lvl="1" marL="864000" indent="-324000">
-              <a:spcBef>
-                <a:spcPts val="1134"/>
-              </a:spcBef>
-              <a:buClr>
-                <a:srgbClr val="ffffff"/>
-              </a:buClr>
-              <a:buSzPct val="75000"/>
-              <a:buFont typeface="Symbol" charset="2"/>
-              <a:buChar char=""/>
-            </a:pPr>
-            <a:r>
-              <a:rPr b="0" lang="en-US" sz="2800" spc="-1" strike="noStrike">
-                <a:latin typeface="Arial"/>
-              </a:rPr>
-              <a:t>RLS</a:t>
-            </a:r>
-            <a:endParaRPr b="0" lang="en-US" sz="2800" spc="-1" strike="noStrike">
-              <a:latin typeface="Arial"/>
-            </a:endParaRPr>
-          </a:p>
-          <a:p>
-            <a:pPr marL="432000" indent="-324000">
-              <a:spcBef>
-                <a:spcPts val="1414"/>
+              <a:t>Thunderbird</a:t>
+            </a:r>
+            <a:endParaRPr b="0" lang="en-US" sz="3200" spc="-1" strike="noStrike">
+              <a:latin typeface="Arial"/>
+            </a:endParaRPr>
+          </a:p>
+          <a:p>
+            <a:pPr marL="432000" indent="-323640">
+              <a:lnSpc>
+                <a:spcPct val="100000"/>
+              </a:lnSpc>
+              <a:spcBef>
+                <a:spcPts val="1417"/>
               </a:spcBef>
               <a:buClr>
                 <a:srgbClr val="ffffff"/>
@@ -3469,14 +5396,17 @@
               <a:rPr b="0" lang="en-US" sz="3200" spc="-1" strike="noStrike">
                 <a:latin typeface="Arial"/>
               </a:rPr>
-              <a:t>Put clang tools in path </a:t>
-            </a:r>
-            <a:endParaRPr b="0" lang="en-US" sz="3200" spc="-1" strike="noStrike">
-              <a:latin typeface="Arial"/>
-            </a:endParaRPr>
-          </a:p>
-          <a:p>
-            <a:pPr lvl="1" marL="864000" indent="-324000">
+              <a:t>VSCode</a:t>
+            </a:r>
+            <a:endParaRPr b="0" lang="en-US" sz="3200" spc="-1" strike="noStrike">
+              <a:latin typeface="Arial"/>
+            </a:endParaRPr>
+          </a:p>
+          <a:p>
+            <a:pPr lvl="1" marL="864000" indent="-323640">
+              <a:lnSpc>
+                <a:spcPct val="100000"/>
+              </a:lnSpc>
               <a:spcBef>
                 <a:spcPts val="1134"/>
               </a:spcBef>
@@ -3484,15 +5414,34 @@
                 <a:srgbClr val="ffffff"/>
               </a:buClr>
               <a:buSzPct val="75000"/>
-              <a:buFont typeface="Symbol" charset="2"/>
+              <a:buFont typeface="Symbol"/>
               <a:buChar char=""/>
             </a:pPr>
             <a:r>
               <a:rPr b="0" lang="en-US" sz="2800" spc="-1" strike="noStrike">
                 <a:latin typeface="Arial"/>
               </a:rPr>
-              <a:t>clang-format, clang-tidy, clang-format.py</a:t>
-            </a:r>
+              <a:t>RLS</a:t>
+            </a:r>
+            <a:endParaRPr b="0" lang="en-US" sz="2800" spc="-1" strike="noStrike">
+              <a:latin typeface="Arial"/>
+            </a:endParaRPr>
+          </a:p>
+          <a:p>
+            <a:pPr marL="432000" indent="-323640">
+              <a:lnSpc>
+                <a:spcPct val="100000"/>
+              </a:lnSpc>
+              <a:spcBef>
+                <a:spcPts val="1414"/>
+              </a:spcBef>
+              <a:buClr>
+                <a:srgbClr val="ffffff"/>
+              </a:buClr>
+              <a:buSzPct val="45000"/>
+              <a:buFont typeface="Wingdings" charset="2"/>
+              <a:buChar char=""/>
+            </a:pPr>
             <a:endParaRPr b="0" lang="en-US" sz="2800" spc="-1" strike="noStrike">
               <a:latin typeface="Arial"/>
             </a:endParaRPr>
@@ -3538,14 +5487,14 @@
       </p:grpSpPr>
       <p:sp>
         <p:nvSpPr>
-          <p:cNvPr id="51" name=""/>
-          <p:cNvSpPr txBox="1"/>
+          <p:cNvPr id="86" name=""/>
+          <p:cNvSpPr/>
           <p:nvPr/>
         </p:nvSpPr>
         <p:spPr>
           <a:xfrm>
             <a:off x="504000" y="226080"/>
-            <a:ext cx="9071640" cy="946440"/>
+            <a:ext cx="9071280" cy="946080"/>
           </a:xfrm>
           <a:prstGeom prst="rect">
             <a:avLst/>
@@ -3555,12 +5504,22 @@
             <a:noFill/>
           </a:ln>
         </p:spPr>
+        <p:style>
+          <a:lnRef idx="0"/>
+          <a:fillRef idx="0"/>
+          <a:effectRef idx="0"/>
+          <a:fontRef idx="minor"/>
+        </p:style>
         <p:txBody>
           <a:bodyPr lIns="0" rIns="0" tIns="0" bIns="0" anchor="ctr">
             <a:noAutofit/>
           </a:bodyPr>
           <a:p>
-            <a:pPr algn="ctr"/>
+            <a:pPr algn="ctr">
+              <a:lnSpc>
+                <a:spcPct val="100000"/>
+              </a:lnSpc>
+            </a:pPr>
             <a:r>
               <a:rPr b="0" lang="en-US" sz="4400" spc="-1" strike="noStrike">
                 <a:latin typeface="Arial"/>
@@ -3575,14 +5534,14 @@
       </p:sp>
       <p:sp>
         <p:nvSpPr>
-          <p:cNvPr id="52" name=""/>
-          <p:cNvSpPr txBox="1"/>
+          <p:cNvPr id="87" name=""/>
+          <p:cNvSpPr/>
           <p:nvPr/>
         </p:nvSpPr>
         <p:spPr>
           <a:xfrm>
             <a:off x="504000" y="1326600"/>
-            <a:ext cx="9071640" cy="3288240"/>
+            <a:ext cx="9071280" cy="3287880"/>
           </a:xfrm>
           <a:prstGeom prst="rect">
             <a:avLst/>
@@ -3592,12 +5551,21 @@
             <a:noFill/>
           </a:ln>
         </p:spPr>
+        <p:style>
+          <a:lnRef idx="0"/>
+          <a:fillRef idx="0"/>
+          <a:effectRef idx="0"/>
+          <a:fontRef idx="minor"/>
+        </p:style>
         <p:txBody>
           <a:bodyPr lIns="0" rIns="0" tIns="0" bIns="0">
             <a:normAutofit fontScale="76000"/>
           </a:bodyPr>
           <a:p>
-            <a:pPr marL="432000" indent="-324000">
+            <a:pPr marL="432000" indent="-323640">
+              <a:lnSpc>
+                <a:spcPct val="100000"/>
+              </a:lnSpc>
               <a:spcBef>
                 <a:spcPts val="1414"/>
               </a:spcBef>
@@ -3619,7 +5587,10 @@
             </a:endParaRPr>
           </a:p>
           <a:p>
-            <a:pPr lvl="1" marL="864000" indent="-324000">
+            <a:pPr lvl="1" marL="864000" indent="-323640">
+              <a:lnSpc>
+                <a:spcPct val="100000"/>
+              </a:lnSpc>
               <a:spcBef>
                 <a:spcPts val="1134"/>
               </a:spcBef>
@@ -3627,7 +5598,7 @@
                 <a:srgbClr val="ffffff"/>
               </a:buClr>
               <a:buSzPct val="75000"/>
-              <a:buFont typeface="Symbol" charset="2"/>
+              <a:buFont typeface="Symbol"/>
               <a:buChar char=""/>
             </a:pPr>
             <a:r>
@@ -3641,7 +5612,10 @@
             </a:endParaRPr>
           </a:p>
           <a:p>
-            <a:pPr lvl="1" marL="864000" indent="-324000">
+            <a:pPr lvl="1" marL="864000" indent="-323640">
+              <a:lnSpc>
+                <a:spcPct val="100000"/>
+              </a:lnSpc>
               <a:spcBef>
                 <a:spcPts val="1134"/>
               </a:spcBef>
@@ -3649,7 +5623,7 @@
                 <a:srgbClr val="ffffff"/>
               </a:buClr>
               <a:buSzPct val="75000"/>
-              <a:buFont typeface="Symbol" charset="2"/>
+              <a:buFont typeface="Symbol"/>
               <a:buChar char=""/>
             </a:pPr>
             <a:r>
@@ -3663,7 +5637,10 @@
             </a:endParaRPr>
           </a:p>
           <a:p>
-            <a:pPr lvl="1" marL="864000" indent="-324000">
+            <a:pPr lvl="1" marL="864000" indent="-323640">
+              <a:lnSpc>
+                <a:spcPct val="100000"/>
+              </a:lnSpc>
               <a:spcBef>
                 <a:spcPts val="1134"/>
               </a:spcBef>
@@ -3671,7 +5648,7 @@
                 <a:srgbClr val="ffffff"/>
               </a:buClr>
               <a:buSzPct val="75000"/>
-              <a:buFont typeface="Symbol" charset="2"/>
+              <a:buFont typeface="Symbol"/>
               <a:buChar char=""/>
             </a:pPr>
             <a:r>
@@ -3685,7 +5662,10 @@
             </a:endParaRPr>
           </a:p>
           <a:p>
-            <a:pPr lvl="2" marL="1296000" indent="-288000">
+            <a:pPr lvl="2" marL="1296000" indent="-287640">
+              <a:lnSpc>
+                <a:spcPct val="100000"/>
+              </a:lnSpc>
               <a:spcBef>
                 <a:spcPts val="850"/>
               </a:spcBef>
@@ -3707,7 +5687,10 @@
             </a:endParaRPr>
           </a:p>
           <a:p>
-            <a:pPr lvl="2" marL="1296000" indent="-288000">
+            <a:pPr lvl="2" marL="1296000" indent="-287640">
+              <a:lnSpc>
+                <a:spcPct val="100000"/>
+              </a:lnSpc>
               <a:spcBef>
                 <a:spcPts val="850"/>
               </a:spcBef>
@@ -3729,7 +5712,10 @@
             </a:endParaRPr>
           </a:p>
           <a:p>
-            <a:pPr lvl="1" marL="864000" indent="-324000">
+            <a:pPr lvl="1" marL="864000" indent="-323640">
+              <a:lnSpc>
+                <a:spcPct val="100000"/>
+              </a:lnSpc>
               <a:spcBef>
                 <a:spcPts val="1134"/>
               </a:spcBef>
@@ -3737,7 +5723,7 @@
                 <a:srgbClr val="ffffff"/>
               </a:buClr>
               <a:buSzPct val="75000"/>
-              <a:buFont typeface="Symbol" charset="2"/>
+              <a:buFont typeface="Symbol"/>
               <a:buChar char=""/>
             </a:pPr>
             <a:r>
@@ -3751,16 +5737,13 @@
             </a:endParaRPr>
           </a:p>
           <a:p>
-            <a:pPr lvl="1" marL="864000" indent="-324000">
+            <a:pPr>
+              <a:lnSpc>
+                <a:spcPct val="100000"/>
+              </a:lnSpc>
               <a:spcBef>
                 <a:spcPts val="1134"/>
               </a:spcBef>
-              <a:buClr>
-                <a:srgbClr val="ffffff"/>
-              </a:buClr>
-              <a:buSzPct val="75000"/>
-              <a:buFont typeface="Symbol" charset="2"/>
-              <a:buChar char=""/>
             </a:pPr>
             <a:endParaRPr b="0" lang="en-US" sz="2800" spc="-1" strike="noStrike">
               <a:latin typeface="Arial"/>
@@ -3807,14 +5790,14 @@
       </p:grpSpPr>
       <p:sp>
         <p:nvSpPr>
-          <p:cNvPr id="53" name=""/>
-          <p:cNvSpPr txBox="1"/>
+          <p:cNvPr id="88" name=""/>
+          <p:cNvSpPr/>
           <p:nvPr/>
         </p:nvSpPr>
         <p:spPr>
           <a:xfrm>
             <a:off x="504000" y="226080"/>
-            <a:ext cx="9071640" cy="946440"/>
+            <a:ext cx="9071280" cy="946080"/>
           </a:xfrm>
           <a:prstGeom prst="rect">
             <a:avLst/>
@@ -3824,12 +5807,22 @@
             <a:noFill/>
           </a:ln>
         </p:spPr>
+        <p:style>
+          <a:lnRef idx="0"/>
+          <a:fillRef idx="0"/>
+          <a:effectRef idx="0"/>
+          <a:fontRef idx="minor"/>
+        </p:style>
         <p:txBody>
           <a:bodyPr lIns="0" rIns="0" tIns="0" bIns="0" anchor="ctr">
             <a:noAutofit/>
           </a:bodyPr>
           <a:p>
-            <a:pPr algn="ctr"/>
+            <a:pPr algn="ctr">
+              <a:lnSpc>
+                <a:spcPct val="100000"/>
+              </a:lnSpc>
+            </a:pPr>
             <a:r>
               <a:rPr b="0" lang="en-US" sz="4400" spc="-1" strike="noStrike">
                 <a:latin typeface="Arial"/>
@@ -3844,14 +5837,14 @@
       </p:sp>
       <p:sp>
         <p:nvSpPr>
-          <p:cNvPr id="54" name=""/>
-          <p:cNvSpPr txBox="1"/>
+          <p:cNvPr id="89" name=""/>
+          <p:cNvSpPr/>
           <p:nvPr/>
         </p:nvSpPr>
         <p:spPr>
           <a:xfrm>
             <a:off x="504000" y="1326600"/>
-            <a:ext cx="9071640" cy="3288240"/>
+            <a:ext cx="9071280" cy="3287880"/>
           </a:xfrm>
           <a:prstGeom prst="rect">
             <a:avLst/>
@@ -3861,12 +5854,21 @@
             <a:noFill/>
           </a:ln>
         </p:spPr>
+        <p:style>
+          <a:lnRef idx="0"/>
+          <a:fillRef idx="0"/>
+          <a:effectRef idx="0"/>
+          <a:fontRef idx="minor"/>
+        </p:style>
         <p:txBody>
           <a:bodyPr lIns="0" rIns="0" tIns="0" bIns="0">
             <a:normAutofit fontScale="65000"/>
           </a:bodyPr>
           <a:p>
-            <a:pPr marL="432000" indent="-324000">
+            <a:pPr marL="432000" indent="-323640">
+              <a:lnSpc>
+                <a:spcPct val="100000"/>
+              </a:lnSpc>
               <a:spcBef>
                 <a:spcPts val="1414"/>
               </a:spcBef>
@@ -3888,7 +5890,10 @@
             </a:endParaRPr>
           </a:p>
           <a:p>
-            <a:pPr lvl="1" marL="864000" indent="-324000">
+            <a:pPr lvl="1" marL="864000" indent="-323640">
+              <a:lnSpc>
+                <a:spcPct val="100000"/>
+              </a:lnSpc>
               <a:spcBef>
                 <a:spcPts val="1134"/>
               </a:spcBef>
@@ -3896,7 +5901,7 @@
                 <a:srgbClr val="ffffff"/>
               </a:buClr>
               <a:buSzPct val="75000"/>
-              <a:buFont typeface="Symbol" charset="2"/>
+              <a:buFont typeface="Symbol"/>
               <a:buChar char=""/>
             </a:pPr>
             <a:r>
@@ -3910,7 +5915,10 @@
             </a:endParaRPr>
           </a:p>
           <a:p>
-            <a:pPr lvl="1" marL="864000" indent="-324000">
+            <a:pPr lvl="1" marL="864000" indent="-323640">
+              <a:lnSpc>
+                <a:spcPct val="100000"/>
+              </a:lnSpc>
               <a:spcBef>
                 <a:spcPts val="1134"/>
               </a:spcBef>
@@ -3918,7 +5926,7 @@
                 <a:srgbClr val="ffffff"/>
               </a:buClr>
               <a:buSzPct val="75000"/>
-              <a:buFont typeface="Symbol" charset="2"/>
+              <a:buFont typeface="Symbol"/>
               <a:buChar char=""/>
             </a:pPr>
             <a:r>
@@ -3932,7 +5940,10 @@
             </a:endParaRPr>
           </a:p>
           <a:p>
-            <a:pPr lvl="1" marL="864000" indent="-324000">
+            <a:pPr lvl="1" marL="864000" indent="-323640">
+              <a:lnSpc>
+                <a:spcPct val="100000"/>
+              </a:lnSpc>
               <a:spcBef>
                 <a:spcPts val="1134"/>
               </a:spcBef>
@@ -3940,7 +5951,7 @@
                 <a:srgbClr val="ffffff"/>
               </a:buClr>
               <a:buSzPct val="75000"/>
-              <a:buFont typeface="Symbol" charset="2"/>
+              <a:buFont typeface="Symbol"/>
               <a:buChar char=""/>
             </a:pPr>
             <a:r>
@@ -3954,7 +5965,10 @@
             </a:endParaRPr>
           </a:p>
           <a:p>
-            <a:pPr lvl="2" marL="1296000" indent="-288000">
+            <a:pPr lvl="2" marL="1296000" indent="-287640">
+              <a:lnSpc>
+                <a:spcPct val="100000"/>
+              </a:lnSpc>
               <a:spcBef>
                 <a:spcPts val="850"/>
               </a:spcBef>
@@ -3976,7 +5990,10 @@
             </a:endParaRPr>
           </a:p>
           <a:p>
-            <a:pPr lvl="1" marL="864000" indent="-324000">
+            <a:pPr lvl="1" marL="864000" indent="-323640">
+              <a:lnSpc>
+                <a:spcPct val="100000"/>
+              </a:lnSpc>
               <a:spcBef>
                 <a:spcPts val="1134"/>
               </a:spcBef>
@@ -3984,7 +6001,7 @@
                 <a:srgbClr val="ffffff"/>
               </a:buClr>
               <a:buSzPct val="75000"/>
-              <a:buFont typeface="Symbol" charset="2"/>
+              <a:buFont typeface="Symbol"/>
               <a:buChar char=""/>
             </a:pPr>
             <a:r>
@@ -3998,7 +6015,10 @@
             </a:endParaRPr>
           </a:p>
           <a:p>
-            <a:pPr lvl="1" marL="864000" indent="-324000">
+            <a:pPr lvl="1" marL="864000" indent="-323640">
+              <a:lnSpc>
+                <a:spcPct val="100000"/>
+              </a:lnSpc>
               <a:spcBef>
                 <a:spcPts val="1134"/>
               </a:spcBef>
@@ -4006,7 +6026,7 @@
                 <a:srgbClr val="ffffff"/>
               </a:buClr>
               <a:buSzPct val="75000"/>
-              <a:buFont typeface="Symbol" charset="2"/>
+              <a:buFont typeface="Symbol"/>
               <a:buChar char=""/>
             </a:pPr>
             <a:r>
@@ -4060,14 +6080,14 @@
       </p:grpSpPr>
       <p:sp>
         <p:nvSpPr>
-          <p:cNvPr id="55" name=""/>
-          <p:cNvSpPr txBox="1"/>
+          <p:cNvPr id="90" name=""/>
+          <p:cNvSpPr/>
           <p:nvPr/>
         </p:nvSpPr>
         <p:spPr>
           <a:xfrm>
             <a:off x="504000" y="226080"/>
-            <a:ext cx="9071640" cy="946440"/>
+            <a:ext cx="9071280" cy="946080"/>
           </a:xfrm>
           <a:prstGeom prst="rect">
             <a:avLst/>
@@ -4077,12 +6097,22 @@
             <a:noFill/>
           </a:ln>
         </p:spPr>
+        <p:style>
+          <a:lnRef idx="0"/>
+          <a:fillRef idx="0"/>
+          <a:effectRef idx="0"/>
+          <a:fontRef idx="minor"/>
+        </p:style>
         <p:txBody>
           <a:bodyPr lIns="0" rIns="0" tIns="0" bIns="0" anchor="ctr">
             <a:noAutofit/>
           </a:bodyPr>
           <a:p>
-            <a:pPr algn="ctr"/>
+            <a:pPr algn="ctr">
+              <a:lnSpc>
+                <a:spcPct val="100000"/>
+              </a:lnSpc>
+            </a:pPr>
             <a:r>
               <a:rPr b="0" lang="en-US" sz="4400" spc="-1" strike="noStrike">
                 <a:latin typeface="Arial"/>
@@ -4097,14 +6127,14 @@
       </p:sp>
       <p:sp>
         <p:nvSpPr>
-          <p:cNvPr id="56" name=""/>
-          <p:cNvSpPr txBox="1"/>
+          <p:cNvPr id="91" name=""/>
+          <p:cNvSpPr/>
           <p:nvPr/>
         </p:nvSpPr>
         <p:spPr>
           <a:xfrm>
             <a:off x="504000" y="1326600"/>
-            <a:ext cx="9071640" cy="3288240"/>
+            <a:ext cx="9071280" cy="3287880"/>
           </a:xfrm>
           <a:prstGeom prst="rect">
             <a:avLst/>
@@ -4114,12 +6144,40 @@
             <a:noFill/>
           </a:ln>
         </p:spPr>
+        <p:style>
+          <a:lnRef idx="0"/>
+          <a:fillRef idx="0"/>
+          <a:effectRef idx="0"/>
+          <a:fontRef idx="minor"/>
+        </p:style>
         <p:txBody>
           <a:bodyPr lIns="0" rIns="0" tIns="0" bIns="0">
-            <a:normAutofit fontScale="21000"/>
-          </a:bodyPr>
-          <a:p>
-            <a:pPr marL="432000" indent="-324000">
+            <a:normAutofit fontScale="17000"/>
+          </a:bodyPr>
+          <a:p>
+            <a:pPr>
+              <a:lnSpc>
+                <a:spcPct val="100000"/>
+              </a:lnSpc>
+              <a:spcBef>
+                <a:spcPts val="1414"/>
+              </a:spcBef>
+            </a:pPr>
+            <a:r>
+              <a:rPr b="0" lang="en-US" sz="3200" spc="-1" strike="noStrike">
+                <a:latin typeface="Arial"/>
+              </a:rPr>
+              <a:t>Pkg install llvm-devel</a:t>
+            </a:r>
+            <a:endParaRPr b="0" lang="en-US" sz="3200" spc="-1" strike="noStrike">
+              <a:latin typeface="Arial"/>
+            </a:endParaRPr>
+          </a:p>
+          <a:p>
+            <a:pPr marL="432000" indent="-323640">
+              <a:lnSpc>
+                <a:spcPct val="100000"/>
+              </a:lnSpc>
               <a:spcBef>
                 <a:spcPts val="1414"/>
               </a:spcBef>
@@ -4141,7 +6199,10 @@
             </a:endParaRPr>
           </a:p>
           <a:p>
-            <a:pPr lvl="1" marL="864000" indent="-324000">
+            <a:pPr lvl="1" marL="864000" indent="-323640">
+              <a:lnSpc>
+                <a:spcPct val="100000"/>
+              </a:lnSpc>
               <a:spcBef>
                 <a:spcPts val="1134"/>
               </a:spcBef>
@@ -4149,7 +6210,7 @@
                 <a:srgbClr val="ffffff"/>
               </a:buClr>
               <a:buSzPct val="75000"/>
-              <a:buFont typeface="Symbol" charset="2"/>
+              <a:buFont typeface="Symbol"/>
               <a:buChar char=""/>
             </a:pPr>
             <a:r>
@@ -4163,7 +6224,10 @@
             </a:endParaRPr>
           </a:p>
           <a:p>
-            <a:pPr marL="432000" indent="-324000">
+            <a:pPr marL="432000" indent="-323640">
+              <a:lnSpc>
+                <a:spcPct val="100000"/>
+              </a:lnSpc>
               <a:spcBef>
                 <a:spcPts val="1414"/>
               </a:spcBef>
@@ -4185,7 +6249,10 @@
             </a:endParaRPr>
           </a:p>
           <a:p>
-            <a:pPr lvl="1" marL="864000" indent="-324000">
+            <a:pPr lvl="1" marL="864000" indent="-323640">
+              <a:lnSpc>
+                <a:spcPct val="100000"/>
+              </a:lnSpc>
               <a:spcBef>
                 <a:spcPts val="1134"/>
               </a:spcBef>
@@ -4193,7 +6260,7 @@
                 <a:srgbClr val="ffffff"/>
               </a:buClr>
               <a:buSzPct val="75000"/>
-              <a:buFont typeface="Symbol" charset="2"/>
+              <a:buFont typeface="Symbol"/>
               <a:buChar char=""/>
             </a:pPr>
             <a:r>
@@ -4207,7 +6274,10 @@
             </a:endParaRPr>
           </a:p>
           <a:p>
-            <a:pPr lvl="1" marL="864000" indent="-324000">
+            <a:pPr lvl="1" marL="864000" indent="-323640">
+              <a:lnSpc>
+                <a:spcPct val="100000"/>
+              </a:lnSpc>
               <a:spcBef>
                 <a:spcPts val="1134"/>
               </a:spcBef>
@@ -4215,7 +6285,7 @@
                 <a:srgbClr val="ffffff"/>
               </a:buClr>
               <a:buSzPct val="75000"/>
-              <a:buFont typeface="Symbol" charset="2"/>
+              <a:buFont typeface="Symbol"/>
               <a:buChar char=""/>
             </a:pPr>
             <a:r>
@@ -4235,7 +6305,10 @@
             </a:endParaRPr>
           </a:p>
           <a:p>
-            <a:pPr lvl="1" marL="864000" indent="-324000">
+            <a:pPr lvl="1" marL="864000" indent="-323640">
+              <a:lnSpc>
+                <a:spcPct val="100000"/>
+              </a:lnSpc>
               <a:spcBef>
                 <a:spcPts val="1134"/>
               </a:spcBef>
@@ -4243,7 +6316,7 @@
                 <a:srgbClr val="ffffff"/>
               </a:buClr>
               <a:buSzPct val="75000"/>
-              <a:buFont typeface="Symbol" charset="2"/>
+              <a:buFont typeface="Symbol"/>
               <a:buChar char=""/>
             </a:pPr>
             <a:r>
@@ -4263,7 +6336,10 @@
             </a:endParaRPr>
           </a:p>
           <a:p>
-            <a:pPr lvl="1" marL="864000" indent="-324000">
+            <a:pPr lvl="1" marL="864000" indent="-323640">
+              <a:lnSpc>
+                <a:spcPct val="100000"/>
+              </a:lnSpc>
               <a:spcBef>
                 <a:spcPts val="1134"/>
               </a:spcBef>
@@ -4271,7 +6347,7 @@
                 <a:srgbClr val="ffffff"/>
               </a:buClr>
               <a:buSzPct val="75000"/>
-              <a:buFont typeface="Symbol" charset="2"/>
+              <a:buFont typeface="Symbol"/>
               <a:buChar char=""/>
             </a:pPr>
             <a:r>
@@ -4291,7 +6367,10 @@
             </a:endParaRPr>
           </a:p>
           <a:p>
-            <a:pPr lvl="1" marL="864000" indent="-324000">
+            <a:pPr lvl="1" marL="864000" indent="-323640">
+              <a:lnSpc>
+                <a:spcPct val="100000"/>
+              </a:lnSpc>
               <a:spcBef>
                 <a:spcPts val="1134"/>
               </a:spcBef>
@@ -4299,7 +6378,7 @@
                 <a:srgbClr val="ffffff"/>
               </a:buClr>
               <a:buSzPct val="75000"/>
-              <a:buFont typeface="Symbol" charset="2"/>
+              <a:buFont typeface="Symbol"/>
               <a:buChar char=""/>
             </a:pPr>
             <a:r>
@@ -4319,7 +6398,10 @@
             </a:endParaRPr>
           </a:p>
           <a:p>
-            <a:pPr lvl="1" marL="864000" indent="-324000">
+            <a:pPr lvl="1" marL="864000" indent="-323640">
+              <a:lnSpc>
+                <a:spcPct val="100000"/>
+              </a:lnSpc>
               <a:spcBef>
                 <a:spcPts val="1134"/>
               </a:spcBef>
@@ -4327,7 +6409,7 @@
                 <a:srgbClr val="ffffff"/>
               </a:buClr>
               <a:buSzPct val="75000"/>
-              <a:buFont typeface="Symbol" charset="2"/>
+              <a:buFont typeface="Symbol"/>
               <a:buChar char=""/>
             </a:pPr>
             <a:r>
@@ -4347,7 +6429,10 @@
             </a:endParaRPr>
           </a:p>
           <a:p>
-            <a:pPr lvl="1" marL="864000" indent="-324000">
+            <a:pPr lvl="1" marL="864000" indent="-323640">
+              <a:lnSpc>
+                <a:spcPct val="100000"/>
+              </a:lnSpc>
               <a:spcBef>
                 <a:spcPts val="1134"/>
               </a:spcBef>
@@ -4355,7 +6440,7 @@
                 <a:srgbClr val="ffffff"/>
               </a:buClr>
               <a:buSzPct val="75000"/>
-              <a:buFont typeface="Symbol" charset="2"/>
+              <a:buFont typeface="Symbol"/>
               <a:buChar char=""/>
             </a:pPr>
             <a:r>
@@ -4375,7 +6460,10 @@
             </a:endParaRPr>
           </a:p>
           <a:p>
-            <a:pPr lvl="1" marL="864000" indent="-324000">
+            <a:pPr lvl="1" marL="864000" indent="-323640">
+              <a:lnSpc>
+                <a:spcPct val="100000"/>
+              </a:lnSpc>
               <a:spcBef>
                 <a:spcPts val="1134"/>
               </a:spcBef>
@@ -4383,7 +6471,7 @@
                 <a:srgbClr val="ffffff"/>
               </a:buClr>
               <a:buSzPct val="75000"/>
-              <a:buFont typeface="Symbol" charset="2"/>
+              <a:buFont typeface="Symbol"/>
               <a:buChar char=""/>
             </a:pPr>
             <a:r>
@@ -4403,7 +6491,10 @@
             </a:endParaRPr>
           </a:p>
           <a:p>
-            <a:pPr lvl="1" marL="864000" indent="-324000">
+            <a:pPr lvl="1" marL="864000" indent="-323640">
+              <a:lnSpc>
+                <a:spcPct val="100000"/>
+              </a:lnSpc>
               <a:spcBef>
                 <a:spcPts val="1134"/>
               </a:spcBef>
@@ -4411,7 +6502,7 @@
                 <a:srgbClr val="ffffff"/>
               </a:buClr>
               <a:buSzPct val="75000"/>
-              <a:buFont typeface="Symbol" charset="2"/>
+              <a:buFont typeface="Symbol"/>
               <a:buChar char=""/>
             </a:pPr>
             <a:r>
@@ -4465,14 +6556,14 @@
       </p:grpSpPr>
       <p:sp>
         <p:nvSpPr>
-          <p:cNvPr id="57" name=""/>
-          <p:cNvSpPr txBox="1"/>
+          <p:cNvPr id="92" name=""/>
+          <p:cNvSpPr/>
           <p:nvPr/>
         </p:nvSpPr>
         <p:spPr>
           <a:xfrm>
             <a:off x="504000" y="226080"/>
-            <a:ext cx="9071640" cy="946440"/>
+            <a:ext cx="9071280" cy="946080"/>
           </a:xfrm>
           <a:prstGeom prst="rect">
             <a:avLst/>
@@ -4482,12 +6573,22 @@
             <a:noFill/>
           </a:ln>
         </p:spPr>
+        <p:style>
+          <a:lnRef idx="0"/>
+          <a:fillRef idx="0"/>
+          <a:effectRef idx="0"/>
+          <a:fontRef idx="minor"/>
+        </p:style>
         <p:txBody>
           <a:bodyPr lIns="0" rIns="0" tIns="0" bIns="0" anchor="ctr">
             <a:noAutofit/>
           </a:bodyPr>
           <a:p>
-            <a:pPr algn="ctr"/>
+            <a:pPr algn="ctr">
+              <a:lnSpc>
+                <a:spcPct val="100000"/>
+              </a:lnSpc>
+            </a:pPr>
             <a:r>
               <a:rPr b="0" lang="en-US" sz="4400" spc="-1" strike="noStrike">
                 <a:latin typeface="Arial"/>
@@ -4502,14 +6603,14 @@
       </p:sp>
       <p:sp>
         <p:nvSpPr>
-          <p:cNvPr id="58" name=""/>
-          <p:cNvSpPr txBox="1"/>
+          <p:cNvPr id="93" name=""/>
+          <p:cNvSpPr/>
           <p:nvPr/>
         </p:nvSpPr>
         <p:spPr>
           <a:xfrm>
             <a:off x="504000" y="1326600"/>
-            <a:ext cx="9071640" cy="3288240"/>
+            <a:ext cx="9071280" cy="3287880"/>
           </a:xfrm>
           <a:prstGeom prst="rect">
             <a:avLst/>
@@ -4519,12 +6620,21 @@
             <a:noFill/>
           </a:ln>
         </p:spPr>
+        <p:style>
+          <a:lnRef idx="0"/>
+          <a:fillRef idx="0"/>
+          <a:effectRef idx="0"/>
+          <a:fontRef idx="minor"/>
+        </p:style>
         <p:txBody>
           <a:bodyPr lIns="0" rIns="0" tIns="0" bIns="0">
-            <a:normAutofit/>
-          </a:bodyPr>
-          <a:p>
-            <a:pPr marL="432000" indent="-324000">
+            <a:normAutofit fontScale="85000"/>
+          </a:bodyPr>
+          <a:p>
+            <a:pPr marL="432000" indent="-323640">
+              <a:lnSpc>
+                <a:spcPct val="100000"/>
+              </a:lnSpc>
               <a:spcBef>
                 <a:spcPts val="1414"/>
               </a:spcBef>
@@ -4539,14 +6649,17 @@
               <a:rPr b="0" lang="en-US" sz="3200" spc="-1" strike="noStrike">
                 <a:latin typeface="Arial"/>
               </a:rPr>
-              <a:t>Rust-gdb</a:t>
-            </a:r>
-            <a:endParaRPr b="0" lang="en-US" sz="3200" spc="-1" strike="noStrike">
-              <a:latin typeface="Arial"/>
-            </a:endParaRPr>
-          </a:p>
-          <a:p>
-            <a:pPr marL="432000" indent="-324000">
+              <a:t>Rust-gdb (installed by rustup, req gdb)</a:t>
+            </a:r>
+            <a:endParaRPr b="0" lang="en-US" sz="3200" spc="-1" strike="noStrike">
+              <a:latin typeface="Arial"/>
+            </a:endParaRPr>
+          </a:p>
+          <a:p>
+            <a:pPr marL="432000" indent="-323640">
+              <a:lnSpc>
+                <a:spcPct val="100000"/>
+              </a:lnSpc>
               <a:spcBef>
                 <a:spcPts val="1414"/>
               </a:spcBef>
@@ -4561,14 +6674,17 @@
               <a:rPr b="0" lang="en-US" sz="3200" spc="-1" strike="noStrike">
                 <a:latin typeface="Arial"/>
               </a:rPr>
-              <a:t>Gdb -tui</a:t>
-            </a:r>
-            <a:endParaRPr b="0" lang="en-US" sz="3200" spc="-1" strike="noStrike">
-              <a:latin typeface="Arial"/>
-            </a:endParaRPr>
-          </a:p>
-          <a:p>
-            <a:pPr marL="432000" indent="-324000">
+              <a:t>Pkg install gdb</a:t>
+            </a:r>
+            <a:endParaRPr b="0" lang="en-US" sz="3200" spc="-1" strike="noStrike">
+              <a:latin typeface="Arial"/>
+            </a:endParaRPr>
+          </a:p>
+          <a:p>
+            <a:pPr marL="432000" indent="-323640">
+              <a:lnSpc>
+                <a:spcPct val="100000"/>
+              </a:lnSpc>
               <a:spcBef>
                 <a:spcPts val="1414"/>
               </a:spcBef>
@@ -4583,14 +6699,17 @@
               <a:rPr b="0" lang="en-US" sz="3200" spc="-1" strike="noStrike">
                 <a:latin typeface="Arial"/>
               </a:rPr>
-              <a:t>Lldb</a:t>
-            </a:r>
-            <a:endParaRPr b="0" lang="en-US" sz="3200" spc="-1" strike="noStrike">
-              <a:latin typeface="Arial"/>
-            </a:endParaRPr>
-          </a:p>
-          <a:p>
-            <a:pPr marL="432000" indent="-324000">
+              <a:t>Gdb -tui</a:t>
+            </a:r>
+            <a:endParaRPr b="0" lang="en-US" sz="3200" spc="-1" strike="noStrike">
+              <a:latin typeface="Arial"/>
+            </a:endParaRPr>
+          </a:p>
+          <a:p>
+            <a:pPr marL="432000" indent="-323640">
+              <a:lnSpc>
+                <a:spcPct val="100000"/>
+              </a:lnSpc>
               <a:spcBef>
                 <a:spcPts val="1414"/>
               </a:spcBef>
@@ -4605,7 +6724,57 @@
               <a:rPr b="0" lang="en-US" sz="3200" spc="-1" strike="noStrike">
                 <a:latin typeface="Arial"/>
               </a:rPr>
-              <a:t>VSCode (lldb)</a:t>
+              <a:t>Lldb</a:t>
+            </a:r>
+            <a:endParaRPr b="0" lang="en-US" sz="3200" spc="-1" strike="noStrike">
+              <a:latin typeface="Arial"/>
+            </a:endParaRPr>
+          </a:p>
+          <a:p>
+            <a:pPr marL="432000" indent="-323640">
+              <a:lnSpc>
+                <a:spcPct val="100000"/>
+              </a:lnSpc>
+              <a:spcBef>
+                <a:spcPts val="1414"/>
+              </a:spcBef>
+              <a:buClr>
+                <a:srgbClr val="ffffff"/>
+              </a:buClr>
+              <a:buSzPct val="45000"/>
+              <a:buFont typeface="Wingdings" charset="2"/>
+              <a:buChar char=""/>
+            </a:pPr>
+            <a:r>
+              <a:rPr b="0" lang="en-US" sz="3200" spc="-1" strike="noStrike">
+                <a:latin typeface="Arial"/>
+              </a:rPr>
+              <a:t>VSCode (console cargo, rust-gdb, etc.)</a:t>
+            </a:r>
+            <a:endParaRPr b="0" lang="en-US" sz="3200" spc="-1" strike="noStrike">
+              <a:latin typeface="Arial"/>
+            </a:endParaRPr>
+          </a:p>
+          <a:p>
+            <a:pPr lvl="1" marL="432000" indent="-216000">
+              <a:lnSpc>
+                <a:spcPct val="100000"/>
+              </a:lnSpc>
+              <a:spcBef>
+                <a:spcPts val="1414"/>
+              </a:spcBef>
+              <a:buClr>
+                <a:srgbClr val="ffffff"/>
+              </a:buClr>
+              <a:buSzPct val="45000"/>
+              <a:buFont typeface="Wingdings" charset="2"/>
+              <a:buChar char=""/>
+            </a:pPr>
+            <a:r>
+              <a:rPr b="0" lang="en-US" sz="3200" spc="-1" strike="noStrike">
+                <a:latin typeface="Arial"/>
+              </a:rPr>
+              <a:t>extensions</a:t>
             </a:r>
             <a:endParaRPr b="0" lang="en-US" sz="3200" spc="-1" strike="noStrike">
               <a:latin typeface="Arial"/>
@@ -4850,4 +7019,230 @@
     </a:fmtScheme>
   </a:themeElements>
 </a:theme>
+</file>
+
+<file path=ppt/theme/theme2.xml><?xml version="1.0" encoding="utf-8"?>
+<a:theme xmlns:a="http://schemas.openxmlformats.org/drawingml/2006/main" name="Office Theme">
+  <a:themeElements>
+    <a:clrScheme name="Office">
+      <a:dk1>
+        <a:sysClr val="windowText" lastClr="000000"/>
+      </a:dk1>
+      <a:lt1>
+        <a:sysClr val="window" lastClr="FFFFFF"/>
+      </a:lt1>
+      <a:dk2>
+        <a:srgbClr val="1f497d"/>
+      </a:dk2>
+      <a:lt2>
+        <a:srgbClr val="eeece1"/>
+      </a:lt2>
+      <a:accent1>
+        <a:srgbClr val="4f81bd"/>
+      </a:accent1>
+      <a:accent2>
+        <a:srgbClr val="c0504d"/>
+      </a:accent2>
+      <a:accent3>
+        <a:srgbClr val="9bbb59"/>
+      </a:accent3>
+      <a:accent4>
+        <a:srgbClr val="8064a2"/>
+      </a:accent4>
+      <a:accent5>
+        <a:srgbClr val="4bacc6"/>
+      </a:accent5>
+      <a:accent6>
+        <a:srgbClr val="f79646"/>
+      </a:accent6>
+      <a:hlink>
+        <a:srgbClr val="0000ff"/>
+      </a:hlink>
+      <a:folHlink>
+        <a:srgbClr val="800080"/>
+      </a:folHlink>
+    </a:clrScheme>
+    <a:fontScheme name="Office">
+      <a:majorFont>
+        <a:latin typeface="Arial"/>
+        <a:ea typeface="DejaVu Sans"/>
+        <a:cs typeface="DejaVu Sans"/>
+      </a:majorFont>
+      <a:minorFont>
+        <a:latin typeface="Arial"/>
+        <a:ea typeface="DejaVu Sans"/>
+        <a:cs typeface="DejaVu Sans"/>
+      </a:minorFont>
+    </a:fontScheme>
+    <a:fmtScheme name="Office">
+      <a:fillStyleLst>
+        <a:solidFill>
+          <a:schemeClr val="phClr"/>
+        </a:solidFill>
+        <a:gradFill rotWithShape="1">
+          <a:gsLst>
+            <a:gs pos="0">
+              <a:schemeClr val="phClr">
+                <a:tint val="50000"/>
+                <a:satMod val="300000"/>
+              </a:schemeClr>
+            </a:gs>
+            <a:gs pos="35000">
+              <a:schemeClr val="phClr">
+                <a:tint val="37000"/>
+                <a:satMod val="300000"/>
+              </a:schemeClr>
+            </a:gs>
+            <a:gs pos="100000">
+              <a:schemeClr val="phClr">
+                <a:tint val="15000"/>
+                <a:satMod val="350000"/>
+              </a:schemeClr>
+            </a:gs>
+          </a:gsLst>
+          <a:lin ang="16200000" scaled="1"/>
+        </a:gradFill>
+        <a:gradFill rotWithShape="1">
+          <a:gsLst>
+            <a:gs pos="0">
+              <a:schemeClr val="phClr">
+                <a:shade val="51000"/>
+                <a:satMod val="130000"/>
+              </a:schemeClr>
+            </a:gs>
+            <a:gs pos="80000">
+              <a:schemeClr val="phClr">
+                <a:shade val="93000"/>
+                <a:satMod val="130000"/>
+              </a:schemeClr>
+            </a:gs>
+            <a:gs pos="100000">
+              <a:schemeClr val="phClr">
+                <a:shade val="94000"/>
+                <a:satMod val="135000"/>
+              </a:schemeClr>
+            </a:gs>
+          </a:gsLst>
+          <a:lin ang="16200000" scaled="0"/>
+        </a:gradFill>
+      </a:fillStyleLst>
+      <a:lnStyleLst>
+        <a:ln w="9525" cap="flat" cmpd="sng" algn="ctr">
+          <a:solidFill>
+            <a:schemeClr val="phClr">
+              <a:shade val="95000"/>
+              <a:satMod val="105000"/>
+            </a:schemeClr>
+          </a:solidFill>
+          <a:prstDash val="solid"/>
+          <a:miter/>
+        </a:ln>
+        <a:ln w="25400" cap="flat" cmpd="sng" algn="ctr">
+          <a:solidFill>
+            <a:schemeClr val="phClr"/>
+          </a:solidFill>
+          <a:prstDash val="solid"/>
+          <a:miter/>
+        </a:ln>
+        <a:ln w="38100" cap="flat" cmpd="sng" algn="ctr">
+          <a:solidFill>
+            <a:schemeClr val="phClr"/>
+          </a:solidFill>
+          <a:prstDash val="solid"/>
+          <a:miter/>
+        </a:ln>
+      </a:lnStyleLst>
+      <a:effectStyleLst>
+        <a:effectStyle>
+          <a:effectLst>
+            <a:outerShdw blurRad="40000" dist="20000" dir="5400000" rotWithShape="0">
+              <a:srgbClr val="000000">
+                <a:alpha val="38000"/>
+              </a:srgbClr>
+            </a:outerShdw>
+          </a:effectLst>
+        </a:effectStyle>
+        <a:effectStyle>
+          <a:effectLst>
+            <a:outerShdw blurRad="40000" dist="23000" dir="5400000" rotWithShape="0">
+              <a:srgbClr val="000000">
+                <a:alpha val="35000"/>
+              </a:srgbClr>
+            </a:outerShdw>
+          </a:effectLst>
+        </a:effectStyle>
+        <a:effectStyle>
+          <a:effectLst>
+            <a:outerShdw blurRad="40000" dist="23000" dir="5400000" rotWithShape="0">
+              <a:srgbClr val="000000">
+                <a:alpha val="35000"/>
+              </a:srgbClr>
+            </a:outerShdw>
+          </a:effectLst>
+          <a:scene3d>
+            <a:camera prst="orthographicFront">
+              <a:rot lat="0" lon="0" rev="0"/>
+            </a:camera>
+            <a:lightRig rig="threePt" dir="t">
+              <a:rot lat="0" lon="0" rev="1200000"/>
+            </a:lightRig>
+          </a:scene3d>
+          <a:sp3d>
+            <a:bevelT w="63500" h="25400"/>
+          </a:sp3d>
+        </a:effectStyle>
+      </a:effectStyleLst>
+      <a:bgFillStyleLst>
+        <a:solidFill>
+          <a:schemeClr val="phClr"/>
+        </a:solidFill>
+        <a:gradFill rotWithShape="1">
+          <a:gsLst>
+            <a:gs pos="0">
+              <a:schemeClr val="phClr">
+                <a:tint val="40000"/>
+                <a:satMod val="350000"/>
+              </a:schemeClr>
+            </a:gs>
+            <a:gs pos="40000">
+              <a:schemeClr val="phClr">
+                <a:tint val="45000"/>
+                <a:shade val="99000"/>
+                <a:satMod val="350000"/>
+              </a:schemeClr>
+            </a:gs>
+            <a:gs pos="100000">
+              <a:schemeClr val="phClr">
+                <a:shade val="20000"/>
+                <a:satMod val="255000"/>
+              </a:schemeClr>
+            </a:gs>
+          </a:gsLst>
+          <a:path path="circle">
+            <a:fillToRect l="50000" t="-80000" r="50000" b="180000"/>
+          </a:path>
+        </a:gradFill>
+        <a:gradFill rotWithShape="1">
+          <a:gsLst>
+            <a:gs pos="0">
+              <a:schemeClr val="phClr">
+                <a:tint val="80000"/>
+                <a:satMod val="300000"/>
+              </a:schemeClr>
+            </a:gs>
+            <a:gs pos="100000">
+              <a:schemeClr val="phClr">
+                <a:shade val="30000"/>
+                <a:satMod val="200000"/>
+              </a:schemeClr>
+            </a:gs>
+          </a:gsLst>
+          <a:path path="circle">
+            <a:fillToRect l="50000" t="50000" r="50000" b="50000"/>
+          </a:path>
+        </a:gradFill>
+      </a:bgFillStyleLst>
+    </a:fmtScheme>
+  </a:themeElements>
+</a:theme>
 </file>
--- a/FreeBSD-Drop/Desktop/FreeBSD.pptx
+++ b/FreeBSD-Drop/Desktop/FreeBSD.pptx
@@ -76,7 +76,7 @@
         <p:spPr>
           <a:xfrm>
             <a:off x="504000" y="226080"/>
-            <a:ext cx="9071280" cy="946080"/>
+            <a:ext cx="9072000" cy="946440"/>
           </a:xfrm>
           <a:prstGeom prst="rect">
             <a:avLst/>
@@ -107,7 +107,7 @@
         <p:spPr>
           <a:xfrm>
             <a:off x="504000" y="1326600"/>
-            <a:ext cx="9071280" cy="1568160"/>
+            <a:ext cx="9072000" cy="1568520"/>
           </a:xfrm>
           <a:prstGeom prst="rect">
             <a:avLst/>
@@ -136,8 +136,8 @@
         </p:nvSpPr>
         <p:spPr>
           <a:xfrm>
-            <a:off x="504000" y="3044160"/>
-            <a:ext cx="9071280" cy="1568160"/>
+            <a:off x="504000" y="3044520"/>
+            <a:ext cx="9072000" cy="1568520"/>
           </a:xfrm>
           <a:prstGeom prst="rect">
             <a:avLst/>
@@ -189,7 +189,7 @@
         <p:spPr>
           <a:xfrm>
             <a:off x="504000" y="226080"/>
-            <a:ext cx="9071280" cy="946080"/>
+            <a:ext cx="9072000" cy="946440"/>
           </a:xfrm>
           <a:prstGeom prst="rect">
             <a:avLst/>
@@ -220,7 +220,7 @@
         <p:spPr>
           <a:xfrm>
             <a:off x="504000" y="1326600"/>
-            <a:ext cx="4426560" cy="1568160"/>
+            <a:ext cx="4426920" cy="1568520"/>
           </a:xfrm>
           <a:prstGeom prst="rect">
             <a:avLst/>
@@ -249,8 +249,8 @@
         </p:nvSpPr>
         <p:spPr>
           <a:xfrm>
-            <a:off x="5152320" y="1326600"/>
-            <a:ext cx="4426560" cy="1568160"/>
+            <a:off x="5152680" y="1326600"/>
+            <a:ext cx="4426920" cy="1568520"/>
           </a:xfrm>
           <a:prstGeom prst="rect">
             <a:avLst/>
@@ -279,8 +279,8 @@
         </p:nvSpPr>
         <p:spPr>
           <a:xfrm>
-            <a:off x="504000" y="3044160"/>
-            <a:ext cx="4426560" cy="1568160"/>
+            <a:off x="504000" y="3044520"/>
+            <a:ext cx="4426920" cy="1568520"/>
           </a:xfrm>
           <a:prstGeom prst="rect">
             <a:avLst/>
@@ -309,8 +309,8 @@
         </p:nvSpPr>
         <p:spPr>
           <a:xfrm>
-            <a:off x="5152320" y="3044160"/>
-            <a:ext cx="4426560" cy="1568160"/>
+            <a:off x="5152680" y="3044520"/>
+            <a:ext cx="4426920" cy="1568520"/>
           </a:xfrm>
           <a:prstGeom prst="rect">
             <a:avLst/>
@@ -362,7 +362,7 @@
         <p:spPr>
           <a:xfrm>
             <a:off x="504000" y="226080"/>
-            <a:ext cx="9071280" cy="946080"/>
+            <a:ext cx="9072000" cy="946440"/>
           </a:xfrm>
           <a:prstGeom prst="rect">
             <a:avLst/>
@@ -393,7 +393,7 @@
         <p:spPr>
           <a:xfrm>
             <a:off x="504000" y="1326600"/>
-            <a:ext cx="2920680" cy="1568160"/>
+            <a:ext cx="2921040" cy="1568520"/>
           </a:xfrm>
           <a:prstGeom prst="rect">
             <a:avLst/>
@@ -422,8 +422,8 @@
         </p:nvSpPr>
         <p:spPr>
           <a:xfrm>
-            <a:off x="3571200" y="1326600"/>
-            <a:ext cx="2920680" cy="1568160"/>
+            <a:off x="3571560" y="1326600"/>
+            <a:ext cx="2921040" cy="1568520"/>
           </a:xfrm>
           <a:prstGeom prst="rect">
             <a:avLst/>
@@ -452,8 +452,8 @@
         </p:nvSpPr>
         <p:spPr>
           <a:xfrm>
-            <a:off x="6638040" y="1326600"/>
-            <a:ext cx="2920680" cy="1568160"/>
+            <a:off x="6639120" y="1326600"/>
+            <a:ext cx="2921040" cy="1568520"/>
           </a:xfrm>
           <a:prstGeom prst="rect">
             <a:avLst/>
@@ -482,8 +482,8 @@
         </p:nvSpPr>
         <p:spPr>
           <a:xfrm>
-            <a:off x="504000" y="3044160"/>
-            <a:ext cx="2920680" cy="1568160"/>
+            <a:off x="504000" y="3044520"/>
+            <a:ext cx="2921040" cy="1568520"/>
           </a:xfrm>
           <a:prstGeom prst="rect">
             <a:avLst/>
@@ -512,8 +512,8 @@
         </p:nvSpPr>
         <p:spPr>
           <a:xfrm>
-            <a:off x="3571200" y="3044160"/>
-            <a:ext cx="2920680" cy="1568160"/>
+            <a:off x="3571560" y="3044520"/>
+            <a:ext cx="2921040" cy="1568520"/>
           </a:xfrm>
           <a:prstGeom prst="rect">
             <a:avLst/>
@@ -542,8 +542,8 @@
         </p:nvSpPr>
         <p:spPr>
           <a:xfrm>
-            <a:off x="6638040" y="3044160"/>
-            <a:ext cx="2920680" cy="1568160"/>
+            <a:off x="6639120" y="3044520"/>
+            <a:ext cx="2921040" cy="1568520"/>
           </a:xfrm>
           <a:prstGeom prst="rect">
             <a:avLst/>
@@ -617,7 +617,7 @@
         <p:spPr>
           <a:xfrm>
             <a:off x="504000" y="226080"/>
-            <a:ext cx="9071280" cy="946080"/>
+            <a:ext cx="9072000" cy="946440"/>
           </a:xfrm>
           <a:prstGeom prst="rect">
             <a:avLst/>
@@ -648,7 +648,7 @@
         <p:spPr>
           <a:xfrm>
             <a:off x="504000" y="1326600"/>
-            <a:ext cx="9071280" cy="3287880"/>
+            <a:ext cx="9072000" cy="3288600"/>
           </a:xfrm>
           <a:prstGeom prst="rect">
             <a:avLst/>
@@ -701,7 +701,7 @@
         <p:spPr>
           <a:xfrm>
             <a:off x="504000" y="226080"/>
-            <a:ext cx="9071280" cy="946080"/>
+            <a:ext cx="9072000" cy="946440"/>
           </a:xfrm>
           <a:prstGeom prst="rect">
             <a:avLst/>
@@ -732,7 +732,7 @@
         <p:spPr>
           <a:xfrm>
             <a:off x="504000" y="1326600"/>
-            <a:ext cx="9071280" cy="3287880"/>
+            <a:ext cx="9072000" cy="3288600"/>
           </a:xfrm>
           <a:prstGeom prst="rect">
             <a:avLst/>
@@ -784,7 +784,7 @@
         <p:spPr>
           <a:xfrm>
             <a:off x="504000" y="226080"/>
-            <a:ext cx="9071280" cy="946080"/>
+            <a:ext cx="9072000" cy="946440"/>
           </a:xfrm>
           <a:prstGeom prst="rect">
             <a:avLst/>
@@ -815,7 +815,7 @@
         <p:spPr>
           <a:xfrm>
             <a:off x="504000" y="1326600"/>
-            <a:ext cx="4426560" cy="3287880"/>
+            <a:ext cx="4426920" cy="3288600"/>
           </a:xfrm>
           <a:prstGeom prst="rect">
             <a:avLst/>
@@ -844,8 +844,8 @@
         </p:nvSpPr>
         <p:spPr>
           <a:xfrm>
-            <a:off x="5152320" y="1326600"/>
-            <a:ext cx="4426560" cy="3287880"/>
+            <a:off x="5152680" y="1326600"/>
+            <a:ext cx="4426920" cy="3288600"/>
           </a:xfrm>
           <a:prstGeom prst="rect">
             <a:avLst/>
@@ -897,7 +897,7 @@
         <p:spPr>
           <a:xfrm>
             <a:off x="504000" y="226080"/>
-            <a:ext cx="9071280" cy="946080"/>
+            <a:ext cx="9072000" cy="946440"/>
           </a:xfrm>
           <a:prstGeom prst="rect">
             <a:avLst/>
@@ -950,7 +950,7 @@
         <p:spPr>
           <a:xfrm>
             <a:off x="504000" y="226080"/>
-            <a:ext cx="9071280" cy="4386600"/>
+            <a:ext cx="9072000" cy="4388400"/>
           </a:xfrm>
           <a:prstGeom prst="rect">
             <a:avLst/>
@@ -1003,7 +1003,7 @@
         <p:spPr>
           <a:xfrm>
             <a:off x="504000" y="226080"/>
-            <a:ext cx="9071280" cy="946080"/>
+            <a:ext cx="9072000" cy="946440"/>
           </a:xfrm>
           <a:prstGeom prst="rect">
             <a:avLst/>
@@ -1034,7 +1034,7 @@
         <p:spPr>
           <a:xfrm>
             <a:off x="504000" y="1326600"/>
-            <a:ext cx="4426560" cy="1568160"/>
+            <a:ext cx="4426920" cy="1568520"/>
           </a:xfrm>
           <a:prstGeom prst="rect">
             <a:avLst/>
@@ -1063,8 +1063,8 @@
         </p:nvSpPr>
         <p:spPr>
           <a:xfrm>
-            <a:off x="5152320" y="1326600"/>
-            <a:ext cx="4426560" cy="3287880"/>
+            <a:off x="5152680" y="1326600"/>
+            <a:ext cx="4426920" cy="3288600"/>
           </a:xfrm>
           <a:prstGeom prst="rect">
             <a:avLst/>
@@ -1093,8 +1093,8 @@
         </p:nvSpPr>
         <p:spPr>
           <a:xfrm>
-            <a:off x="504000" y="3044160"/>
-            <a:ext cx="4426560" cy="1568160"/>
+            <a:off x="504000" y="3044520"/>
+            <a:ext cx="4426920" cy="1568520"/>
           </a:xfrm>
           <a:prstGeom prst="rect">
             <a:avLst/>
@@ -1146,7 +1146,7 @@
         <p:spPr>
           <a:xfrm>
             <a:off x="504000" y="226080"/>
-            <a:ext cx="9071280" cy="946080"/>
+            <a:ext cx="9072000" cy="946440"/>
           </a:xfrm>
           <a:prstGeom prst="rect">
             <a:avLst/>
@@ -1177,7 +1177,7 @@
         <p:spPr>
           <a:xfrm>
             <a:off x="504000" y="1326600"/>
-            <a:ext cx="9071280" cy="3287880"/>
+            <a:ext cx="9072000" cy="3288600"/>
           </a:xfrm>
           <a:prstGeom prst="rect">
             <a:avLst/>
@@ -1230,7 +1230,7 @@
         <p:spPr>
           <a:xfrm>
             <a:off x="504000" y="226080"/>
-            <a:ext cx="9071280" cy="946080"/>
+            <a:ext cx="9072000" cy="946440"/>
           </a:xfrm>
           <a:prstGeom prst="rect">
             <a:avLst/>
@@ -1261,7 +1261,7 @@
         <p:spPr>
           <a:xfrm>
             <a:off x="504000" y="1326600"/>
-            <a:ext cx="4426560" cy="3287880"/>
+            <a:ext cx="4426920" cy="3288600"/>
           </a:xfrm>
           <a:prstGeom prst="rect">
             <a:avLst/>
@@ -1290,8 +1290,8 @@
         </p:nvSpPr>
         <p:spPr>
           <a:xfrm>
-            <a:off x="5152320" y="1326600"/>
-            <a:ext cx="4426560" cy="1568160"/>
+            <a:off x="5152680" y="1326600"/>
+            <a:ext cx="4426920" cy="1568520"/>
           </a:xfrm>
           <a:prstGeom prst="rect">
             <a:avLst/>
@@ -1320,8 +1320,8 @@
         </p:nvSpPr>
         <p:spPr>
           <a:xfrm>
-            <a:off x="5152320" y="3044160"/>
-            <a:ext cx="4426560" cy="1568160"/>
+            <a:off x="5152680" y="3044520"/>
+            <a:ext cx="4426920" cy="1568520"/>
           </a:xfrm>
           <a:prstGeom prst="rect">
             <a:avLst/>
@@ -1373,7 +1373,7 @@
         <p:spPr>
           <a:xfrm>
             <a:off x="504000" y="226080"/>
-            <a:ext cx="9071280" cy="946080"/>
+            <a:ext cx="9072000" cy="946440"/>
           </a:xfrm>
           <a:prstGeom prst="rect">
             <a:avLst/>
@@ -1404,7 +1404,7 @@
         <p:spPr>
           <a:xfrm>
             <a:off x="504000" y="1326600"/>
-            <a:ext cx="4426560" cy="1568160"/>
+            <a:ext cx="4426920" cy="1568520"/>
           </a:xfrm>
           <a:prstGeom prst="rect">
             <a:avLst/>
@@ -1433,8 +1433,8 @@
         </p:nvSpPr>
         <p:spPr>
           <a:xfrm>
-            <a:off x="5152320" y="1326600"/>
-            <a:ext cx="4426560" cy="1568160"/>
+            <a:off x="5152680" y="1326600"/>
+            <a:ext cx="4426920" cy="1568520"/>
           </a:xfrm>
           <a:prstGeom prst="rect">
             <a:avLst/>
@@ -1463,8 +1463,8 @@
         </p:nvSpPr>
         <p:spPr>
           <a:xfrm>
-            <a:off x="504000" y="3044160"/>
-            <a:ext cx="9071280" cy="1568160"/>
+            <a:off x="504000" y="3044520"/>
+            <a:ext cx="9072000" cy="1568520"/>
           </a:xfrm>
           <a:prstGeom prst="rect">
             <a:avLst/>
@@ -1516,7 +1516,7 @@
         <p:spPr>
           <a:xfrm>
             <a:off x="504000" y="226080"/>
-            <a:ext cx="9071280" cy="946080"/>
+            <a:ext cx="9072000" cy="946440"/>
           </a:xfrm>
           <a:prstGeom prst="rect">
             <a:avLst/>
@@ -1547,7 +1547,7 @@
         <p:spPr>
           <a:xfrm>
             <a:off x="504000" y="1326600"/>
-            <a:ext cx="9071280" cy="1568160"/>
+            <a:ext cx="9072000" cy="1568520"/>
           </a:xfrm>
           <a:prstGeom prst="rect">
             <a:avLst/>
@@ -1576,8 +1576,8 @@
         </p:nvSpPr>
         <p:spPr>
           <a:xfrm>
-            <a:off x="504000" y="3044160"/>
-            <a:ext cx="9071280" cy="1568160"/>
+            <a:off x="504000" y="3044520"/>
+            <a:ext cx="9072000" cy="1568520"/>
           </a:xfrm>
           <a:prstGeom prst="rect">
             <a:avLst/>
@@ -1629,7 +1629,7 @@
         <p:spPr>
           <a:xfrm>
             <a:off x="504000" y="226080"/>
-            <a:ext cx="9071280" cy="946080"/>
+            <a:ext cx="9072000" cy="946440"/>
           </a:xfrm>
           <a:prstGeom prst="rect">
             <a:avLst/>
@@ -1660,7 +1660,7 @@
         <p:spPr>
           <a:xfrm>
             <a:off x="504000" y="1326600"/>
-            <a:ext cx="4426560" cy="1568160"/>
+            <a:ext cx="4426920" cy="1568520"/>
           </a:xfrm>
           <a:prstGeom prst="rect">
             <a:avLst/>
@@ -1689,8 +1689,8 @@
         </p:nvSpPr>
         <p:spPr>
           <a:xfrm>
-            <a:off x="5152320" y="1326600"/>
-            <a:ext cx="4426560" cy="1568160"/>
+            <a:off x="5152680" y="1326600"/>
+            <a:ext cx="4426920" cy="1568520"/>
           </a:xfrm>
           <a:prstGeom prst="rect">
             <a:avLst/>
@@ -1719,8 +1719,8 @@
         </p:nvSpPr>
         <p:spPr>
           <a:xfrm>
-            <a:off x="504000" y="3044160"/>
-            <a:ext cx="4426560" cy="1568160"/>
+            <a:off x="504000" y="3044520"/>
+            <a:ext cx="4426920" cy="1568520"/>
           </a:xfrm>
           <a:prstGeom prst="rect">
             <a:avLst/>
@@ -1749,8 +1749,8 @@
         </p:nvSpPr>
         <p:spPr>
           <a:xfrm>
-            <a:off x="5152320" y="3044160"/>
-            <a:ext cx="4426560" cy="1568160"/>
+            <a:off x="5152680" y="3044520"/>
+            <a:ext cx="4426920" cy="1568520"/>
           </a:xfrm>
           <a:prstGeom prst="rect">
             <a:avLst/>
@@ -1802,7 +1802,7 @@
         <p:spPr>
           <a:xfrm>
             <a:off x="504000" y="226080"/>
-            <a:ext cx="9071280" cy="946080"/>
+            <a:ext cx="9072000" cy="946440"/>
           </a:xfrm>
           <a:prstGeom prst="rect">
             <a:avLst/>
@@ -1833,7 +1833,7 @@
         <p:spPr>
           <a:xfrm>
             <a:off x="504000" y="1326600"/>
-            <a:ext cx="2920680" cy="1568160"/>
+            <a:ext cx="2921040" cy="1568520"/>
           </a:xfrm>
           <a:prstGeom prst="rect">
             <a:avLst/>
@@ -1862,8 +1862,8 @@
         </p:nvSpPr>
         <p:spPr>
           <a:xfrm>
-            <a:off x="3571200" y="1326600"/>
-            <a:ext cx="2920680" cy="1568160"/>
+            <a:off x="3571560" y="1326600"/>
+            <a:ext cx="2921040" cy="1568520"/>
           </a:xfrm>
           <a:prstGeom prst="rect">
             <a:avLst/>
@@ -1892,8 +1892,8 @@
         </p:nvSpPr>
         <p:spPr>
           <a:xfrm>
-            <a:off x="6638040" y="1326600"/>
-            <a:ext cx="2920680" cy="1568160"/>
+            <a:off x="6639120" y="1326600"/>
+            <a:ext cx="2921040" cy="1568520"/>
           </a:xfrm>
           <a:prstGeom prst="rect">
             <a:avLst/>
@@ -1922,8 +1922,8 @@
         </p:nvSpPr>
         <p:spPr>
           <a:xfrm>
-            <a:off x="504000" y="3044160"/>
-            <a:ext cx="2920680" cy="1568160"/>
+            <a:off x="504000" y="3044520"/>
+            <a:ext cx="2921040" cy="1568520"/>
           </a:xfrm>
           <a:prstGeom prst="rect">
             <a:avLst/>
@@ -1952,8 +1952,8 @@
         </p:nvSpPr>
         <p:spPr>
           <a:xfrm>
-            <a:off x="3571200" y="3044160"/>
-            <a:ext cx="2920680" cy="1568160"/>
+            <a:off x="3571560" y="3044520"/>
+            <a:ext cx="2921040" cy="1568520"/>
           </a:xfrm>
           <a:prstGeom prst="rect">
             <a:avLst/>
@@ -1982,8 +1982,8 @@
         </p:nvSpPr>
         <p:spPr>
           <a:xfrm>
-            <a:off x="6638040" y="3044160"/>
-            <a:ext cx="2920680" cy="1568160"/>
+            <a:off x="6639120" y="3044520"/>
+            <a:ext cx="2921040" cy="1568520"/>
           </a:xfrm>
           <a:prstGeom prst="rect">
             <a:avLst/>
@@ -2035,7 +2035,7 @@
         <p:spPr>
           <a:xfrm>
             <a:off x="504000" y="226080"/>
-            <a:ext cx="9071280" cy="946080"/>
+            <a:ext cx="9072000" cy="946440"/>
           </a:xfrm>
           <a:prstGeom prst="rect">
             <a:avLst/>
@@ -2066,7 +2066,7 @@
         <p:spPr>
           <a:xfrm>
             <a:off x="504000" y="1326600"/>
-            <a:ext cx="9071280" cy="3287880"/>
+            <a:ext cx="9072000" cy="3288600"/>
           </a:xfrm>
           <a:prstGeom prst="rect">
             <a:avLst/>
@@ -2118,7 +2118,7 @@
         <p:spPr>
           <a:xfrm>
             <a:off x="504000" y="226080"/>
-            <a:ext cx="9071280" cy="946080"/>
+            <a:ext cx="9072000" cy="946440"/>
           </a:xfrm>
           <a:prstGeom prst="rect">
             <a:avLst/>
@@ -2149,7 +2149,7 @@
         <p:spPr>
           <a:xfrm>
             <a:off x="504000" y="1326600"/>
-            <a:ext cx="4426560" cy="3287880"/>
+            <a:ext cx="4426920" cy="3288600"/>
           </a:xfrm>
           <a:prstGeom prst="rect">
             <a:avLst/>
@@ -2178,8 +2178,8 @@
         </p:nvSpPr>
         <p:spPr>
           <a:xfrm>
-            <a:off x="5152320" y="1326600"/>
-            <a:ext cx="4426560" cy="3287880"/>
+            <a:off x="5152680" y="1326600"/>
+            <a:ext cx="4426920" cy="3288600"/>
           </a:xfrm>
           <a:prstGeom prst="rect">
             <a:avLst/>
@@ -2231,7 +2231,7 @@
         <p:spPr>
           <a:xfrm>
             <a:off x="504000" y="226080"/>
-            <a:ext cx="9071280" cy="946080"/>
+            <a:ext cx="9072000" cy="946440"/>
           </a:xfrm>
           <a:prstGeom prst="rect">
             <a:avLst/>
@@ -2284,7 +2284,7 @@
         <p:spPr>
           <a:xfrm>
             <a:off x="504000" y="226080"/>
-            <a:ext cx="9071280" cy="4386600"/>
+            <a:ext cx="9072000" cy="4388400"/>
           </a:xfrm>
           <a:prstGeom prst="rect">
             <a:avLst/>
@@ -2337,7 +2337,7 @@
         <p:spPr>
           <a:xfrm>
             <a:off x="504000" y="226080"/>
-            <a:ext cx="9071280" cy="946080"/>
+            <a:ext cx="9072000" cy="946440"/>
           </a:xfrm>
           <a:prstGeom prst="rect">
             <a:avLst/>
@@ -2368,7 +2368,7 @@
         <p:spPr>
           <a:xfrm>
             <a:off x="504000" y="1326600"/>
-            <a:ext cx="4426560" cy="1568160"/>
+            <a:ext cx="4426920" cy="1568520"/>
           </a:xfrm>
           <a:prstGeom prst="rect">
             <a:avLst/>
@@ -2397,8 +2397,8 @@
         </p:nvSpPr>
         <p:spPr>
           <a:xfrm>
-            <a:off x="5152320" y="1326600"/>
-            <a:ext cx="4426560" cy="3287880"/>
+            <a:off x="5152680" y="1326600"/>
+            <a:ext cx="4426920" cy="3288600"/>
           </a:xfrm>
           <a:prstGeom prst="rect">
             <a:avLst/>
@@ -2427,8 +2427,8 @@
         </p:nvSpPr>
         <p:spPr>
           <a:xfrm>
-            <a:off x="504000" y="3044160"/>
-            <a:ext cx="4426560" cy="1568160"/>
+            <a:off x="504000" y="3044520"/>
+            <a:ext cx="4426920" cy="1568520"/>
           </a:xfrm>
           <a:prstGeom prst="rect">
             <a:avLst/>
@@ -2480,7 +2480,7 @@
         <p:spPr>
           <a:xfrm>
             <a:off x="504000" y="226080"/>
-            <a:ext cx="9071280" cy="946080"/>
+            <a:ext cx="9072000" cy="946440"/>
           </a:xfrm>
           <a:prstGeom prst="rect">
             <a:avLst/>
@@ -2511,7 +2511,7 @@
         <p:spPr>
           <a:xfrm>
             <a:off x="504000" y="1326600"/>
-            <a:ext cx="4426560" cy="3287880"/>
+            <a:ext cx="4426920" cy="3288600"/>
           </a:xfrm>
           <a:prstGeom prst="rect">
             <a:avLst/>
@@ -2540,8 +2540,8 @@
         </p:nvSpPr>
         <p:spPr>
           <a:xfrm>
-            <a:off x="5152320" y="1326600"/>
-            <a:ext cx="4426560" cy="1568160"/>
+            <a:off x="5152680" y="1326600"/>
+            <a:ext cx="4426920" cy="1568520"/>
           </a:xfrm>
           <a:prstGeom prst="rect">
             <a:avLst/>
@@ -2570,8 +2570,8 @@
         </p:nvSpPr>
         <p:spPr>
           <a:xfrm>
-            <a:off x="5152320" y="3044160"/>
-            <a:ext cx="4426560" cy="1568160"/>
+            <a:off x="5152680" y="3044520"/>
+            <a:ext cx="4426920" cy="1568520"/>
           </a:xfrm>
           <a:prstGeom prst="rect">
             <a:avLst/>
@@ -2623,7 +2623,7 @@
         <p:spPr>
           <a:xfrm>
             <a:off x="504000" y="226080"/>
-            <a:ext cx="9071280" cy="946080"/>
+            <a:ext cx="9072000" cy="946440"/>
           </a:xfrm>
           <a:prstGeom prst="rect">
             <a:avLst/>
@@ -2654,7 +2654,7 @@
         <p:spPr>
           <a:xfrm>
             <a:off x="504000" y="1326600"/>
-            <a:ext cx="4426560" cy="1568160"/>
+            <a:ext cx="4426920" cy="1568520"/>
           </a:xfrm>
           <a:prstGeom prst="rect">
             <a:avLst/>
@@ -2683,8 +2683,8 @@
         </p:nvSpPr>
         <p:spPr>
           <a:xfrm>
-            <a:off x="5152320" y="1326600"/>
-            <a:ext cx="4426560" cy="1568160"/>
+            <a:off x="5152680" y="1326600"/>
+            <a:ext cx="4426920" cy="1568520"/>
           </a:xfrm>
           <a:prstGeom prst="rect">
             <a:avLst/>
@@ -2713,8 +2713,8 @@
         </p:nvSpPr>
         <p:spPr>
           <a:xfrm>
-            <a:off x="504000" y="3044160"/>
-            <a:ext cx="9071280" cy="1568160"/>
+            <a:off x="504000" y="3044520"/>
+            <a:ext cx="9072000" cy="1568520"/>
           </a:xfrm>
           <a:prstGeom prst="rect">
             <a:avLst/>
@@ -2766,7 +2766,7 @@
         <p:spPr>
           <a:xfrm>
             <a:off x="504000" y="226080"/>
-            <a:ext cx="9071280" cy="946080"/>
+            <a:ext cx="9072000" cy="946440"/>
           </a:xfrm>
           <a:prstGeom prst="rect">
             <a:avLst/>
@@ -2777,13 +2777,14 @@
             <a:noAutofit/>
           </a:bodyPr>
           <a:p>
-            <a:r>
-              <a:rPr b="0" lang="en-US" sz="1800" spc="-1" strike="noStrike">
+            <a:pPr algn="ctr"/>
+            <a:r>
+              <a:rPr b="0" lang="en-US" sz="4400" spc="-1" strike="noStrike">
                 <a:latin typeface="Arial"/>
               </a:rPr>
               <a:t>Click to edit the title text format</a:t>
             </a:r>
-            <a:endParaRPr b="0" lang="en-US" sz="1800" spc="-1" strike="noStrike">
+            <a:endParaRPr b="0" lang="en-US" sz="4400" spc="-1" strike="noStrike">
               <a:latin typeface="Arial"/>
             </a:endParaRPr>
           </a:p>
@@ -2815,7 +2816,7 @@
           <a:p>
             <a:pPr marL="432000" indent="-324000">
               <a:spcBef>
-                <a:spcPts val="1414"/>
+                <a:spcPts val="1417"/>
               </a:spcBef>
               <a:buClr>
                 <a:srgbClr val="000000"/>
@@ -3018,7 +3019,7 @@
         <p:spPr>
           <a:xfrm>
             <a:off x="504000" y="226080"/>
-            <a:ext cx="9071280" cy="946080"/>
+            <a:ext cx="9072000" cy="946440"/>
           </a:xfrm>
           <a:prstGeom prst="rect">
             <a:avLst/>
@@ -3029,13 +3030,14 @@
             <a:noAutofit/>
           </a:bodyPr>
           <a:p>
-            <a:r>
-              <a:rPr b="0" lang="en-US" sz="1800" spc="-1" strike="noStrike">
+            <a:pPr algn="ctr"/>
+            <a:r>
+              <a:rPr b="0" lang="en-US" sz="4400" spc="-1" strike="noStrike">
                 <a:latin typeface="Arial"/>
               </a:rPr>
               <a:t>Click to edit the title text format</a:t>
             </a:r>
-            <a:endParaRPr b="0" lang="en-US" sz="1800" spc="-1" strike="noStrike">
+            <a:endParaRPr b="0" lang="en-US" sz="4400" spc="-1" strike="noStrike">
               <a:latin typeface="Arial"/>
             </a:endParaRPr>
           </a:p>
@@ -3054,7 +3056,7 @@
         <p:spPr>
           <a:xfrm>
             <a:off x="504000" y="1326600"/>
-            <a:ext cx="9071280" cy="3287880"/>
+            <a:ext cx="9072000" cy="3288600"/>
           </a:xfrm>
           <a:prstGeom prst="rect">
             <a:avLst/>
@@ -3067,7 +3069,7 @@
           <a:p>
             <a:pPr marL="432000" indent="-324000">
               <a:spcBef>
-                <a:spcPts val="1414"/>
+                <a:spcPts val="1417"/>
               </a:spcBef>
               <a:buClr>
                 <a:srgbClr val="000000"/>
@@ -3077,12 +3079,12 @@
               <a:buChar char=""/>
             </a:pPr>
             <a:r>
-              <a:rPr b="0" lang="en-US" sz="1800" spc="-1" strike="noStrike">
+              <a:rPr b="0" lang="en-US" sz="3200" spc="-1" strike="noStrike">
                 <a:latin typeface="Arial"/>
               </a:rPr>
               <a:t>Click to edit the outline text format</a:t>
             </a:r>
-            <a:endParaRPr b="0" lang="en-US" sz="1800" spc="-1" strike="noStrike">
+            <a:endParaRPr b="0" lang="en-US" sz="3200" spc="-1" strike="noStrike">
               <a:latin typeface="Arial"/>
             </a:endParaRPr>
           </a:p>
@@ -3099,12 +3101,12 @@
               <a:buChar char=""/>
             </a:pPr>
             <a:r>
-              <a:rPr b="0" lang="en-US" sz="1800" spc="-1" strike="noStrike">
+              <a:rPr b="0" lang="en-US" sz="2800" spc="-1" strike="noStrike">
                 <a:latin typeface="Arial"/>
               </a:rPr>
               <a:t>Second Outline Level</a:t>
             </a:r>
-            <a:endParaRPr b="0" lang="en-US" sz="1800" spc="-1" strike="noStrike">
+            <a:endParaRPr b="0" lang="en-US" sz="2800" spc="-1" strike="noStrike">
               <a:latin typeface="Arial"/>
             </a:endParaRPr>
           </a:p>
@@ -3121,12 +3123,12 @@
               <a:buChar char=""/>
             </a:pPr>
             <a:r>
-              <a:rPr b="0" lang="en-US" sz="1800" spc="-1" strike="noStrike">
+              <a:rPr b="0" lang="en-US" sz="2400" spc="-1" strike="noStrike">
                 <a:latin typeface="Arial"/>
               </a:rPr>
               <a:t>Third Outline Level</a:t>
             </a:r>
-            <a:endParaRPr b="0" lang="en-US" sz="1800" spc="-1" strike="noStrike">
+            <a:endParaRPr b="0" lang="en-US" sz="2400" spc="-1" strike="noStrike">
               <a:latin typeface="Arial"/>
             </a:endParaRPr>
           </a:p>
@@ -3143,12 +3145,12 @@
               <a:buChar char=""/>
             </a:pPr>
             <a:r>
-              <a:rPr b="0" lang="en-US" sz="1800" spc="-1" strike="noStrike">
+              <a:rPr b="0" lang="en-US" sz="2000" spc="-1" strike="noStrike">
                 <a:latin typeface="Arial"/>
               </a:rPr>
               <a:t>Fourth Outline Level</a:t>
             </a:r>
-            <a:endParaRPr b="0" lang="en-US" sz="1800" spc="-1" strike="noStrike">
+            <a:endParaRPr b="0" lang="en-US" sz="2000" spc="-1" strike="noStrike">
               <a:latin typeface="Arial"/>
             </a:endParaRPr>
           </a:p>
@@ -3165,12 +3167,12 @@
               <a:buChar char=""/>
             </a:pPr>
             <a:r>
-              <a:rPr b="0" lang="en-US" sz="1800" spc="-1" strike="noStrike">
+              <a:rPr b="0" lang="en-US" sz="2000" spc="-1" strike="noStrike">
                 <a:latin typeface="Arial"/>
               </a:rPr>
               <a:t>Fifth Outline Level</a:t>
             </a:r>
-            <a:endParaRPr b="0" lang="en-US" sz="1800" spc="-1" strike="noStrike">
+            <a:endParaRPr b="0" lang="en-US" sz="2000" spc="-1" strike="noStrike">
               <a:latin typeface="Arial"/>
             </a:endParaRPr>
           </a:p>
@@ -3187,12 +3189,12 @@
               <a:buChar char=""/>
             </a:pPr>
             <a:r>
-              <a:rPr b="0" lang="en-US" sz="1800" spc="-1" strike="noStrike">
+              <a:rPr b="0" lang="en-US" sz="2000" spc="-1" strike="noStrike">
                 <a:latin typeface="Arial"/>
               </a:rPr>
               <a:t>Sixth Outline Level</a:t>
             </a:r>
-            <a:endParaRPr b="0" lang="en-US" sz="1800" spc="-1" strike="noStrike">
+            <a:endParaRPr b="0" lang="en-US" sz="2000" spc="-1" strike="noStrike">
               <a:latin typeface="Arial"/>
             </a:endParaRPr>
           </a:p>
@@ -3209,12 +3211,12 @@
               <a:buChar char=""/>
             </a:pPr>
             <a:r>
-              <a:rPr b="0" lang="en-US" sz="1800" spc="-1" strike="noStrike">
+              <a:rPr b="0" lang="en-US" sz="2000" spc="-1" strike="noStrike">
                 <a:latin typeface="Arial"/>
               </a:rPr>
               <a:t>Seventh Outline Level</a:t>
             </a:r>
-            <a:endParaRPr b="0" lang="en-US" sz="1800" spc="-1" strike="noStrike">
+            <a:endParaRPr b="0" lang="en-US" sz="2000" spc="-1" strike="noStrike">
               <a:latin typeface="Arial"/>
             </a:endParaRPr>
           </a:p>
@@ -3273,7 +3275,7 @@
         <p:spPr>
           <a:xfrm>
             <a:off x="504000" y="226080"/>
-            <a:ext cx="9071280" cy="946080"/>
+            <a:ext cx="9070200" cy="945000"/>
           </a:xfrm>
           <a:prstGeom prst="rect">
             <a:avLst/>
@@ -3301,9 +3303,13 @@
             </a:pPr>
             <a:r>
               <a:rPr b="0" lang="en-US" sz="4400" spc="-1" strike="noStrike">
-                <a:latin typeface="Arial"/>
-              </a:rPr>
-              <a:t>FreeBSD Development Machine</a:t>
+                <a:solidFill>
+                  <a:srgbClr val="000000"/>
+                </a:solidFill>
+                <a:latin typeface="Arial"/>
+                <a:ea typeface="DejaVu Sans"/>
+              </a:rPr>
+              <a:t>FreeBSD Dev Machine</a:t>
             </a:r>
             <a:endParaRPr b="0" lang="en-US" sz="4400" spc="-1" strike="noStrike">
               <a:latin typeface="Arial"/>
@@ -3320,7 +3326,7 @@
         <p:spPr>
           <a:xfrm>
             <a:off x="504000" y="1326600"/>
-            <a:ext cx="9071280" cy="3287880"/>
+            <a:ext cx="9070200" cy="3286800"/>
           </a:xfrm>
           <a:prstGeom prst="rect">
             <a:avLst/>
@@ -3348,9 +3354,13 @@
             </a:pPr>
             <a:r>
               <a:rPr b="0" lang="en-US" sz="3200" spc="-1" strike="noStrike">
-                <a:latin typeface="Arial"/>
-              </a:rPr>
-              <a:t>Rust, C++, Vim, Debugging, Source Browsing</a:t>
+                <a:solidFill>
+                  <a:srgbClr val="000000"/>
+                </a:solidFill>
+                <a:latin typeface="Arial"/>
+                <a:ea typeface="DejaVu Sans"/>
+              </a:rPr>
+              <a:t>Rust, C++, Vim, VS, Debug, Source Browsing</a:t>
             </a:r>
             <a:endParaRPr b="0" lang="en-US" sz="3200" spc="-1" strike="noStrike">
               <a:latin typeface="Arial"/>
@@ -3364,7 +3374,11 @@
             </a:pPr>
             <a:r>
               <a:rPr b="0" lang="en-US" sz="3200" spc="-1" strike="noStrike">
-                <a:latin typeface="Arial"/>
+                <a:solidFill>
+                  <a:srgbClr val="000000"/>
+                </a:solidFill>
+                <a:latin typeface="Arial"/>
+                <a:ea typeface="DejaVu Sans"/>
               </a:rPr>
               <a:t>Stephen MacKenzie</a:t>
             </a:r>
@@ -3380,7 +3394,11 @@
             </a:pPr>
             <a:r>
               <a:rPr b="0" lang="en-US" sz="3200" spc="-1" strike="noStrike">
-                <a:latin typeface="Arial"/>
+                <a:solidFill>
+                  <a:srgbClr val="000000"/>
+                </a:solidFill>
+                <a:latin typeface="Arial"/>
+                <a:ea typeface="DejaVu Sans"/>
               </a:rPr>
               <a:t>Former 20 year member Visual C++ Team</a:t>
             </a:r>
@@ -3436,7 +3454,7 @@
         <p:spPr>
           <a:xfrm>
             <a:off x="504000" y="226080"/>
-            <a:ext cx="9071280" cy="946080"/>
+            <a:ext cx="9070200" cy="945000"/>
           </a:xfrm>
           <a:prstGeom prst="rect">
             <a:avLst/>
@@ -3464,7 +3482,11 @@
             </a:pPr>
             <a:r>
               <a:rPr b="0" lang="en-US" sz="4400" spc="-1" strike="noStrike">
-                <a:latin typeface="Arial"/>
+                <a:solidFill>
+                  <a:srgbClr val="000000"/>
+                </a:solidFill>
+                <a:latin typeface="Arial"/>
+                <a:ea typeface="DejaVu Sans"/>
               </a:rPr>
               <a:t>Source Browsing</a:t>
             </a:r>
@@ -3483,7 +3505,7 @@
         <p:spPr>
           <a:xfrm>
             <a:off x="504000" y="1326600"/>
-            <a:ext cx="9071280" cy="3287880"/>
+            <a:ext cx="9070200" cy="3286800"/>
           </a:xfrm>
           <a:prstGeom prst="rect">
             <a:avLst/>
@@ -3501,10 +3523,10 @@
         </p:style>
         <p:txBody>
           <a:bodyPr lIns="0" rIns="0" tIns="0" bIns="0">
-            <a:normAutofit fontScale="73000"/>
-          </a:bodyPr>
-          <a:p>
-            <a:pPr marL="432000" indent="-323640">
+            <a:normAutofit fontScale="57000"/>
+          </a:bodyPr>
+          <a:p>
+            <a:pPr marL="432000" indent="-322560">
               <a:lnSpc>
                 <a:spcPct val="100000"/>
               </a:lnSpc>
@@ -3525,6 +3547,7 @@
                 </a:solidFill>
                 <a:uFillTx/>
                 <a:latin typeface="Arial"/>
+                <a:ea typeface="DejaVu Sans"/>
               </a:rPr>
               <a:t>Pkg install git</a:t>
             </a:r>
@@ -3533,7 +3556,7 @@
             </a:endParaRPr>
           </a:p>
           <a:p>
-            <a:pPr marL="432000" indent="-323640">
+            <a:pPr marL="432000" indent="-322560">
               <a:lnSpc>
                 <a:spcPct val="100000"/>
               </a:lnSpc>
@@ -3554,6 +3577,7 @@
                 </a:solidFill>
                 <a:uFillTx/>
                 <a:latin typeface="Arial"/>
+                <a:ea typeface="DejaVu Sans"/>
               </a:rPr>
               <a:t>Git clone </a:t>
             </a:r>
@@ -3564,6 +3588,7 @@
                 </a:solidFill>
                 <a:uFillTx/>
                 <a:latin typeface="Arial"/>
+                <a:ea typeface="DejaVu Sans"/>
                 <a:hlinkClick r:id="rId1"/>
               </a:rPr>
               <a:t>https://github.com/freebsd/freebsd-src</a:t>
@@ -3573,7 +3598,7 @@
             </a:endParaRPr>
           </a:p>
           <a:p>
-            <a:pPr marL="432000" indent="-323640">
+            <a:pPr marL="432000" indent="-322560">
               <a:lnSpc>
                 <a:spcPct val="100000"/>
               </a:lnSpc>
@@ -3593,6 +3618,36 @@
                   <a:srgbClr val="0000ff"/>
                 </a:solidFill>
                 <a:latin typeface="Arial"/>
+                <a:ea typeface="DejaVu Sans"/>
+              </a:rPr>
+              <a:t>VSCode Browsing</a:t>
+            </a:r>
+            <a:endParaRPr b="0" lang="en-US" sz="3200" spc="-1" strike="noStrike">
+              <a:latin typeface="Arial"/>
+            </a:endParaRPr>
+          </a:p>
+          <a:p>
+            <a:pPr marL="432000" indent="-322560">
+              <a:lnSpc>
+                <a:spcPct val="100000"/>
+              </a:lnSpc>
+              <a:spcBef>
+                <a:spcPts val="1414"/>
+              </a:spcBef>
+              <a:buClr>
+                <a:srgbClr val="ffffff"/>
+              </a:buClr>
+              <a:buSzPct val="45000"/>
+              <a:buFont typeface="Wingdings" charset="2"/>
+              <a:buChar char=""/>
+            </a:pPr>
+            <a:r>
+              <a:rPr b="0" lang="en-US" sz="3200" spc="-1" strike="noStrike">
+                <a:solidFill>
+                  <a:srgbClr val="0000ff"/>
+                </a:solidFill>
+                <a:latin typeface="Arial"/>
+                <a:ea typeface="DejaVu Sans"/>
               </a:rPr>
               <a:t>Pkg add exctags (exuberant tags)</a:t>
             </a:r>
@@ -3601,7 +3656,7 @@
             </a:endParaRPr>
           </a:p>
           <a:p>
-            <a:pPr lvl="1" marL="864000" indent="-323640">
+            <a:pPr lvl="1" marL="864000" indent="-322560">
               <a:lnSpc>
                 <a:spcPct val="100000"/>
               </a:lnSpc>
@@ -3621,6 +3676,7 @@
                   <a:srgbClr val="0000ff"/>
                 </a:solidFill>
                 <a:latin typeface="Arial"/>
+                <a:ea typeface="DejaVu Sans"/>
               </a:rPr>
               <a:t> </a:t>
             </a:r>
@@ -3630,6 +3686,7 @@
                   <a:srgbClr val="0000ff"/>
                 </a:solidFill>
                 <a:latin typeface="Arial"/>
+                <a:ea typeface="DejaVu Sans"/>
               </a:rPr>
               <a:t>set tags=./tags,tags;$HOME;</a:t>
             </a:r>
@@ -3638,7 +3695,7 @@
             </a:endParaRPr>
           </a:p>
           <a:p>
-            <a:pPr marL="432000" indent="-323640">
+            <a:pPr marL="432000" indent="-322560">
               <a:lnSpc>
                 <a:spcPct val="100000"/>
               </a:lnSpc>
@@ -3658,6 +3715,7 @@
                   <a:srgbClr val="0000ff"/>
                 </a:solidFill>
                 <a:latin typeface="Arial"/>
+                <a:ea typeface="DejaVu Sans"/>
               </a:rPr>
               <a:t>Pkg add cscope</a:t>
             </a:r>
@@ -3666,7 +3724,7 @@
             </a:endParaRPr>
           </a:p>
           <a:p>
-            <a:pPr lvl="1" marL="864000" indent="-323640">
+            <a:pPr lvl="1" marL="864000" indent="-322560">
               <a:lnSpc>
                 <a:spcPct val="100000"/>
               </a:lnSpc>
@@ -3686,9 +3744,23 @@
                   <a:srgbClr val="0000ff"/>
                 </a:solidFill>
                 <a:latin typeface="Arial"/>
+                <a:ea typeface="DejaVu Sans"/>
               </a:rPr>
               <a:t>Cscope -R (mi_startup), choose .h, ] to jump using tags.  Vimgrep, find, man man, apropos</a:t>
             </a:r>
+            <a:endParaRPr b="0" lang="en-US" sz="3200" spc="-1" strike="noStrike">
+              <a:latin typeface="Arial"/>
+            </a:endParaRPr>
+          </a:p>
+          <a:p>
+            <a:pPr>
+              <a:lnSpc>
+                <a:spcPct val="100000"/>
+              </a:lnSpc>
+              <a:spcBef>
+                <a:spcPts val="1414"/>
+              </a:spcBef>
+            </a:pPr>
             <a:endParaRPr b="0" lang="en-US" sz="3200" spc="-1" strike="noStrike">
               <a:latin typeface="Arial"/>
             </a:endParaRPr>
@@ -3735,13 +3807,13 @@
       <p:sp>
         <p:nvSpPr>
           <p:cNvPr id="96" name=""/>
-          <p:cNvSpPr txBox="1"/>
+          <p:cNvSpPr/>
           <p:nvPr/>
         </p:nvSpPr>
         <p:spPr>
           <a:xfrm>
             <a:off x="504000" y="226080"/>
-            <a:ext cx="9071280" cy="946080"/>
+            <a:ext cx="9070200" cy="945000"/>
           </a:xfrm>
           <a:prstGeom prst="rect">
             <a:avLst/>
@@ -3751,21 +3823,39 @@
             <a:noFill/>
           </a:ln>
         </p:spPr>
+        <p:style>
+          <a:lnRef idx="0"/>
+          <a:fillRef idx="0"/>
+          <a:effectRef idx="0"/>
+          <a:fontRef idx="minor"/>
+        </p:style>
         <p:txBody>
           <a:bodyPr lIns="0" rIns="0" tIns="0" bIns="0" anchor="ctr">
             <a:noAutofit/>
           </a:bodyPr>
           <a:p>
-            <a:pPr algn="ctr"/>
+            <a:pPr algn="ctr">
+              <a:lnSpc>
+                <a:spcPct val="100000"/>
+              </a:lnSpc>
+            </a:pPr>
             <a:r>
               <a:rPr b="0" lang="en-US" sz="4400" spc="-1" strike="noStrike">
-                <a:latin typeface="Arial"/>
-              </a:rPr>
-              <a:t>More</a:t>
+                <a:solidFill>
+                  <a:srgbClr val="000000"/>
+                </a:solidFill>
+                <a:latin typeface="Arial"/>
+                <a:ea typeface="DejaVu Sans"/>
+              </a:rPr>
+              <a:t>Future Vids</a:t>
             </a:r>
             <a:r>
               <a:rPr b="0" lang="en-US" sz="4400" spc="-1" strike="noStrike">
-                <a:latin typeface="Arial"/>
+                <a:solidFill>
+                  <a:srgbClr val="000000"/>
+                </a:solidFill>
+                <a:latin typeface="Arial"/>
+                <a:ea typeface="DejaVu Sans"/>
               </a:rPr>
               <a:t>	</a:t>
             </a:r>
@@ -3778,13 +3868,13 @@
       <p:sp>
         <p:nvSpPr>
           <p:cNvPr id="97" name=""/>
-          <p:cNvSpPr txBox="1"/>
+          <p:cNvSpPr/>
           <p:nvPr/>
         </p:nvSpPr>
         <p:spPr>
           <a:xfrm>
             <a:off x="1600200" y="1143000"/>
-            <a:ext cx="7772400" cy="4114800"/>
+            <a:ext cx="7771320" cy="4113720"/>
           </a:xfrm>
           <a:prstGeom prst="rect">
             <a:avLst/>
@@ -3794,11 +3884,22 @@
             <a:noFill/>
           </a:ln>
         </p:spPr>
+        <p:style>
+          <a:lnRef idx="0"/>
+          <a:fillRef idx="0"/>
+          <a:effectRef idx="0"/>
+          <a:fontRef idx="minor"/>
+        </p:style>
         <p:txBody>
           <a:bodyPr lIns="90000" rIns="90000" tIns="45000" bIns="45000">
             <a:noAutofit/>
           </a:bodyPr>
           <a:p>
+            <a:pPr>
+              <a:lnSpc>
+                <a:spcPct val="100000"/>
+              </a:lnSpc>
+            </a:pPr>
             <a:endParaRPr b="0" lang="en-US" sz="1800" spc="-1" strike="noStrike">
               <a:latin typeface="Arial"/>
             </a:endParaRPr>
@@ -3815,11 +3916,58 @@
             <a:r>
               <a:rPr b="0" lang="en-US" sz="3200" spc="-1" strike="noStrike">
                 <a:solidFill>
-                  <a:srgbClr val="0000ff"/>
-                </a:solidFill>
-                <a:latin typeface="Arial"/>
+                  <a:srgbClr val="111111"/>
+                </a:solidFill>
+                <a:latin typeface="Arial"/>
+                <a:ea typeface="DejaVu Sans"/>
               </a:rPr>
               <a:t>Dtrace (pdf file)</a:t>
+            </a:r>
+            <a:endParaRPr b="0" lang="en-US" sz="3200" spc="-1" strike="noStrike">
+              <a:latin typeface="Arial"/>
+            </a:endParaRPr>
+          </a:p>
+          <a:p>
+            <a:pPr>
+              <a:lnSpc>
+                <a:spcPct val="100000"/>
+              </a:lnSpc>
+              <a:spcBef>
+                <a:spcPts val="1414"/>
+              </a:spcBef>
+            </a:pPr>
+            <a:r>
+              <a:rPr b="0" lang="en-US" sz="3200" spc="-1" strike="noStrike">
+                <a:solidFill>
+                  <a:srgbClr val="111111"/>
+                </a:solidFill>
+                <a:latin typeface="Arial"/>
+                <a:ea typeface="DejaVu Sans"/>
+              </a:rPr>
+              <a:t>cron, smb server, more jails</a:t>
+            </a:r>
+            <a:endParaRPr b="0" lang="en-US" sz="3200" spc="-1" strike="noStrike">
+              <a:latin typeface="Arial"/>
+            </a:endParaRPr>
+          </a:p>
+          <a:p>
+            <a:pPr>
+              <a:lnSpc>
+                <a:spcPct val="100000"/>
+              </a:lnSpc>
+              <a:spcBef>
+                <a:spcPts val="1414"/>
+              </a:spcBef>
+            </a:pPr>
+            <a:r>
+              <a:rPr b="0" lang="en-US" sz="3200" spc="-1" strike="noStrike">
+                <a:solidFill>
+                  <a:srgbClr val="111111"/>
+                </a:solidFill>
+                <a:latin typeface="Arial"/>
+                <a:ea typeface="DejaVu Sans"/>
+              </a:rPr>
+              <a:t>Building, installing latest clang</a:t>
             </a:r>
             <a:endParaRPr b="0" lang="en-US" sz="3200" spc="-1" strike="noStrike">
               <a:latin typeface="Arial"/>
@@ -3873,7 +4021,7 @@
         <p:spPr>
           <a:xfrm>
             <a:off x="504000" y="226080"/>
-            <a:ext cx="9071280" cy="946080"/>
+            <a:ext cx="9070200" cy="945000"/>
           </a:xfrm>
           <a:prstGeom prst="rect">
             <a:avLst/>
@@ -3901,7 +4049,11 @@
             </a:pPr>
             <a:r>
               <a:rPr b="0" lang="en-US" sz="4400" spc="-1" strike="noStrike">
-                <a:latin typeface="Arial"/>
+                <a:solidFill>
+                  <a:srgbClr val="000000"/>
+                </a:solidFill>
+                <a:latin typeface="Arial"/>
+                <a:ea typeface="DejaVu Sans"/>
               </a:rPr>
               <a:t>Links</a:t>
             </a:r>
@@ -3920,7 +4072,7 @@
         <p:spPr>
           <a:xfrm>
             <a:off x="504000" y="1326600"/>
-            <a:ext cx="9071280" cy="3287880"/>
+            <a:ext cx="9070200" cy="3286800"/>
           </a:xfrm>
           <a:prstGeom prst="rect">
             <a:avLst/>
@@ -3941,7 +4093,7 @@
             <a:normAutofit fontScale="70000"/>
           </a:bodyPr>
           <a:p>
-            <a:pPr marL="432000" indent="-323640">
+            <a:pPr marL="432000" indent="-322560">
               <a:lnSpc>
                 <a:spcPct val="100000"/>
               </a:lnSpc>
@@ -3957,7 +4109,11 @@
             </a:pPr>
             <a:r>
               <a:rPr b="0" lang="en-US" sz="3200" spc="-1" strike="noStrike">
-                <a:latin typeface="Arial"/>
+                <a:solidFill>
+                  <a:srgbClr val="000000"/>
+                </a:solidFill>
+                <a:latin typeface="Arial"/>
+                <a:ea typeface="DejaVu Sans"/>
               </a:rPr>
               <a:t>https://github.com/rust-lang/rust.vim</a:t>
             </a:r>
@@ -3966,7 +4122,7 @@
             </a:endParaRPr>
           </a:p>
           <a:p>
-            <a:pPr marL="432000" indent="-323640">
+            <a:pPr marL="432000" indent="-322560">
               <a:lnSpc>
                 <a:spcPct val="100000"/>
               </a:lnSpc>
@@ -3982,7 +4138,11 @@
             </a:pPr>
             <a:r>
               <a:rPr b="0" lang="en-US" sz="3200" spc="-1" strike="noStrike">
-                <a:latin typeface="Arial"/>
+                <a:solidFill>
+                  <a:srgbClr val="000000"/>
+                </a:solidFill>
+                <a:latin typeface="Arial"/>
+                <a:ea typeface="DejaVu Sans"/>
               </a:rPr>
               <a:t>github/stevemac321</a:t>
             </a:r>
@@ -3991,7 +4151,7 @@
             </a:endParaRPr>
           </a:p>
           <a:p>
-            <a:pPr lvl="1" marL="864000" indent="-323640">
+            <a:pPr lvl="1" marL="864000" indent="-322560">
               <a:lnSpc>
                 <a:spcPct val="100000"/>
               </a:lnSpc>
@@ -4007,7 +4167,11 @@
             </a:pPr>
             <a:r>
               <a:rPr b="0" lang="en-US" sz="2800" spc="-1" strike="noStrike">
-                <a:latin typeface="Arial"/>
+                <a:solidFill>
+                  <a:srgbClr val="000000"/>
+                </a:solidFill>
+                <a:latin typeface="Arial"/>
+                <a:ea typeface="DejaVu Sans"/>
               </a:rPr>
               <a:t>Give tour</a:t>
             </a:r>
@@ -4016,7 +4180,7 @@
             </a:endParaRPr>
           </a:p>
           <a:p>
-            <a:pPr lvl="1" marL="864000" indent="-323640">
+            <a:pPr lvl="1" marL="864000" indent="-322560">
               <a:lnSpc>
                 <a:spcPct val="100000"/>
               </a:lnSpc>
@@ -4032,7 +4196,11 @@
             </a:pPr>
             <a:r>
               <a:rPr b="0" lang="en-US" sz="2800" spc="-1" strike="noStrike">
-                <a:latin typeface="Arial"/>
+                <a:solidFill>
+                  <a:srgbClr val="000000"/>
+                </a:solidFill>
+                <a:latin typeface="Arial"/>
+                <a:ea typeface="DejaVu Sans"/>
               </a:rPr>
               <a:t>Other videos, jails, ARM asm sort, microcontroller, google test</a:t>
             </a:r>
@@ -4041,7 +4209,7 @@
             </a:endParaRPr>
           </a:p>
           <a:p>
-            <a:pPr marL="432000" indent="-323640">
+            <a:pPr marL="432000" indent="-322560">
               <a:lnSpc>
                 <a:spcPct val="100000"/>
               </a:lnSpc>
@@ -4057,7 +4225,11 @@
             </a:pPr>
             <a:r>
               <a:rPr b="0" lang="en-US" sz="3200" spc="-1" strike="noStrike">
-                <a:latin typeface="Arial"/>
+                <a:solidFill>
+                  <a:srgbClr val="000000"/>
+                </a:solidFill>
+                <a:latin typeface="Arial"/>
+                <a:ea typeface="DejaVu Sans"/>
               </a:rPr>
               <a:t>Ssh and rsync without password:</a:t>
             </a:r>
@@ -4066,7 +4238,7 @@
             </a:endParaRPr>
           </a:p>
           <a:p>
-            <a:pPr lvl="1" marL="864000" indent="-323640">
+            <a:pPr lvl="1" marL="864000" indent="-322560">
               <a:lnSpc>
                 <a:spcPct val="100000"/>
               </a:lnSpc>
@@ -4082,7 +4254,11 @@
             </a:pPr>
             <a:r>
               <a:rPr b="0" lang="en-US" sz="2800" spc="-1" strike="noStrike">
-                <a:latin typeface="Arial"/>
+                <a:solidFill>
+                  <a:srgbClr val="000000"/>
+                </a:solidFill>
+                <a:latin typeface="Arial"/>
+                <a:ea typeface="DejaVu Sans"/>
               </a:rPr>
               <a:t>https://lists.freebsd.org/pipermail/freebsd-questions/2003-March/000108.html</a:t>
             </a:r>
@@ -4138,7 +4314,7 @@
         <p:spPr>
           <a:xfrm>
             <a:off x="504000" y="226080"/>
-            <a:ext cx="9071280" cy="946080"/>
+            <a:ext cx="9070200" cy="945000"/>
           </a:xfrm>
           <a:prstGeom prst="rect">
             <a:avLst/>
@@ -4166,7 +4342,11 @@
             </a:pPr>
             <a:r>
               <a:rPr b="0" lang="en-US" sz="4400" spc="-1" strike="noStrike">
-                <a:latin typeface="Arial"/>
+                <a:solidFill>
+                  <a:srgbClr val="000000"/>
+                </a:solidFill>
+                <a:latin typeface="Arial"/>
+                <a:ea typeface="DejaVu Sans"/>
               </a:rPr>
               <a:t>Machine Stats</a:t>
             </a:r>
@@ -4185,7 +4365,7 @@
         <p:spPr>
           <a:xfrm>
             <a:off x="504000" y="1326600"/>
-            <a:ext cx="9071280" cy="3287880"/>
+            <a:ext cx="9070200" cy="3286800"/>
           </a:xfrm>
           <a:prstGeom prst="rect">
             <a:avLst/>
@@ -4206,7 +4386,7 @@
             <a:normAutofit/>
           </a:bodyPr>
           <a:p>
-            <a:pPr marL="432000" indent="-323640">
+            <a:pPr marL="432000" indent="-322560">
               <a:lnSpc>
                 <a:spcPct val="100000"/>
               </a:lnSpc>
@@ -4222,7 +4402,11 @@
             </a:pPr>
             <a:r>
               <a:rPr b="0" lang="en-US" sz="3200" spc="-1" strike="noStrike">
-                <a:latin typeface="Arial"/>
+                <a:solidFill>
+                  <a:srgbClr val="000000"/>
+                </a:solidFill>
+                <a:latin typeface="Arial"/>
+                <a:ea typeface="DejaVu Sans"/>
               </a:rPr>
               <a:t>ZFS df -h</a:t>
             </a:r>
@@ -4231,7 +4415,7 @@
             </a:endParaRPr>
           </a:p>
           <a:p>
-            <a:pPr marL="432000" indent="-323640">
+            <a:pPr marL="432000" indent="-322560">
               <a:lnSpc>
                 <a:spcPct val="100000"/>
               </a:lnSpc>
@@ -4247,7 +4431,11 @@
             </a:pPr>
             <a:r>
               <a:rPr b="0" lang="en-US" sz="3200" spc="-1" strike="noStrike">
-                <a:latin typeface="Arial"/>
+                <a:solidFill>
+                  <a:srgbClr val="000000"/>
+                </a:solidFill>
+                <a:latin typeface="Arial"/>
+                <a:ea typeface="DejaVu Sans"/>
               </a:rPr>
               <a:t>Sysctl hw</a:t>
             </a:r>
@@ -4256,7 +4444,7 @@
             </a:endParaRPr>
           </a:p>
           <a:p>
-            <a:pPr marL="432000" indent="-323640">
+            <a:pPr marL="432000" indent="-322560">
               <a:lnSpc>
                 <a:spcPct val="100000"/>
               </a:lnSpc>
@@ -4272,7 +4460,11 @@
             </a:pPr>
             <a:r>
               <a:rPr b="0" lang="en-US" sz="3200" spc="-1" strike="noStrike">
-                <a:latin typeface="Arial"/>
+                <a:solidFill>
+                  <a:srgbClr val="000000"/>
+                </a:solidFill>
+                <a:latin typeface="Arial"/>
+                <a:ea typeface="DejaVu Sans"/>
               </a:rPr>
               <a:t>Pkg install vim  (installs pkg manager)</a:t>
             </a:r>
@@ -4281,7 +4473,7 @@
             </a:endParaRPr>
           </a:p>
           <a:p>
-            <a:pPr marL="432000" indent="-323640">
+            <a:pPr marL="432000" indent="-322560">
               <a:lnSpc>
                 <a:spcPct val="100000"/>
               </a:lnSpc>
@@ -4297,7 +4489,11 @@
             </a:pPr>
             <a:r>
               <a:rPr b="0" lang="en-US" sz="3200" spc="-1" strike="noStrike">
-                <a:latin typeface="Arial"/>
+                <a:solidFill>
+                  <a:srgbClr val="000000"/>
+                </a:solidFill>
+                <a:latin typeface="Arial"/>
+                <a:ea typeface="DejaVu Sans"/>
               </a:rPr>
               <a:t>Pkg install dmidecode (Release date)</a:t>
             </a:r>
@@ -4353,7 +4549,7 @@
         <p:spPr>
           <a:xfrm>
             <a:off x="504000" y="226080"/>
-            <a:ext cx="9071280" cy="946080"/>
+            <a:ext cx="9070200" cy="945000"/>
           </a:xfrm>
           <a:prstGeom prst="rect">
             <a:avLst/>
@@ -4381,7 +4577,11 @@
             </a:pPr>
             <a:r>
               <a:rPr b="0" lang="en-US" sz="4400" spc="-1" strike="noStrike">
-                <a:latin typeface="Arial"/>
+                <a:solidFill>
+                  <a:srgbClr val="000000"/>
+                </a:solidFill>
+                <a:latin typeface="Arial"/>
+                <a:ea typeface="DejaVu Sans"/>
               </a:rPr>
               <a:t>Terminal to X</a:t>
             </a:r>
@@ -4400,7 +4600,7 @@
         <p:spPr>
           <a:xfrm>
             <a:off x="504000" y="1326600"/>
-            <a:ext cx="9071280" cy="3287880"/>
+            <a:ext cx="9070200" cy="3286800"/>
           </a:xfrm>
           <a:prstGeom prst="rect">
             <a:avLst/>
@@ -4418,10 +4618,10 @@
         </p:style>
         <p:txBody>
           <a:bodyPr lIns="0" rIns="0" tIns="0" bIns="0">
-            <a:normAutofit fontScale="19000"/>
-          </a:bodyPr>
-          <a:p>
-            <a:pPr marL="432000" indent="-323640">
+            <a:normAutofit fontScale="31000"/>
+          </a:bodyPr>
+          <a:p>
+            <a:pPr marL="432000" indent="-322560">
               <a:lnSpc>
                 <a:spcPct val="100000"/>
               </a:lnSpc>
@@ -4437,6 +4637,9 @@
             </a:pPr>
             <a:r>
               <a:rPr b="0" lang="en-US" sz="3200" spc="-1" strike="noStrike">
+                <a:solidFill>
+                  <a:srgbClr val="000000"/>
+                </a:solidFill>
                 <a:latin typeface="Arial"/>
                 <a:ea typeface="Microsoft YaHei"/>
               </a:rPr>
@@ -4447,7 +4650,7 @@
             </a:endParaRPr>
           </a:p>
           <a:p>
-            <a:pPr marL="432000" indent="-323640">
+            <a:pPr marL="432000" indent="-322560">
               <a:lnSpc>
                 <a:spcPct val="100000"/>
               </a:lnSpc>
@@ -4463,6 +4666,9 @@
             </a:pPr>
             <a:r>
               <a:rPr b="0" lang="en-US" sz="3200" spc="-1" strike="noStrike">
+                <a:solidFill>
+                  <a:srgbClr val="000000"/>
+                </a:solidFill>
                 <a:latin typeface="Arial"/>
                 <a:ea typeface="Microsoft YaHei"/>
               </a:rPr>
@@ -4473,7 +4679,7 @@
             </a:endParaRPr>
           </a:p>
           <a:p>
-            <a:pPr lvl="1" marL="864000" indent="-323640">
+            <a:pPr lvl="1" marL="864000" indent="-322560">
               <a:lnSpc>
                 <a:spcPct val="100000"/>
               </a:lnSpc>
@@ -4489,6 +4695,9 @@
             </a:pPr>
             <a:r>
               <a:rPr b="0" lang="en-US" sz="2800" spc="-1" strike="noStrike">
+                <a:solidFill>
+                  <a:srgbClr val="000000"/>
+                </a:solidFill>
                 <a:latin typeface="Arial"/>
                 <a:ea typeface="Microsoft YaHei"/>
               </a:rPr>
@@ -4499,7 +4708,7 @@
             </a:endParaRPr>
           </a:p>
           <a:p>
-            <a:pPr lvl="1" marL="864000" indent="-323640">
+            <a:pPr lvl="1" marL="864000" indent="-322560">
               <a:lnSpc>
                 <a:spcPct val="100000"/>
               </a:lnSpc>
@@ -4515,17 +4724,79 @@
             </a:pPr>
             <a:r>
               <a:rPr b="0" lang="en-US" sz="2800" spc="-1" strike="noStrike">
+                <a:solidFill>
+                  <a:srgbClr val="000000"/>
+                </a:solidFill>
                 <a:latin typeface="Arial"/>
                 <a:ea typeface="Microsoft YaHei"/>
               </a:rPr>
-              <a:t>$ pw groupmod video -m comet || pw groupmod wheel -m comet</a:t>
+              <a:t>$ pw groupmod video -m </a:t>
+            </a:r>
+            <a:r>
+              <a:rPr b="0" i="1" lang="en-US" sz="2800" spc="-1" strike="noStrike">
+                <a:solidFill>
+                  <a:srgbClr val="000000"/>
+                </a:solidFill>
+                <a:latin typeface="Arial"/>
+                <a:ea typeface="Microsoft YaHei"/>
+              </a:rPr>
+              <a:t>user</a:t>
+            </a:r>
+            <a:r>
+              <a:rPr b="0" lang="en-US" sz="2800" spc="-1" strike="noStrike">
+                <a:solidFill>
+                  <a:srgbClr val="000000"/>
+                </a:solidFill>
+                <a:latin typeface="Arial"/>
+                <a:ea typeface="Microsoft YaHei"/>
+              </a:rPr>
+              <a:t> || pw groupmod wheel -m </a:t>
+            </a:r>
+            <a:r>
+              <a:rPr b="0" i="1" lang="en-US" sz="2800" spc="-1" strike="noStrike">
+                <a:solidFill>
+                  <a:srgbClr val="000000"/>
+                </a:solidFill>
+                <a:latin typeface="Arial"/>
+                <a:ea typeface="Microsoft YaHei"/>
+              </a:rPr>
+              <a:t>user</a:t>
             </a:r>
             <a:endParaRPr b="0" lang="en-US" sz="2800" spc="-1" strike="noStrike">
               <a:latin typeface="Arial"/>
             </a:endParaRPr>
           </a:p>
           <a:p>
-            <a:pPr lvl="1" marL="864000" indent="-323640">
+            <a:pPr marL="432000" indent="-322560">
+              <a:lnSpc>
+                <a:spcPct val="100000"/>
+              </a:lnSpc>
+              <a:spcBef>
+                <a:spcPts val="1417"/>
+              </a:spcBef>
+              <a:buClr>
+                <a:srgbClr val="ffffff"/>
+              </a:buClr>
+              <a:buSzPct val="45000"/>
+              <a:buFont typeface="Wingdings" charset="2"/>
+              <a:buChar char=""/>
+            </a:pPr>
+            <a:r>
+              <a:rPr b="0" lang="en-US" sz="3200" spc="-1" strike="noStrike">
+                <a:solidFill>
+                  <a:srgbClr val="000000"/>
+                </a:solidFill>
+                <a:latin typeface="Arial"/>
+                <a:ea typeface="Microsoft YaHei"/>
+              </a:rPr>
+              <a:t>Xfce4</a:t>
+            </a:r>
+            <a:endParaRPr b="0" lang="en-US" sz="3200" spc="-1" strike="noStrike">
+              <a:latin typeface="Arial"/>
+            </a:endParaRPr>
+          </a:p>
+          <a:p>
+            <a:pPr lvl="1" marL="864000" indent="-322560">
               <a:lnSpc>
                 <a:spcPct val="100000"/>
               </a:lnSpc>
@@ -4541,43 +4812,20 @@
             </a:pPr>
             <a:r>
               <a:rPr b="0" lang="en-US" sz="2800" spc="-1" strike="noStrike">
+                <a:solidFill>
+                  <a:srgbClr val="000000"/>
+                </a:solidFill>
                 <a:latin typeface="Arial"/>
                 <a:ea typeface="Microsoft YaHei"/>
               </a:rPr>
-              <a:t>vim /boot/loader.conf</a:t>
+              <a:t>pkg install xfce</a:t>
             </a:r>
             <a:endParaRPr b="0" lang="en-US" sz="2800" spc="-1" strike="noStrike">
               <a:latin typeface="Arial"/>
             </a:endParaRPr>
           </a:p>
           <a:p>
-            <a:pPr lvl="2" marL="1296000" indent="-287640">
-              <a:lnSpc>
-                <a:spcPct val="100000"/>
-              </a:lnSpc>
-              <a:spcBef>
-                <a:spcPts val="850"/>
-              </a:spcBef>
-              <a:buClr>
-                <a:srgbClr val="ffffff"/>
-              </a:buClr>
-              <a:buSzPct val="45000"/>
-              <a:buFont typeface="Wingdings" charset="2"/>
-              <a:buChar char=""/>
-            </a:pPr>
-            <a:r>
-              <a:rPr b="0" lang="en-US" sz="2400" spc="-1" strike="noStrike">
-                <a:latin typeface="Arial"/>
-                <a:ea typeface="Microsoft YaHei"/>
-              </a:rPr>
-              <a:t>kern.vty=vt</a:t>
-            </a:r>
-            <a:endParaRPr b="0" lang="en-US" sz="2400" spc="-1" strike="noStrike">
-              <a:latin typeface="Arial"/>
-            </a:endParaRPr>
-          </a:p>
-          <a:p>
-            <a:pPr lvl="1" marL="864000" indent="-323640">
+            <a:pPr lvl="1" marL="864000" indent="-322560">
               <a:lnSpc>
                 <a:spcPct val="100000"/>
               </a:lnSpc>
@@ -4593,17 +4841,20 @@
             </a:pPr>
             <a:r>
               <a:rPr b="0" lang="en-US" sz="2800" spc="-1" strike="noStrike">
+                <a:solidFill>
+                  <a:srgbClr val="000000"/>
+                </a:solidFill>
                 <a:latin typeface="Arial"/>
                 <a:ea typeface="Microsoft YaHei"/>
               </a:rPr>
-              <a:t>pkg install drm-kmod</a:t>
+              <a:t>NOTE: logoff as root, back to the user you added above.</a:t>
             </a:r>
             <a:endParaRPr b="0" lang="en-US" sz="2800" spc="-1" strike="noStrike">
               <a:latin typeface="Arial"/>
             </a:endParaRPr>
           </a:p>
           <a:p>
-            <a:pPr lvl="1" marL="864000" indent="-323640">
+            <a:pPr lvl="1" marL="864000" indent="-322560">
               <a:lnSpc>
                 <a:spcPct val="100000"/>
               </a:lnSpc>
@@ -4619,69 +4870,20 @@
             </a:pPr>
             <a:r>
               <a:rPr b="0" lang="en-US" sz="2800" spc="-1" strike="noStrike">
+                <a:solidFill>
+                  <a:srgbClr val="000000"/>
+                </a:solidFill>
                 <a:latin typeface="Arial"/>
                 <a:ea typeface="Microsoft YaHei"/>
               </a:rPr>
-              <a:t>vim /etc/rc.conf</a:t>
+              <a:t>echo "exec /usr/local/bin/startxfce4 --with-ck-launch" &gt; ~/.xinitrc</a:t>
             </a:r>
             <a:endParaRPr b="0" lang="en-US" sz="2800" spc="-1" strike="noStrike">
               <a:latin typeface="Arial"/>
             </a:endParaRPr>
           </a:p>
           <a:p>
-            <a:pPr lvl="2" marL="1296000" indent="-287640">
-              <a:lnSpc>
-                <a:spcPct val="100000"/>
-              </a:lnSpc>
-              <a:spcBef>
-                <a:spcPts val="850"/>
-              </a:spcBef>
-              <a:buClr>
-                <a:srgbClr val="ffffff"/>
-              </a:buClr>
-              <a:buSzPct val="45000"/>
-              <a:buFont typeface="Wingdings" charset="2"/>
-              <a:buChar char=""/>
-            </a:pPr>
-            <a:r>
-              <a:rPr b="0" lang="en-US" sz="2400" spc="-1" strike="noStrike">
-                <a:latin typeface="Arial"/>
-                <a:ea typeface="Microsoft YaHei"/>
-              </a:rPr>
-              <a:t>kld_list="i915kms"</a:t>
-            </a:r>
-            <a:endParaRPr b="0" lang="en-US" sz="2400" spc="-1" strike="noStrike">
-              <a:latin typeface="Arial"/>
-            </a:endParaRPr>
-          </a:p>
-          <a:p>
-            <a:pPr marL="432000" indent="-323640">
-              <a:lnSpc>
-                <a:spcPct val="100000"/>
-              </a:lnSpc>
-              <a:spcBef>
-                <a:spcPts val="1417"/>
-              </a:spcBef>
-              <a:buClr>
-                <a:srgbClr val="ffffff"/>
-              </a:buClr>
-              <a:buSzPct val="45000"/>
-              <a:buFont typeface="Wingdings" charset="2"/>
-              <a:buChar char=""/>
-            </a:pPr>
-            <a:r>
-              <a:rPr b="0" lang="en-US" sz="3200" spc="-1" strike="noStrike">
-                <a:latin typeface="Arial"/>
-                <a:ea typeface="Microsoft YaHei"/>
-              </a:rPr>
-              <a:t>Xfce4</a:t>
-            </a:r>
-            <a:endParaRPr b="0" lang="en-US" sz="3200" spc="-1" strike="noStrike">
-              <a:latin typeface="Arial"/>
-            </a:endParaRPr>
-          </a:p>
-          <a:p>
-            <a:pPr lvl="1" marL="864000" indent="-323640">
+            <a:pPr lvl="1" marL="864000" indent="-322560">
               <a:lnSpc>
                 <a:spcPct val="100000"/>
               </a:lnSpc>
@@ -4697,84 +4899,9 @@
             </a:pPr>
             <a:r>
               <a:rPr b="0" lang="en-US" sz="2800" spc="-1" strike="noStrike">
-                <a:latin typeface="Arial"/>
-                <a:ea typeface="Microsoft YaHei"/>
-              </a:rPr>
-              <a:t>pkg install xfce</a:t>
-            </a:r>
-            <a:endParaRPr b="0" lang="en-US" sz="2800" spc="-1" strike="noStrike">
-              <a:latin typeface="Arial"/>
-            </a:endParaRPr>
-          </a:p>
-          <a:p>
-            <a:pPr lvl="1" marL="864000" indent="-323640">
-              <a:lnSpc>
-                <a:spcPct val="100000"/>
-              </a:lnSpc>
-              <a:spcBef>
-                <a:spcPts val="1134"/>
-              </a:spcBef>
-              <a:buClr>
-                <a:srgbClr val="ffffff"/>
-              </a:buClr>
-              <a:buSzPct val="75000"/>
-              <a:buFont typeface="Symbol"/>
-              <a:buChar char=""/>
-            </a:pPr>
-            <a:r>
-              <a:rPr b="0" lang="en-US" sz="2800" spc="-1" strike="noStrike">
-                <a:latin typeface="Arial"/>
-                <a:ea typeface="Microsoft YaHei"/>
-              </a:rPr>
-              <a:t>NOTE: logoff as root, back to the user you added above.</a:t>
-            </a:r>
-            <a:endParaRPr b="0" lang="en-US" sz="2800" spc="-1" strike="noStrike">
-              <a:latin typeface="Arial"/>
-            </a:endParaRPr>
-          </a:p>
-          <a:p>
-            <a:pPr lvl="1" marL="864000" indent="-323640">
-              <a:lnSpc>
-                <a:spcPct val="100000"/>
-              </a:lnSpc>
-              <a:spcBef>
-                <a:spcPts val="1134"/>
-              </a:spcBef>
-              <a:buClr>
-                <a:srgbClr val="ffffff"/>
-              </a:buClr>
-              <a:buSzPct val="75000"/>
-              <a:buFont typeface="Symbol"/>
-              <a:buChar char=""/>
-            </a:pPr>
-            <a:r>
-              <a:rPr b="0" lang="en-US" sz="2800" spc="-1" strike="noStrike">
-                <a:latin typeface="Arial"/>
-                <a:ea typeface="Microsoft YaHei"/>
-              </a:rPr>
-              <a:t>echo "exec /usr/local/bin/startxfce4 --with-ck-launch" &gt; ~/.xinitrc</a:t>
-            </a:r>
-            <a:endParaRPr b="0" lang="en-US" sz="2800" spc="-1" strike="noStrike">
-              <a:latin typeface="Arial"/>
-            </a:endParaRPr>
-          </a:p>
-          <a:p>
-            <a:pPr lvl="1" marL="864000" indent="-323640">
-              <a:lnSpc>
-                <a:spcPct val="100000"/>
-              </a:lnSpc>
-              <a:spcBef>
-                <a:spcPts val="1134"/>
-              </a:spcBef>
-              <a:buClr>
-                <a:srgbClr val="ffffff"/>
-              </a:buClr>
-              <a:buSzPct val="75000"/>
-              <a:buFont typeface="Symbol"/>
-              <a:buChar char=""/>
-            </a:pPr>
-            <a:r>
-              <a:rPr b="0" lang="en-US" sz="2800" spc="-1" strike="noStrike">
+                <a:solidFill>
+                  <a:srgbClr val="000000"/>
+                </a:solidFill>
                 <a:latin typeface="Arial"/>
                 <a:ea typeface="Microsoft YaHei"/>
               </a:rPr>
@@ -4845,7 +4972,7 @@
         <p:spPr>
           <a:xfrm>
             <a:off x="504000" y="226080"/>
-            <a:ext cx="9071280" cy="946080"/>
+            <a:ext cx="9070200" cy="945000"/>
           </a:xfrm>
           <a:prstGeom prst="rect">
             <a:avLst/>
@@ -4873,7 +5000,11 @@
             </a:pPr>
             <a:r>
               <a:rPr b="0" lang="en-US" sz="4400" spc="-1" strike="noStrike">
-                <a:latin typeface="Arial"/>
+                <a:solidFill>
+                  <a:srgbClr val="000000"/>
+                </a:solidFill>
+                <a:latin typeface="Arial"/>
+                <a:ea typeface="DejaVu Sans"/>
               </a:rPr>
               <a:t>Remote X (RDP)</a:t>
             </a:r>
@@ -4892,7 +5023,7 @@
         <p:spPr>
           <a:xfrm>
             <a:off x="504000" y="1326600"/>
-            <a:ext cx="9071280" cy="3287880"/>
+            <a:ext cx="9070200" cy="3286800"/>
           </a:xfrm>
           <a:prstGeom prst="rect">
             <a:avLst/>
@@ -4910,10 +5041,10 @@
         </p:style>
         <p:txBody>
           <a:bodyPr lIns="0" rIns="0" tIns="0" bIns="0">
-            <a:normAutofit fontScale="41000"/>
-          </a:bodyPr>
-          <a:p>
-            <a:pPr marL="432000" indent="-323640">
+            <a:normAutofit fontScale="49000"/>
+          </a:bodyPr>
+          <a:p>
+            <a:pPr marL="432000" indent="-322560">
               <a:lnSpc>
                 <a:spcPct val="100000"/>
               </a:lnSpc>
@@ -4929,7 +5060,11 @@
             </a:pPr>
             <a:r>
               <a:rPr b="0" lang="en-US" sz="3200" spc="-1" strike="noStrike">
-                <a:latin typeface="Arial"/>
+                <a:solidFill>
+                  <a:srgbClr val="000000"/>
+                </a:solidFill>
+                <a:latin typeface="Arial"/>
+                <a:ea typeface="DejaVu Sans"/>
               </a:rPr>
               <a:t>xrdp</a:t>
             </a:r>
@@ -4938,7 +5073,7 @@
             </a:endParaRPr>
           </a:p>
           <a:p>
-            <a:pPr lvl="1" marL="864000" indent="-323640">
+            <a:pPr lvl="1" marL="864000" indent="-322560">
               <a:lnSpc>
                 <a:spcPct val="100000"/>
               </a:lnSpc>
@@ -4954,7 +5089,11 @@
             </a:pPr>
             <a:r>
               <a:rPr b="0" lang="en-US" sz="2800" spc="-1" strike="noStrike">
-                <a:latin typeface="Arial"/>
+                <a:solidFill>
+                  <a:srgbClr val="000000"/>
+                </a:solidFill>
+                <a:latin typeface="Arial"/>
+                <a:ea typeface="DejaVu Sans"/>
               </a:rPr>
               <a:t>Pkg install xrdp</a:t>
             </a:r>
@@ -4963,7 +5102,7 @@
             </a:endParaRPr>
           </a:p>
           <a:p>
-            <a:pPr lvl="1" marL="864000" indent="-323640">
+            <a:pPr lvl="1" marL="864000" indent="-322560">
               <a:lnSpc>
                 <a:spcPct val="100000"/>
               </a:lnSpc>
@@ -4979,7 +5118,11 @@
             </a:pPr>
             <a:r>
               <a:rPr b="0" lang="en-US" sz="2800" spc="-1" strike="noStrike">
-                <a:latin typeface="Arial"/>
+                <a:solidFill>
+                  <a:srgbClr val="000000"/>
+                </a:solidFill>
+                <a:latin typeface="Arial"/>
+                <a:ea typeface="DejaVu Sans"/>
               </a:rPr>
               <a:t>xrdp_enable=”YES”</a:t>
             </a:r>
@@ -4988,7 +5131,7 @@
             </a:endParaRPr>
           </a:p>
           <a:p>
-            <a:pPr lvl="1" marL="864000" indent="-323640">
+            <a:pPr lvl="1" marL="864000" indent="-322560">
               <a:lnSpc>
                 <a:spcPct val="100000"/>
               </a:lnSpc>
@@ -5004,7 +5147,11 @@
             </a:pPr>
             <a:r>
               <a:rPr b="0" lang="en-US" sz="2800" spc="-1" strike="noStrike">
-                <a:latin typeface="Arial"/>
+                <a:solidFill>
+                  <a:srgbClr val="000000"/>
+                </a:solidFill>
+                <a:latin typeface="Arial"/>
+                <a:ea typeface="DejaVu Sans"/>
               </a:rPr>
               <a:t>xrdp_sesman_enable=”YES”</a:t>
             </a:r>
@@ -5013,7 +5160,7 @@
             </a:endParaRPr>
           </a:p>
           <a:p>
-            <a:pPr lvl="1" marL="864000" indent="-323640">
+            <a:pPr lvl="1" marL="864000" indent="-322560">
               <a:lnSpc>
                 <a:spcPct val="100000"/>
               </a:lnSpc>
@@ -5029,7 +5176,11 @@
             </a:pPr>
             <a:r>
               <a:rPr b="0" lang="en-US" sz="2800" spc="-1" strike="noStrike">
-                <a:latin typeface="Arial"/>
+                <a:solidFill>
+                  <a:srgbClr val="000000"/>
+                </a:solidFill>
+                <a:latin typeface="Arial"/>
+                <a:ea typeface="DejaVu Sans"/>
               </a:rPr>
               <a:t>"/usr/local/etc/xrdp/startwm.sh"</a:t>
             </a:r>
@@ -5038,7 +5189,7 @@
             </a:endParaRPr>
           </a:p>
           <a:p>
-            <a:pPr lvl="2" marL="1296000" indent="-287640">
+            <a:pPr lvl="2" marL="1296000" indent="-286560">
               <a:lnSpc>
                 <a:spcPct val="100000"/>
               </a:lnSpc>
@@ -5054,7 +5205,11 @@
             </a:pPr>
             <a:r>
               <a:rPr b="0" lang="en-US" sz="2400" spc="-1" strike="noStrike">
-                <a:latin typeface="Arial"/>
+                <a:solidFill>
+                  <a:srgbClr val="000000"/>
+                </a:solidFill>
+                <a:latin typeface="Arial"/>
+                <a:ea typeface="DejaVu Sans"/>
               </a:rPr>
               <a:t>Comment out “exec xterm”, uncomment “exec startxfce4”</a:t>
             </a:r>
@@ -5063,7 +5218,7 @@
             </a:endParaRPr>
           </a:p>
           <a:p>
-            <a:pPr lvl="2" marL="1296000" indent="-287640">
+            <a:pPr lvl="2" marL="1296000" indent="-286560">
               <a:lnSpc>
                 <a:spcPct val="100000"/>
               </a:lnSpc>
@@ -5079,7 +5234,11 @@
             </a:pPr>
             <a:r>
               <a:rPr b="0" lang="en-US" sz="2400" spc="-1" strike="noStrike">
-                <a:latin typeface="Arial"/>
+                <a:solidFill>
+                  <a:srgbClr val="000000"/>
+                </a:solidFill>
+                <a:latin typeface="Arial"/>
+                <a:ea typeface="DejaVu Sans"/>
               </a:rPr>
               <a:t>reboot</a:t>
             </a:r>
@@ -5088,7 +5247,7 @@
             </a:endParaRPr>
           </a:p>
           <a:p>
-            <a:pPr marL="432000" indent="-323640">
+            <a:pPr marL="432000" indent="-322560">
               <a:lnSpc>
                 <a:spcPct val="100000"/>
               </a:lnSpc>
@@ -5104,16 +5263,20 @@
             </a:pPr>
             <a:r>
               <a:rPr b="0" lang="en-US" sz="3200" spc="-1" strike="noStrike">
-                <a:latin typeface="Arial"/>
-              </a:rPr>
-              <a:t>RDB</a:t>
-            </a:r>
-            <a:endParaRPr b="0" lang="en-US" sz="3200" spc="-1" strike="noStrike">
-              <a:latin typeface="Arial"/>
-            </a:endParaRPr>
-          </a:p>
-          <a:p>
-            <a:pPr lvl="1" marL="864000" indent="-323640">
+                <a:solidFill>
+                  <a:srgbClr val="000000"/>
+                </a:solidFill>
+                <a:latin typeface="Arial"/>
+                <a:ea typeface="DejaVu Sans"/>
+              </a:rPr>
+              <a:t>RDB from Windows</a:t>
+            </a:r>
+            <a:endParaRPr b="0" lang="en-US" sz="3200" spc="-1" strike="noStrike">
+              <a:latin typeface="Arial"/>
+            </a:endParaRPr>
+          </a:p>
+          <a:p>
+            <a:pPr lvl="1" marL="864000" indent="-322560">
               <a:lnSpc>
                 <a:spcPct val="100000"/>
               </a:lnSpc>
@@ -5129,7 +5292,11 @@
             </a:pPr>
             <a:r>
               <a:rPr b="0" lang="en-US" sz="2800" spc="-1" strike="noStrike">
-                <a:latin typeface="Arial"/>
+                <a:solidFill>
+                  <a:srgbClr val="000000"/>
+                </a:solidFill>
+                <a:latin typeface="Arial"/>
+                <a:ea typeface="DejaVu Sans"/>
               </a:rPr>
               <a:t>Resources</a:t>
             </a:r>
@@ -5138,7 +5305,7 @@
             </a:endParaRPr>
           </a:p>
           <a:p>
-            <a:pPr lvl="1" marL="864000" indent="-323640">
+            <a:pPr lvl="1" marL="864000" indent="-322560">
               <a:lnSpc>
                 <a:spcPct val="100000"/>
               </a:lnSpc>
@@ -5154,16 +5321,20 @@
             </a:pPr>
             <a:r>
               <a:rPr b="0" lang="en-US" sz="2800" spc="-1" strike="noStrike">
-                <a:latin typeface="Arial"/>
-              </a:rPr>
-              <a:t>Display</a:t>
+                <a:solidFill>
+                  <a:srgbClr val="000000"/>
+                </a:solidFill>
+                <a:latin typeface="Arial"/>
+                <a:ea typeface="DejaVu Sans"/>
+              </a:rPr>
+              <a:t>Display (dual monitor support)</a:t>
             </a:r>
             <a:endParaRPr b="0" lang="en-US" sz="2800" spc="-1" strike="noStrike">
               <a:latin typeface="Arial"/>
             </a:endParaRPr>
           </a:p>
           <a:p>
-            <a:pPr marL="432000" indent="-323640">
+            <a:pPr marL="432000" indent="-322560">
               <a:lnSpc>
                 <a:spcPct val="100000"/>
               </a:lnSpc>
@@ -5177,13 +5348,7 @@
               <a:buFont typeface="Wingdings" charset="2"/>
               <a:buChar char=""/>
             </a:pPr>
-            <a:r>
-              <a:rPr b="0" lang="en-US" sz="3200" spc="-1" strike="noStrike">
-                <a:latin typeface="Arial"/>
-              </a:rPr>
-              <a:t>Mobaxterm, WinSCP, Putty</a:t>
-            </a:r>
-            <a:endParaRPr b="0" lang="en-US" sz="3200" spc="-1" strike="noStrike">
+            <a:endParaRPr b="0" lang="en-US" sz="2800" spc="-1" strike="noStrike">
               <a:latin typeface="Arial"/>
             </a:endParaRPr>
           </a:p>
@@ -5235,7 +5400,7 @@
         <p:spPr>
           <a:xfrm>
             <a:off x="504000" y="226080"/>
-            <a:ext cx="9071280" cy="946080"/>
+            <a:ext cx="9070200" cy="945000"/>
           </a:xfrm>
           <a:prstGeom prst="rect">
             <a:avLst/>
@@ -5263,7 +5428,11 @@
             </a:pPr>
             <a:r>
               <a:rPr b="0" lang="en-US" sz="4400" spc="-1" strike="noStrike">
-                <a:latin typeface="Arial"/>
+                <a:solidFill>
+                  <a:srgbClr val="000000"/>
+                </a:solidFill>
+                <a:latin typeface="Arial"/>
+                <a:ea typeface="DejaVu Sans"/>
               </a:rPr>
               <a:t>More Apps</a:t>
             </a:r>
@@ -5282,7 +5451,7 @@
         <p:spPr>
           <a:xfrm>
             <a:off x="504000" y="1326600"/>
-            <a:ext cx="9071280" cy="3287880"/>
+            <a:ext cx="9070200" cy="3286800"/>
           </a:xfrm>
           <a:prstGeom prst="rect">
             <a:avLst/>
@@ -5303,7 +5472,7 @@
             <a:normAutofit/>
           </a:bodyPr>
           <a:p>
-            <a:pPr marL="432000" indent="-323640">
+            <a:pPr marL="432000" indent="-322560">
               <a:lnSpc>
                 <a:spcPct val="100000"/>
               </a:lnSpc>
@@ -5319,7 +5488,11 @@
             </a:pPr>
             <a:r>
               <a:rPr b="0" lang="en-US" sz="3200" spc="-1" strike="noStrike">
-                <a:latin typeface="Arial"/>
+                <a:solidFill>
+                  <a:srgbClr val="000000"/>
+                </a:solidFill>
+                <a:latin typeface="Arial"/>
+                <a:ea typeface="DejaVu Sans"/>
               </a:rPr>
               <a:t>Firefox (need for rustup docs)</a:t>
             </a:r>
@@ -5328,7 +5501,7 @@
             </a:endParaRPr>
           </a:p>
           <a:p>
-            <a:pPr marL="432000" indent="-323640">
+            <a:pPr marL="432000" indent="-322560">
               <a:lnSpc>
                 <a:spcPct val="100000"/>
               </a:lnSpc>
@@ -5344,7 +5517,11 @@
             </a:pPr>
             <a:r>
               <a:rPr b="0" lang="en-US" sz="3200" spc="-1" strike="noStrike">
-                <a:latin typeface="Arial"/>
+                <a:solidFill>
+                  <a:srgbClr val="000000"/>
+                </a:solidFill>
+                <a:latin typeface="Arial"/>
+                <a:ea typeface="DejaVu Sans"/>
               </a:rPr>
               <a:t>Libreoffice</a:t>
             </a:r>
@@ -5353,7 +5530,7 @@
             </a:endParaRPr>
           </a:p>
           <a:p>
-            <a:pPr marL="432000" indent="-323640">
+            <a:pPr marL="432000" indent="-322560">
               <a:lnSpc>
                 <a:spcPct val="100000"/>
               </a:lnSpc>
@@ -5369,7 +5546,11 @@
             </a:pPr>
             <a:r>
               <a:rPr b="0" lang="en-US" sz="3200" spc="-1" strike="noStrike">
-                <a:latin typeface="Arial"/>
+                <a:solidFill>
+                  <a:srgbClr val="000000"/>
+                </a:solidFill>
+                <a:latin typeface="Arial"/>
+                <a:ea typeface="DejaVu Sans"/>
               </a:rPr>
               <a:t>Thunderbird</a:t>
             </a:r>
@@ -5378,7 +5559,7 @@
             </a:endParaRPr>
           </a:p>
           <a:p>
-            <a:pPr marL="432000" indent="-323640">
+            <a:pPr marL="432000" indent="-322560">
               <a:lnSpc>
                 <a:spcPct val="100000"/>
               </a:lnSpc>
@@ -5394,7 +5575,11 @@
             </a:pPr>
             <a:r>
               <a:rPr b="0" lang="en-US" sz="3200" spc="-1" strike="noStrike">
-                <a:latin typeface="Arial"/>
+                <a:solidFill>
+                  <a:srgbClr val="000000"/>
+                </a:solidFill>
+                <a:latin typeface="Arial"/>
+                <a:ea typeface="DejaVu Sans"/>
               </a:rPr>
               <a:t>VSCode</a:t>
             </a:r>
@@ -5403,7 +5588,7 @@
             </a:endParaRPr>
           </a:p>
           <a:p>
-            <a:pPr lvl="1" marL="864000" indent="-323640">
+            <a:pPr lvl="1" marL="864000" indent="-322560">
               <a:lnSpc>
                 <a:spcPct val="100000"/>
               </a:lnSpc>
@@ -5419,28 +5604,26 @@
             </a:pPr>
             <a:r>
               <a:rPr b="0" lang="en-US" sz="2800" spc="-1" strike="noStrike">
-                <a:latin typeface="Arial"/>
-              </a:rPr>
-              <a:t>RLS</a:t>
+                <a:solidFill>
+                  <a:srgbClr val="000000"/>
+                </a:solidFill>
+                <a:latin typeface="Arial"/>
+                <a:ea typeface="DejaVu Sans"/>
+              </a:rPr>
+              <a:t>RLS and extensions</a:t>
             </a:r>
             <a:endParaRPr b="0" lang="en-US" sz="2800" spc="-1" strike="noStrike">
               <a:latin typeface="Arial"/>
             </a:endParaRPr>
           </a:p>
           <a:p>
-            <a:pPr marL="432000" indent="-323640">
+            <a:pPr>
               <a:lnSpc>
                 <a:spcPct val="100000"/>
               </a:lnSpc>
               <a:spcBef>
                 <a:spcPts val="1414"/>
               </a:spcBef>
-              <a:buClr>
-                <a:srgbClr val="ffffff"/>
-              </a:buClr>
-              <a:buSzPct val="45000"/>
-              <a:buFont typeface="Wingdings" charset="2"/>
-              <a:buChar char=""/>
             </a:pPr>
             <a:endParaRPr b="0" lang="en-US" sz="2800" spc="-1" strike="noStrike">
               <a:latin typeface="Arial"/>
@@ -5494,7 +5677,7 @@
         <p:spPr>
           <a:xfrm>
             <a:off x="504000" y="226080"/>
-            <a:ext cx="9071280" cy="946080"/>
+            <a:ext cx="9070200" cy="945000"/>
           </a:xfrm>
           <a:prstGeom prst="rect">
             <a:avLst/>
@@ -5522,7 +5705,11 @@
             </a:pPr>
             <a:r>
               <a:rPr b="0" lang="en-US" sz="4400" spc="-1" strike="noStrike">
-                <a:latin typeface="Arial"/>
+                <a:solidFill>
+                  <a:srgbClr val="000000"/>
+                </a:solidFill>
+                <a:latin typeface="Arial"/>
+                <a:ea typeface="DejaVu Sans"/>
               </a:rPr>
               <a:t>Rust</a:t>
             </a:r>
@@ -5541,7 +5728,7 @@
         <p:spPr>
           <a:xfrm>
             <a:off x="504000" y="1326600"/>
-            <a:ext cx="9071280" cy="3287880"/>
+            <a:ext cx="9070200" cy="3286800"/>
           </a:xfrm>
           <a:prstGeom prst="rect">
             <a:avLst/>
@@ -5562,7 +5749,7 @@
             <a:normAutofit fontScale="76000"/>
           </a:bodyPr>
           <a:p>
-            <a:pPr marL="432000" indent="-323640">
+            <a:pPr marL="432000" indent="-322560">
               <a:lnSpc>
                 <a:spcPct val="100000"/>
               </a:lnSpc>
@@ -5578,7 +5765,11 @@
             </a:pPr>
             <a:r>
               <a:rPr b="0" lang="en-US" sz="3200" spc="-1" strike="noStrike">
-                <a:latin typeface="Arial"/>
+                <a:solidFill>
+                  <a:srgbClr val="000000"/>
+                </a:solidFill>
+                <a:latin typeface="Arial"/>
+                <a:ea typeface="DejaVu Sans"/>
               </a:rPr>
               <a:t>Rustup</a:t>
             </a:r>
@@ -5587,7 +5778,7 @@
             </a:endParaRPr>
           </a:p>
           <a:p>
-            <a:pPr lvl="1" marL="864000" indent="-323640">
+            <a:pPr lvl="1" marL="864000" indent="-322560">
               <a:lnSpc>
                 <a:spcPct val="100000"/>
               </a:lnSpc>
@@ -5603,7 +5794,11 @@
             </a:pPr>
             <a:r>
               <a:rPr b="0" lang="en-US" sz="2800" spc="-1" strike="noStrike">
-                <a:latin typeface="Arial"/>
+                <a:solidFill>
+                  <a:srgbClr val="000000"/>
+                </a:solidFill>
+                <a:latin typeface="Arial"/>
+                <a:ea typeface="DejaVu Sans"/>
               </a:rPr>
               <a:t>curl --proto '=https' --tlsv1.2 -sSf https://sh.rustup.rs | sh -s -- --default-toolchain nightly</a:t>
             </a:r>
@@ -5612,7 +5807,7 @@
             </a:endParaRPr>
           </a:p>
           <a:p>
-            <a:pPr lvl="1" marL="864000" indent="-323640">
+            <a:pPr lvl="1" marL="864000" indent="-322560">
               <a:lnSpc>
                 <a:spcPct val="100000"/>
               </a:lnSpc>
@@ -5628,7 +5823,11 @@
             </a:pPr>
             <a:r>
               <a:rPr b="0" lang="en-US" sz="2800" spc="-1" strike="noStrike">
-                <a:latin typeface="Arial"/>
+                <a:solidFill>
+                  <a:srgbClr val="000000"/>
+                </a:solidFill>
+                <a:latin typeface="Arial"/>
+                <a:ea typeface="DejaVu Sans"/>
               </a:rPr>
               <a:t>set path = ($path $HOME/.cargo/bin)</a:t>
             </a:r>
@@ -5637,7 +5836,7 @@
             </a:endParaRPr>
           </a:p>
           <a:p>
-            <a:pPr lvl="1" marL="864000" indent="-323640">
+            <a:pPr lvl="1" marL="864000" indent="-322560">
               <a:lnSpc>
                 <a:spcPct val="100000"/>
               </a:lnSpc>
@@ -5653,7 +5852,11 @@
             </a:pPr>
             <a:r>
               <a:rPr b="0" lang="en-US" sz="2800" spc="-1" strike="noStrike">
-                <a:latin typeface="Arial"/>
+                <a:solidFill>
+                  <a:srgbClr val="000000"/>
+                </a:solidFill>
+                <a:latin typeface="Arial"/>
+                <a:ea typeface="DejaVu Sans"/>
               </a:rPr>
               <a:t>Rustup doc</a:t>
             </a:r>
@@ -5662,7 +5865,7 @@
             </a:endParaRPr>
           </a:p>
           <a:p>
-            <a:pPr lvl="2" marL="1296000" indent="-287640">
+            <a:pPr lvl="2" marL="1296000" indent="-286560">
               <a:lnSpc>
                 <a:spcPct val="100000"/>
               </a:lnSpc>
@@ -5678,7 +5881,11 @@
             </a:pPr>
             <a:r>
               <a:rPr b="0" lang="en-US" sz="2400" spc="-1" strike="noStrike">
-                <a:latin typeface="Arial"/>
+                <a:solidFill>
+                  <a:srgbClr val="000000"/>
+                </a:solidFill>
+                <a:latin typeface="Arial"/>
+                <a:ea typeface="DejaVu Sans"/>
               </a:rPr>
               <a:t>Update</a:t>
             </a:r>
@@ -5687,7 +5894,7 @@
             </a:endParaRPr>
           </a:p>
           <a:p>
-            <a:pPr lvl="2" marL="1296000" indent="-287640">
+            <a:pPr lvl="2" marL="1296000" indent="-286560">
               <a:lnSpc>
                 <a:spcPct val="100000"/>
               </a:lnSpc>
@@ -5703,7 +5910,11 @@
             </a:pPr>
             <a:r>
               <a:rPr b="0" lang="en-US" sz="2400" spc="-1" strike="noStrike">
-                <a:latin typeface="Arial"/>
+                <a:solidFill>
+                  <a:srgbClr val="000000"/>
+                </a:solidFill>
+                <a:latin typeface="Arial"/>
+                <a:ea typeface="DejaVu Sans"/>
               </a:rPr>
               <a:t>Cargo Clippy, fix</a:t>
             </a:r>
@@ -5712,7 +5923,7 @@
             </a:endParaRPr>
           </a:p>
           <a:p>
-            <a:pPr lvl="1" marL="864000" indent="-323640">
+            <a:pPr lvl="1" marL="864000" indent="-322560">
               <a:lnSpc>
                 <a:spcPct val="100000"/>
               </a:lnSpc>
@@ -5728,7 +5939,11 @@
             </a:pPr>
             <a:r>
               <a:rPr b="0" lang="en-US" sz="2800" spc="-1" strike="noStrike">
-                <a:latin typeface="Arial"/>
+                <a:solidFill>
+                  <a:srgbClr val="000000"/>
+                </a:solidFill>
+                <a:latin typeface="Arial"/>
+                <a:ea typeface="DejaVu Sans"/>
               </a:rPr>
               <a:t>Rustfmt</a:t>
             </a:r>
@@ -5797,7 +6012,7 @@
         <p:spPr>
           <a:xfrm>
             <a:off x="504000" y="226080"/>
-            <a:ext cx="9071280" cy="946080"/>
+            <a:ext cx="9070200" cy="945000"/>
           </a:xfrm>
           <a:prstGeom prst="rect">
             <a:avLst/>
@@ -5825,7 +6040,11 @@
             </a:pPr>
             <a:r>
               <a:rPr b="0" lang="en-US" sz="4400" spc="-1" strike="noStrike">
-                <a:latin typeface="Arial"/>
+                <a:solidFill>
+                  <a:srgbClr val="000000"/>
+                </a:solidFill>
+                <a:latin typeface="Arial"/>
+                <a:ea typeface="DejaVu Sans"/>
               </a:rPr>
               <a:t>Rust Vim</a:t>
             </a:r>
@@ -5844,7 +6063,7 @@
         <p:spPr>
           <a:xfrm>
             <a:off x="504000" y="1326600"/>
-            <a:ext cx="9071280" cy="3287880"/>
+            <a:ext cx="9070200" cy="3286800"/>
           </a:xfrm>
           <a:prstGeom prst="rect">
             <a:avLst/>
@@ -5865,7 +6084,7 @@
             <a:normAutofit fontScale="65000"/>
           </a:bodyPr>
           <a:p>
-            <a:pPr marL="432000" indent="-323640">
+            <a:pPr marL="432000" indent="-322560">
               <a:lnSpc>
                 <a:spcPct val="100000"/>
               </a:lnSpc>
@@ -5881,7 +6100,11 @@
             </a:pPr>
             <a:r>
               <a:rPr b="0" lang="en-US" sz="3200" spc="-1" strike="noStrike">
-                <a:latin typeface="Arial"/>
+                <a:solidFill>
+                  <a:srgbClr val="000000"/>
+                </a:solidFill>
+                <a:latin typeface="Arial"/>
+                <a:ea typeface="DejaVu Sans"/>
               </a:rPr>
               <a:t>Rust.vim</a:t>
             </a:r>
@@ -5890,7 +6113,7 @@
             </a:endParaRPr>
           </a:p>
           <a:p>
-            <a:pPr lvl="1" marL="864000" indent="-323640">
+            <a:pPr lvl="1" marL="864000" indent="-322560">
               <a:lnSpc>
                 <a:spcPct val="100000"/>
               </a:lnSpc>
@@ -5906,7 +6129,11 @@
             </a:pPr>
             <a:r>
               <a:rPr b="0" lang="en-US" sz="2800" spc="-1" strike="noStrike">
-                <a:latin typeface="Arial"/>
+                <a:solidFill>
+                  <a:srgbClr val="000000"/>
+                </a:solidFill>
+                <a:latin typeface="Arial"/>
+                <a:ea typeface="DejaVu Sans"/>
               </a:rPr>
               <a:t>syntax enable</a:t>
             </a:r>
@@ -5915,7 +6142,7 @@
             </a:endParaRPr>
           </a:p>
           <a:p>
-            <a:pPr lvl="1" marL="864000" indent="-323640">
+            <a:pPr lvl="1" marL="864000" indent="-322560">
               <a:lnSpc>
                 <a:spcPct val="100000"/>
               </a:lnSpc>
@@ -5931,7 +6158,11 @@
             </a:pPr>
             <a:r>
               <a:rPr b="0" lang="en-US" sz="2800" spc="-1" strike="noStrike">
-                <a:latin typeface="Arial"/>
+                <a:solidFill>
+                  <a:srgbClr val="000000"/>
+                </a:solidFill>
+                <a:latin typeface="Arial"/>
+                <a:ea typeface="DejaVu Sans"/>
               </a:rPr>
               <a:t>filetype plugin indent on</a:t>
             </a:r>
@@ -5940,7 +6171,7 @@
             </a:endParaRPr>
           </a:p>
           <a:p>
-            <a:pPr lvl="1" marL="864000" indent="-323640">
+            <a:pPr lvl="1" marL="864000" indent="-322560">
               <a:lnSpc>
                 <a:spcPct val="100000"/>
               </a:lnSpc>
@@ -5956,7 +6187,11 @@
             </a:pPr>
             <a:r>
               <a:rPr b="0" lang="en-US" sz="2800" spc="-1" strike="noStrike">
-                <a:latin typeface="Arial"/>
+                <a:solidFill>
+                  <a:srgbClr val="000000"/>
+                </a:solidFill>
+                <a:latin typeface="Arial"/>
+                <a:ea typeface="DejaVu Sans"/>
               </a:rPr>
               <a:t>For Vim8 and later:</a:t>
             </a:r>
@@ -5965,7 +6200,7 @@
             </a:endParaRPr>
           </a:p>
           <a:p>
-            <a:pPr lvl="2" marL="1296000" indent="-287640">
+            <a:pPr lvl="2" marL="1296000" indent="-286560">
               <a:lnSpc>
                 <a:spcPct val="100000"/>
               </a:lnSpc>
@@ -5981,7 +6216,11 @@
             </a:pPr>
             <a:r>
               <a:rPr b="0" lang="en-US" sz="2400" spc="-1" strike="noStrike">
-                <a:latin typeface="Arial"/>
+                <a:solidFill>
+                  <a:srgbClr val="000000"/>
+                </a:solidFill>
+                <a:latin typeface="Arial"/>
+                <a:ea typeface="DejaVu Sans"/>
               </a:rPr>
               <a:t>git clone https://github.com/rust-lang/rust.vim ~/.vim/pack/plugins/start/rust.vim</a:t>
             </a:r>
@@ -5990,7 +6229,7 @@
             </a:endParaRPr>
           </a:p>
           <a:p>
-            <a:pPr lvl="1" marL="864000" indent="-323640">
+            <a:pPr lvl="1" marL="864000" indent="-322560">
               <a:lnSpc>
                 <a:spcPct val="100000"/>
               </a:lnSpc>
@@ -6006,7 +6245,11 @@
             </a:pPr>
             <a:r>
               <a:rPr b="0" lang="en-US" sz="2800" spc="-1" strike="noStrike">
-                <a:latin typeface="Arial"/>
+                <a:solidFill>
+                  <a:srgbClr val="000000"/>
+                </a:solidFill>
+                <a:latin typeface="Arial"/>
+                <a:ea typeface="DejaVu Sans"/>
               </a:rPr>
               <a:t>:help rustfmt</a:t>
             </a:r>
@@ -6015,7 +6258,7 @@
             </a:endParaRPr>
           </a:p>
           <a:p>
-            <a:pPr lvl="1" marL="864000" indent="-323640">
+            <a:pPr lvl="1" marL="864000" indent="-322560">
               <a:lnSpc>
                 <a:spcPct val="100000"/>
               </a:lnSpc>
@@ -6031,7 +6274,11 @@
             </a:pPr>
             <a:r>
               <a:rPr b="0" lang="en-US" sz="2800" spc="-1" strike="noStrike">
-                <a:latin typeface="Arial"/>
+                <a:solidFill>
+                  <a:srgbClr val="000000"/>
+                </a:solidFill>
+                <a:latin typeface="Arial"/>
+                <a:ea typeface="DejaVu Sans"/>
               </a:rPr>
               <a:t>Map shortcut to !rustfmt % instead of :RustFrm if problematic.</a:t>
             </a:r>
@@ -6087,7 +6334,7 @@
         <p:spPr>
           <a:xfrm>
             <a:off x="504000" y="226080"/>
-            <a:ext cx="9071280" cy="946080"/>
+            <a:ext cx="9070200" cy="945000"/>
           </a:xfrm>
           <a:prstGeom prst="rect">
             <a:avLst/>
@@ -6115,7 +6362,11 @@
             </a:pPr>
             <a:r>
               <a:rPr b="0" lang="en-US" sz="4400" spc="-1" strike="noStrike">
-                <a:latin typeface="Arial"/>
+                <a:solidFill>
+                  <a:srgbClr val="000000"/>
+                </a:solidFill>
+                <a:latin typeface="Arial"/>
+                <a:ea typeface="DejaVu Sans"/>
               </a:rPr>
               <a:t>C++</a:t>
             </a:r>
@@ -6134,7 +6385,7 @@
         <p:spPr>
           <a:xfrm>
             <a:off x="504000" y="1326600"/>
-            <a:ext cx="9071280" cy="3287880"/>
+            <a:ext cx="9070200" cy="3286800"/>
           </a:xfrm>
           <a:prstGeom prst="rect">
             <a:avLst/>
@@ -6165,7 +6416,11 @@
             </a:pPr>
             <a:r>
               <a:rPr b="0" lang="en-US" sz="3200" spc="-1" strike="noStrike">
-                <a:latin typeface="Arial"/>
+                <a:solidFill>
+                  <a:srgbClr val="000000"/>
+                </a:solidFill>
+                <a:latin typeface="Arial"/>
+                <a:ea typeface="DejaVu Sans"/>
               </a:rPr>
               <a:t>Pkg install llvm-devel</a:t>
             </a:r>
@@ -6174,7 +6429,7 @@
             </a:endParaRPr>
           </a:p>
           <a:p>
-            <a:pPr marL="432000" indent="-323640">
+            <a:pPr marL="432000" indent="-322560">
               <a:lnSpc>
                 <a:spcPct val="100000"/>
               </a:lnSpc>
@@ -6190,7 +6445,11 @@
             </a:pPr>
             <a:r>
               <a:rPr b="0" lang="en-US" sz="3200" spc="-1" strike="noStrike">
-                <a:latin typeface="Arial"/>
+                <a:solidFill>
+                  <a:srgbClr val="000000"/>
+                </a:solidFill>
+                <a:latin typeface="Arial"/>
+                <a:ea typeface="DejaVu Sans"/>
               </a:rPr>
               <a:t>set path = ($path /usr/local/llvm-devel/bin)</a:t>
             </a:r>
@@ -6199,7 +6458,7 @@
             </a:endParaRPr>
           </a:p>
           <a:p>
-            <a:pPr lvl="1" marL="864000" indent="-323640">
+            <a:pPr lvl="1" marL="864000" indent="-322560">
               <a:lnSpc>
                 <a:spcPct val="100000"/>
               </a:lnSpc>
@@ -6215,7 +6474,11 @@
             </a:pPr>
             <a:r>
               <a:rPr b="0" lang="en-US" sz="2800" spc="-1" strike="noStrike">
-                <a:latin typeface="Arial"/>
+                <a:solidFill>
+                  <a:srgbClr val="000000"/>
+                </a:solidFill>
+                <a:latin typeface="Arial"/>
+                <a:ea typeface="DejaVu Sans"/>
               </a:rPr>
               <a:t>Adds clang tools like clang-tidy</a:t>
             </a:r>
@@ -6224,7 +6487,7 @@
             </a:endParaRPr>
           </a:p>
           <a:p>
-            <a:pPr marL="432000" indent="-323640">
+            <a:pPr marL="432000" indent="-322560">
               <a:lnSpc>
                 <a:spcPct val="100000"/>
               </a:lnSpc>
@@ -6240,7 +6503,11 @@
             </a:pPr>
             <a:r>
               <a:rPr b="0" lang="en-US" sz="3200" spc="-1" strike="noStrike">
-                <a:latin typeface="Arial"/>
+                <a:solidFill>
+                  <a:srgbClr val="000000"/>
+                </a:solidFill>
+                <a:latin typeface="Arial"/>
+                <a:ea typeface="DejaVu Sans"/>
               </a:rPr>
               <a:t>C++ .vimrc</a:t>
             </a:r>
@@ -6249,7 +6516,7 @@
             </a:endParaRPr>
           </a:p>
           <a:p>
-            <a:pPr lvl="1" marL="864000" indent="-323640">
+            <a:pPr lvl="1" marL="864000" indent="-322560">
               <a:lnSpc>
                 <a:spcPct val="100000"/>
               </a:lnSpc>
@@ -6265,7 +6532,11 @@
             </a:pPr>
             <a:r>
               <a:rPr b="0" lang="en-US" sz="2800" spc="-1" strike="noStrike">
-                <a:latin typeface="Arial"/>
+                <a:solidFill>
+                  <a:srgbClr val="000000"/>
+                </a:solidFill>
+                <a:latin typeface="Arial"/>
+                <a:ea typeface="DejaVu Sans"/>
               </a:rPr>
               <a:t>map &lt;C-K&gt; :py3f /usr/local/llvm-devel/share/clang/clang-format.py&lt;cr&gt;</a:t>
             </a:r>
@@ -6274,7 +6545,7 @@
             </a:endParaRPr>
           </a:p>
           <a:p>
-            <a:pPr lvl="1" marL="864000" indent="-323640">
+            <a:pPr lvl="1" marL="864000" indent="-322560">
               <a:lnSpc>
                 <a:spcPct val="100000"/>
               </a:lnSpc>
@@ -6290,13 +6561,21 @@
             </a:pPr>
             <a:r>
               <a:rPr b="0" lang="en-US" sz="2800" spc="-1" strike="noStrike">
-                <a:latin typeface="Arial"/>
+                <a:solidFill>
+                  <a:srgbClr val="000000"/>
+                </a:solidFill>
+                <a:latin typeface="Arial"/>
+                <a:ea typeface="DejaVu Sans"/>
               </a:rPr>
               <a:t> </a:t>
             </a:r>
             <a:r>
               <a:rPr b="0" lang="en-US" sz="2800" spc="-1" strike="noStrike">
-                <a:latin typeface="Arial"/>
+                <a:solidFill>
+                  <a:srgbClr val="000000"/>
+                </a:solidFill>
+                <a:latin typeface="Arial"/>
+                <a:ea typeface="DejaVu Sans"/>
               </a:rPr>
               <a:t>imap &lt;C-K&gt; &lt;c-o&gt;:py3f /usr/local/llvm-devel/share/clang/clang-format.py&lt;cr&gt;</a:t>
             </a:r>
@@ -6305,7 +6584,7 @@
             </a:endParaRPr>
           </a:p>
           <a:p>
-            <a:pPr lvl="1" marL="864000" indent="-323640">
+            <a:pPr lvl="1" marL="864000" indent="-322560">
               <a:lnSpc>
                 <a:spcPct val="100000"/>
               </a:lnSpc>
@@ -6321,13 +6600,21 @@
             </a:pPr>
             <a:r>
               <a:rPr b="0" lang="en-US" sz="2800" spc="-1" strike="noStrike">
-                <a:latin typeface="Arial"/>
+                <a:solidFill>
+                  <a:srgbClr val="000000"/>
+                </a:solidFill>
+                <a:latin typeface="Arial"/>
+                <a:ea typeface="DejaVu Sans"/>
               </a:rPr>
               <a:t> </a:t>
             </a:r>
             <a:r>
               <a:rPr b="0" lang="en-US" sz="2800" spc="-1" strike="noStrike">
-                <a:latin typeface="Arial"/>
+                <a:solidFill>
+                  <a:srgbClr val="000000"/>
+                </a:solidFill>
+                <a:latin typeface="Arial"/>
+                <a:ea typeface="DejaVu Sans"/>
               </a:rPr>
               <a:t>map &lt;F3&gt; :!clang % -std=c17 -ggdb -o %:r.out -lm&lt;cr&gt;</a:t>
             </a:r>
@@ -6336,7 +6623,7 @@
             </a:endParaRPr>
           </a:p>
           <a:p>
-            <a:pPr lvl="1" marL="864000" indent="-323640">
+            <a:pPr lvl="1" marL="864000" indent="-322560">
               <a:lnSpc>
                 <a:spcPct val="100000"/>
               </a:lnSpc>
@@ -6352,13 +6639,21 @@
             </a:pPr>
             <a:r>
               <a:rPr b="0" lang="en-US" sz="2800" spc="-1" strike="noStrike">
-                <a:latin typeface="Arial"/>
+                <a:solidFill>
+                  <a:srgbClr val="000000"/>
+                </a:solidFill>
+                <a:latin typeface="Arial"/>
+                <a:ea typeface="DejaVu Sans"/>
               </a:rPr>
               <a:t> </a:t>
             </a:r>
             <a:r>
               <a:rPr b="0" lang="en-US" sz="2800" spc="-1" strike="noStrike">
-                <a:latin typeface="Arial"/>
+                <a:solidFill>
+                  <a:srgbClr val="000000"/>
+                </a:solidFill>
+                <a:latin typeface="Arial"/>
+                <a:ea typeface="DejaVu Sans"/>
               </a:rPr>
               <a:t>imap &lt;F3&gt; :!clang % -std=c17 -ggdb -o %:r.out -lm&lt;cr&gt;</a:t>
             </a:r>
@@ -6367,7 +6662,7 @@
             </a:endParaRPr>
           </a:p>
           <a:p>
-            <a:pPr lvl="1" marL="864000" indent="-323640">
+            <a:pPr lvl="1" marL="864000" indent="-322560">
               <a:lnSpc>
                 <a:spcPct val="100000"/>
               </a:lnSpc>
@@ -6383,13 +6678,21 @@
             </a:pPr>
             <a:r>
               <a:rPr b="0" lang="en-US" sz="2800" spc="-1" strike="noStrike">
-                <a:latin typeface="Arial"/>
+                <a:solidFill>
+                  <a:srgbClr val="000000"/>
+                </a:solidFill>
+                <a:latin typeface="Arial"/>
+                <a:ea typeface="DejaVu Sans"/>
               </a:rPr>
               <a:t> </a:t>
             </a:r>
             <a:r>
               <a:rPr b="0" lang="en-US" sz="2800" spc="-1" strike="noStrike">
-                <a:latin typeface="Arial"/>
+                <a:solidFill>
+                  <a:srgbClr val="000000"/>
+                </a:solidFill>
+                <a:latin typeface="Arial"/>
+                <a:ea typeface="DejaVu Sans"/>
               </a:rPr>
               <a:t>map &lt;F4&gt; :!clang++ % -std=c++20 -ggdb -fsanitize=address -o %:r.out -lm&lt;cr&gt;</a:t>
             </a:r>
@@ -6398,7 +6701,7 @@
             </a:endParaRPr>
           </a:p>
           <a:p>
-            <a:pPr lvl="1" marL="864000" indent="-323640">
+            <a:pPr lvl="1" marL="864000" indent="-322560">
               <a:lnSpc>
                 <a:spcPct val="100000"/>
               </a:lnSpc>
@@ -6414,13 +6717,21 @@
             </a:pPr>
             <a:r>
               <a:rPr b="0" lang="en-US" sz="2800" spc="-1" strike="noStrike">
-                <a:latin typeface="Arial"/>
+                <a:solidFill>
+                  <a:srgbClr val="000000"/>
+                </a:solidFill>
+                <a:latin typeface="Arial"/>
+                <a:ea typeface="DejaVu Sans"/>
               </a:rPr>
               <a:t> </a:t>
             </a:r>
             <a:r>
               <a:rPr b="0" lang="en-US" sz="2800" spc="-1" strike="noStrike">
-                <a:latin typeface="Arial"/>
+                <a:solidFill>
+                  <a:srgbClr val="000000"/>
+                </a:solidFill>
+                <a:latin typeface="Arial"/>
+                <a:ea typeface="DejaVu Sans"/>
               </a:rPr>
               <a:t>imap &lt;F4&gt; :!clang++ % -std=c++20 -ggdb -fsanitize=address -o %:r.out -lm&lt;cr&gt;</a:t>
             </a:r>
@@ -6429,7 +6740,7 @@
             </a:endParaRPr>
           </a:p>
           <a:p>
-            <a:pPr lvl="1" marL="864000" indent="-323640">
+            <a:pPr lvl="1" marL="864000" indent="-322560">
               <a:lnSpc>
                 <a:spcPct val="100000"/>
               </a:lnSpc>
@@ -6445,13 +6756,21 @@
             </a:pPr>
             <a:r>
               <a:rPr b="0" lang="en-US" sz="2800" spc="-1" strike="noStrike">
-                <a:latin typeface="Arial"/>
+                <a:solidFill>
+                  <a:srgbClr val="000000"/>
+                </a:solidFill>
+                <a:latin typeface="Arial"/>
+                <a:ea typeface="DejaVu Sans"/>
               </a:rPr>
               <a:t> </a:t>
             </a:r>
             <a:r>
               <a:rPr b="0" lang="en-US" sz="2800" spc="-1" strike="noStrike">
-                <a:latin typeface="Arial"/>
+                <a:solidFill>
+                  <a:srgbClr val="000000"/>
+                </a:solidFill>
+                <a:latin typeface="Arial"/>
+                <a:ea typeface="DejaVu Sans"/>
               </a:rPr>
               <a:t>imap &lt;F5&gt; :!./%:r.out&lt;cr&gt;</a:t>
             </a:r>
@@ -6460,7 +6779,7 @@
             </a:endParaRPr>
           </a:p>
           <a:p>
-            <a:pPr lvl="1" marL="864000" indent="-323640">
+            <a:pPr lvl="1" marL="864000" indent="-322560">
               <a:lnSpc>
                 <a:spcPct val="100000"/>
               </a:lnSpc>
@@ -6476,13 +6795,21 @@
             </a:pPr>
             <a:r>
               <a:rPr b="0" lang="en-US" sz="2800" spc="-1" strike="noStrike">
-                <a:latin typeface="Arial"/>
+                <a:solidFill>
+                  <a:srgbClr val="000000"/>
+                </a:solidFill>
+                <a:latin typeface="Arial"/>
+                <a:ea typeface="DejaVu Sans"/>
               </a:rPr>
               <a:t> </a:t>
             </a:r>
             <a:r>
               <a:rPr b="0" lang="en-US" sz="2800" spc="-1" strike="noStrike">
-                <a:latin typeface="Arial"/>
+                <a:solidFill>
+                  <a:srgbClr val="000000"/>
+                </a:solidFill>
+                <a:latin typeface="Arial"/>
+                <a:ea typeface="DejaVu Sans"/>
               </a:rPr>
               <a:t>map &lt;F5&gt; :!./%:r.out&lt;cr&gt;</a:t>
             </a:r>
@@ -6491,7 +6818,7 @@
             </a:endParaRPr>
           </a:p>
           <a:p>
-            <a:pPr lvl="1" marL="864000" indent="-323640">
+            <a:pPr lvl="1" marL="864000" indent="-322560">
               <a:lnSpc>
                 <a:spcPct val="100000"/>
               </a:lnSpc>
@@ -6507,7 +6834,11 @@
             </a:pPr>
             <a:r>
               <a:rPr b="0" lang="en-US" sz="2800" spc="-1" strike="noStrike">
-                <a:latin typeface="Arial"/>
+                <a:solidFill>
+                  <a:srgbClr val="000000"/>
+                </a:solidFill>
+                <a:latin typeface="Arial"/>
+                <a:ea typeface="DejaVu Sans"/>
               </a:rPr>
               <a:t> </a:t>
             </a:r>
@@ -6563,7 +6894,7 @@
         <p:spPr>
           <a:xfrm>
             <a:off x="504000" y="226080"/>
-            <a:ext cx="9071280" cy="946080"/>
+            <a:ext cx="9070200" cy="945000"/>
           </a:xfrm>
           <a:prstGeom prst="rect">
             <a:avLst/>
@@ -6591,7 +6922,11 @@
             </a:pPr>
             <a:r>
               <a:rPr b="0" lang="en-US" sz="4400" spc="-1" strike="noStrike">
-                <a:latin typeface="Arial"/>
+                <a:solidFill>
+                  <a:srgbClr val="000000"/>
+                </a:solidFill>
+                <a:latin typeface="Arial"/>
+                <a:ea typeface="DejaVu Sans"/>
               </a:rPr>
               <a:t>Debugging</a:t>
             </a:r>
@@ -6610,7 +6945,7 @@
         <p:spPr>
           <a:xfrm>
             <a:off x="504000" y="1326600"/>
-            <a:ext cx="9071280" cy="3287880"/>
+            <a:ext cx="9070200" cy="3286800"/>
           </a:xfrm>
           <a:prstGeom prst="rect">
             <a:avLst/>
@@ -6631,7 +6966,7 @@
             <a:normAutofit fontScale="85000"/>
           </a:bodyPr>
           <a:p>
-            <a:pPr marL="432000" indent="-323640">
+            <a:pPr marL="432000" indent="-322560">
               <a:lnSpc>
                 <a:spcPct val="100000"/>
               </a:lnSpc>
@@ -6647,7 +6982,11 @@
             </a:pPr>
             <a:r>
               <a:rPr b="0" lang="en-US" sz="3200" spc="-1" strike="noStrike">
-                <a:latin typeface="Arial"/>
+                <a:solidFill>
+                  <a:srgbClr val="000000"/>
+                </a:solidFill>
+                <a:latin typeface="Arial"/>
+                <a:ea typeface="DejaVu Sans"/>
               </a:rPr>
               <a:t>Rust-gdb (installed by rustup, req gdb)</a:t>
             </a:r>
@@ -6656,7 +6995,7 @@
             </a:endParaRPr>
           </a:p>
           <a:p>
-            <a:pPr marL="432000" indent="-323640">
+            <a:pPr marL="432000" indent="-322560">
               <a:lnSpc>
                 <a:spcPct val="100000"/>
               </a:lnSpc>
@@ -6672,7 +7011,11 @@
             </a:pPr>
             <a:r>
               <a:rPr b="0" lang="en-US" sz="3200" spc="-1" strike="noStrike">
-                <a:latin typeface="Arial"/>
+                <a:solidFill>
+                  <a:srgbClr val="000000"/>
+                </a:solidFill>
+                <a:latin typeface="Arial"/>
+                <a:ea typeface="DejaVu Sans"/>
               </a:rPr>
               <a:t>Pkg install gdb</a:t>
             </a:r>
@@ -6681,7 +7024,7 @@
             </a:endParaRPr>
           </a:p>
           <a:p>
-            <a:pPr marL="432000" indent="-323640">
+            <a:pPr marL="432000" indent="-322560">
               <a:lnSpc>
                 <a:spcPct val="100000"/>
               </a:lnSpc>
@@ -6697,7 +7040,11 @@
             </a:pPr>
             <a:r>
               <a:rPr b="0" lang="en-US" sz="3200" spc="-1" strike="noStrike">
-                <a:latin typeface="Arial"/>
+                <a:solidFill>
+                  <a:srgbClr val="000000"/>
+                </a:solidFill>
+                <a:latin typeface="Arial"/>
+                <a:ea typeface="DejaVu Sans"/>
               </a:rPr>
               <a:t>Gdb -tui</a:t>
             </a:r>
@@ -6706,7 +7053,7 @@
             </a:endParaRPr>
           </a:p>
           <a:p>
-            <a:pPr marL="432000" indent="-323640">
+            <a:pPr marL="432000" indent="-322560">
               <a:lnSpc>
                 <a:spcPct val="100000"/>
               </a:lnSpc>
@@ -6722,7 +7069,11 @@
             </a:pPr>
             <a:r>
               <a:rPr b="0" lang="en-US" sz="3200" spc="-1" strike="noStrike">
-                <a:latin typeface="Arial"/>
+                <a:solidFill>
+                  <a:srgbClr val="000000"/>
+                </a:solidFill>
+                <a:latin typeface="Arial"/>
+                <a:ea typeface="DejaVu Sans"/>
               </a:rPr>
               <a:t>Lldb</a:t>
             </a:r>
@@ -6731,7 +7082,7 @@
             </a:endParaRPr>
           </a:p>
           <a:p>
-            <a:pPr marL="432000" indent="-323640">
+            <a:pPr marL="432000" indent="-322560">
               <a:lnSpc>
                 <a:spcPct val="100000"/>
               </a:lnSpc>
@@ -6747,7 +7098,11 @@
             </a:pPr>
             <a:r>
               <a:rPr b="0" lang="en-US" sz="3200" spc="-1" strike="noStrike">
-                <a:latin typeface="Arial"/>
+                <a:solidFill>
+                  <a:srgbClr val="000000"/>
+                </a:solidFill>
+                <a:latin typeface="Arial"/>
+                <a:ea typeface="DejaVu Sans"/>
               </a:rPr>
               <a:t>VSCode (console cargo, rust-gdb, etc.)</a:t>
             </a:r>
@@ -6756,7 +7111,7 @@
             </a:endParaRPr>
           </a:p>
           <a:p>
-            <a:pPr lvl="1" marL="432000" indent="-216000">
+            <a:pPr lvl="1" marL="432000" indent="-214920">
               <a:lnSpc>
                 <a:spcPct val="100000"/>
               </a:lnSpc>
@@ -6772,7 +7127,11 @@
             </a:pPr>
             <a:r>
               <a:rPr b="0" lang="en-US" sz="3200" spc="-1" strike="noStrike">
-                <a:latin typeface="Arial"/>
+                <a:solidFill>
+                  <a:srgbClr val="000000"/>
+                </a:solidFill>
+                <a:latin typeface="Arial"/>
+                <a:ea typeface="DejaVu Sans"/>
               </a:rPr>
               <a:t>extensions</a:t>
             </a:r>

--- a/FreeBSD-Drop/Desktop/FreeBSD.pptx
+++ b/FreeBSD-Drop/Desktop/FreeBSD.pptx
@@ -3275,7 +3275,7 @@
         <p:spPr>
           <a:xfrm>
             <a:off x="504000" y="226080"/>
-            <a:ext cx="9070200" cy="945000"/>
+            <a:ext cx="9069840" cy="944640"/>
           </a:xfrm>
           <a:prstGeom prst="rect">
             <a:avLst/>
@@ -3326,7 +3326,7 @@
         <p:spPr>
           <a:xfrm>
             <a:off x="504000" y="1326600"/>
-            <a:ext cx="9070200" cy="3286800"/>
+            <a:ext cx="9069840" cy="3286440"/>
           </a:xfrm>
           <a:prstGeom prst="rect">
             <a:avLst/>
@@ -3454,7 +3454,7 @@
         <p:spPr>
           <a:xfrm>
             <a:off x="504000" y="226080"/>
-            <a:ext cx="9070200" cy="945000"/>
+            <a:ext cx="9069840" cy="944640"/>
           </a:xfrm>
           <a:prstGeom prst="rect">
             <a:avLst/>
@@ -3505,7 +3505,7 @@
         <p:spPr>
           <a:xfrm>
             <a:off x="504000" y="1326600"/>
-            <a:ext cx="9070200" cy="3286800"/>
+            <a:ext cx="9069840" cy="3286440"/>
           </a:xfrm>
           <a:prstGeom prst="rect">
             <a:avLst/>
@@ -3526,7 +3526,7 @@
             <a:normAutofit fontScale="57000"/>
           </a:bodyPr>
           <a:p>
-            <a:pPr marL="432000" indent="-322560">
+            <a:pPr marL="432000" indent="-322200">
               <a:lnSpc>
                 <a:spcPct val="100000"/>
               </a:lnSpc>
@@ -3556,7 +3556,7 @@
             </a:endParaRPr>
           </a:p>
           <a:p>
-            <a:pPr marL="432000" indent="-322560">
+            <a:pPr marL="432000" indent="-322200">
               <a:lnSpc>
                 <a:spcPct val="100000"/>
               </a:lnSpc>
@@ -3598,7 +3598,7 @@
             </a:endParaRPr>
           </a:p>
           <a:p>
-            <a:pPr marL="432000" indent="-322560">
+            <a:pPr marL="432000" indent="-322200">
               <a:lnSpc>
                 <a:spcPct val="100000"/>
               </a:lnSpc>
@@ -3627,7 +3627,7 @@
             </a:endParaRPr>
           </a:p>
           <a:p>
-            <a:pPr marL="432000" indent="-322560">
+            <a:pPr marL="432000" indent="-322200">
               <a:lnSpc>
                 <a:spcPct val="100000"/>
               </a:lnSpc>
@@ -3656,7 +3656,7 @@
             </a:endParaRPr>
           </a:p>
           <a:p>
-            <a:pPr lvl="1" marL="864000" indent="-322560">
+            <a:pPr lvl="1" marL="864000" indent="-322200">
               <a:lnSpc>
                 <a:spcPct val="100000"/>
               </a:lnSpc>
@@ -3695,7 +3695,7 @@
             </a:endParaRPr>
           </a:p>
           <a:p>
-            <a:pPr marL="432000" indent="-322560">
+            <a:pPr marL="432000" indent="-322200">
               <a:lnSpc>
                 <a:spcPct val="100000"/>
               </a:lnSpc>
@@ -3724,7 +3724,7 @@
             </a:endParaRPr>
           </a:p>
           <a:p>
-            <a:pPr lvl="1" marL="864000" indent="-322560">
+            <a:pPr lvl="1" marL="864000" indent="-322200">
               <a:lnSpc>
                 <a:spcPct val="100000"/>
               </a:lnSpc>
@@ -3813,7 +3813,7 @@
         <p:spPr>
           <a:xfrm>
             <a:off x="504000" y="226080"/>
-            <a:ext cx="9070200" cy="945000"/>
+            <a:ext cx="9069840" cy="944640"/>
           </a:xfrm>
           <a:prstGeom prst="rect">
             <a:avLst/>
@@ -3874,7 +3874,7 @@
         <p:spPr>
           <a:xfrm>
             <a:off x="1600200" y="1143000"/>
-            <a:ext cx="7771320" cy="4113720"/>
+            <a:ext cx="7770960" cy="4113360"/>
           </a:xfrm>
           <a:prstGeom prst="rect">
             <a:avLst/>
@@ -4021,7 +4021,7 @@
         <p:spPr>
           <a:xfrm>
             <a:off x="504000" y="226080"/>
-            <a:ext cx="9070200" cy="945000"/>
+            <a:ext cx="9069840" cy="944640"/>
           </a:xfrm>
           <a:prstGeom prst="rect">
             <a:avLst/>
@@ -4072,7 +4072,7 @@
         <p:spPr>
           <a:xfrm>
             <a:off x="504000" y="1326600"/>
-            <a:ext cx="9070200" cy="3286800"/>
+            <a:ext cx="9069840" cy="3286440"/>
           </a:xfrm>
           <a:prstGeom prst="rect">
             <a:avLst/>
@@ -4093,7 +4093,7 @@
             <a:normAutofit fontScale="70000"/>
           </a:bodyPr>
           <a:p>
-            <a:pPr marL="432000" indent="-322560">
+            <a:pPr marL="432000" indent="-322200">
               <a:lnSpc>
                 <a:spcPct val="100000"/>
               </a:lnSpc>
@@ -4122,7 +4122,7 @@
             </a:endParaRPr>
           </a:p>
           <a:p>
-            <a:pPr marL="432000" indent="-322560">
+            <a:pPr marL="432000" indent="-322200">
               <a:lnSpc>
                 <a:spcPct val="100000"/>
               </a:lnSpc>
@@ -4151,7 +4151,7 @@
             </a:endParaRPr>
           </a:p>
           <a:p>
-            <a:pPr lvl="1" marL="864000" indent="-322560">
+            <a:pPr lvl="1" marL="864000" indent="-322200">
               <a:lnSpc>
                 <a:spcPct val="100000"/>
               </a:lnSpc>
@@ -4180,7 +4180,7 @@
             </a:endParaRPr>
           </a:p>
           <a:p>
-            <a:pPr lvl="1" marL="864000" indent="-322560">
+            <a:pPr lvl="1" marL="864000" indent="-322200">
               <a:lnSpc>
                 <a:spcPct val="100000"/>
               </a:lnSpc>
@@ -4209,7 +4209,7 @@
             </a:endParaRPr>
           </a:p>
           <a:p>
-            <a:pPr marL="432000" indent="-322560">
+            <a:pPr marL="432000" indent="-322200">
               <a:lnSpc>
                 <a:spcPct val="100000"/>
               </a:lnSpc>
@@ -4238,7 +4238,7 @@
             </a:endParaRPr>
           </a:p>
           <a:p>
-            <a:pPr lvl="1" marL="864000" indent="-322560">
+            <a:pPr lvl="1" marL="864000" indent="-322200">
               <a:lnSpc>
                 <a:spcPct val="100000"/>
               </a:lnSpc>
@@ -4314,7 +4314,7 @@
         <p:spPr>
           <a:xfrm>
             <a:off x="504000" y="226080"/>
-            <a:ext cx="9070200" cy="945000"/>
+            <a:ext cx="9069840" cy="944640"/>
           </a:xfrm>
           <a:prstGeom prst="rect">
             <a:avLst/>
@@ -4365,7 +4365,7 @@
         <p:spPr>
           <a:xfrm>
             <a:off x="504000" y="1326600"/>
-            <a:ext cx="9070200" cy="3286800"/>
+            <a:ext cx="9069840" cy="3286440"/>
           </a:xfrm>
           <a:prstGeom prst="rect">
             <a:avLst/>
@@ -4386,7 +4386,7 @@
             <a:normAutofit/>
           </a:bodyPr>
           <a:p>
-            <a:pPr marL="432000" indent="-322560">
+            <a:pPr marL="432000" indent="-322200">
               <a:lnSpc>
                 <a:spcPct val="100000"/>
               </a:lnSpc>
@@ -4415,7 +4415,7 @@
             </a:endParaRPr>
           </a:p>
           <a:p>
-            <a:pPr marL="432000" indent="-322560">
+            <a:pPr marL="432000" indent="-322200">
               <a:lnSpc>
                 <a:spcPct val="100000"/>
               </a:lnSpc>
@@ -4444,7 +4444,7 @@
             </a:endParaRPr>
           </a:p>
           <a:p>
-            <a:pPr marL="432000" indent="-322560">
+            <a:pPr marL="432000" indent="-322200">
               <a:lnSpc>
                 <a:spcPct val="100000"/>
               </a:lnSpc>
@@ -4473,7 +4473,7 @@
             </a:endParaRPr>
           </a:p>
           <a:p>
-            <a:pPr marL="432000" indent="-322560">
+            <a:pPr marL="432000" indent="-322200">
               <a:lnSpc>
                 <a:spcPct val="100000"/>
               </a:lnSpc>
@@ -4549,7 +4549,7 @@
         <p:spPr>
           <a:xfrm>
             <a:off x="504000" y="226080"/>
-            <a:ext cx="9070200" cy="945000"/>
+            <a:ext cx="9069840" cy="944640"/>
           </a:xfrm>
           <a:prstGeom prst="rect">
             <a:avLst/>
@@ -4600,7 +4600,7 @@
         <p:spPr>
           <a:xfrm>
             <a:off x="504000" y="1326600"/>
-            <a:ext cx="9070200" cy="3286800"/>
+            <a:ext cx="9069840" cy="3286440"/>
           </a:xfrm>
           <a:prstGeom prst="rect">
             <a:avLst/>
@@ -4621,7 +4621,7 @@
             <a:normAutofit fontScale="31000"/>
           </a:bodyPr>
           <a:p>
-            <a:pPr marL="432000" indent="-322560">
+            <a:pPr marL="432000" indent="-322200">
               <a:lnSpc>
                 <a:spcPct val="100000"/>
               </a:lnSpc>
@@ -4650,7 +4650,7 @@
             </a:endParaRPr>
           </a:p>
           <a:p>
-            <a:pPr marL="432000" indent="-322560">
+            <a:pPr marL="432000" indent="-322200">
               <a:lnSpc>
                 <a:spcPct val="100000"/>
               </a:lnSpc>
@@ -4679,7 +4679,7 @@
             </a:endParaRPr>
           </a:p>
           <a:p>
-            <a:pPr lvl="1" marL="864000" indent="-322560">
+            <a:pPr lvl="1" marL="864000" indent="-322200">
               <a:lnSpc>
                 <a:spcPct val="100000"/>
               </a:lnSpc>
@@ -4708,7 +4708,7 @@
             </a:endParaRPr>
           </a:p>
           <a:p>
-            <a:pPr lvl="1" marL="864000" indent="-322560">
+            <a:pPr lvl="1" marL="864000" indent="-322200">
               <a:lnSpc>
                 <a:spcPct val="100000"/>
               </a:lnSpc>
@@ -4767,7 +4767,7 @@
             </a:endParaRPr>
           </a:p>
           <a:p>
-            <a:pPr marL="432000" indent="-322560">
+            <a:pPr marL="432000" indent="-322200">
               <a:lnSpc>
                 <a:spcPct val="100000"/>
               </a:lnSpc>
@@ -4796,7 +4796,7 @@
             </a:endParaRPr>
           </a:p>
           <a:p>
-            <a:pPr lvl="1" marL="864000" indent="-322560">
+            <a:pPr lvl="1" marL="864000" indent="-322200">
               <a:lnSpc>
                 <a:spcPct val="100000"/>
               </a:lnSpc>
@@ -4825,7 +4825,7 @@
             </a:endParaRPr>
           </a:p>
           <a:p>
-            <a:pPr lvl="1" marL="864000" indent="-322560">
+            <a:pPr lvl="1" marL="864000" indent="-322200">
               <a:lnSpc>
                 <a:spcPct val="100000"/>
               </a:lnSpc>
@@ -4854,7 +4854,7 @@
             </a:endParaRPr>
           </a:p>
           <a:p>
-            <a:pPr lvl="1" marL="864000" indent="-322560">
+            <a:pPr lvl="1" marL="864000" indent="-322200">
               <a:lnSpc>
                 <a:spcPct val="100000"/>
               </a:lnSpc>
@@ -4883,7 +4883,7 @@
             </a:endParaRPr>
           </a:p>
           <a:p>
-            <a:pPr lvl="1" marL="864000" indent="-322560">
+            <a:pPr lvl="1" marL="864000" indent="-322200">
               <a:lnSpc>
                 <a:spcPct val="100000"/>
               </a:lnSpc>
@@ -4972,7 +4972,7 @@
         <p:spPr>
           <a:xfrm>
             <a:off x="504000" y="226080"/>
-            <a:ext cx="9070200" cy="945000"/>
+            <a:ext cx="9069840" cy="944640"/>
           </a:xfrm>
           <a:prstGeom prst="rect">
             <a:avLst/>
@@ -5023,7 +5023,7 @@
         <p:spPr>
           <a:xfrm>
             <a:off x="504000" y="1326600"/>
-            <a:ext cx="9070200" cy="3286800"/>
+            <a:ext cx="9069840" cy="3286440"/>
           </a:xfrm>
           <a:prstGeom prst="rect">
             <a:avLst/>
@@ -5044,7 +5044,7 @@
             <a:normAutofit fontScale="49000"/>
           </a:bodyPr>
           <a:p>
-            <a:pPr marL="432000" indent="-322560">
+            <a:pPr marL="432000" indent="-322200">
               <a:lnSpc>
                 <a:spcPct val="100000"/>
               </a:lnSpc>
@@ -5073,7 +5073,7 @@
             </a:endParaRPr>
           </a:p>
           <a:p>
-            <a:pPr lvl="1" marL="864000" indent="-322560">
+            <a:pPr lvl="1" marL="864000" indent="-322200">
               <a:lnSpc>
                 <a:spcPct val="100000"/>
               </a:lnSpc>
@@ -5102,7 +5102,7 @@
             </a:endParaRPr>
           </a:p>
           <a:p>
-            <a:pPr lvl="1" marL="864000" indent="-322560">
+            <a:pPr lvl="1" marL="864000" indent="-322200">
               <a:lnSpc>
                 <a:spcPct val="100000"/>
               </a:lnSpc>
@@ -5131,7 +5131,7 @@
             </a:endParaRPr>
           </a:p>
           <a:p>
-            <a:pPr lvl="1" marL="864000" indent="-322560">
+            <a:pPr lvl="1" marL="864000" indent="-322200">
               <a:lnSpc>
                 <a:spcPct val="100000"/>
               </a:lnSpc>
@@ -5160,7 +5160,7 @@
             </a:endParaRPr>
           </a:p>
           <a:p>
-            <a:pPr lvl="1" marL="864000" indent="-322560">
+            <a:pPr lvl="1" marL="864000" indent="-322200">
               <a:lnSpc>
                 <a:spcPct val="100000"/>
               </a:lnSpc>
@@ -5189,7 +5189,7 @@
             </a:endParaRPr>
           </a:p>
           <a:p>
-            <a:pPr lvl="2" marL="1296000" indent="-286560">
+            <a:pPr lvl="2" marL="1296000" indent="-286200">
               <a:lnSpc>
                 <a:spcPct val="100000"/>
               </a:lnSpc>
@@ -5218,7 +5218,7 @@
             </a:endParaRPr>
           </a:p>
           <a:p>
-            <a:pPr lvl="2" marL="1296000" indent="-286560">
+            <a:pPr lvl="2" marL="1296000" indent="-286200">
               <a:lnSpc>
                 <a:spcPct val="100000"/>
               </a:lnSpc>
@@ -5247,7 +5247,7 @@
             </a:endParaRPr>
           </a:p>
           <a:p>
-            <a:pPr marL="432000" indent="-322560">
+            <a:pPr marL="432000" indent="-322200">
               <a:lnSpc>
                 <a:spcPct val="100000"/>
               </a:lnSpc>
@@ -5276,7 +5276,7 @@
             </a:endParaRPr>
           </a:p>
           <a:p>
-            <a:pPr lvl="1" marL="864000" indent="-322560">
+            <a:pPr lvl="1" marL="864000" indent="-322200">
               <a:lnSpc>
                 <a:spcPct val="100000"/>
               </a:lnSpc>
@@ -5305,7 +5305,7 @@
             </a:endParaRPr>
           </a:p>
           <a:p>
-            <a:pPr lvl="1" marL="864000" indent="-322560">
+            <a:pPr lvl="1" marL="864000" indent="-322200">
               <a:lnSpc>
                 <a:spcPct val="100000"/>
               </a:lnSpc>
@@ -5334,19 +5334,13 @@
             </a:endParaRPr>
           </a:p>
           <a:p>
-            <a:pPr marL="432000" indent="-322560">
+            <a:pPr>
               <a:lnSpc>
                 <a:spcPct val="100000"/>
               </a:lnSpc>
               <a:spcBef>
                 <a:spcPts val="1414"/>
               </a:spcBef>
-              <a:buClr>
-                <a:srgbClr val="ffffff"/>
-              </a:buClr>
-              <a:buSzPct val="45000"/>
-              <a:buFont typeface="Wingdings" charset="2"/>
-              <a:buChar char=""/>
             </a:pPr>
             <a:endParaRPr b="0" lang="en-US" sz="2800" spc="-1" strike="noStrike">
               <a:latin typeface="Arial"/>
@@ -5400,7 +5394,7 @@
         <p:spPr>
           <a:xfrm>
             <a:off x="504000" y="226080"/>
-            <a:ext cx="9070200" cy="945000"/>
+            <a:ext cx="9069840" cy="944640"/>
           </a:xfrm>
           <a:prstGeom prst="rect">
             <a:avLst/>
@@ -5451,7 +5445,7 @@
         <p:spPr>
           <a:xfrm>
             <a:off x="504000" y="1326600"/>
-            <a:ext cx="9070200" cy="3286800"/>
+            <a:ext cx="9069840" cy="3286440"/>
           </a:xfrm>
           <a:prstGeom prst="rect">
             <a:avLst/>
@@ -5472,7 +5466,7 @@
             <a:normAutofit/>
           </a:bodyPr>
           <a:p>
-            <a:pPr marL="432000" indent="-322560">
+            <a:pPr marL="432000" indent="-322200">
               <a:lnSpc>
                 <a:spcPct val="100000"/>
               </a:lnSpc>
@@ -5501,7 +5495,7 @@
             </a:endParaRPr>
           </a:p>
           <a:p>
-            <a:pPr marL="432000" indent="-322560">
+            <a:pPr marL="432000" indent="-322200">
               <a:lnSpc>
                 <a:spcPct val="100000"/>
               </a:lnSpc>
@@ -5530,7 +5524,7 @@
             </a:endParaRPr>
           </a:p>
           <a:p>
-            <a:pPr marL="432000" indent="-322560">
+            <a:pPr marL="432000" indent="-322200">
               <a:lnSpc>
                 <a:spcPct val="100000"/>
               </a:lnSpc>
@@ -5559,7 +5553,7 @@
             </a:endParaRPr>
           </a:p>
           <a:p>
-            <a:pPr marL="432000" indent="-322560">
+            <a:pPr marL="432000" indent="-322200">
               <a:lnSpc>
                 <a:spcPct val="100000"/>
               </a:lnSpc>
@@ -5588,7 +5582,7 @@
             </a:endParaRPr>
           </a:p>
           <a:p>
-            <a:pPr lvl="1" marL="864000" indent="-322560">
+            <a:pPr lvl="1" marL="864000" indent="-322200">
               <a:lnSpc>
                 <a:spcPct val="100000"/>
               </a:lnSpc>
@@ -5677,7 +5671,7 @@
         <p:spPr>
           <a:xfrm>
             <a:off x="504000" y="226080"/>
-            <a:ext cx="9070200" cy="945000"/>
+            <a:ext cx="9069840" cy="944640"/>
           </a:xfrm>
           <a:prstGeom prst="rect">
             <a:avLst/>
@@ -5728,7 +5722,7 @@
         <p:spPr>
           <a:xfrm>
             <a:off x="504000" y="1326600"/>
-            <a:ext cx="9070200" cy="3286800"/>
+            <a:ext cx="9069840" cy="3286440"/>
           </a:xfrm>
           <a:prstGeom prst="rect">
             <a:avLst/>
@@ -5749,7 +5743,7 @@
             <a:normAutofit fontScale="76000"/>
           </a:bodyPr>
           <a:p>
-            <a:pPr marL="432000" indent="-322560">
+            <a:pPr marL="432000" indent="-322200">
               <a:lnSpc>
                 <a:spcPct val="100000"/>
               </a:lnSpc>
@@ -5778,7 +5772,7 @@
             </a:endParaRPr>
           </a:p>
           <a:p>
-            <a:pPr lvl="1" marL="864000" indent="-322560">
+            <a:pPr lvl="1" marL="864000" indent="-322200">
               <a:lnSpc>
                 <a:spcPct val="100000"/>
               </a:lnSpc>
@@ -5807,7 +5801,7 @@
             </a:endParaRPr>
           </a:p>
           <a:p>
-            <a:pPr lvl="1" marL="864000" indent="-322560">
+            <a:pPr lvl="1" marL="864000" indent="-322200">
               <a:lnSpc>
                 <a:spcPct val="100000"/>
               </a:lnSpc>
@@ -5836,7 +5830,7 @@
             </a:endParaRPr>
           </a:p>
           <a:p>
-            <a:pPr lvl="1" marL="864000" indent="-322560">
+            <a:pPr lvl="1" marL="864000" indent="-322200">
               <a:lnSpc>
                 <a:spcPct val="100000"/>
               </a:lnSpc>
@@ -5865,7 +5859,7 @@
             </a:endParaRPr>
           </a:p>
           <a:p>
-            <a:pPr lvl="2" marL="1296000" indent="-286560">
+            <a:pPr lvl="2" marL="1296000" indent="-286200">
               <a:lnSpc>
                 <a:spcPct val="100000"/>
               </a:lnSpc>
@@ -5894,7 +5888,7 @@
             </a:endParaRPr>
           </a:p>
           <a:p>
-            <a:pPr lvl="2" marL="1296000" indent="-286560">
+            <a:pPr lvl="2" marL="1296000" indent="-286200">
               <a:lnSpc>
                 <a:spcPct val="100000"/>
               </a:lnSpc>
@@ -5923,7 +5917,7 @@
             </a:endParaRPr>
           </a:p>
           <a:p>
-            <a:pPr lvl="1" marL="864000" indent="-322560">
+            <a:pPr lvl="1" marL="864000" indent="-322200">
               <a:lnSpc>
                 <a:spcPct val="100000"/>
               </a:lnSpc>
@@ -6012,7 +6006,7 @@
         <p:spPr>
           <a:xfrm>
             <a:off x="504000" y="226080"/>
-            <a:ext cx="9070200" cy="945000"/>
+            <a:ext cx="9069840" cy="944640"/>
           </a:xfrm>
           <a:prstGeom prst="rect">
             <a:avLst/>
@@ -6063,7 +6057,7 @@
         <p:spPr>
           <a:xfrm>
             <a:off x="504000" y="1326600"/>
-            <a:ext cx="9070200" cy="3286800"/>
+            <a:ext cx="9069840" cy="3286440"/>
           </a:xfrm>
           <a:prstGeom prst="rect">
             <a:avLst/>
@@ -6084,7 +6078,7 @@
             <a:normAutofit fontScale="65000"/>
           </a:bodyPr>
           <a:p>
-            <a:pPr marL="432000" indent="-322560">
+            <a:pPr marL="432000" indent="-322200">
               <a:lnSpc>
                 <a:spcPct val="100000"/>
               </a:lnSpc>
@@ -6113,7 +6107,7 @@
             </a:endParaRPr>
           </a:p>
           <a:p>
-            <a:pPr lvl="1" marL="864000" indent="-322560">
+            <a:pPr lvl="1" marL="864000" indent="-322200">
               <a:lnSpc>
                 <a:spcPct val="100000"/>
               </a:lnSpc>
@@ -6142,7 +6136,7 @@
             </a:endParaRPr>
           </a:p>
           <a:p>
-            <a:pPr lvl="1" marL="864000" indent="-322560">
+            <a:pPr lvl="1" marL="864000" indent="-322200">
               <a:lnSpc>
                 <a:spcPct val="100000"/>
               </a:lnSpc>
@@ -6171,7 +6165,7 @@
             </a:endParaRPr>
           </a:p>
           <a:p>
-            <a:pPr lvl="1" marL="864000" indent="-322560">
+            <a:pPr lvl="1" marL="864000" indent="-322200">
               <a:lnSpc>
                 <a:spcPct val="100000"/>
               </a:lnSpc>
@@ -6200,7 +6194,7 @@
             </a:endParaRPr>
           </a:p>
           <a:p>
-            <a:pPr lvl="2" marL="1296000" indent="-286560">
+            <a:pPr lvl="2" marL="1296000" indent="-286200">
               <a:lnSpc>
                 <a:spcPct val="100000"/>
               </a:lnSpc>
@@ -6229,7 +6223,7 @@
             </a:endParaRPr>
           </a:p>
           <a:p>
-            <a:pPr lvl="1" marL="864000" indent="-322560">
+            <a:pPr lvl="1" marL="864000" indent="-322200">
               <a:lnSpc>
                 <a:spcPct val="100000"/>
               </a:lnSpc>
@@ -6258,7 +6252,7 @@
             </a:endParaRPr>
           </a:p>
           <a:p>
-            <a:pPr lvl="1" marL="864000" indent="-322560">
+            <a:pPr lvl="1" marL="864000" indent="-322200">
               <a:lnSpc>
                 <a:spcPct val="100000"/>
               </a:lnSpc>
@@ -6334,7 +6328,7 @@
         <p:spPr>
           <a:xfrm>
             <a:off x="504000" y="226080"/>
-            <a:ext cx="9070200" cy="945000"/>
+            <a:ext cx="9069840" cy="944640"/>
           </a:xfrm>
           <a:prstGeom prst="rect">
             <a:avLst/>
@@ -6385,7 +6379,7 @@
         <p:spPr>
           <a:xfrm>
             <a:off x="504000" y="1326600"/>
-            <a:ext cx="9070200" cy="3286800"/>
+            <a:ext cx="9069840" cy="3286440"/>
           </a:xfrm>
           <a:prstGeom prst="rect">
             <a:avLst/>
@@ -6429,7 +6423,7 @@
             </a:endParaRPr>
           </a:p>
           <a:p>
-            <a:pPr marL="432000" indent="-322560">
+            <a:pPr marL="432000" indent="-322200">
               <a:lnSpc>
                 <a:spcPct val="100000"/>
               </a:lnSpc>
@@ -6458,7 +6452,7 @@
             </a:endParaRPr>
           </a:p>
           <a:p>
-            <a:pPr lvl="1" marL="864000" indent="-322560">
+            <a:pPr lvl="1" marL="864000" indent="-322200">
               <a:lnSpc>
                 <a:spcPct val="100000"/>
               </a:lnSpc>
@@ -6487,7 +6481,7 @@
             </a:endParaRPr>
           </a:p>
           <a:p>
-            <a:pPr marL="432000" indent="-322560">
+            <a:pPr marL="432000" indent="-322200">
               <a:lnSpc>
                 <a:spcPct val="100000"/>
               </a:lnSpc>
@@ -6516,7 +6510,7 @@
             </a:endParaRPr>
           </a:p>
           <a:p>
-            <a:pPr lvl="1" marL="864000" indent="-322560">
+            <a:pPr lvl="1" marL="864000" indent="-322200">
               <a:lnSpc>
                 <a:spcPct val="100000"/>
               </a:lnSpc>
@@ -6545,7 +6539,7 @@
             </a:endParaRPr>
           </a:p>
           <a:p>
-            <a:pPr lvl="1" marL="864000" indent="-322560">
+            <a:pPr lvl="1" marL="864000" indent="-322200">
               <a:lnSpc>
                 <a:spcPct val="100000"/>
               </a:lnSpc>
@@ -6584,7 +6578,7 @@
             </a:endParaRPr>
           </a:p>
           <a:p>
-            <a:pPr lvl="1" marL="864000" indent="-322560">
+            <a:pPr lvl="1" marL="864000" indent="-322200">
               <a:lnSpc>
                 <a:spcPct val="100000"/>
               </a:lnSpc>
@@ -6623,7 +6617,7 @@
             </a:endParaRPr>
           </a:p>
           <a:p>
-            <a:pPr lvl="1" marL="864000" indent="-322560">
+            <a:pPr lvl="1" marL="864000" indent="-322200">
               <a:lnSpc>
                 <a:spcPct val="100000"/>
               </a:lnSpc>
@@ -6662,7 +6656,7 @@
             </a:endParaRPr>
           </a:p>
           <a:p>
-            <a:pPr lvl="1" marL="864000" indent="-322560">
+            <a:pPr lvl="1" marL="864000" indent="-322200">
               <a:lnSpc>
                 <a:spcPct val="100000"/>
               </a:lnSpc>
@@ -6701,7 +6695,7 @@
             </a:endParaRPr>
           </a:p>
           <a:p>
-            <a:pPr lvl="1" marL="864000" indent="-322560">
+            <a:pPr lvl="1" marL="864000" indent="-322200">
               <a:lnSpc>
                 <a:spcPct val="100000"/>
               </a:lnSpc>
@@ -6740,7 +6734,7 @@
             </a:endParaRPr>
           </a:p>
           <a:p>
-            <a:pPr lvl="1" marL="864000" indent="-322560">
+            <a:pPr lvl="1" marL="864000" indent="-322200">
               <a:lnSpc>
                 <a:spcPct val="100000"/>
               </a:lnSpc>
@@ -6779,7 +6773,7 @@
             </a:endParaRPr>
           </a:p>
           <a:p>
-            <a:pPr lvl="1" marL="864000" indent="-322560">
+            <a:pPr lvl="1" marL="864000" indent="-322200">
               <a:lnSpc>
                 <a:spcPct val="100000"/>
               </a:lnSpc>
@@ -6818,7 +6812,7 @@
             </a:endParaRPr>
           </a:p>
           <a:p>
-            <a:pPr lvl="1" marL="864000" indent="-322560">
+            <a:pPr marL="432000" indent="-322200">
               <a:lnSpc>
                 <a:spcPct val="100000"/>
               </a:lnSpc>
@@ -6828,9 +6822,9 @@
               <a:buClr>
                 <a:srgbClr val="ffffff"/>
               </a:buClr>
-              <a:buSzPct val="75000"/>
-              <a:buFont typeface="Symbol"/>
-              <a:buChar char=""/>
+              <a:buSzPct val="45000"/>
+              <a:buFont typeface="Wingdings" charset="2"/>
+              <a:buChar char=""/>
             </a:pPr>
             <a:r>
               <a:rPr b="0" lang="en-US" sz="2800" spc="-1" strike="noStrike">
@@ -6840,7 +6834,7 @@
                 <a:latin typeface="Arial"/>
                 <a:ea typeface="DejaVu Sans"/>
               </a:rPr>
-              <a:t> </a:t>
+              <a:t>VSCode install C/C++ Clang Command Adapter</a:t>
             </a:r>
             <a:endParaRPr b="0" lang="en-US" sz="2800" spc="-1" strike="noStrike">
               <a:latin typeface="Arial"/>
@@ -6894,7 +6888,7 @@
         <p:spPr>
           <a:xfrm>
             <a:off x="504000" y="226080"/>
-            <a:ext cx="9070200" cy="945000"/>
+            <a:ext cx="9069840" cy="944640"/>
           </a:xfrm>
           <a:prstGeom prst="rect">
             <a:avLst/>
@@ -6945,7 +6939,7 @@
         <p:spPr>
           <a:xfrm>
             <a:off x="504000" y="1326600"/>
-            <a:ext cx="9070200" cy="3286800"/>
+            <a:ext cx="9069840" cy="3286440"/>
           </a:xfrm>
           <a:prstGeom prst="rect">
             <a:avLst/>
@@ -6966,7 +6960,7 @@
             <a:normAutofit fontScale="85000"/>
           </a:bodyPr>
           <a:p>
-            <a:pPr marL="432000" indent="-322560">
+            <a:pPr marL="432000" indent="-322200">
               <a:lnSpc>
                 <a:spcPct val="100000"/>
               </a:lnSpc>
@@ -6995,7 +6989,7 @@
             </a:endParaRPr>
           </a:p>
           <a:p>
-            <a:pPr marL="432000" indent="-322560">
+            <a:pPr marL="432000" indent="-322200">
               <a:lnSpc>
                 <a:spcPct val="100000"/>
               </a:lnSpc>
@@ -7024,7 +7018,7 @@
             </a:endParaRPr>
           </a:p>
           <a:p>
-            <a:pPr marL="432000" indent="-322560">
+            <a:pPr marL="432000" indent="-322200">
               <a:lnSpc>
                 <a:spcPct val="100000"/>
               </a:lnSpc>
@@ -7053,7 +7047,7 @@
             </a:endParaRPr>
           </a:p>
           <a:p>
-            <a:pPr marL="432000" indent="-322560">
+            <a:pPr marL="432000" indent="-322200">
               <a:lnSpc>
                 <a:spcPct val="100000"/>
               </a:lnSpc>
@@ -7082,7 +7076,7 @@
             </a:endParaRPr>
           </a:p>
           <a:p>
-            <a:pPr marL="432000" indent="-322560">
+            <a:pPr marL="432000" indent="-322200">
               <a:lnSpc>
                 <a:spcPct val="100000"/>
               </a:lnSpc>
@@ -7111,7 +7105,7 @@
             </a:endParaRPr>
           </a:p>
           <a:p>
-            <a:pPr lvl="1" marL="432000" indent="-214920">
+            <a:pPr lvl="1" marL="432000" indent="-214560">
               <a:lnSpc>
                 <a:spcPct val="100000"/>
               </a:lnSpc>

--- a/FreeBSD-Drop/Desktop/FreeBSD.pptx
+++ b/FreeBSD-Drop/Desktop/FreeBSD.pptx
@@ -3275,7 +3275,7 @@
         <p:spPr>
           <a:xfrm>
             <a:off x="504000" y="226080"/>
-            <a:ext cx="9069840" cy="944640"/>
+            <a:ext cx="9069480" cy="944280"/>
           </a:xfrm>
           <a:prstGeom prst="rect">
             <a:avLst/>
@@ -3326,7 +3326,7 @@
         <p:spPr>
           <a:xfrm>
             <a:off x="504000" y="1326600"/>
-            <a:ext cx="9069840" cy="3286440"/>
+            <a:ext cx="9069480" cy="3286080"/>
           </a:xfrm>
           <a:prstGeom prst="rect">
             <a:avLst/>
@@ -3454,7 +3454,7 @@
         <p:spPr>
           <a:xfrm>
             <a:off x="504000" y="226080"/>
-            <a:ext cx="9069840" cy="944640"/>
+            <a:ext cx="9069480" cy="944280"/>
           </a:xfrm>
           <a:prstGeom prst="rect">
             <a:avLst/>
@@ -3505,7 +3505,7 @@
         <p:spPr>
           <a:xfrm>
             <a:off x="504000" y="1326600"/>
-            <a:ext cx="9069840" cy="3286440"/>
+            <a:ext cx="9069480" cy="3286080"/>
           </a:xfrm>
           <a:prstGeom prst="rect">
             <a:avLst/>
@@ -3526,7 +3526,7 @@
             <a:normAutofit fontScale="57000"/>
           </a:bodyPr>
           <a:p>
-            <a:pPr marL="432000" indent="-322200">
+            <a:pPr marL="432000" indent="-321840">
               <a:lnSpc>
                 <a:spcPct val="100000"/>
               </a:lnSpc>
@@ -3556,7 +3556,7 @@
             </a:endParaRPr>
           </a:p>
           <a:p>
-            <a:pPr marL="432000" indent="-322200">
+            <a:pPr marL="432000" indent="-321840">
               <a:lnSpc>
                 <a:spcPct val="100000"/>
               </a:lnSpc>
@@ -3598,7 +3598,7 @@
             </a:endParaRPr>
           </a:p>
           <a:p>
-            <a:pPr marL="432000" indent="-322200">
+            <a:pPr marL="432000" indent="-321840">
               <a:lnSpc>
                 <a:spcPct val="100000"/>
               </a:lnSpc>
@@ -3627,7 +3627,7 @@
             </a:endParaRPr>
           </a:p>
           <a:p>
-            <a:pPr marL="432000" indent="-322200">
+            <a:pPr marL="432000" indent="-321840">
               <a:lnSpc>
                 <a:spcPct val="100000"/>
               </a:lnSpc>
@@ -3656,7 +3656,7 @@
             </a:endParaRPr>
           </a:p>
           <a:p>
-            <a:pPr lvl="1" marL="864000" indent="-322200">
+            <a:pPr lvl="1" marL="864000" indent="-321840">
               <a:lnSpc>
                 <a:spcPct val="100000"/>
               </a:lnSpc>
@@ -3695,7 +3695,7 @@
             </a:endParaRPr>
           </a:p>
           <a:p>
-            <a:pPr marL="432000" indent="-322200">
+            <a:pPr marL="432000" indent="-321840">
               <a:lnSpc>
                 <a:spcPct val="100000"/>
               </a:lnSpc>
@@ -3724,7 +3724,7 @@
             </a:endParaRPr>
           </a:p>
           <a:p>
-            <a:pPr lvl="1" marL="864000" indent="-322200">
+            <a:pPr lvl="1" marL="864000" indent="-321840">
               <a:lnSpc>
                 <a:spcPct val="100000"/>
               </a:lnSpc>
@@ -3813,7 +3813,7 @@
         <p:spPr>
           <a:xfrm>
             <a:off x="504000" y="226080"/>
-            <a:ext cx="9069840" cy="944640"/>
+            <a:ext cx="9069480" cy="944280"/>
           </a:xfrm>
           <a:prstGeom prst="rect">
             <a:avLst/>
@@ -3874,7 +3874,7 @@
         <p:spPr>
           <a:xfrm>
             <a:off x="1600200" y="1143000"/>
-            <a:ext cx="7770960" cy="4113360"/>
+            <a:ext cx="7770600" cy="4113000"/>
           </a:xfrm>
           <a:prstGeom prst="rect">
             <a:avLst/>
@@ -4021,7 +4021,7 @@
         <p:spPr>
           <a:xfrm>
             <a:off x="504000" y="226080"/>
-            <a:ext cx="9069840" cy="944640"/>
+            <a:ext cx="9069480" cy="944280"/>
           </a:xfrm>
           <a:prstGeom prst="rect">
             <a:avLst/>
@@ -4072,7 +4072,7 @@
         <p:spPr>
           <a:xfrm>
             <a:off x="504000" y="1326600"/>
-            <a:ext cx="9069840" cy="3286440"/>
+            <a:ext cx="9069480" cy="3286080"/>
           </a:xfrm>
           <a:prstGeom prst="rect">
             <a:avLst/>
@@ -4090,10 +4090,10 @@
         </p:style>
         <p:txBody>
           <a:bodyPr lIns="0" rIns="0" tIns="0" bIns="0">
-            <a:normAutofit fontScale="70000"/>
-          </a:bodyPr>
-          <a:p>
-            <a:pPr marL="432000" indent="-322200">
+            <a:normAutofit/>
+          </a:bodyPr>
+          <a:p>
+            <a:pPr marL="432000" indent="-321840">
               <a:lnSpc>
                 <a:spcPct val="100000"/>
               </a:lnSpc>
@@ -4122,7 +4122,7 @@
             </a:endParaRPr>
           </a:p>
           <a:p>
-            <a:pPr marL="432000" indent="-322200">
+            <a:pPr marL="432000" indent="-321840">
               <a:lnSpc>
                 <a:spcPct val="100000"/>
               </a:lnSpc>
@@ -4151,19 +4151,13 @@
             </a:endParaRPr>
           </a:p>
           <a:p>
-            <a:pPr lvl="1" marL="864000" indent="-322200">
+            <a:pPr>
               <a:lnSpc>
                 <a:spcPct val="100000"/>
               </a:lnSpc>
               <a:spcBef>
                 <a:spcPts val="1134"/>
               </a:spcBef>
-              <a:buClr>
-                <a:srgbClr val="ffffff"/>
-              </a:buClr>
-              <a:buSzPct val="75000"/>
-              <a:buFont typeface="Symbol"/>
-              <a:buChar char=""/>
             </a:pPr>
             <a:r>
               <a:rPr b="0" lang="en-US" sz="2800" spc="-1" strike="noStrike">
@@ -4173,43 +4167,14 @@
                 <a:latin typeface="Arial"/>
                 <a:ea typeface="DejaVu Sans"/>
               </a:rPr>
-              <a:t>Give tour</a:t>
+              <a:t>https://github.com/stevemac321/snippets/blob/master/FreeBSD-Drop/Desktop/FreeBSD.pptx</a:t>
             </a:r>
             <a:endParaRPr b="0" lang="en-US" sz="2800" spc="-1" strike="noStrike">
               <a:latin typeface="Arial"/>
             </a:endParaRPr>
           </a:p>
           <a:p>
-            <a:pPr lvl="1" marL="864000" indent="-322200">
-              <a:lnSpc>
-                <a:spcPct val="100000"/>
-              </a:lnSpc>
-              <a:spcBef>
-                <a:spcPts val="1134"/>
-              </a:spcBef>
-              <a:buClr>
-                <a:srgbClr val="ffffff"/>
-              </a:buClr>
-              <a:buSzPct val="75000"/>
-              <a:buFont typeface="Symbol"/>
-              <a:buChar char=""/>
-            </a:pPr>
-            <a:r>
-              <a:rPr b="0" lang="en-US" sz="2800" spc="-1" strike="noStrike">
-                <a:solidFill>
-                  <a:srgbClr val="000000"/>
-                </a:solidFill>
-                <a:latin typeface="Arial"/>
-                <a:ea typeface="DejaVu Sans"/>
-              </a:rPr>
-              <a:t>Other videos, jails, ARM asm sort, microcontroller, google test</a:t>
-            </a:r>
-            <a:endParaRPr b="0" lang="en-US" sz="2800" spc="-1" strike="noStrike">
-              <a:latin typeface="Arial"/>
-            </a:endParaRPr>
-          </a:p>
-          <a:p>
-            <a:pPr marL="432000" indent="-322200">
+            <a:pPr marL="432000" indent="-321840">
               <a:lnSpc>
                 <a:spcPct val="100000"/>
               </a:lnSpc>
@@ -4231,38 +4196,9 @@
                 <a:latin typeface="Arial"/>
                 <a:ea typeface="DejaVu Sans"/>
               </a:rPr>
-              <a:t>Ssh and rsync without password:</a:t>
-            </a:r>
-            <a:endParaRPr b="0" lang="en-US" sz="3200" spc="-1" strike="noStrike">
-              <a:latin typeface="Arial"/>
-            </a:endParaRPr>
-          </a:p>
-          <a:p>
-            <a:pPr lvl="1" marL="864000" indent="-322200">
-              <a:lnSpc>
-                <a:spcPct val="100000"/>
-              </a:lnSpc>
-              <a:spcBef>
-                <a:spcPts val="1134"/>
-              </a:spcBef>
-              <a:buClr>
-                <a:srgbClr val="ffffff"/>
-              </a:buClr>
-              <a:buSzPct val="75000"/>
-              <a:buFont typeface="Symbol"/>
-              <a:buChar char=""/>
-            </a:pPr>
-            <a:r>
-              <a:rPr b="0" lang="en-US" sz="2800" spc="-1" strike="noStrike">
-                <a:solidFill>
-                  <a:srgbClr val="000000"/>
-                </a:solidFill>
-                <a:latin typeface="Arial"/>
-                <a:ea typeface="DejaVu Sans"/>
-              </a:rPr>
-              <a:t>https://lists.freebsd.org/pipermail/freebsd-questions/2003-March/000108.html</a:t>
-            </a:r>
-            <a:endParaRPr b="0" lang="en-US" sz="2800" spc="-1" strike="noStrike">
+              <a:t>Give tour of github</a:t>
+            </a:r>
+            <a:endParaRPr b="0" lang="en-US" sz="3200" spc="-1" strike="noStrike">
               <a:latin typeface="Arial"/>
             </a:endParaRPr>
           </a:p>
@@ -4314,7 +4250,7 @@
         <p:spPr>
           <a:xfrm>
             <a:off x="504000" y="226080"/>
-            <a:ext cx="9069840" cy="944640"/>
+            <a:ext cx="9069480" cy="944280"/>
           </a:xfrm>
           <a:prstGeom prst="rect">
             <a:avLst/>
@@ -4365,7 +4301,7 @@
         <p:spPr>
           <a:xfrm>
             <a:off x="504000" y="1326600"/>
-            <a:ext cx="9069840" cy="3286440"/>
+            <a:ext cx="9069480" cy="3286080"/>
           </a:xfrm>
           <a:prstGeom prst="rect">
             <a:avLst/>
@@ -4386,7 +4322,7 @@
             <a:normAutofit/>
           </a:bodyPr>
           <a:p>
-            <a:pPr marL="432000" indent="-322200">
+            <a:pPr marL="432000" indent="-321840">
               <a:lnSpc>
                 <a:spcPct val="100000"/>
               </a:lnSpc>
@@ -4415,7 +4351,7 @@
             </a:endParaRPr>
           </a:p>
           <a:p>
-            <a:pPr marL="432000" indent="-322200">
+            <a:pPr marL="432000" indent="-321840">
               <a:lnSpc>
                 <a:spcPct val="100000"/>
               </a:lnSpc>
@@ -4444,7 +4380,7 @@
             </a:endParaRPr>
           </a:p>
           <a:p>
-            <a:pPr marL="432000" indent="-322200">
+            <a:pPr marL="432000" indent="-321840">
               <a:lnSpc>
                 <a:spcPct val="100000"/>
               </a:lnSpc>
@@ -4473,7 +4409,7 @@
             </a:endParaRPr>
           </a:p>
           <a:p>
-            <a:pPr marL="432000" indent="-322200">
+            <a:pPr marL="432000" indent="-321840">
               <a:lnSpc>
                 <a:spcPct val="100000"/>
               </a:lnSpc>
@@ -4549,7 +4485,7 @@
         <p:spPr>
           <a:xfrm>
             <a:off x="504000" y="226080"/>
-            <a:ext cx="9069840" cy="944640"/>
+            <a:ext cx="9069480" cy="944280"/>
           </a:xfrm>
           <a:prstGeom prst="rect">
             <a:avLst/>
@@ -4600,7 +4536,7 @@
         <p:spPr>
           <a:xfrm>
             <a:off x="504000" y="1326600"/>
-            <a:ext cx="9069840" cy="3286440"/>
+            <a:ext cx="9069480" cy="3286080"/>
           </a:xfrm>
           <a:prstGeom prst="rect">
             <a:avLst/>
@@ -4621,7 +4557,7 @@
             <a:normAutofit fontScale="31000"/>
           </a:bodyPr>
           <a:p>
-            <a:pPr marL="432000" indent="-322200">
+            <a:pPr marL="432000" indent="-321840">
               <a:lnSpc>
                 <a:spcPct val="100000"/>
               </a:lnSpc>
@@ -4650,7 +4586,7 @@
             </a:endParaRPr>
           </a:p>
           <a:p>
-            <a:pPr marL="432000" indent="-322200">
+            <a:pPr marL="432000" indent="-321840">
               <a:lnSpc>
                 <a:spcPct val="100000"/>
               </a:lnSpc>
@@ -4679,7 +4615,7 @@
             </a:endParaRPr>
           </a:p>
           <a:p>
-            <a:pPr lvl="1" marL="864000" indent="-322200">
+            <a:pPr lvl="1" marL="864000" indent="-321840">
               <a:lnSpc>
                 <a:spcPct val="100000"/>
               </a:lnSpc>
@@ -4708,7 +4644,7 @@
             </a:endParaRPr>
           </a:p>
           <a:p>
-            <a:pPr lvl="1" marL="864000" indent="-322200">
+            <a:pPr lvl="1" marL="864000" indent="-321840">
               <a:lnSpc>
                 <a:spcPct val="100000"/>
               </a:lnSpc>
@@ -4767,7 +4703,7 @@
             </a:endParaRPr>
           </a:p>
           <a:p>
-            <a:pPr marL="432000" indent="-322200">
+            <a:pPr marL="432000" indent="-321840">
               <a:lnSpc>
                 <a:spcPct val="100000"/>
               </a:lnSpc>
@@ -4796,7 +4732,7 @@
             </a:endParaRPr>
           </a:p>
           <a:p>
-            <a:pPr lvl="1" marL="864000" indent="-322200">
+            <a:pPr lvl="1" marL="864000" indent="-321840">
               <a:lnSpc>
                 <a:spcPct val="100000"/>
               </a:lnSpc>
@@ -4825,7 +4761,7 @@
             </a:endParaRPr>
           </a:p>
           <a:p>
-            <a:pPr lvl="1" marL="864000" indent="-322200">
+            <a:pPr lvl="1" marL="864000" indent="-321840">
               <a:lnSpc>
                 <a:spcPct val="100000"/>
               </a:lnSpc>
@@ -4854,7 +4790,7 @@
             </a:endParaRPr>
           </a:p>
           <a:p>
-            <a:pPr lvl="1" marL="864000" indent="-322200">
+            <a:pPr lvl="1" marL="864000" indent="-321840">
               <a:lnSpc>
                 <a:spcPct val="100000"/>
               </a:lnSpc>
@@ -4883,7 +4819,7 @@
             </a:endParaRPr>
           </a:p>
           <a:p>
-            <a:pPr lvl="1" marL="864000" indent="-322200">
+            <a:pPr lvl="1" marL="864000" indent="-321840">
               <a:lnSpc>
                 <a:spcPct val="100000"/>
               </a:lnSpc>
@@ -4972,7 +4908,7 @@
         <p:spPr>
           <a:xfrm>
             <a:off x="504000" y="226080"/>
-            <a:ext cx="9069840" cy="944640"/>
+            <a:ext cx="9069480" cy="944280"/>
           </a:xfrm>
           <a:prstGeom prst="rect">
             <a:avLst/>
@@ -5023,7 +4959,7 @@
         <p:spPr>
           <a:xfrm>
             <a:off x="504000" y="1326600"/>
-            <a:ext cx="9069840" cy="3286440"/>
+            <a:ext cx="9069480" cy="3286080"/>
           </a:xfrm>
           <a:prstGeom prst="rect">
             <a:avLst/>
@@ -5044,7 +4980,7 @@
             <a:normAutofit fontScale="49000"/>
           </a:bodyPr>
           <a:p>
-            <a:pPr marL="432000" indent="-322200">
+            <a:pPr marL="432000" indent="-321840">
               <a:lnSpc>
                 <a:spcPct val="100000"/>
               </a:lnSpc>
@@ -5073,7 +5009,7 @@
             </a:endParaRPr>
           </a:p>
           <a:p>
-            <a:pPr lvl="1" marL="864000" indent="-322200">
+            <a:pPr lvl="1" marL="864000" indent="-321840">
               <a:lnSpc>
                 <a:spcPct val="100000"/>
               </a:lnSpc>
@@ -5102,7 +5038,7 @@
             </a:endParaRPr>
           </a:p>
           <a:p>
-            <a:pPr lvl="1" marL="864000" indent="-322200">
+            <a:pPr lvl="1" marL="864000" indent="-321840">
               <a:lnSpc>
                 <a:spcPct val="100000"/>
               </a:lnSpc>
@@ -5131,7 +5067,7 @@
             </a:endParaRPr>
           </a:p>
           <a:p>
-            <a:pPr lvl="1" marL="864000" indent="-322200">
+            <a:pPr lvl="1" marL="864000" indent="-321840">
               <a:lnSpc>
                 <a:spcPct val="100000"/>
               </a:lnSpc>
@@ -5160,7 +5096,7 @@
             </a:endParaRPr>
           </a:p>
           <a:p>
-            <a:pPr lvl="1" marL="864000" indent="-322200">
+            <a:pPr lvl="1" marL="864000" indent="-321840">
               <a:lnSpc>
                 <a:spcPct val="100000"/>
               </a:lnSpc>
@@ -5189,7 +5125,7 @@
             </a:endParaRPr>
           </a:p>
           <a:p>
-            <a:pPr lvl="2" marL="1296000" indent="-286200">
+            <a:pPr lvl="2" marL="1296000" indent="-285840">
               <a:lnSpc>
                 <a:spcPct val="100000"/>
               </a:lnSpc>
@@ -5218,7 +5154,7 @@
             </a:endParaRPr>
           </a:p>
           <a:p>
-            <a:pPr lvl="2" marL="1296000" indent="-286200">
+            <a:pPr lvl="2" marL="1296000" indent="-285840">
               <a:lnSpc>
                 <a:spcPct val="100000"/>
               </a:lnSpc>
@@ -5247,7 +5183,7 @@
             </a:endParaRPr>
           </a:p>
           <a:p>
-            <a:pPr marL="432000" indent="-322200">
+            <a:pPr marL="432000" indent="-321840">
               <a:lnSpc>
                 <a:spcPct val="100000"/>
               </a:lnSpc>
@@ -5276,7 +5212,7 @@
             </a:endParaRPr>
           </a:p>
           <a:p>
-            <a:pPr lvl="1" marL="864000" indent="-322200">
+            <a:pPr lvl="1" marL="864000" indent="-321840">
               <a:lnSpc>
                 <a:spcPct val="100000"/>
               </a:lnSpc>
@@ -5305,7 +5241,7 @@
             </a:endParaRPr>
           </a:p>
           <a:p>
-            <a:pPr lvl="1" marL="864000" indent="-322200">
+            <a:pPr lvl="1" marL="864000" indent="-321840">
               <a:lnSpc>
                 <a:spcPct val="100000"/>
               </a:lnSpc>
@@ -5394,7 +5330,7 @@
         <p:spPr>
           <a:xfrm>
             <a:off x="504000" y="226080"/>
-            <a:ext cx="9069840" cy="944640"/>
+            <a:ext cx="9069480" cy="944280"/>
           </a:xfrm>
           <a:prstGeom prst="rect">
             <a:avLst/>
@@ -5445,7 +5381,7 @@
         <p:spPr>
           <a:xfrm>
             <a:off x="504000" y="1326600"/>
-            <a:ext cx="9069840" cy="3286440"/>
+            <a:ext cx="9069480" cy="3286080"/>
           </a:xfrm>
           <a:prstGeom prst="rect">
             <a:avLst/>
@@ -5466,7 +5402,7 @@
             <a:normAutofit/>
           </a:bodyPr>
           <a:p>
-            <a:pPr marL="432000" indent="-322200">
+            <a:pPr marL="432000" indent="-321840">
               <a:lnSpc>
                 <a:spcPct val="100000"/>
               </a:lnSpc>
@@ -5495,7 +5431,7 @@
             </a:endParaRPr>
           </a:p>
           <a:p>
-            <a:pPr marL="432000" indent="-322200">
+            <a:pPr marL="432000" indent="-321840">
               <a:lnSpc>
                 <a:spcPct val="100000"/>
               </a:lnSpc>
@@ -5524,7 +5460,7 @@
             </a:endParaRPr>
           </a:p>
           <a:p>
-            <a:pPr marL="432000" indent="-322200">
+            <a:pPr marL="432000" indent="-321840">
               <a:lnSpc>
                 <a:spcPct val="100000"/>
               </a:lnSpc>
@@ -5553,7 +5489,7 @@
             </a:endParaRPr>
           </a:p>
           <a:p>
-            <a:pPr marL="432000" indent="-322200">
+            <a:pPr marL="432000" indent="-321840">
               <a:lnSpc>
                 <a:spcPct val="100000"/>
               </a:lnSpc>
@@ -5582,7 +5518,7 @@
             </a:endParaRPr>
           </a:p>
           <a:p>
-            <a:pPr lvl="1" marL="864000" indent="-322200">
+            <a:pPr lvl="1" marL="864000" indent="-321840">
               <a:lnSpc>
                 <a:spcPct val="100000"/>
               </a:lnSpc>
@@ -5671,7 +5607,7 @@
         <p:spPr>
           <a:xfrm>
             <a:off x="504000" y="226080"/>
-            <a:ext cx="9069840" cy="944640"/>
+            <a:ext cx="9069480" cy="944280"/>
           </a:xfrm>
           <a:prstGeom prst="rect">
             <a:avLst/>
@@ -5722,7 +5658,7 @@
         <p:spPr>
           <a:xfrm>
             <a:off x="504000" y="1326600"/>
-            <a:ext cx="9069840" cy="3286440"/>
+            <a:ext cx="9069480" cy="3286080"/>
           </a:xfrm>
           <a:prstGeom prst="rect">
             <a:avLst/>
@@ -5743,7 +5679,7 @@
             <a:normAutofit fontScale="76000"/>
           </a:bodyPr>
           <a:p>
-            <a:pPr marL="432000" indent="-322200">
+            <a:pPr marL="432000" indent="-321840">
               <a:lnSpc>
                 <a:spcPct val="100000"/>
               </a:lnSpc>
@@ -5772,7 +5708,7 @@
             </a:endParaRPr>
           </a:p>
           <a:p>
-            <a:pPr lvl="1" marL="864000" indent="-322200">
+            <a:pPr lvl="1" marL="864000" indent="-321840">
               <a:lnSpc>
                 <a:spcPct val="100000"/>
               </a:lnSpc>
@@ -5801,7 +5737,7 @@
             </a:endParaRPr>
           </a:p>
           <a:p>
-            <a:pPr lvl="1" marL="864000" indent="-322200">
+            <a:pPr lvl="1" marL="864000" indent="-321840">
               <a:lnSpc>
                 <a:spcPct val="100000"/>
               </a:lnSpc>
@@ -5830,7 +5766,7 @@
             </a:endParaRPr>
           </a:p>
           <a:p>
-            <a:pPr lvl="1" marL="864000" indent="-322200">
+            <a:pPr lvl="1" marL="864000" indent="-321840">
               <a:lnSpc>
                 <a:spcPct val="100000"/>
               </a:lnSpc>
@@ -5859,7 +5795,7 @@
             </a:endParaRPr>
           </a:p>
           <a:p>
-            <a:pPr lvl="2" marL="1296000" indent="-286200">
+            <a:pPr lvl="2" marL="1296000" indent="-285840">
               <a:lnSpc>
                 <a:spcPct val="100000"/>
               </a:lnSpc>
@@ -5888,7 +5824,7 @@
             </a:endParaRPr>
           </a:p>
           <a:p>
-            <a:pPr lvl="2" marL="1296000" indent="-286200">
+            <a:pPr lvl="2" marL="1296000" indent="-285840">
               <a:lnSpc>
                 <a:spcPct val="100000"/>
               </a:lnSpc>
@@ -5917,7 +5853,7 @@
             </a:endParaRPr>
           </a:p>
           <a:p>
-            <a:pPr lvl="1" marL="864000" indent="-322200">
+            <a:pPr lvl="1" marL="864000" indent="-321840">
               <a:lnSpc>
                 <a:spcPct val="100000"/>
               </a:lnSpc>
@@ -6006,7 +5942,7 @@
         <p:spPr>
           <a:xfrm>
             <a:off x="504000" y="226080"/>
-            <a:ext cx="9069840" cy="944640"/>
+            <a:ext cx="9069480" cy="944280"/>
           </a:xfrm>
           <a:prstGeom prst="rect">
             <a:avLst/>
@@ -6057,7 +5993,7 @@
         <p:spPr>
           <a:xfrm>
             <a:off x="504000" y="1326600"/>
-            <a:ext cx="9069840" cy="3286440"/>
+            <a:ext cx="9069480" cy="3286080"/>
           </a:xfrm>
           <a:prstGeom prst="rect">
             <a:avLst/>
@@ -6078,7 +6014,7 @@
             <a:normAutofit fontScale="65000"/>
           </a:bodyPr>
           <a:p>
-            <a:pPr marL="432000" indent="-322200">
+            <a:pPr marL="432000" indent="-321840">
               <a:lnSpc>
                 <a:spcPct val="100000"/>
               </a:lnSpc>
@@ -6107,7 +6043,7 @@
             </a:endParaRPr>
           </a:p>
           <a:p>
-            <a:pPr lvl="1" marL="864000" indent="-322200">
+            <a:pPr lvl="1" marL="864000" indent="-321840">
               <a:lnSpc>
                 <a:spcPct val="100000"/>
               </a:lnSpc>
@@ -6136,7 +6072,7 @@
             </a:endParaRPr>
           </a:p>
           <a:p>
-            <a:pPr lvl="1" marL="864000" indent="-322200">
+            <a:pPr lvl="1" marL="864000" indent="-321840">
               <a:lnSpc>
                 <a:spcPct val="100000"/>
               </a:lnSpc>
@@ -6165,7 +6101,7 @@
             </a:endParaRPr>
           </a:p>
           <a:p>
-            <a:pPr lvl="1" marL="864000" indent="-322200">
+            <a:pPr lvl="1" marL="864000" indent="-321840">
               <a:lnSpc>
                 <a:spcPct val="100000"/>
               </a:lnSpc>
@@ -6194,7 +6130,7 @@
             </a:endParaRPr>
           </a:p>
           <a:p>
-            <a:pPr lvl="2" marL="1296000" indent="-286200">
+            <a:pPr lvl="2" marL="1296000" indent="-285840">
               <a:lnSpc>
                 <a:spcPct val="100000"/>
               </a:lnSpc>
@@ -6223,7 +6159,7 @@
             </a:endParaRPr>
           </a:p>
           <a:p>
-            <a:pPr lvl="1" marL="864000" indent="-322200">
+            <a:pPr lvl="1" marL="864000" indent="-321840">
               <a:lnSpc>
                 <a:spcPct val="100000"/>
               </a:lnSpc>
@@ -6252,7 +6188,7 @@
             </a:endParaRPr>
           </a:p>
           <a:p>
-            <a:pPr lvl="1" marL="864000" indent="-322200">
+            <a:pPr lvl="1" marL="864000" indent="-321840">
               <a:lnSpc>
                 <a:spcPct val="100000"/>
               </a:lnSpc>
@@ -6328,7 +6264,7 @@
         <p:spPr>
           <a:xfrm>
             <a:off x="504000" y="226080"/>
-            <a:ext cx="9069840" cy="944640"/>
+            <a:ext cx="9069480" cy="944280"/>
           </a:xfrm>
           <a:prstGeom prst="rect">
             <a:avLst/>
@@ -6379,7 +6315,7 @@
         <p:spPr>
           <a:xfrm>
             <a:off x="504000" y="1326600"/>
-            <a:ext cx="9069840" cy="3286440"/>
+            <a:ext cx="9069480" cy="3286080"/>
           </a:xfrm>
           <a:prstGeom prst="rect">
             <a:avLst/>
@@ -6423,7 +6359,7 @@
             </a:endParaRPr>
           </a:p>
           <a:p>
-            <a:pPr marL="432000" indent="-322200">
+            <a:pPr marL="432000" indent="-321840">
               <a:lnSpc>
                 <a:spcPct val="100000"/>
               </a:lnSpc>
@@ -6452,7 +6388,7 @@
             </a:endParaRPr>
           </a:p>
           <a:p>
-            <a:pPr lvl="1" marL="864000" indent="-322200">
+            <a:pPr lvl="1" marL="864000" indent="-321840">
               <a:lnSpc>
                 <a:spcPct val="100000"/>
               </a:lnSpc>
@@ -6481,7 +6417,7 @@
             </a:endParaRPr>
           </a:p>
           <a:p>
-            <a:pPr marL="432000" indent="-322200">
+            <a:pPr marL="432000" indent="-321840">
               <a:lnSpc>
                 <a:spcPct val="100000"/>
               </a:lnSpc>
@@ -6510,7 +6446,7 @@
             </a:endParaRPr>
           </a:p>
           <a:p>
-            <a:pPr lvl="1" marL="864000" indent="-322200">
+            <a:pPr lvl="1" marL="864000" indent="-321840">
               <a:lnSpc>
                 <a:spcPct val="100000"/>
               </a:lnSpc>
@@ -6539,7 +6475,7 @@
             </a:endParaRPr>
           </a:p>
           <a:p>
-            <a:pPr lvl="1" marL="864000" indent="-322200">
+            <a:pPr lvl="1" marL="864000" indent="-321840">
               <a:lnSpc>
                 <a:spcPct val="100000"/>
               </a:lnSpc>
@@ -6578,7 +6514,7 @@
             </a:endParaRPr>
           </a:p>
           <a:p>
-            <a:pPr lvl="1" marL="864000" indent="-322200">
+            <a:pPr lvl="1" marL="864000" indent="-321840">
               <a:lnSpc>
                 <a:spcPct val="100000"/>
               </a:lnSpc>
@@ -6617,7 +6553,7 @@
             </a:endParaRPr>
           </a:p>
           <a:p>
-            <a:pPr lvl="1" marL="864000" indent="-322200">
+            <a:pPr lvl="1" marL="864000" indent="-321840">
               <a:lnSpc>
                 <a:spcPct val="100000"/>
               </a:lnSpc>
@@ -6656,7 +6592,7 @@
             </a:endParaRPr>
           </a:p>
           <a:p>
-            <a:pPr lvl="1" marL="864000" indent="-322200">
+            <a:pPr lvl="1" marL="864000" indent="-321840">
               <a:lnSpc>
                 <a:spcPct val="100000"/>
               </a:lnSpc>
@@ -6695,7 +6631,7 @@
             </a:endParaRPr>
           </a:p>
           <a:p>
-            <a:pPr lvl="1" marL="864000" indent="-322200">
+            <a:pPr lvl="1" marL="864000" indent="-321840">
               <a:lnSpc>
                 <a:spcPct val="100000"/>
               </a:lnSpc>
@@ -6734,7 +6670,7 @@
             </a:endParaRPr>
           </a:p>
           <a:p>
-            <a:pPr lvl="1" marL="864000" indent="-322200">
+            <a:pPr lvl="1" marL="864000" indent="-321840">
               <a:lnSpc>
                 <a:spcPct val="100000"/>
               </a:lnSpc>
@@ -6773,7 +6709,7 @@
             </a:endParaRPr>
           </a:p>
           <a:p>
-            <a:pPr lvl="1" marL="864000" indent="-322200">
+            <a:pPr lvl="1" marL="864000" indent="-321840">
               <a:lnSpc>
                 <a:spcPct val="100000"/>
               </a:lnSpc>
@@ -6812,7 +6748,7 @@
             </a:endParaRPr>
           </a:p>
           <a:p>
-            <a:pPr marL="432000" indent="-322200">
+            <a:pPr marL="432000" indent="-321840">
               <a:lnSpc>
                 <a:spcPct val="100000"/>
               </a:lnSpc>
@@ -6888,7 +6824,7 @@
         <p:spPr>
           <a:xfrm>
             <a:off x="504000" y="226080"/>
-            <a:ext cx="9069840" cy="944640"/>
+            <a:ext cx="9069480" cy="944280"/>
           </a:xfrm>
           <a:prstGeom prst="rect">
             <a:avLst/>
@@ -6939,7 +6875,7 @@
         <p:spPr>
           <a:xfrm>
             <a:off x="504000" y="1326600"/>
-            <a:ext cx="9069840" cy="3286440"/>
+            <a:ext cx="9069480" cy="3286080"/>
           </a:xfrm>
           <a:prstGeom prst="rect">
             <a:avLst/>
@@ -6960,7 +6896,7 @@
             <a:normAutofit fontScale="85000"/>
           </a:bodyPr>
           <a:p>
-            <a:pPr marL="432000" indent="-322200">
+            <a:pPr marL="432000" indent="-321840">
               <a:lnSpc>
                 <a:spcPct val="100000"/>
               </a:lnSpc>
@@ -6989,7 +6925,7 @@
             </a:endParaRPr>
           </a:p>
           <a:p>
-            <a:pPr marL="432000" indent="-322200">
+            <a:pPr marL="432000" indent="-321840">
               <a:lnSpc>
                 <a:spcPct val="100000"/>
               </a:lnSpc>
@@ -7018,7 +6954,7 @@
             </a:endParaRPr>
           </a:p>
           <a:p>
-            <a:pPr marL="432000" indent="-322200">
+            <a:pPr marL="432000" indent="-321840">
               <a:lnSpc>
                 <a:spcPct val="100000"/>
               </a:lnSpc>
@@ -7047,7 +6983,7 @@
             </a:endParaRPr>
           </a:p>
           <a:p>
-            <a:pPr marL="432000" indent="-322200">
+            <a:pPr marL="432000" indent="-321840">
               <a:lnSpc>
                 <a:spcPct val="100000"/>
               </a:lnSpc>
@@ -7076,7 +7012,7 @@
             </a:endParaRPr>
           </a:p>
           <a:p>
-            <a:pPr marL="432000" indent="-322200">
+            <a:pPr marL="432000" indent="-321840">
               <a:lnSpc>
                 <a:spcPct val="100000"/>
               </a:lnSpc>
@@ -7105,7 +7041,7 @@
             </a:endParaRPr>
           </a:p>
           <a:p>
-            <a:pPr lvl="1" marL="432000" indent="-214560">
+            <a:pPr lvl="1" marL="432000" indent="-214200">
               <a:lnSpc>
                 <a:spcPct val="100000"/>
               </a:lnSpc>
